--- a/Ejercicio 1 - IIA/Ejercicio 1 IIA.pptx
+++ b/Ejercicio 1 - IIA/Ejercicio 1 IIA.pptx
@@ -5,10 +5,10 @@
     <p:sldMasterId id="2147483672" r:id="rId1"/>
   </p:sldMasterIdLst>
   <p:notesMasterIdLst>
-    <p:notesMasterId r:id="rId26"/>
+    <p:notesMasterId r:id="rId48"/>
   </p:notesMasterIdLst>
   <p:handoutMasterIdLst>
-    <p:handoutMasterId r:id="rId27"/>
+    <p:handoutMasterId r:id="rId49"/>
   </p:handoutMasterIdLst>
   <p:sldIdLst>
     <p:sldId id="256" r:id="rId2"/>
@@ -35,6 +35,28 @@
     <p:sldId id="279" r:id="rId23"/>
     <p:sldId id="271" r:id="rId24"/>
     <p:sldId id="280" r:id="rId25"/>
+    <p:sldId id="281" r:id="rId26"/>
+    <p:sldId id="282" r:id="rId27"/>
+    <p:sldId id="283" r:id="rId28"/>
+    <p:sldId id="284" r:id="rId29"/>
+    <p:sldId id="285" r:id="rId30"/>
+    <p:sldId id="286" r:id="rId31"/>
+    <p:sldId id="287" r:id="rId32"/>
+    <p:sldId id="288" r:id="rId33"/>
+    <p:sldId id="289" r:id="rId34"/>
+    <p:sldId id="290" r:id="rId35"/>
+    <p:sldId id="272" r:id="rId36"/>
+    <p:sldId id="291" r:id="rId37"/>
+    <p:sldId id="292" r:id="rId38"/>
+    <p:sldId id="293" r:id="rId39"/>
+    <p:sldId id="294" r:id="rId40"/>
+    <p:sldId id="295" r:id="rId41"/>
+    <p:sldId id="296" r:id="rId42"/>
+    <p:sldId id="297" r:id="rId43"/>
+    <p:sldId id="298" r:id="rId44"/>
+    <p:sldId id="299" r:id="rId45"/>
+    <p:sldId id="300" r:id="rId46"/>
+    <p:sldId id="301" r:id="rId47"/>
   </p:sldIdLst>
   <p:sldSz cx="12192000" cy="6858000"/>
   <p:notesSz cx="6858000" cy="9144000"/>
@@ -7312,6 +7334,750 @@
 </p:sld>
 </file>
 
+<file path=ppt/slides/slide25.xml><?xml version="1.0" encoding="utf-8"?>
+<p:sld xmlns:a="http://schemas.openxmlformats.org/drawingml/2006/main" xmlns:r="http://schemas.openxmlformats.org/officeDocument/2006/relationships" xmlns:p="http://schemas.openxmlformats.org/presentationml/2006/main">
+  <p:cSld>
+    <p:spTree>
+      <p:nvGrpSpPr>
+        <p:cNvPr id="1" name=""/>
+        <p:cNvGrpSpPr/>
+        <p:nvPr/>
+      </p:nvGrpSpPr>
+      <p:grpSpPr>
+        <a:xfrm>
+          <a:off x="0" y="0"/>
+          <a:ext cx="0" cy="0"/>
+          <a:chOff x="0" y="0"/>
+          <a:chExt cx="0" cy="0"/>
+        </a:xfrm>
+      </p:grpSpPr>
+      <p:sp>
+        <p:nvSpPr>
+          <p:cNvPr id="2" name="Título 1">
+            <a:extLst>
+              <a:ext uri="{FF2B5EF4-FFF2-40B4-BE49-F238E27FC236}">
+                <a16:creationId xmlns:a16="http://schemas.microsoft.com/office/drawing/2014/main" id="{8D692F28-0EB3-DCB5-3631-5C098A06243D}"/>
+              </a:ext>
+            </a:extLst>
+          </p:cNvPr>
+          <p:cNvSpPr>
+            <a:spLocks noGrp="1"/>
+          </p:cNvSpPr>
+          <p:nvPr>
+            <p:ph type="title"/>
+          </p:nvPr>
+        </p:nvSpPr>
+        <p:spPr/>
+        <p:txBody>
+          <a:bodyPr>
+            <a:normAutofit/>
+          </a:bodyPr>
+          <a:lstStyle/>
+          <a:p>
+            <a:r>
+              <a:rPr lang="es-ES" sz="3200" dirty="0" err="1">
+                <a:sym typeface="Wingdings" panose="05000000000000000000" pitchFamily="2" charset="2"/>
+              </a:rPr>
+              <a:t>Replicator</a:t>
+            </a:r>
+            <a:r>
+              <a:rPr lang="es-ES" sz="3200" dirty="0">
+                <a:sym typeface="Wingdings" panose="05000000000000000000" pitchFamily="2" charset="2"/>
+              </a:rPr>
+              <a:t> 2  </a:t>
+            </a:r>
+            <a:r>
+              <a:rPr lang="es-ES" sz="3200" dirty="0" err="1">
+                <a:sym typeface="Wingdings" panose="05000000000000000000" pitchFamily="2" charset="2"/>
+              </a:rPr>
+              <a:t>slimmer</a:t>
+            </a:r>
+            <a:r>
+              <a:rPr lang="es-ES" sz="3200" dirty="0">
+                <a:sym typeface="Wingdings" panose="05000000000000000000" pitchFamily="2" charset="2"/>
+              </a:rPr>
+              <a:t> 4</a:t>
+            </a:r>
+            <a:endParaRPr lang="es-ES" sz="3200" dirty="0"/>
+          </a:p>
+        </p:txBody>
+      </p:sp>
+      <p:sp>
+        <p:nvSpPr>
+          <p:cNvPr id="3" name="Marcador de texto 2">
+            <a:extLst>
+              <a:ext uri="{FF2B5EF4-FFF2-40B4-BE49-F238E27FC236}">
+                <a16:creationId xmlns:a16="http://schemas.microsoft.com/office/drawing/2014/main" id="{5B493C32-E059-9D76-B9C6-68E6600AAD06}"/>
+              </a:ext>
+            </a:extLst>
+          </p:cNvPr>
+          <p:cNvSpPr>
+            <a:spLocks noGrp="1"/>
+          </p:cNvSpPr>
+          <p:nvPr>
+            <p:ph type="body" idx="1"/>
+          </p:nvPr>
+        </p:nvSpPr>
+        <p:spPr/>
+        <p:txBody>
+          <a:bodyPr/>
+          <a:lstStyle/>
+          <a:p>
+            <a:r>
+              <a:rPr lang="es-ES" dirty="0"/>
+              <a:t>Ejemplo de mensaje</a:t>
+            </a:r>
+          </a:p>
+        </p:txBody>
+      </p:sp>
+      <p:pic>
+        <p:nvPicPr>
+          <p:cNvPr id="5" name="Imagen 4" descr="Diagrama, Esquemático&#10;&#10;Descripción generada automáticamente">
+            <a:extLst>
+              <a:ext uri="{FF2B5EF4-FFF2-40B4-BE49-F238E27FC236}">
+                <a16:creationId xmlns:a16="http://schemas.microsoft.com/office/drawing/2014/main" id="{38F597A3-D9AF-6676-1EAE-95546F8B44EC}"/>
+              </a:ext>
+            </a:extLst>
+          </p:cNvPr>
+          <p:cNvPicPr>
+            <a:picLocks noChangeAspect="1"/>
+          </p:cNvPicPr>
+          <p:nvPr/>
+        </p:nvPicPr>
+        <p:blipFill>
+          <a:blip r:embed="rId2"/>
+          <a:stretch>
+            <a:fillRect/>
+          </a:stretch>
+        </p:blipFill>
+        <p:spPr>
+          <a:xfrm>
+            <a:off x="2759243" y="629391"/>
+            <a:ext cx="5983706" cy="3101920"/>
+          </a:xfrm>
+          <a:prstGeom prst="rect">
+            <a:avLst/>
+          </a:prstGeom>
+        </p:spPr>
+      </p:pic>
+    </p:spTree>
+    <p:extLst>
+      <p:ext uri="{BB962C8B-B14F-4D97-AF65-F5344CB8AC3E}">
+        <p14:creationId xmlns:p14="http://schemas.microsoft.com/office/powerpoint/2010/main" val="3630769872"/>
+      </p:ext>
+    </p:extLst>
+  </p:cSld>
+  <p:clrMapOvr>
+    <a:masterClrMapping/>
+  </p:clrMapOvr>
+</p:sld>
+</file>
+
+<file path=ppt/slides/slide26.xml><?xml version="1.0" encoding="utf-8"?>
+<p:sld xmlns:a="http://schemas.openxmlformats.org/drawingml/2006/main" xmlns:r="http://schemas.openxmlformats.org/officeDocument/2006/relationships" xmlns:p="http://schemas.openxmlformats.org/presentationml/2006/main">
+  <p:cSld>
+    <p:spTree>
+      <p:nvGrpSpPr>
+        <p:cNvPr id="1" name=""/>
+        <p:cNvGrpSpPr/>
+        <p:nvPr/>
+      </p:nvGrpSpPr>
+      <p:grpSpPr>
+        <a:xfrm>
+          <a:off x="0" y="0"/>
+          <a:ext cx="0" cy="0"/>
+          <a:chOff x="0" y="0"/>
+          <a:chExt cx="0" cy="0"/>
+        </a:xfrm>
+      </p:grpSpPr>
+      <p:sp>
+        <p:nvSpPr>
+          <p:cNvPr id="2" name="Título 1">
+            <a:extLst>
+              <a:ext uri="{FF2B5EF4-FFF2-40B4-BE49-F238E27FC236}">
+                <a16:creationId xmlns:a16="http://schemas.microsoft.com/office/drawing/2014/main" id="{699DBA93-33D6-351E-0481-1AFB90151CC0}"/>
+              </a:ext>
+            </a:extLst>
+          </p:cNvPr>
+          <p:cNvSpPr>
+            <a:spLocks noGrp="1"/>
+          </p:cNvSpPr>
+          <p:nvPr>
+            <p:ph type="title"/>
+          </p:nvPr>
+        </p:nvSpPr>
+        <p:spPr/>
+        <p:txBody>
+          <a:bodyPr/>
+          <a:lstStyle/>
+          <a:p>
+            <a:r>
+              <a:rPr lang="es-ES" dirty="0"/>
+              <a:t>Ejemplo de mensaje</a:t>
+            </a:r>
+          </a:p>
+        </p:txBody>
+      </p:sp>
+      <p:sp>
+        <p:nvSpPr>
+          <p:cNvPr id="3" name="Marcador de contenido 2">
+            <a:extLst>
+              <a:ext uri="{FF2B5EF4-FFF2-40B4-BE49-F238E27FC236}">
+                <a16:creationId xmlns:a16="http://schemas.microsoft.com/office/drawing/2014/main" id="{6DB4D1E2-59B6-68AF-2048-74B77C976BD3}"/>
+              </a:ext>
+            </a:extLst>
+          </p:cNvPr>
+          <p:cNvSpPr>
+            <a:spLocks noGrp="1"/>
+          </p:cNvSpPr>
+          <p:nvPr>
+            <p:ph idx="1"/>
+          </p:nvPr>
+        </p:nvSpPr>
+        <p:spPr>
+          <a:xfrm>
+            <a:off x="581192" y="2180497"/>
+            <a:ext cx="11029615" cy="596260"/>
+          </a:xfrm>
+        </p:spPr>
+        <p:txBody>
+          <a:bodyPr>
+            <a:normAutofit lnSpcReduction="10000"/>
+          </a:bodyPr>
+          <a:lstStyle/>
+          <a:p>
+            <a:r>
+              <a:rPr lang="es-ES" dirty="0"/>
+              <a:t>Del </a:t>
+            </a:r>
+            <a:r>
+              <a:rPr lang="es-ES" dirty="0" err="1"/>
+              <a:t>Replicator</a:t>
+            </a:r>
+            <a:r>
+              <a:rPr lang="es-ES" dirty="0"/>
+              <a:t> 2 saldrá el siguiente mensaje hacia la entrada del </a:t>
+            </a:r>
+            <a:r>
+              <a:rPr lang="es-ES" dirty="0" err="1"/>
+              <a:t>Slimmer</a:t>
+            </a:r>
+            <a:r>
+              <a:rPr lang="es-ES" dirty="0"/>
+              <a:t> 4 en el que nos quedaríamos solo con la información del número de teléfono del alumno:</a:t>
+            </a:r>
+          </a:p>
+        </p:txBody>
+      </p:sp>
+      <p:pic>
+        <p:nvPicPr>
+          <p:cNvPr id="6" name="Imagen 5" descr="Texto&#10;&#10;Descripción generada automáticamente">
+            <a:extLst>
+              <a:ext uri="{FF2B5EF4-FFF2-40B4-BE49-F238E27FC236}">
+                <a16:creationId xmlns:a16="http://schemas.microsoft.com/office/drawing/2014/main" id="{1A8DC71B-5A52-21B3-42B4-F47F3047CECF}"/>
+              </a:ext>
+            </a:extLst>
+          </p:cNvPr>
+          <p:cNvPicPr>
+            <a:picLocks noChangeAspect="1"/>
+          </p:cNvPicPr>
+          <p:nvPr/>
+        </p:nvPicPr>
+        <p:blipFill>
+          <a:blip r:embed="rId2"/>
+          <a:stretch>
+            <a:fillRect/>
+          </a:stretch>
+        </p:blipFill>
+        <p:spPr>
+          <a:xfrm>
+            <a:off x="215831" y="3072792"/>
+            <a:ext cx="5511516" cy="1356237"/>
+          </a:xfrm>
+          <a:prstGeom prst="rect">
+            <a:avLst/>
+          </a:prstGeom>
+        </p:spPr>
+      </p:pic>
+      <p:pic>
+        <p:nvPicPr>
+          <p:cNvPr id="11" name="Imagen 10" descr="Texto&#10;&#10;Descripción generada automáticamente">
+            <a:extLst>
+              <a:ext uri="{FF2B5EF4-FFF2-40B4-BE49-F238E27FC236}">
+                <a16:creationId xmlns:a16="http://schemas.microsoft.com/office/drawing/2014/main" id="{64CA8FDC-B7EC-1EA5-E5EC-38A2D0CB3731}"/>
+              </a:ext>
+            </a:extLst>
+          </p:cNvPr>
+          <p:cNvPicPr>
+            <a:picLocks noChangeAspect="1"/>
+          </p:cNvPicPr>
+          <p:nvPr/>
+        </p:nvPicPr>
+        <p:blipFill>
+          <a:blip r:embed="rId3"/>
+          <a:stretch>
+            <a:fillRect/>
+          </a:stretch>
+        </p:blipFill>
+        <p:spPr>
+          <a:xfrm>
+            <a:off x="6095999" y="3068781"/>
+            <a:ext cx="5511516" cy="1343798"/>
+          </a:xfrm>
+          <a:prstGeom prst="rect">
+            <a:avLst/>
+          </a:prstGeom>
+        </p:spPr>
+      </p:pic>
+    </p:spTree>
+    <p:extLst>
+      <p:ext uri="{BB962C8B-B14F-4D97-AF65-F5344CB8AC3E}">
+        <p14:creationId xmlns:p14="http://schemas.microsoft.com/office/powerpoint/2010/main" val="2974065774"/>
+      </p:ext>
+    </p:extLst>
+  </p:cSld>
+  <p:clrMapOvr>
+    <a:masterClrMapping/>
+  </p:clrMapOvr>
+</p:sld>
+</file>
+
+<file path=ppt/slides/slide27.xml><?xml version="1.0" encoding="utf-8"?>
+<p:sld xmlns:a="http://schemas.openxmlformats.org/drawingml/2006/main" xmlns:r="http://schemas.openxmlformats.org/officeDocument/2006/relationships" xmlns:p="http://schemas.openxmlformats.org/presentationml/2006/main">
+  <p:cSld>
+    <p:spTree>
+      <p:nvGrpSpPr>
+        <p:cNvPr id="1" name=""/>
+        <p:cNvGrpSpPr/>
+        <p:nvPr/>
+      </p:nvGrpSpPr>
+      <p:grpSpPr>
+        <a:xfrm>
+          <a:off x="0" y="0"/>
+          <a:ext cx="0" cy="0"/>
+          <a:chOff x="0" y="0"/>
+          <a:chExt cx="0" cy="0"/>
+        </a:xfrm>
+      </p:grpSpPr>
+      <p:sp>
+        <p:nvSpPr>
+          <p:cNvPr id="2" name="Título 1">
+            <a:extLst>
+              <a:ext uri="{FF2B5EF4-FFF2-40B4-BE49-F238E27FC236}">
+                <a16:creationId xmlns:a16="http://schemas.microsoft.com/office/drawing/2014/main" id="{8D692F28-0EB3-DCB5-3631-5C098A06243D}"/>
+              </a:ext>
+            </a:extLst>
+          </p:cNvPr>
+          <p:cNvSpPr>
+            <a:spLocks noGrp="1"/>
+          </p:cNvSpPr>
+          <p:nvPr>
+            <p:ph type="title"/>
+          </p:nvPr>
+        </p:nvSpPr>
+        <p:spPr/>
+        <p:txBody>
+          <a:bodyPr>
+            <a:normAutofit/>
+          </a:bodyPr>
+          <a:lstStyle/>
+          <a:p>
+            <a:r>
+              <a:rPr lang="es-ES" sz="3200" dirty="0" err="1"/>
+              <a:t>Replicator</a:t>
+            </a:r>
+            <a:r>
+              <a:rPr lang="es-ES" sz="3200" dirty="0"/>
+              <a:t> 2 </a:t>
+            </a:r>
+            <a:r>
+              <a:rPr lang="es-ES" sz="3200" dirty="0">
+                <a:sym typeface="Wingdings" panose="05000000000000000000" pitchFamily="2" charset="2"/>
+              </a:rPr>
+              <a:t> </a:t>
+            </a:r>
+            <a:r>
+              <a:rPr lang="es-ES" sz="3200" dirty="0" err="1">
+                <a:sym typeface="Wingdings" panose="05000000000000000000" pitchFamily="2" charset="2"/>
+              </a:rPr>
+              <a:t>slimmer</a:t>
+            </a:r>
+            <a:r>
+              <a:rPr lang="es-ES" sz="3200" dirty="0">
+                <a:sym typeface="Wingdings" panose="05000000000000000000" pitchFamily="2" charset="2"/>
+              </a:rPr>
+              <a:t> 5</a:t>
+            </a:r>
+            <a:endParaRPr lang="es-ES" sz="3200" dirty="0"/>
+          </a:p>
+        </p:txBody>
+      </p:sp>
+      <p:sp>
+        <p:nvSpPr>
+          <p:cNvPr id="3" name="Marcador de texto 2">
+            <a:extLst>
+              <a:ext uri="{FF2B5EF4-FFF2-40B4-BE49-F238E27FC236}">
+                <a16:creationId xmlns:a16="http://schemas.microsoft.com/office/drawing/2014/main" id="{5B493C32-E059-9D76-B9C6-68E6600AAD06}"/>
+              </a:ext>
+            </a:extLst>
+          </p:cNvPr>
+          <p:cNvSpPr>
+            <a:spLocks noGrp="1"/>
+          </p:cNvSpPr>
+          <p:nvPr>
+            <p:ph type="body" idx="1"/>
+          </p:nvPr>
+        </p:nvSpPr>
+        <p:spPr/>
+        <p:txBody>
+          <a:bodyPr/>
+          <a:lstStyle/>
+          <a:p>
+            <a:r>
+              <a:rPr lang="es-ES" dirty="0"/>
+              <a:t>Ejemplo de mensaje</a:t>
+            </a:r>
+          </a:p>
+        </p:txBody>
+      </p:sp>
+      <p:pic>
+        <p:nvPicPr>
+          <p:cNvPr id="5" name="Imagen 4" descr="Diagrama&#10;&#10;Descripción generada automáticamente">
+            <a:extLst>
+              <a:ext uri="{FF2B5EF4-FFF2-40B4-BE49-F238E27FC236}">
+                <a16:creationId xmlns:a16="http://schemas.microsoft.com/office/drawing/2014/main" id="{7B6B1947-3D25-08B3-349D-DC2C9801C491}"/>
+              </a:ext>
+            </a:extLst>
+          </p:cNvPr>
+          <p:cNvPicPr>
+            <a:picLocks noChangeAspect="1"/>
+          </p:cNvPicPr>
+          <p:nvPr/>
+        </p:nvPicPr>
+        <p:blipFill>
+          <a:blip r:embed="rId2"/>
+          <a:stretch>
+            <a:fillRect/>
+          </a:stretch>
+        </p:blipFill>
+        <p:spPr>
+          <a:xfrm>
+            <a:off x="3809309" y="665121"/>
+            <a:ext cx="3505891" cy="3392150"/>
+          </a:xfrm>
+          <a:prstGeom prst="rect">
+            <a:avLst/>
+          </a:prstGeom>
+        </p:spPr>
+      </p:pic>
+    </p:spTree>
+    <p:extLst>
+      <p:ext uri="{BB962C8B-B14F-4D97-AF65-F5344CB8AC3E}">
+        <p14:creationId xmlns:p14="http://schemas.microsoft.com/office/powerpoint/2010/main" val="2648238641"/>
+      </p:ext>
+    </p:extLst>
+  </p:cSld>
+  <p:clrMapOvr>
+    <a:masterClrMapping/>
+  </p:clrMapOvr>
+</p:sld>
+</file>
+
+<file path=ppt/slides/slide28.xml><?xml version="1.0" encoding="utf-8"?>
+<p:sld xmlns:a="http://schemas.openxmlformats.org/drawingml/2006/main" xmlns:r="http://schemas.openxmlformats.org/officeDocument/2006/relationships" xmlns:p="http://schemas.openxmlformats.org/presentationml/2006/main">
+  <p:cSld>
+    <p:spTree>
+      <p:nvGrpSpPr>
+        <p:cNvPr id="1" name=""/>
+        <p:cNvGrpSpPr/>
+        <p:nvPr/>
+      </p:nvGrpSpPr>
+      <p:grpSpPr>
+        <a:xfrm>
+          <a:off x="0" y="0"/>
+          <a:ext cx="0" cy="0"/>
+          <a:chOff x="0" y="0"/>
+          <a:chExt cx="0" cy="0"/>
+        </a:xfrm>
+      </p:grpSpPr>
+      <p:sp>
+        <p:nvSpPr>
+          <p:cNvPr id="2" name="Título 1">
+            <a:extLst>
+              <a:ext uri="{FF2B5EF4-FFF2-40B4-BE49-F238E27FC236}">
+                <a16:creationId xmlns:a16="http://schemas.microsoft.com/office/drawing/2014/main" id="{699DBA93-33D6-351E-0481-1AFB90151CC0}"/>
+              </a:ext>
+            </a:extLst>
+          </p:cNvPr>
+          <p:cNvSpPr>
+            <a:spLocks noGrp="1"/>
+          </p:cNvSpPr>
+          <p:nvPr>
+            <p:ph type="title"/>
+          </p:nvPr>
+        </p:nvSpPr>
+        <p:spPr/>
+        <p:txBody>
+          <a:bodyPr/>
+          <a:lstStyle/>
+          <a:p>
+            <a:r>
+              <a:rPr lang="es-ES" dirty="0"/>
+              <a:t>Ejemplo de mensaje</a:t>
+            </a:r>
+          </a:p>
+        </p:txBody>
+      </p:sp>
+      <p:sp>
+        <p:nvSpPr>
+          <p:cNvPr id="3" name="Marcador de contenido 2">
+            <a:extLst>
+              <a:ext uri="{FF2B5EF4-FFF2-40B4-BE49-F238E27FC236}">
+                <a16:creationId xmlns:a16="http://schemas.microsoft.com/office/drawing/2014/main" id="{6DB4D1E2-59B6-68AF-2048-74B77C976BD3}"/>
+              </a:ext>
+            </a:extLst>
+          </p:cNvPr>
+          <p:cNvSpPr>
+            <a:spLocks noGrp="1"/>
+          </p:cNvSpPr>
+          <p:nvPr>
+            <p:ph idx="1"/>
+          </p:nvPr>
+        </p:nvSpPr>
+        <p:spPr>
+          <a:xfrm>
+            <a:off x="581192" y="2180497"/>
+            <a:ext cx="11029615" cy="596260"/>
+          </a:xfrm>
+        </p:spPr>
+        <p:txBody>
+          <a:bodyPr>
+            <a:normAutofit lnSpcReduction="10000"/>
+          </a:bodyPr>
+          <a:lstStyle/>
+          <a:p>
+            <a:pPr algn="just"/>
+            <a:r>
+              <a:rPr lang="es-ES" dirty="0"/>
+              <a:t>Del </a:t>
+            </a:r>
+            <a:r>
+              <a:rPr lang="es-ES" dirty="0" err="1"/>
+              <a:t>Replicator</a:t>
+            </a:r>
+            <a:r>
+              <a:rPr lang="es-ES" dirty="0"/>
+              <a:t> 2 saldrá el siguiente mensaje hacia la entrada del </a:t>
+            </a:r>
+            <a:r>
+              <a:rPr lang="es-ES" dirty="0" err="1"/>
+              <a:t>Slimmer</a:t>
+            </a:r>
+            <a:r>
+              <a:rPr lang="es-ES" dirty="0"/>
+              <a:t> 5 en el que nos quedaríamos solo con la información del correo del alumno:</a:t>
+            </a:r>
+          </a:p>
+        </p:txBody>
+      </p:sp>
+      <p:pic>
+        <p:nvPicPr>
+          <p:cNvPr id="6" name="Imagen 5" descr="Texto&#10;&#10;Descripción generada automáticamente">
+            <a:extLst>
+              <a:ext uri="{FF2B5EF4-FFF2-40B4-BE49-F238E27FC236}">
+                <a16:creationId xmlns:a16="http://schemas.microsoft.com/office/drawing/2014/main" id="{1A8DC71B-5A52-21B3-42B4-F47F3047CECF}"/>
+              </a:ext>
+            </a:extLst>
+          </p:cNvPr>
+          <p:cNvPicPr>
+            <a:picLocks noChangeAspect="1"/>
+          </p:cNvPicPr>
+          <p:nvPr/>
+        </p:nvPicPr>
+        <p:blipFill>
+          <a:blip r:embed="rId2"/>
+          <a:stretch>
+            <a:fillRect/>
+          </a:stretch>
+        </p:blipFill>
+        <p:spPr>
+          <a:xfrm>
+            <a:off x="581192" y="3134439"/>
+            <a:ext cx="5045980" cy="1241681"/>
+          </a:xfrm>
+          <a:prstGeom prst="rect">
+            <a:avLst/>
+          </a:prstGeom>
+        </p:spPr>
+      </p:pic>
+      <p:pic>
+        <p:nvPicPr>
+          <p:cNvPr id="4" name="Imagen 3" descr="Texto&#10;&#10;Descripción generada automáticamente">
+            <a:extLst>
+              <a:ext uri="{FF2B5EF4-FFF2-40B4-BE49-F238E27FC236}">
+                <a16:creationId xmlns:a16="http://schemas.microsoft.com/office/drawing/2014/main" id="{192AC9F7-C131-8889-5681-EC6CB8666515}"/>
+              </a:ext>
+            </a:extLst>
+          </p:cNvPr>
+          <p:cNvPicPr>
+            <a:picLocks noChangeAspect="1"/>
+          </p:cNvPicPr>
+          <p:nvPr/>
+        </p:nvPicPr>
+        <p:blipFill>
+          <a:blip r:embed="rId3"/>
+          <a:stretch>
+            <a:fillRect/>
+          </a:stretch>
+        </p:blipFill>
+        <p:spPr>
+          <a:xfrm>
+            <a:off x="5862376" y="3140695"/>
+            <a:ext cx="6113793" cy="1222758"/>
+          </a:xfrm>
+          <a:prstGeom prst="rect">
+            <a:avLst/>
+          </a:prstGeom>
+        </p:spPr>
+      </p:pic>
+    </p:spTree>
+    <p:extLst>
+      <p:ext uri="{BB962C8B-B14F-4D97-AF65-F5344CB8AC3E}">
+        <p14:creationId xmlns:p14="http://schemas.microsoft.com/office/powerpoint/2010/main" val="2658461113"/>
+      </p:ext>
+    </p:extLst>
+  </p:cSld>
+  <p:clrMapOvr>
+    <a:masterClrMapping/>
+  </p:clrMapOvr>
+</p:sld>
+</file>
+
+<file path=ppt/slides/slide29.xml><?xml version="1.0" encoding="utf-8"?>
+<p:sld xmlns:a="http://schemas.openxmlformats.org/drawingml/2006/main" xmlns:r="http://schemas.openxmlformats.org/officeDocument/2006/relationships" xmlns:p="http://schemas.openxmlformats.org/presentationml/2006/main">
+  <p:cSld>
+    <p:spTree>
+      <p:nvGrpSpPr>
+        <p:cNvPr id="1" name=""/>
+        <p:cNvGrpSpPr/>
+        <p:nvPr/>
+      </p:nvGrpSpPr>
+      <p:grpSpPr>
+        <a:xfrm>
+          <a:off x="0" y="0"/>
+          <a:ext cx="0" cy="0"/>
+          <a:chOff x="0" y="0"/>
+          <a:chExt cx="0" cy="0"/>
+        </a:xfrm>
+      </p:grpSpPr>
+      <p:sp>
+        <p:nvSpPr>
+          <p:cNvPr id="2" name="Título 1">
+            <a:extLst>
+              <a:ext uri="{FF2B5EF4-FFF2-40B4-BE49-F238E27FC236}">
+                <a16:creationId xmlns:a16="http://schemas.microsoft.com/office/drawing/2014/main" id="{8D692F28-0EB3-DCB5-3631-5C098A06243D}"/>
+              </a:ext>
+            </a:extLst>
+          </p:cNvPr>
+          <p:cNvSpPr>
+            <a:spLocks noGrp="1"/>
+          </p:cNvSpPr>
+          <p:nvPr>
+            <p:ph type="title"/>
+          </p:nvPr>
+        </p:nvSpPr>
+        <p:spPr/>
+        <p:txBody>
+          <a:bodyPr>
+            <a:normAutofit/>
+          </a:bodyPr>
+          <a:lstStyle/>
+          <a:p>
+            <a:r>
+              <a:rPr lang="es-ES" sz="3200" dirty="0"/>
+              <a:t>REPLICATOR 3 </a:t>
+            </a:r>
+            <a:r>
+              <a:rPr lang="es-ES" sz="3200" dirty="0">
+                <a:sym typeface="Wingdings" panose="05000000000000000000" pitchFamily="2" charset="2"/>
+              </a:rPr>
+              <a:t> CORRELATOR 1</a:t>
+            </a:r>
+            <a:endParaRPr lang="es-ES" sz="3200" dirty="0"/>
+          </a:p>
+        </p:txBody>
+      </p:sp>
+      <p:sp>
+        <p:nvSpPr>
+          <p:cNvPr id="3" name="Marcador de texto 2">
+            <a:extLst>
+              <a:ext uri="{FF2B5EF4-FFF2-40B4-BE49-F238E27FC236}">
+                <a16:creationId xmlns:a16="http://schemas.microsoft.com/office/drawing/2014/main" id="{5B493C32-E059-9D76-B9C6-68E6600AAD06}"/>
+              </a:ext>
+            </a:extLst>
+          </p:cNvPr>
+          <p:cNvSpPr>
+            <a:spLocks noGrp="1"/>
+          </p:cNvSpPr>
+          <p:nvPr>
+            <p:ph type="body" idx="1"/>
+          </p:nvPr>
+        </p:nvSpPr>
+        <p:spPr/>
+        <p:txBody>
+          <a:bodyPr/>
+          <a:lstStyle/>
+          <a:p>
+            <a:r>
+              <a:rPr lang="es-ES" dirty="0"/>
+              <a:t>Ejemplo de mensaje</a:t>
+            </a:r>
+          </a:p>
+        </p:txBody>
+      </p:sp>
+      <p:pic>
+        <p:nvPicPr>
+          <p:cNvPr id="7" name="Imagen 6" descr="Diagrama&#10;&#10;Descripción generada automáticamente">
+            <a:extLst>
+              <a:ext uri="{FF2B5EF4-FFF2-40B4-BE49-F238E27FC236}">
+                <a16:creationId xmlns:a16="http://schemas.microsoft.com/office/drawing/2014/main" id="{5768E495-39CE-69F5-5832-CB57922B06FE}"/>
+              </a:ext>
+            </a:extLst>
+          </p:cNvPr>
+          <p:cNvPicPr>
+            <a:picLocks noChangeAspect="1"/>
+          </p:cNvPicPr>
+          <p:nvPr/>
+        </p:nvPicPr>
+        <p:blipFill>
+          <a:blip r:embed="rId2"/>
+          <a:stretch>
+            <a:fillRect/>
+          </a:stretch>
+        </p:blipFill>
+        <p:spPr>
+          <a:xfrm>
+            <a:off x="3450290" y="738769"/>
+            <a:ext cx="5291419" cy="3089789"/>
+          </a:xfrm>
+          <a:prstGeom prst="rect">
+            <a:avLst/>
+          </a:prstGeom>
+        </p:spPr>
+      </p:pic>
+    </p:spTree>
+    <p:extLst>
+      <p:ext uri="{BB962C8B-B14F-4D97-AF65-F5344CB8AC3E}">
+        <p14:creationId xmlns:p14="http://schemas.microsoft.com/office/powerpoint/2010/main" val="2625268191"/>
+      </p:ext>
+    </p:extLst>
+  </p:cSld>
+  <p:clrMapOvr>
+    <a:masterClrMapping/>
+  </p:clrMapOvr>
+</p:sld>
+</file>
+
 <file path=ppt/slides/slide3.xml><?xml version="1.0" encoding="utf-8"?>
 <p:sld xmlns:a="http://schemas.openxmlformats.org/drawingml/2006/main" xmlns:r="http://schemas.openxmlformats.org/officeDocument/2006/relationships" xmlns:p="http://schemas.openxmlformats.org/presentationml/2006/main">
   <p:cSld>
@@ -7464,6 +8230,1507 @@
     <p:extLst>
       <p:ext uri="{BB962C8B-B14F-4D97-AF65-F5344CB8AC3E}">
         <p14:creationId xmlns:p14="http://schemas.microsoft.com/office/powerpoint/2010/main" val="2171636912"/>
+      </p:ext>
+    </p:extLst>
+  </p:cSld>
+  <p:clrMapOvr>
+    <a:masterClrMapping/>
+  </p:clrMapOvr>
+</p:sld>
+</file>
+
+<file path=ppt/slides/slide30.xml><?xml version="1.0" encoding="utf-8"?>
+<p:sld xmlns:a="http://schemas.openxmlformats.org/drawingml/2006/main" xmlns:r="http://schemas.openxmlformats.org/officeDocument/2006/relationships" xmlns:p="http://schemas.openxmlformats.org/presentationml/2006/main">
+  <p:cSld>
+    <p:spTree>
+      <p:nvGrpSpPr>
+        <p:cNvPr id="1" name=""/>
+        <p:cNvGrpSpPr/>
+        <p:nvPr/>
+      </p:nvGrpSpPr>
+      <p:grpSpPr>
+        <a:xfrm>
+          <a:off x="0" y="0"/>
+          <a:ext cx="0" cy="0"/>
+          <a:chOff x="0" y="0"/>
+          <a:chExt cx="0" cy="0"/>
+        </a:xfrm>
+      </p:grpSpPr>
+      <p:sp>
+        <p:nvSpPr>
+          <p:cNvPr id="2" name="Título 1">
+            <a:extLst>
+              <a:ext uri="{FF2B5EF4-FFF2-40B4-BE49-F238E27FC236}">
+                <a16:creationId xmlns:a16="http://schemas.microsoft.com/office/drawing/2014/main" id="{699DBA93-33D6-351E-0481-1AFB90151CC0}"/>
+              </a:ext>
+            </a:extLst>
+          </p:cNvPr>
+          <p:cNvSpPr>
+            <a:spLocks noGrp="1"/>
+          </p:cNvSpPr>
+          <p:nvPr>
+            <p:ph type="title"/>
+          </p:nvPr>
+        </p:nvSpPr>
+        <p:spPr/>
+        <p:txBody>
+          <a:bodyPr/>
+          <a:lstStyle/>
+          <a:p>
+            <a:r>
+              <a:rPr lang="es-ES" dirty="0"/>
+              <a:t>Ejemplo de mensaje</a:t>
+            </a:r>
+          </a:p>
+        </p:txBody>
+      </p:sp>
+      <p:sp>
+        <p:nvSpPr>
+          <p:cNvPr id="3" name="Marcador de contenido 2">
+            <a:extLst>
+              <a:ext uri="{FF2B5EF4-FFF2-40B4-BE49-F238E27FC236}">
+                <a16:creationId xmlns:a16="http://schemas.microsoft.com/office/drawing/2014/main" id="{6DB4D1E2-59B6-68AF-2048-74B77C976BD3}"/>
+              </a:ext>
+            </a:extLst>
+          </p:cNvPr>
+          <p:cNvSpPr>
+            <a:spLocks noGrp="1"/>
+          </p:cNvSpPr>
+          <p:nvPr>
+            <p:ph idx="1"/>
+          </p:nvPr>
+        </p:nvSpPr>
+        <p:spPr>
+          <a:xfrm>
+            <a:off x="581192" y="2180497"/>
+            <a:ext cx="11029615" cy="596260"/>
+          </a:xfrm>
+        </p:spPr>
+        <p:txBody>
+          <a:bodyPr>
+            <a:normAutofit lnSpcReduction="10000"/>
+          </a:bodyPr>
+          <a:lstStyle/>
+          <a:p>
+            <a:pPr algn="just"/>
+            <a:r>
+              <a:rPr lang="es-ES" dirty="0"/>
+              <a:t>Del </a:t>
+            </a:r>
+            <a:r>
+              <a:rPr lang="es-ES" dirty="0" err="1"/>
+              <a:t>Replicator</a:t>
+            </a:r>
+            <a:r>
+              <a:rPr lang="es-ES" dirty="0"/>
+              <a:t> 3 saldrá el siguiente mensaje hacia la entrada del </a:t>
+            </a:r>
+            <a:r>
+              <a:rPr lang="es-ES" dirty="0" err="1"/>
+              <a:t>Correlator</a:t>
+            </a:r>
+            <a:r>
+              <a:rPr lang="es-ES" dirty="0"/>
+              <a:t> 1, en el que nos quedaríamos con las asignaturas del alumno</a:t>
+            </a:r>
+          </a:p>
+        </p:txBody>
+      </p:sp>
+      <p:pic>
+        <p:nvPicPr>
+          <p:cNvPr id="9" name="Imagen 8" descr="Texto&#10;&#10;Descripción generada automáticamente">
+            <a:extLst>
+              <a:ext uri="{FF2B5EF4-FFF2-40B4-BE49-F238E27FC236}">
+                <a16:creationId xmlns:a16="http://schemas.microsoft.com/office/drawing/2014/main" id="{B0B42BE2-6B9F-9210-7BE4-788B667FFADE}"/>
+              </a:ext>
+            </a:extLst>
+          </p:cNvPr>
+          <p:cNvPicPr>
+            <a:picLocks noChangeAspect="1"/>
+          </p:cNvPicPr>
+          <p:nvPr/>
+        </p:nvPicPr>
+        <p:blipFill>
+          <a:blip r:embed="rId2"/>
+          <a:stretch>
+            <a:fillRect/>
+          </a:stretch>
+        </p:blipFill>
+        <p:spPr>
+          <a:xfrm>
+            <a:off x="3305924" y="2627901"/>
+            <a:ext cx="5580151" cy="3784646"/>
+          </a:xfrm>
+          <a:prstGeom prst="rect">
+            <a:avLst/>
+          </a:prstGeom>
+        </p:spPr>
+      </p:pic>
+    </p:spTree>
+    <p:extLst>
+      <p:ext uri="{BB962C8B-B14F-4D97-AF65-F5344CB8AC3E}">
+        <p14:creationId xmlns:p14="http://schemas.microsoft.com/office/powerpoint/2010/main" val="2737731972"/>
+      </p:ext>
+    </p:extLst>
+  </p:cSld>
+  <p:clrMapOvr>
+    <a:masterClrMapping/>
+  </p:clrMapOvr>
+</p:sld>
+</file>
+
+<file path=ppt/slides/slide31.xml><?xml version="1.0" encoding="utf-8"?>
+<p:sld xmlns:a="http://schemas.openxmlformats.org/drawingml/2006/main" xmlns:r="http://schemas.openxmlformats.org/officeDocument/2006/relationships" xmlns:p="http://schemas.openxmlformats.org/presentationml/2006/main">
+  <p:cSld>
+    <p:spTree>
+      <p:nvGrpSpPr>
+        <p:cNvPr id="1" name=""/>
+        <p:cNvGrpSpPr/>
+        <p:nvPr/>
+      </p:nvGrpSpPr>
+      <p:grpSpPr>
+        <a:xfrm>
+          <a:off x="0" y="0"/>
+          <a:ext cx="0" cy="0"/>
+          <a:chOff x="0" y="0"/>
+          <a:chExt cx="0" cy="0"/>
+        </a:xfrm>
+      </p:grpSpPr>
+      <p:sp>
+        <p:nvSpPr>
+          <p:cNvPr id="2" name="Título 1">
+            <a:extLst>
+              <a:ext uri="{FF2B5EF4-FFF2-40B4-BE49-F238E27FC236}">
+                <a16:creationId xmlns:a16="http://schemas.microsoft.com/office/drawing/2014/main" id="{8D692F28-0EB3-DCB5-3631-5C098A06243D}"/>
+              </a:ext>
+            </a:extLst>
+          </p:cNvPr>
+          <p:cNvSpPr>
+            <a:spLocks noGrp="1"/>
+          </p:cNvSpPr>
+          <p:nvPr>
+            <p:ph type="title"/>
+          </p:nvPr>
+        </p:nvSpPr>
+        <p:spPr/>
+        <p:txBody>
+          <a:bodyPr>
+            <a:normAutofit/>
+          </a:bodyPr>
+          <a:lstStyle/>
+          <a:p>
+            <a:r>
+              <a:rPr lang="es-ES" sz="3200" dirty="0"/>
+              <a:t>REPLICATOR 3 </a:t>
+            </a:r>
+            <a:r>
+              <a:rPr lang="es-ES" sz="3200" dirty="0">
+                <a:sym typeface="Wingdings" panose="05000000000000000000" pitchFamily="2" charset="2"/>
+              </a:rPr>
+              <a:t> CORRELATOR 2</a:t>
+            </a:r>
+            <a:endParaRPr lang="es-ES" sz="3200" dirty="0"/>
+          </a:p>
+        </p:txBody>
+      </p:sp>
+      <p:sp>
+        <p:nvSpPr>
+          <p:cNvPr id="3" name="Marcador de texto 2">
+            <a:extLst>
+              <a:ext uri="{FF2B5EF4-FFF2-40B4-BE49-F238E27FC236}">
+                <a16:creationId xmlns:a16="http://schemas.microsoft.com/office/drawing/2014/main" id="{5B493C32-E059-9D76-B9C6-68E6600AAD06}"/>
+              </a:ext>
+            </a:extLst>
+          </p:cNvPr>
+          <p:cNvSpPr>
+            <a:spLocks noGrp="1"/>
+          </p:cNvSpPr>
+          <p:nvPr>
+            <p:ph type="body" idx="1"/>
+          </p:nvPr>
+        </p:nvSpPr>
+        <p:spPr/>
+        <p:txBody>
+          <a:bodyPr/>
+          <a:lstStyle/>
+          <a:p>
+            <a:r>
+              <a:rPr lang="es-ES" dirty="0"/>
+              <a:t>Ejemplo de mensaje</a:t>
+            </a:r>
+          </a:p>
+        </p:txBody>
+      </p:sp>
+      <p:pic>
+        <p:nvPicPr>
+          <p:cNvPr id="5" name="Imagen 4" descr="Diagrama&#10;&#10;Descripción generada automáticamente">
+            <a:extLst>
+              <a:ext uri="{FF2B5EF4-FFF2-40B4-BE49-F238E27FC236}">
+                <a16:creationId xmlns:a16="http://schemas.microsoft.com/office/drawing/2014/main" id="{D3DB297A-4469-43F7-A6A2-026F3451C0E4}"/>
+              </a:ext>
+            </a:extLst>
+          </p:cNvPr>
+          <p:cNvPicPr>
+            <a:picLocks noChangeAspect="1"/>
+          </p:cNvPicPr>
+          <p:nvPr/>
+        </p:nvPicPr>
+        <p:blipFill>
+          <a:blip r:embed="rId2"/>
+          <a:stretch>
+            <a:fillRect/>
+          </a:stretch>
+        </p:blipFill>
+        <p:spPr>
+          <a:xfrm>
+            <a:off x="3102695" y="883796"/>
+            <a:ext cx="5986609" cy="2545204"/>
+          </a:xfrm>
+          <a:prstGeom prst="rect">
+            <a:avLst/>
+          </a:prstGeom>
+        </p:spPr>
+      </p:pic>
+    </p:spTree>
+    <p:extLst>
+      <p:ext uri="{BB962C8B-B14F-4D97-AF65-F5344CB8AC3E}">
+        <p14:creationId xmlns:p14="http://schemas.microsoft.com/office/powerpoint/2010/main" val="178906056"/>
+      </p:ext>
+    </p:extLst>
+  </p:cSld>
+  <p:clrMapOvr>
+    <a:masterClrMapping/>
+  </p:clrMapOvr>
+</p:sld>
+</file>
+
+<file path=ppt/slides/slide32.xml><?xml version="1.0" encoding="utf-8"?>
+<p:sld xmlns:a="http://schemas.openxmlformats.org/drawingml/2006/main" xmlns:r="http://schemas.openxmlformats.org/officeDocument/2006/relationships" xmlns:p="http://schemas.openxmlformats.org/presentationml/2006/main">
+  <p:cSld>
+    <p:spTree>
+      <p:nvGrpSpPr>
+        <p:cNvPr id="1" name=""/>
+        <p:cNvGrpSpPr/>
+        <p:nvPr/>
+      </p:nvGrpSpPr>
+      <p:grpSpPr>
+        <a:xfrm>
+          <a:off x="0" y="0"/>
+          <a:ext cx="0" cy="0"/>
+          <a:chOff x="0" y="0"/>
+          <a:chExt cx="0" cy="0"/>
+        </a:xfrm>
+      </p:grpSpPr>
+      <p:sp>
+        <p:nvSpPr>
+          <p:cNvPr id="2" name="Título 1">
+            <a:extLst>
+              <a:ext uri="{FF2B5EF4-FFF2-40B4-BE49-F238E27FC236}">
+                <a16:creationId xmlns:a16="http://schemas.microsoft.com/office/drawing/2014/main" id="{699DBA93-33D6-351E-0481-1AFB90151CC0}"/>
+              </a:ext>
+            </a:extLst>
+          </p:cNvPr>
+          <p:cNvSpPr>
+            <a:spLocks noGrp="1"/>
+          </p:cNvSpPr>
+          <p:nvPr>
+            <p:ph type="title"/>
+          </p:nvPr>
+        </p:nvSpPr>
+        <p:spPr/>
+        <p:txBody>
+          <a:bodyPr/>
+          <a:lstStyle/>
+          <a:p>
+            <a:r>
+              <a:rPr lang="es-ES" dirty="0"/>
+              <a:t>Ejemplo de mensaje</a:t>
+            </a:r>
+          </a:p>
+        </p:txBody>
+      </p:sp>
+      <p:sp>
+        <p:nvSpPr>
+          <p:cNvPr id="3" name="Marcador de contenido 2">
+            <a:extLst>
+              <a:ext uri="{FF2B5EF4-FFF2-40B4-BE49-F238E27FC236}">
+                <a16:creationId xmlns:a16="http://schemas.microsoft.com/office/drawing/2014/main" id="{6DB4D1E2-59B6-68AF-2048-74B77C976BD3}"/>
+              </a:ext>
+            </a:extLst>
+          </p:cNvPr>
+          <p:cNvSpPr>
+            <a:spLocks noGrp="1"/>
+          </p:cNvSpPr>
+          <p:nvPr>
+            <p:ph idx="1"/>
+          </p:nvPr>
+        </p:nvSpPr>
+        <p:spPr>
+          <a:xfrm>
+            <a:off x="581192" y="2180497"/>
+            <a:ext cx="11029615" cy="596260"/>
+          </a:xfrm>
+        </p:spPr>
+        <p:txBody>
+          <a:bodyPr>
+            <a:normAutofit lnSpcReduction="10000"/>
+          </a:bodyPr>
+          <a:lstStyle/>
+          <a:p>
+            <a:pPr algn="just"/>
+            <a:r>
+              <a:rPr lang="es-ES" dirty="0"/>
+              <a:t>Del </a:t>
+            </a:r>
+            <a:r>
+              <a:rPr lang="es-ES" dirty="0" err="1"/>
+              <a:t>Replicator</a:t>
+            </a:r>
+            <a:r>
+              <a:rPr lang="es-ES" dirty="0"/>
+              <a:t> 3 saldrá el siguiente mensaje hacia la entrada del </a:t>
+            </a:r>
+            <a:r>
+              <a:rPr lang="es-ES" dirty="0" err="1"/>
+              <a:t>Correlator</a:t>
+            </a:r>
+            <a:r>
+              <a:rPr lang="es-ES" dirty="0"/>
+              <a:t> 2, en el que simplemente replicamos las asignaturas del alumno</a:t>
+            </a:r>
+          </a:p>
+        </p:txBody>
+      </p:sp>
+      <p:pic>
+        <p:nvPicPr>
+          <p:cNvPr id="9" name="Imagen 8" descr="Texto&#10;&#10;Descripción generada automáticamente">
+            <a:extLst>
+              <a:ext uri="{FF2B5EF4-FFF2-40B4-BE49-F238E27FC236}">
+                <a16:creationId xmlns:a16="http://schemas.microsoft.com/office/drawing/2014/main" id="{B0B42BE2-6B9F-9210-7BE4-788B667FFADE}"/>
+              </a:ext>
+            </a:extLst>
+          </p:cNvPr>
+          <p:cNvPicPr>
+            <a:picLocks noChangeAspect="1"/>
+          </p:cNvPicPr>
+          <p:nvPr/>
+        </p:nvPicPr>
+        <p:blipFill>
+          <a:blip r:embed="rId2"/>
+          <a:stretch>
+            <a:fillRect/>
+          </a:stretch>
+        </p:blipFill>
+        <p:spPr>
+          <a:xfrm>
+            <a:off x="3444147" y="2776757"/>
+            <a:ext cx="5303704" cy="3597150"/>
+          </a:xfrm>
+          <a:prstGeom prst="rect">
+            <a:avLst/>
+          </a:prstGeom>
+        </p:spPr>
+      </p:pic>
+    </p:spTree>
+    <p:extLst>
+      <p:ext uri="{BB962C8B-B14F-4D97-AF65-F5344CB8AC3E}">
+        <p14:creationId xmlns:p14="http://schemas.microsoft.com/office/powerpoint/2010/main" val="4063874732"/>
+      </p:ext>
+    </p:extLst>
+  </p:cSld>
+  <p:clrMapOvr>
+    <a:masterClrMapping/>
+  </p:clrMapOvr>
+</p:sld>
+</file>
+
+<file path=ppt/slides/slide33.xml><?xml version="1.0" encoding="utf-8"?>
+<p:sld xmlns:a="http://schemas.openxmlformats.org/drawingml/2006/main" xmlns:r="http://schemas.openxmlformats.org/officeDocument/2006/relationships" xmlns:p="http://schemas.openxmlformats.org/presentationml/2006/main">
+  <p:cSld>
+    <p:spTree>
+      <p:nvGrpSpPr>
+        <p:cNvPr id="1" name=""/>
+        <p:cNvGrpSpPr/>
+        <p:nvPr/>
+      </p:nvGrpSpPr>
+      <p:grpSpPr>
+        <a:xfrm>
+          <a:off x="0" y="0"/>
+          <a:ext cx="0" cy="0"/>
+          <a:chOff x="0" y="0"/>
+          <a:chExt cx="0" cy="0"/>
+        </a:xfrm>
+      </p:grpSpPr>
+      <p:sp>
+        <p:nvSpPr>
+          <p:cNvPr id="2" name="Título 1">
+            <a:extLst>
+              <a:ext uri="{FF2B5EF4-FFF2-40B4-BE49-F238E27FC236}">
+                <a16:creationId xmlns:a16="http://schemas.microsoft.com/office/drawing/2014/main" id="{8D692F28-0EB3-DCB5-3631-5C098A06243D}"/>
+              </a:ext>
+            </a:extLst>
+          </p:cNvPr>
+          <p:cNvSpPr>
+            <a:spLocks noGrp="1"/>
+          </p:cNvSpPr>
+          <p:nvPr>
+            <p:ph type="title"/>
+          </p:nvPr>
+        </p:nvSpPr>
+        <p:spPr/>
+        <p:txBody>
+          <a:bodyPr>
+            <a:normAutofit/>
+          </a:bodyPr>
+          <a:lstStyle/>
+          <a:p>
+            <a:r>
+              <a:rPr lang="es-ES" sz="3200" dirty="0"/>
+              <a:t>CORRELATOR 1 </a:t>
+            </a:r>
+            <a:r>
+              <a:rPr lang="es-ES" sz="3200" dirty="0">
+                <a:sym typeface="Wingdings" panose="05000000000000000000" pitchFamily="2" charset="2"/>
+              </a:rPr>
+              <a:t> CONTEXT ENRICHER 1</a:t>
+            </a:r>
+            <a:endParaRPr lang="es-ES" sz="3200" dirty="0"/>
+          </a:p>
+        </p:txBody>
+      </p:sp>
+      <p:sp>
+        <p:nvSpPr>
+          <p:cNvPr id="3" name="Marcador de texto 2">
+            <a:extLst>
+              <a:ext uri="{FF2B5EF4-FFF2-40B4-BE49-F238E27FC236}">
+                <a16:creationId xmlns:a16="http://schemas.microsoft.com/office/drawing/2014/main" id="{5B493C32-E059-9D76-B9C6-68E6600AAD06}"/>
+              </a:ext>
+            </a:extLst>
+          </p:cNvPr>
+          <p:cNvSpPr>
+            <a:spLocks noGrp="1"/>
+          </p:cNvSpPr>
+          <p:nvPr>
+            <p:ph type="body" idx="1"/>
+          </p:nvPr>
+        </p:nvSpPr>
+        <p:spPr/>
+        <p:txBody>
+          <a:bodyPr/>
+          <a:lstStyle/>
+          <a:p>
+            <a:r>
+              <a:rPr lang="es-ES" dirty="0"/>
+              <a:t>Ejemplo de mensaje</a:t>
+            </a:r>
+          </a:p>
+        </p:txBody>
+      </p:sp>
+      <p:pic>
+        <p:nvPicPr>
+          <p:cNvPr id="6" name="Imagen 5" descr="Diagrama, Esquemático&#10;&#10;Descripción generada automáticamente">
+            <a:extLst>
+              <a:ext uri="{FF2B5EF4-FFF2-40B4-BE49-F238E27FC236}">
+                <a16:creationId xmlns:a16="http://schemas.microsoft.com/office/drawing/2014/main" id="{4665CFB2-C471-4351-755A-CC7A640FB216}"/>
+              </a:ext>
+            </a:extLst>
+          </p:cNvPr>
+          <p:cNvPicPr>
+            <a:picLocks noChangeAspect="1"/>
+          </p:cNvPicPr>
+          <p:nvPr/>
+        </p:nvPicPr>
+        <p:blipFill>
+          <a:blip r:embed="rId2"/>
+          <a:stretch>
+            <a:fillRect/>
+          </a:stretch>
+        </p:blipFill>
+        <p:spPr>
+          <a:xfrm>
+            <a:off x="2940979" y="788340"/>
+            <a:ext cx="6581946" cy="2826729"/>
+          </a:xfrm>
+          <a:prstGeom prst="rect">
+            <a:avLst/>
+          </a:prstGeom>
+        </p:spPr>
+      </p:pic>
+    </p:spTree>
+    <p:extLst>
+      <p:ext uri="{BB962C8B-B14F-4D97-AF65-F5344CB8AC3E}">
+        <p14:creationId xmlns:p14="http://schemas.microsoft.com/office/powerpoint/2010/main" val="4152566982"/>
+      </p:ext>
+    </p:extLst>
+  </p:cSld>
+  <p:clrMapOvr>
+    <a:masterClrMapping/>
+  </p:clrMapOvr>
+</p:sld>
+</file>
+
+<file path=ppt/slides/slide34.xml><?xml version="1.0" encoding="utf-8"?>
+<p:sld xmlns:a="http://schemas.openxmlformats.org/drawingml/2006/main" xmlns:r="http://schemas.openxmlformats.org/officeDocument/2006/relationships" xmlns:p="http://schemas.openxmlformats.org/presentationml/2006/main">
+  <p:cSld>
+    <p:spTree>
+      <p:nvGrpSpPr>
+        <p:cNvPr id="1" name=""/>
+        <p:cNvGrpSpPr/>
+        <p:nvPr/>
+      </p:nvGrpSpPr>
+      <p:grpSpPr>
+        <a:xfrm>
+          <a:off x="0" y="0"/>
+          <a:ext cx="0" cy="0"/>
+          <a:chOff x="0" y="0"/>
+          <a:chExt cx="0" cy="0"/>
+        </a:xfrm>
+      </p:grpSpPr>
+      <p:sp>
+        <p:nvSpPr>
+          <p:cNvPr id="2" name="Título 1">
+            <a:extLst>
+              <a:ext uri="{FF2B5EF4-FFF2-40B4-BE49-F238E27FC236}">
+                <a16:creationId xmlns:a16="http://schemas.microsoft.com/office/drawing/2014/main" id="{699DBA93-33D6-351E-0481-1AFB90151CC0}"/>
+              </a:ext>
+            </a:extLst>
+          </p:cNvPr>
+          <p:cNvSpPr>
+            <a:spLocks noGrp="1"/>
+          </p:cNvSpPr>
+          <p:nvPr>
+            <p:ph type="title"/>
+          </p:nvPr>
+        </p:nvSpPr>
+        <p:spPr/>
+        <p:txBody>
+          <a:bodyPr/>
+          <a:lstStyle/>
+          <a:p>
+            <a:r>
+              <a:rPr lang="es-ES" dirty="0"/>
+              <a:t>Ejemplo de mensaje</a:t>
+            </a:r>
+          </a:p>
+        </p:txBody>
+      </p:sp>
+      <p:sp>
+        <p:nvSpPr>
+          <p:cNvPr id="3" name="Marcador de contenido 2">
+            <a:extLst>
+              <a:ext uri="{FF2B5EF4-FFF2-40B4-BE49-F238E27FC236}">
+                <a16:creationId xmlns:a16="http://schemas.microsoft.com/office/drawing/2014/main" id="{6DB4D1E2-59B6-68AF-2048-74B77C976BD3}"/>
+              </a:ext>
+            </a:extLst>
+          </p:cNvPr>
+          <p:cNvSpPr>
+            <a:spLocks noGrp="1"/>
+          </p:cNvSpPr>
+          <p:nvPr>
+            <p:ph idx="1"/>
+          </p:nvPr>
+        </p:nvSpPr>
+        <p:spPr>
+          <a:xfrm>
+            <a:off x="581192" y="2180497"/>
+            <a:ext cx="11029615" cy="596260"/>
+          </a:xfrm>
+        </p:spPr>
+        <p:txBody>
+          <a:bodyPr>
+            <a:normAutofit lnSpcReduction="10000"/>
+          </a:bodyPr>
+          <a:lstStyle/>
+          <a:p>
+            <a:pPr algn="just"/>
+            <a:r>
+              <a:rPr lang="es-ES" dirty="0"/>
+              <a:t>Del </a:t>
+            </a:r>
+            <a:r>
+              <a:rPr lang="es-ES" dirty="0" err="1"/>
+              <a:t>Correlator</a:t>
+            </a:r>
+            <a:r>
+              <a:rPr lang="es-ES" dirty="0"/>
+              <a:t> 1 saldrá el siguiente mensaje hacia la entrada del </a:t>
+            </a:r>
+            <a:r>
+              <a:rPr lang="es-ES" dirty="0" err="1"/>
+              <a:t>Context</a:t>
+            </a:r>
+            <a:r>
+              <a:rPr lang="es-ES" dirty="0"/>
+              <a:t> </a:t>
+            </a:r>
+            <a:r>
+              <a:rPr lang="es-ES" dirty="0" err="1"/>
+              <a:t>Enricher</a:t>
+            </a:r>
+            <a:r>
+              <a:rPr lang="es-ES" dirty="0"/>
+              <a:t> 1, en el que juntamos las asignaturas del alumno y su número de teléfono en un solo mensaje</a:t>
+            </a:r>
+          </a:p>
+        </p:txBody>
+      </p:sp>
+      <p:pic>
+        <p:nvPicPr>
+          <p:cNvPr id="5" name="Imagen 4" descr="Texto&#10;&#10;Descripción generada automáticamente">
+            <a:extLst>
+              <a:ext uri="{FF2B5EF4-FFF2-40B4-BE49-F238E27FC236}">
+                <a16:creationId xmlns:a16="http://schemas.microsoft.com/office/drawing/2014/main" id="{062B9499-71B8-0199-19FB-B5C5ABF95A54}"/>
+              </a:ext>
+            </a:extLst>
+          </p:cNvPr>
+          <p:cNvPicPr>
+            <a:picLocks noChangeAspect="1"/>
+          </p:cNvPicPr>
+          <p:nvPr/>
+        </p:nvPicPr>
+        <p:blipFill>
+          <a:blip r:embed="rId2"/>
+          <a:stretch>
+            <a:fillRect/>
+          </a:stretch>
+        </p:blipFill>
+        <p:spPr>
+          <a:xfrm>
+            <a:off x="6699181" y="2776757"/>
+            <a:ext cx="4769131" cy="3953764"/>
+          </a:xfrm>
+          <a:prstGeom prst="rect">
+            <a:avLst/>
+          </a:prstGeom>
+        </p:spPr>
+      </p:pic>
+      <p:pic>
+        <p:nvPicPr>
+          <p:cNvPr id="6" name="Imagen 5" descr="Texto&#10;&#10;Descripción generada automáticamente">
+            <a:extLst>
+              <a:ext uri="{FF2B5EF4-FFF2-40B4-BE49-F238E27FC236}">
+                <a16:creationId xmlns:a16="http://schemas.microsoft.com/office/drawing/2014/main" id="{B97AB29C-FB27-DE56-4F5C-FC546FF149EF}"/>
+              </a:ext>
+            </a:extLst>
+          </p:cNvPr>
+          <p:cNvPicPr>
+            <a:picLocks noChangeAspect="1"/>
+          </p:cNvPicPr>
+          <p:nvPr/>
+        </p:nvPicPr>
+        <p:blipFill>
+          <a:blip r:embed="rId3"/>
+          <a:stretch>
+            <a:fillRect/>
+          </a:stretch>
+        </p:blipFill>
+        <p:spPr>
+          <a:xfrm>
+            <a:off x="1123209" y="2776757"/>
+            <a:ext cx="3720777" cy="2523555"/>
+          </a:xfrm>
+          <a:prstGeom prst="rect">
+            <a:avLst/>
+          </a:prstGeom>
+        </p:spPr>
+      </p:pic>
+      <p:pic>
+        <p:nvPicPr>
+          <p:cNvPr id="8" name="Imagen 7" descr="Texto&#10;&#10;Descripción generada automáticamente con confianza media">
+            <a:extLst>
+              <a:ext uri="{FF2B5EF4-FFF2-40B4-BE49-F238E27FC236}">
+                <a16:creationId xmlns:a16="http://schemas.microsoft.com/office/drawing/2014/main" id="{9A887A11-9EAF-6C06-2FBB-E0A31C668E08}"/>
+              </a:ext>
+            </a:extLst>
+          </p:cNvPr>
+          <p:cNvPicPr>
+            <a:picLocks noChangeAspect="1"/>
+          </p:cNvPicPr>
+          <p:nvPr/>
+        </p:nvPicPr>
+        <p:blipFill>
+          <a:blip r:embed="rId4"/>
+          <a:stretch>
+            <a:fillRect/>
+          </a:stretch>
+        </p:blipFill>
+        <p:spPr>
+          <a:xfrm>
+            <a:off x="1123210" y="5343677"/>
+            <a:ext cx="4369610" cy="1154825"/>
+          </a:xfrm>
+          <a:prstGeom prst="rect">
+            <a:avLst/>
+          </a:prstGeom>
+        </p:spPr>
+      </p:pic>
+    </p:spTree>
+    <p:extLst>
+      <p:ext uri="{BB962C8B-B14F-4D97-AF65-F5344CB8AC3E}">
+        <p14:creationId xmlns:p14="http://schemas.microsoft.com/office/powerpoint/2010/main" val="1403935133"/>
+      </p:ext>
+    </p:extLst>
+  </p:cSld>
+  <p:clrMapOvr>
+    <a:masterClrMapping/>
+  </p:clrMapOvr>
+</p:sld>
+</file>
+
+<file path=ppt/slides/slide35.xml><?xml version="1.0" encoding="utf-8"?>
+<p:sld xmlns:a="http://schemas.openxmlformats.org/drawingml/2006/main" xmlns:r="http://schemas.openxmlformats.org/officeDocument/2006/relationships" xmlns:p="http://schemas.openxmlformats.org/presentationml/2006/main">
+  <p:cSld>
+    <p:spTree>
+      <p:nvGrpSpPr>
+        <p:cNvPr id="1" name=""/>
+        <p:cNvGrpSpPr/>
+        <p:nvPr/>
+      </p:nvGrpSpPr>
+      <p:grpSpPr>
+        <a:xfrm>
+          <a:off x="0" y="0"/>
+          <a:ext cx="0" cy="0"/>
+          <a:chOff x="0" y="0"/>
+          <a:chExt cx="0" cy="0"/>
+        </a:xfrm>
+      </p:grpSpPr>
+      <p:sp>
+        <p:nvSpPr>
+          <p:cNvPr id="2" name="Título 1">
+            <a:extLst>
+              <a:ext uri="{FF2B5EF4-FFF2-40B4-BE49-F238E27FC236}">
+                <a16:creationId xmlns:a16="http://schemas.microsoft.com/office/drawing/2014/main" id="{8D692F28-0EB3-DCB5-3631-5C098A06243D}"/>
+              </a:ext>
+            </a:extLst>
+          </p:cNvPr>
+          <p:cNvSpPr>
+            <a:spLocks noGrp="1"/>
+          </p:cNvSpPr>
+          <p:nvPr>
+            <p:ph type="title"/>
+          </p:nvPr>
+        </p:nvSpPr>
+        <p:spPr/>
+        <p:txBody>
+          <a:bodyPr>
+            <a:normAutofit/>
+          </a:bodyPr>
+          <a:lstStyle/>
+          <a:p>
+            <a:r>
+              <a:rPr lang="es-ES" sz="3200" dirty="0"/>
+              <a:t>CORRELATOR 2 </a:t>
+            </a:r>
+            <a:r>
+              <a:rPr lang="es-ES" sz="3200" dirty="0">
+                <a:sym typeface="Wingdings" panose="05000000000000000000" pitchFamily="2" charset="2"/>
+              </a:rPr>
+              <a:t> CONTEXT ENRICHER 2</a:t>
+            </a:r>
+            <a:endParaRPr lang="es-ES" sz="3200" dirty="0"/>
+          </a:p>
+        </p:txBody>
+      </p:sp>
+      <p:sp>
+        <p:nvSpPr>
+          <p:cNvPr id="3" name="Marcador de texto 2">
+            <a:extLst>
+              <a:ext uri="{FF2B5EF4-FFF2-40B4-BE49-F238E27FC236}">
+                <a16:creationId xmlns:a16="http://schemas.microsoft.com/office/drawing/2014/main" id="{5B493C32-E059-9D76-B9C6-68E6600AAD06}"/>
+              </a:ext>
+            </a:extLst>
+          </p:cNvPr>
+          <p:cNvSpPr>
+            <a:spLocks noGrp="1"/>
+          </p:cNvSpPr>
+          <p:nvPr>
+            <p:ph type="body" idx="1"/>
+          </p:nvPr>
+        </p:nvSpPr>
+        <p:spPr/>
+        <p:txBody>
+          <a:bodyPr/>
+          <a:lstStyle/>
+          <a:p>
+            <a:r>
+              <a:rPr lang="es-ES" dirty="0"/>
+              <a:t>Ejemplo de mensaje</a:t>
+            </a:r>
+          </a:p>
+        </p:txBody>
+      </p:sp>
+      <p:pic>
+        <p:nvPicPr>
+          <p:cNvPr id="5" name="Imagen 4" descr="Diagrama, Esquemático&#10;&#10;Descripción generada automáticamente">
+            <a:extLst>
+              <a:ext uri="{FF2B5EF4-FFF2-40B4-BE49-F238E27FC236}">
+                <a16:creationId xmlns:a16="http://schemas.microsoft.com/office/drawing/2014/main" id="{62279739-E3FF-7DA6-8301-8E5E4B5D28EF}"/>
+              </a:ext>
+            </a:extLst>
+          </p:cNvPr>
+          <p:cNvPicPr>
+            <a:picLocks noChangeAspect="1"/>
+          </p:cNvPicPr>
+          <p:nvPr/>
+        </p:nvPicPr>
+        <p:blipFill>
+          <a:blip r:embed="rId2"/>
+          <a:stretch>
+            <a:fillRect/>
+          </a:stretch>
+        </p:blipFill>
+        <p:spPr>
+          <a:xfrm>
+            <a:off x="3172121" y="806443"/>
+            <a:ext cx="5847758" cy="2896208"/>
+          </a:xfrm>
+          <a:prstGeom prst="rect">
+            <a:avLst/>
+          </a:prstGeom>
+        </p:spPr>
+      </p:pic>
+    </p:spTree>
+    <p:extLst>
+      <p:ext uri="{BB962C8B-B14F-4D97-AF65-F5344CB8AC3E}">
+        <p14:creationId xmlns:p14="http://schemas.microsoft.com/office/powerpoint/2010/main" val="747936271"/>
+      </p:ext>
+    </p:extLst>
+  </p:cSld>
+  <p:clrMapOvr>
+    <a:masterClrMapping/>
+  </p:clrMapOvr>
+</p:sld>
+</file>
+
+<file path=ppt/slides/slide36.xml><?xml version="1.0" encoding="utf-8"?>
+<p:sld xmlns:a="http://schemas.openxmlformats.org/drawingml/2006/main" xmlns:r="http://schemas.openxmlformats.org/officeDocument/2006/relationships" xmlns:p="http://schemas.openxmlformats.org/presentationml/2006/main">
+  <p:cSld>
+    <p:spTree>
+      <p:nvGrpSpPr>
+        <p:cNvPr id="1" name=""/>
+        <p:cNvGrpSpPr/>
+        <p:nvPr/>
+      </p:nvGrpSpPr>
+      <p:grpSpPr>
+        <a:xfrm>
+          <a:off x="0" y="0"/>
+          <a:ext cx="0" cy="0"/>
+          <a:chOff x="0" y="0"/>
+          <a:chExt cx="0" cy="0"/>
+        </a:xfrm>
+      </p:grpSpPr>
+      <p:sp>
+        <p:nvSpPr>
+          <p:cNvPr id="2" name="Título 1">
+            <a:extLst>
+              <a:ext uri="{FF2B5EF4-FFF2-40B4-BE49-F238E27FC236}">
+                <a16:creationId xmlns:a16="http://schemas.microsoft.com/office/drawing/2014/main" id="{699DBA93-33D6-351E-0481-1AFB90151CC0}"/>
+              </a:ext>
+            </a:extLst>
+          </p:cNvPr>
+          <p:cNvSpPr>
+            <a:spLocks noGrp="1"/>
+          </p:cNvSpPr>
+          <p:nvPr>
+            <p:ph type="title"/>
+          </p:nvPr>
+        </p:nvSpPr>
+        <p:spPr/>
+        <p:txBody>
+          <a:bodyPr/>
+          <a:lstStyle/>
+          <a:p>
+            <a:r>
+              <a:rPr lang="es-ES" dirty="0"/>
+              <a:t>Ejemplo de mensaje</a:t>
+            </a:r>
+          </a:p>
+        </p:txBody>
+      </p:sp>
+      <p:sp>
+        <p:nvSpPr>
+          <p:cNvPr id="3" name="Marcador de contenido 2">
+            <a:extLst>
+              <a:ext uri="{FF2B5EF4-FFF2-40B4-BE49-F238E27FC236}">
+                <a16:creationId xmlns:a16="http://schemas.microsoft.com/office/drawing/2014/main" id="{6DB4D1E2-59B6-68AF-2048-74B77C976BD3}"/>
+              </a:ext>
+            </a:extLst>
+          </p:cNvPr>
+          <p:cNvSpPr>
+            <a:spLocks noGrp="1"/>
+          </p:cNvSpPr>
+          <p:nvPr>
+            <p:ph idx="1"/>
+          </p:nvPr>
+        </p:nvSpPr>
+        <p:spPr>
+          <a:xfrm>
+            <a:off x="581192" y="2180497"/>
+            <a:ext cx="11029615" cy="596260"/>
+          </a:xfrm>
+        </p:spPr>
+        <p:txBody>
+          <a:bodyPr>
+            <a:normAutofit lnSpcReduction="10000"/>
+          </a:bodyPr>
+          <a:lstStyle/>
+          <a:p>
+            <a:pPr algn="just"/>
+            <a:r>
+              <a:rPr lang="es-ES" dirty="0"/>
+              <a:t>Del </a:t>
+            </a:r>
+            <a:r>
+              <a:rPr lang="es-ES" dirty="0" err="1"/>
+              <a:t>Correlator</a:t>
+            </a:r>
+            <a:r>
+              <a:rPr lang="es-ES" dirty="0"/>
+              <a:t> 2 saldrá el siguiente mensaje hacia la entrada del </a:t>
+            </a:r>
+            <a:r>
+              <a:rPr lang="es-ES" dirty="0" err="1"/>
+              <a:t>Context</a:t>
+            </a:r>
+            <a:r>
+              <a:rPr lang="es-ES" dirty="0"/>
+              <a:t> </a:t>
+            </a:r>
+            <a:r>
+              <a:rPr lang="es-ES" dirty="0" err="1"/>
+              <a:t>Enricher</a:t>
+            </a:r>
+            <a:r>
+              <a:rPr lang="es-ES" dirty="0"/>
+              <a:t> 2, en el que juntamos las asignaturas del alumno y su correo electrónico en un solo mensaje</a:t>
+            </a:r>
+          </a:p>
+        </p:txBody>
+      </p:sp>
+      <p:pic>
+        <p:nvPicPr>
+          <p:cNvPr id="6" name="Imagen 5" descr="Texto&#10;&#10;Descripción generada automáticamente">
+            <a:extLst>
+              <a:ext uri="{FF2B5EF4-FFF2-40B4-BE49-F238E27FC236}">
+                <a16:creationId xmlns:a16="http://schemas.microsoft.com/office/drawing/2014/main" id="{B97AB29C-FB27-DE56-4F5C-FC546FF149EF}"/>
+              </a:ext>
+            </a:extLst>
+          </p:cNvPr>
+          <p:cNvPicPr>
+            <a:picLocks noChangeAspect="1"/>
+          </p:cNvPicPr>
+          <p:nvPr/>
+        </p:nvPicPr>
+        <p:blipFill>
+          <a:blip r:embed="rId2"/>
+          <a:stretch>
+            <a:fillRect/>
+          </a:stretch>
+        </p:blipFill>
+        <p:spPr>
+          <a:xfrm>
+            <a:off x="1123209" y="2776757"/>
+            <a:ext cx="3720777" cy="2523555"/>
+          </a:xfrm>
+          <a:prstGeom prst="rect">
+            <a:avLst/>
+          </a:prstGeom>
+        </p:spPr>
+      </p:pic>
+      <p:pic>
+        <p:nvPicPr>
+          <p:cNvPr id="7" name="Imagen 6" descr="Texto&#10;&#10;Descripción generada automáticamente">
+            <a:extLst>
+              <a:ext uri="{FF2B5EF4-FFF2-40B4-BE49-F238E27FC236}">
+                <a16:creationId xmlns:a16="http://schemas.microsoft.com/office/drawing/2014/main" id="{B4985C98-5CE3-3883-43B5-F6EA761C5E10}"/>
+              </a:ext>
+            </a:extLst>
+          </p:cNvPr>
+          <p:cNvPicPr>
+            <a:picLocks noChangeAspect="1"/>
+          </p:cNvPicPr>
+          <p:nvPr/>
+        </p:nvPicPr>
+        <p:blipFill>
+          <a:blip r:embed="rId3"/>
+          <a:stretch>
+            <a:fillRect/>
+          </a:stretch>
+        </p:blipFill>
+        <p:spPr>
+          <a:xfrm>
+            <a:off x="1123209" y="5500741"/>
+            <a:ext cx="5240116" cy="963855"/>
+          </a:xfrm>
+          <a:prstGeom prst="rect">
+            <a:avLst/>
+          </a:prstGeom>
+        </p:spPr>
+      </p:pic>
+      <p:pic>
+        <p:nvPicPr>
+          <p:cNvPr id="10" name="Imagen 9" descr="Texto&#10;&#10;Descripción generada automáticamente">
+            <a:extLst>
+              <a:ext uri="{FF2B5EF4-FFF2-40B4-BE49-F238E27FC236}">
+                <a16:creationId xmlns:a16="http://schemas.microsoft.com/office/drawing/2014/main" id="{FAADA9B1-C4DB-D8B4-87DA-FC3C9556CED0}"/>
+              </a:ext>
+            </a:extLst>
+          </p:cNvPr>
+          <p:cNvPicPr>
+            <a:picLocks noChangeAspect="1"/>
+          </p:cNvPicPr>
+          <p:nvPr/>
+        </p:nvPicPr>
+        <p:blipFill>
+          <a:blip r:embed="rId4"/>
+          <a:stretch>
+            <a:fillRect/>
+          </a:stretch>
+        </p:blipFill>
+        <p:spPr>
+          <a:xfrm>
+            <a:off x="6412376" y="2776757"/>
+            <a:ext cx="5517354" cy="3687839"/>
+          </a:xfrm>
+          <a:prstGeom prst="rect">
+            <a:avLst/>
+          </a:prstGeom>
+        </p:spPr>
+      </p:pic>
+    </p:spTree>
+    <p:extLst>
+      <p:ext uri="{BB962C8B-B14F-4D97-AF65-F5344CB8AC3E}">
+        <p14:creationId xmlns:p14="http://schemas.microsoft.com/office/powerpoint/2010/main" val="2952860686"/>
+      </p:ext>
+    </p:extLst>
+  </p:cSld>
+  <p:clrMapOvr>
+    <a:masterClrMapping/>
+  </p:clrMapOvr>
+</p:sld>
+</file>
+
+<file path=ppt/slides/slide37.xml><?xml version="1.0" encoding="utf-8"?>
+<p:sld xmlns:a="http://schemas.openxmlformats.org/drawingml/2006/main" xmlns:r="http://schemas.openxmlformats.org/officeDocument/2006/relationships" xmlns:p="http://schemas.openxmlformats.org/presentationml/2006/main">
+  <p:cSld>
+    <p:spTree>
+      <p:nvGrpSpPr>
+        <p:cNvPr id="1" name=""/>
+        <p:cNvGrpSpPr/>
+        <p:nvPr/>
+      </p:nvGrpSpPr>
+      <p:grpSpPr>
+        <a:xfrm>
+          <a:off x="0" y="0"/>
+          <a:ext cx="0" cy="0"/>
+          <a:chOff x="0" y="0"/>
+          <a:chExt cx="0" cy="0"/>
+        </a:xfrm>
+      </p:grpSpPr>
+      <p:sp>
+        <p:nvSpPr>
+          <p:cNvPr id="2" name="Título 1">
+            <a:extLst>
+              <a:ext uri="{FF2B5EF4-FFF2-40B4-BE49-F238E27FC236}">
+                <a16:creationId xmlns:a16="http://schemas.microsoft.com/office/drawing/2014/main" id="{8D692F28-0EB3-DCB5-3631-5C098A06243D}"/>
+              </a:ext>
+            </a:extLst>
+          </p:cNvPr>
+          <p:cNvSpPr>
+            <a:spLocks noGrp="1"/>
+          </p:cNvSpPr>
+          <p:nvPr>
+            <p:ph type="title"/>
+          </p:nvPr>
+        </p:nvSpPr>
+        <p:spPr/>
+        <p:txBody>
+          <a:bodyPr>
+            <a:normAutofit/>
+          </a:bodyPr>
+          <a:lstStyle/>
+          <a:p>
+            <a:r>
+              <a:rPr lang="es-ES" sz="3200" dirty="0">
+                <a:sym typeface="Wingdings" panose="05000000000000000000" pitchFamily="2" charset="2"/>
+              </a:rPr>
+              <a:t>CONTEXT ENRICHER 1</a:t>
+            </a:r>
+            <a:r>
+              <a:rPr lang="es-ES" sz="3200" dirty="0"/>
+              <a:t> </a:t>
+            </a:r>
+            <a:r>
+              <a:rPr lang="es-ES" sz="3200" dirty="0">
+                <a:sym typeface="Wingdings" panose="05000000000000000000" pitchFamily="2" charset="2"/>
+              </a:rPr>
+              <a:t> </a:t>
+            </a:r>
+            <a:r>
+              <a:rPr lang="es-ES" sz="3200" dirty="0" err="1">
+                <a:sym typeface="Wingdings" panose="05000000000000000000" pitchFamily="2" charset="2"/>
+              </a:rPr>
+              <a:t>Filter</a:t>
+            </a:r>
+            <a:r>
+              <a:rPr lang="es-ES" sz="3200" dirty="0">
+                <a:sym typeface="Wingdings" panose="05000000000000000000" pitchFamily="2" charset="2"/>
+              </a:rPr>
+              <a:t> 1</a:t>
+            </a:r>
+            <a:endParaRPr lang="es-ES" sz="3200" dirty="0"/>
+          </a:p>
+        </p:txBody>
+      </p:sp>
+      <p:sp>
+        <p:nvSpPr>
+          <p:cNvPr id="3" name="Marcador de texto 2">
+            <a:extLst>
+              <a:ext uri="{FF2B5EF4-FFF2-40B4-BE49-F238E27FC236}">
+                <a16:creationId xmlns:a16="http://schemas.microsoft.com/office/drawing/2014/main" id="{5B493C32-E059-9D76-B9C6-68E6600AAD06}"/>
+              </a:ext>
+            </a:extLst>
+          </p:cNvPr>
+          <p:cNvSpPr>
+            <a:spLocks noGrp="1"/>
+          </p:cNvSpPr>
+          <p:nvPr>
+            <p:ph type="body" idx="1"/>
+          </p:nvPr>
+        </p:nvSpPr>
+        <p:spPr/>
+        <p:txBody>
+          <a:bodyPr/>
+          <a:lstStyle/>
+          <a:p>
+            <a:r>
+              <a:rPr lang="es-ES" dirty="0"/>
+              <a:t>Ejemplo de mensaje</a:t>
+            </a:r>
+          </a:p>
+        </p:txBody>
+      </p:sp>
+      <p:pic>
+        <p:nvPicPr>
+          <p:cNvPr id="6" name="Imagen 5" descr="Diagrama&#10;&#10;Descripción generada automáticamente">
+            <a:extLst>
+              <a:ext uri="{FF2B5EF4-FFF2-40B4-BE49-F238E27FC236}">
+                <a16:creationId xmlns:a16="http://schemas.microsoft.com/office/drawing/2014/main" id="{8F11CEC3-3AF8-3161-2266-CBA2A633D46B}"/>
+              </a:ext>
+            </a:extLst>
+          </p:cNvPr>
+          <p:cNvPicPr>
+            <a:picLocks noChangeAspect="1"/>
+          </p:cNvPicPr>
+          <p:nvPr/>
+        </p:nvPicPr>
+        <p:blipFill>
+          <a:blip r:embed="rId2"/>
+          <a:stretch>
+            <a:fillRect/>
+          </a:stretch>
+        </p:blipFill>
+        <p:spPr>
+          <a:xfrm>
+            <a:off x="2921293" y="679254"/>
+            <a:ext cx="6349414" cy="3032820"/>
+          </a:xfrm>
+          <a:prstGeom prst="rect">
+            <a:avLst/>
+          </a:prstGeom>
+        </p:spPr>
+      </p:pic>
+    </p:spTree>
+    <p:extLst>
+      <p:ext uri="{BB962C8B-B14F-4D97-AF65-F5344CB8AC3E}">
+        <p14:creationId xmlns:p14="http://schemas.microsoft.com/office/powerpoint/2010/main" val="429043197"/>
+      </p:ext>
+    </p:extLst>
+  </p:cSld>
+  <p:clrMapOvr>
+    <a:masterClrMapping/>
+  </p:clrMapOvr>
+</p:sld>
+</file>
+
+<file path=ppt/slides/slide38.xml><?xml version="1.0" encoding="utf-8"?>
+<p:sld xmlns:a="http://schemas.openxmlformats.org/drawingml/2006/main" xmlns:r="http://schemas.openxmlformats.org/officeDocument/2006/relationships" xmlns:p="http://schemas.openxmlformats.org/presentationml/2006/main">
+  <p:cSld>
+    <p:spTree>
+      <p:nvGrpSpPr>
+        <p:cNvPr id="1" name=""/>
+        <p:cNvGrpSpPr/>
+        <p:nvPr/>
+      </p:nvGrpSpPr>
+      <p:grpSpPr>
+        <a:xfrm>
+          <a:off x="0" y="0"/>
+          <a:ext cx="0" cy="0"/>
+          <a:chOff x="0" y="0"/>
+          <a:chExt cx="0" cy="0"/>
+        </a:xfrm>
+      </p:grpSpPr>
+      <p:sp>
+        <p:nvSpPr>
+          <p:cNvPr id="2" name="Título 1">
+            <a:extLst>
+              <a:ext uri="{FF2B5EF4-FFF2-40B4-BE49-F238E27FC236}">
+                <a16:creationId xmlns:a16="http://schemas.microsoft.com/office/drawing/2014/main" id="{699DBA93-33D6-351E-0481-1AFB90151CC0}"/>
+              </a:ext>
+            </a:extLst>
+          </p:cNvPr>
+          <p:cNvSpPr>
+            <a:spLocks noGrp="1"/>
+          </p:cNvSpPr>
+          <p:nvPr>
+            <p:ph type="title"/>
+          </p:nvPr>
+        </p:nvSpPr>
+        <p:spPr/>
+        <p:txBody>
+          <a:bodyPr/>
+          <a:lstStyle/>
+          <a:p>
+            <a:r>
+              <a:rPr lang="es-ES" dirty="0"/>
+              <a:t>Ejemplo de mensaje</a:t>
+            </a:r>
+          </a:p>
+        </p:txBody>
+      </p:sp>
+      <p:sp>
+        <p:nvSpPr>
+          <p:cNvPr id="3" name="Marcador de contenido 2">
+            <a:extLst>
+              <a:ext uri="{FF2B5EF4-FFF2-40B4-BE49-F238E27FC236}">
+                <a16:creationId xmlns:a16="http://schemas.microsoft.com/office/drawing/2014/main" id="{6DB4D1E2-59B6-68AF-2048-74B77C976BD3}"/>
+              </a:ext>
+            </a:extLst>
+          </p:cNvPr>
+          <p:cNvSpPr>
+            <a:spLocks noGrp="1"/>
+          </p:cNvSpPr>
+          <p:nvPr>
+            <p:ph idx="1"/>
+          </p:nvPr>
+        </p:nvSpPr>
+        <p:spPr>
+          <a:xfrm>
+            <a:off x="581192" y="2180497"/>
+            <a:ext cx="11029615" cy="596260"/>
+          </a:xfrm>
+        </p:spPr>
+        <p:txBody>
+          <a:bodyPr>
+            <a:normAutofit lnSpcReduction="10000"/>
+          </a:bodyPr>
+          <a:lstStyle/>
+          <a:p>
+            <a:pPr algn="just"/>
+            <a:r>
+              <a:rPr lang="es-ES" dirty="0"/>
+              <a:t>Del </a:t>
+            </a:r>
+            <a:r>
+              <a:rPr lang="es-ES" dirty="0" err="1"/>
+              <a:t>Context</a:t>
+            </a:r>
+            <a:r>
+              <a:rPr lang="es-ES" dirty="0"/>
+              <a:t> </a:t>
+            </a:r>
+            <a:r>
+              <a:rPr lang="es-ES" dirty="0" err="1"/>
+              <a:t>Enricher</a:t>
+            </a:r>
+            <a:r>
+              <a:rPr lang="es-ES" dirty="0"/>
+              <a:t> 1 saldrá el siguiente mensaje hacia la entrada del </a:t>
+            </a:r>
+            <a:r>
+              <a:rPr lang="es-ES" dirty="0" err="1"/>
+              <a:t>Filter</a:t>
+            </a:r>
+            <a:r>
+              <a:rPr lang="es-ES" dirty="0"/>
+              <a:t> 1, en el que filtraremos si el alumno tiene teléfono o no. </a:t>
+            </a:r>
+          </a:p>
+        </p:txBody>
+      </p:sp>
+      <p:pic>
+        <p:nvPicPr>
+          <p:cNvPr id="4" name="Imagen 3" descr="Texto&#10;&#10;Descripción generada automáticamente">
+            <a:extLst>
+              <a:ext uri="{FF2B5EF4-FFF2-40B4-BE49-F238E27FC236}">
+                <a16:creationId xmlns:a16="http://schemas.microsoft.com/office/drawing/2014/main" id="{80D9136C-DB44-DDE1-224A-4FEE5B2EEF6F}"/>
+              </a:ext>
+            </a:extLst>
+          </p:cNvPr>
+          <p:cNvPicPr>
+            <a:picLocks noChangeAspect="1"/>
+          </p:cNvPicPr>
+          <p:nvPr/>
+        </p:nvPicPr>
+        <p:blipFill>
+          <a:blip r:embed="rId2"/>
+          <a:stretch>
+            <a:fillRect/>
+          </a:stretch>
+        </p:blipFill>
+        <p:spPr>
+          <a:xfrm>
+            <a:off x="3711433" y="2776757"/>
+            <a:ext cx="4769131" cy="3953764"/>
+          </a:xfrm>
+          <a:prstGeom prst="rect">
+            <a:avLst/>
+          </a:prstGeom>
+        </p:spPr>
+      </p:pic>
+    </p:spTree>
+    <p:extLst>
+      <p:ext uri="{BB962C8B-B14F-4D97-AF65-F5344CB8AC3E}">
+        <p14:creationId xmlns:p14="http://schemas.microsoft.com/office/powerpoint/2010/main" val="3038768747"/>
+      </p:ext>
+    </p:extLst>
+  </p:cSld>
+  <p:clrMapOvr>
+    <a:masterClrMapping/>
+  </p:clrMapOvr>
+</p:sld>
+</file>
+
+<file path=ppt/slides/slide39.xml><?xml version="1.0" encoding="utf-8"?>
+<p:sld xmlns:a="http://schemas.openxmlformats.org/drawingml/2006/main" xmlns:r="http://schemas.openxmlformats.org/officeDocument/2006/relationships" xmlns:p="http://schemas.openxmlformats.org/presentationml/2006/main">
+  <p:cSld>
+    <p:spTree>
+      <p:nvGrpSpPr>
+        <p:cNvPr id="1" name=""/>
+        <p:cNvGrpSpPr/>
+        <p:nvPr/>
+      </p:nvGrpSpPr>
+      <p:grpSpPr>
+        <a:xfrm>
+          <a:off x="0" y="0"/>
+          <a:ext cx="0" cy="0"/>
+          <a:chOff x="0" y="0"/>
+          <a:chExt cx="0" cy="0"/>
+        </a:xfrm>
+      </p:grpSpPr>
+      <p:sp>
+        <p:nvSpPr>
+          <p:cNvPr id="2" name="Título 1">
+            <a:extLst>
+              <a:ext uri="{FF2B5EF4-FFF2-40B4-BE49-F238E27FC236}">
+                <a16:creationId xmlns:a16="http://schemas.microsoft.com/office/drawing/2014/main" id="{8D692F28-0EB3-DCB5-3631-5C098A06243D}"/>
+              </a:ext>
+            </a:extLst>
+          </p:cNvPr>
+          <p:cNvSpPr>
+            <a:spLocks noGrp="1"/>
+          </p:cNvSpPr>
+          <p:nvPr>
+            <p:ph type="title"/>
+          </p:nvPr>
+        </p:nvSpPr>
+        <p:spPr/>
+        <p:txBody>
+          <a:bodyPr>
+            <a:normAutofit/>
+          </a:bodyPr>
+          <a:lstStyle/>
+          <a:p>
+            <a:r>
+              <a:rPr lang="es-ES" sz="3200" dirty="0" err="1">
+                <a:sym typeface="Wingdings" panose="05000000000000000000" pitchFamily="2" charset="2"/>
+              </a:rPr>
+              <a:t>Filter</a:t>
+            </a:r>
+            <a:r>
+              <a:rPr lang="es-ES" sz="3200" dirty="0">
+                <a:sym typeface="Wingdings" panose="05000000000000000000" pitchFamily="2" charset="2"/>
+              </a:rPr>
+              <a:t> 1  </a:t>
+            </a:r>
+            <a:r>
+              <a:rPr lang="es-ES" sz="3200" dirty="0" err="1">
+                <a:sym typeface="Wingdings" panose="05000000000000000000" pitchFamily="2" charset="2"/>
+              </a:rPr>
+              <a:t>Translator</a:t>
+            </a:r>
+            <a:r>
+              <a:rPr lang="es-ES" sz="3200" dirty="0">
+                <a:sym typeface="Wingdings" panose="05000000000000000000" pitchFamily="2" charset="2"/>
+              </a:rPr>
+              <a:t> 3</a:t>
+            </a:r>
+            <a:endParaRPr lang="es-ES" sz="3200" dirty="0"/>
+          </a:p>
+        </p:txBody>
+      </p:sp>
+      <p:sp>
+        <p:nvSpPr>
+          <p:cNvPr id="3" name="Marcador de texto 2">
+            <a:extLst>
+              <a:ext uri="{FF2B5EF4-FFF2-40B4-BE49-F238E27FC236}">
+                <a16:creationId xmlns:a16="http://schemas.microsoft.com/office/drawing/2014/main" id="{5B493C32-E059-9D76-B9C6-68E6600AAD06}"/>
+              </a:ext>
+            </a:extLst>
+          </p:cNvPr>
+          <p:cNvSpPr>
+            <a:spLocks noGrp="1"/>
+          </p:cNvSpPr>
+          <p:nvPr>
+            <p:ph type="body" idx="1"/>
+          </p:nvPr>
+        </p:nvSpPr>
+        <p:spPr/>
+        <p:txBody>
+          <a:bodyPr/>
+          <a:lstStyle/>
+          <a:p>
+            <a:r>
+              <a:rPr lang="es-ES" dirty="0"/>
+              <a:t>Ejemplo de mensaje</a:t>
+            </a:r>
+          </a:p>
+        </p:txBody>
+      </p:sp>
+      <p:pic>
+        <p:nvPicPr>
+          <p:cNvPr id="5" name="Imagen 4" descr="Diagrama&#10;&#10;Descripción generada automáticamente">
+            <a:extLst>
+              <a:ext uri="{FF2B5EF4-FFF2-40B4-BE49-F238E27FC236}">
+                <a16:creationId xmlns:a16="http://schemas.microsoft.com/office/drawing/2014/main" id="{9415062D-A549-DB05-C8FE-14840801FEDA}"/>
+              </a:ext>
+            </a:extLst>
+          </p:cNvPr>
+          <p:cNvPicPr>
+            <a:picLocks noChangeAspect="1"/>
+          </p:cNvPicPr>
+          <p:nvPr/>
+        </p:nvPicPr>
+        <p:blipFill>
+          <a:blip r:embed="rId2"/>
+          <a:stretch>
+            <a:fillRect/>
+          </a:stretch>
+        </p:blipFill>
+        <p:spPr>
+          <a:xfrm>
+            <a:off x="4998934" y="612858"/>
+            <a:ext cx="2092435" cy="3491309"/>
+          </a:xfrm>
+          <a:prstGeom prst="rect">
+            <a:avLst/>
+          </a:prstGeom>
+        </p:spPr>
+      </p:pic>
+    </p:spTree>
+    <p:extLst>
+      <p:ext uri="{BB962C8B-B14F-4D97-AF65-F5344CB8AC3E}">
+        <p14:creationId xmlns:p14="http://schemas.microsoft.com/office/powerpoint/2010/main" val="1906865571"/>
       </p:ext>
     </p:extLst>
   </p:cSld>
@@ -7669,6 +9936,933 @@
     <p:extLst>
       <p:ext uri="{BB962C8B-B14F-4D97-AF65-F5344CB8AC3E}">
         <p14:creationId xmlns:p14="http://schemas.microsoft.com/office/powerpoint/2010/main" val="1339968158"/>
+      </p:ext>
+    </p:extLst>
+  </p:cSld>
+  <p:clrMapOvr>
+    <a:masterClrMapping/>
+  </p:clrMapOvr>
+</p:sld>
+</file>
+
+<file path=ppt/slides/slide40.xml><?xml version="1.0" encoding="utf-8"?>
+<p:sld xmlns:a="http://schemas.openxmlformats.org/drawingml/2006/main" xmlns:r="http://schemas.openxmlformats.org/officeDocument/2006/relationships" xmlns:p="http://schemas.openxmlformats.org/presentationml/2006/main">
+  <p:cSld>
+    <p:spTree>
+      <p:nvGrpSpPr>
+        <p:cNvPr id="1" name=""/>
+        <p:cNvGrpSpPr/>
+        <p:nvPr/>
+      </p:nvGrpSpPr>
+      <p:grpSpPr>
+        <a:xfrm>
+          <a:off x="0" y="0"/>
+          <a:ext cx="0" cy="0"/>
+          <a:chOff x="0" y="0"/>
+          <a:chExt cx="0" cy="0"/>
+        </a:xfrm>
+      </p:grpSpPr>
+      <p:sp>
+        <p:nvSpPr>
+          <p:cNvPr id="2" name="Título 1">
+            <a:extLst>
+              <a:ext uri="{FF2B5EF4-FFF2-40B4-BE49-F238E27FC236}">
+                <a16:creationId xmlns:a16="http://schemas.microsoft.com/office/drawing/2014/main" id="{699DBA93-33D6-351E-0481-1AFB90151CC0}"/>
+              </a:ext>
+            </a:extLst>
+          </p:cNvPr>
+          <p:cNvSpPr>
+            <a:spLocks noGrp="1"/>
+          </p:cNvSpPr>
+          <p:nvPr>
+            <p:ph type="title"/>
+          </p:nvPr>
+        </p:nvSpPr>
+        <p:spPr/>
+        <p:txBody>
+          <a:bodyPr/>
+          <a:lstStyle/>
+          <a:p>
+            <a:r>
+              <a:rPr lang="es-ES" dirty="0"/>
+              <a:t>Ejemplo de mensaje</a:t>
+            </a:r>
+          </a:p>
+        </p:txBody>
+      </p:sp>
+      <p:sp>
+        <p:nvSpPr>
+          <p:cNvPr id="3" name="Marcador de contenido 2">
+            <a:extLst>
+              <a:ext uri="{FF2B5EF4-FFF2-40B4-BE49-F238E27FC236}">
+                <a16:creationId xmlns:a16="http://schemas.microsoft.com/office/drawing/2014/main" id="{6DB4D1E2-59B6-68AF-2048-74B77C976BD3}"/>
+              </a:ext>
+            </a:extLst>
+          </p:cNvPr>
+          <p:cNvSpPr>
+            <a:spLocks noGrp="1"/>
+          </p:cNvSpPr>
+          <p:nvPr>
+            <p:ph idx="1"/>
+          </p:nvPr>
+        </p:nvSpPr>
+        <p:spPr>
+          <a:xfrm>
+            <a:off x="581192" y="2180497"/>
+            <a:ext cx="11029615" cy="596260"/>
+          </a:xfrm>
+        </p:spPr>
+        <p:txBody>
+          <a:bodyPr>
+            <a:normAutofit lnSpcReduction="10000"/>
+          </a:bodyPr>
+          <a:lstStyle/>
+          <a:p>
+            <a:pPr algn="just"/>
+            <a:r>
+              <a:rPr lang="es-ES" dirty="0"/>
+              <a:t>Del </a:t>
+            </a:r>
+            <a:r>
+              <a:rPr lang="es-ES" dirty="0" err="1"/>
+              <a:t>Filter</a:t>
+            </a:r>
+            <a:r>
+              <a:rPr lang="es-ES" dirty="0"/>
+              <a:t> 1 saldrá el siguiente mensaje hacia la entrada del </a:t>
+            </a:r>
+            <a:r>
+              <a:rPr lang="es-ES" dirty="0" err="1"/>
+              <a:t>Translator</a:t>
+            </a:r>
+            <a:r>
+              <a:rPr lang="es-ES" dirty="0"/>
+              <a:t> 3, en el que traduciremos el mensaje a un formato que sea capaz de interpretar el sistema SMS Gateway</a:t>
+            </a:r>
+          </a:p>
+        </p:txBody>
+      </p:sp>
+      <p:pic>
+        <p:nvPicPr>
+          <p:cNvPr id="4" name="Imagen 3" descr="Texto&#10;&#10;Descripción generada automáticamente">
+            <a:extLst>
+              <a:ext uri="{FF2B5EF4-FFF2-40B4-BE49-F238E27FC236}">
+                <a16:creationId xmlns:a16="http://schemas.microsoft.com/office/drawing/2014/main" id="{80D9136C-DB44-DDE1-224A-4FEE5B2EEF6F}"/>
+              </a:ext>
+            </a:extLst>
+          </p:cNvPr>
+          <p:cNvPicPr>
+            <a:picLocks noChangeAspect="1"/>
+          </p:cNvPicPr>
+          <p:nvPr/>
+        </p:nvPicPr>
+        <p:blipFill>
+          <a:blip r:embed="rId2"/>
+          <a:stretch>
+            <a:fillRect/>
+          </a:stretch>
+        </p:blipFill>
+        <p:spPr>
+          <a:xfrm>
+            <a:off x="3711433" y="2776757"/>
+            <a:ext cx="4769131" cy="3953764"/>
+          </a:xfrm>
+          <a:prstGeom prst="rect">
+            <a:avLst/>
+          </a:prstGeom>
+        </p:spPr>
+      </p:pic>
+    </p:spTree>
+    <p:extLst>
+      <p:ext uri="{BB962C8B-B14F-4D97-AF65-F5344CB8AC3E}">
+        <p14:creationId xmlns:p14="http://schemas.microsoft.com/office/powerpoint/2010/main" val="1762352346"/>
+      </p:ext>
+    </p:extLst>
+  </p:cSld>
+  <p:clrMapOvr>
+    <a:masterClrMapping/>
+  </p:clrMapOvr>
+</p:sld>
+</file>
+
+<file path=ppt/slides/slide41.xml><?xml version="1.0" encoding="utf-8"?>
+<p:sld xmlns:a="http://schemas.openxmlformats.org/drawingml/2006/main" xmlns:r="http://schemas.openxmlformats.org/officeDocument/2006/relationships" xmlns:p="http://schemas.openxmlformats.org/presentationml/2006/main">
+  <p:cSld>
+    <p:spTree>
+      <p:nvGrpSpPr>
+        <p:cNvPr id="1" name=""/>
+        <p:cNvGrpSpPr/>
+        <p:nvPr/>
+      </p:nvGrpSpPr>
+      <p:grpSpPr>
+        <a:xfrm>
+          <a:off x="0" y="0"/>
+          <a:ext cx="0" cy="0"/>
+          <a:chOff x="0" y="0"/>
+          <a:chExt cx="0" cy="0"/>
+        </a:xfrm>
+      </p:grpSpPr>
+      <p:sp>
+        <p:nvSpPr>
+          <p:cNvPr id="2" name="Título 1">
+            <a:extLst>
+              <a:ext uri="{FF2B5EF4-FFF2-40B4-BE49-F238E27FC236}">
+                <a16:creationId xmlns:a16="http://schemas.microsoft.com/office/drawing/2014/main" id="{8D692F28-0EB3-DCB5-3631-5C098A06243D}"/>
+              </a:ext>
+            </a:extLst>
+          </p:cNvPr>
+          <p:cNvSpPr>
+            <a:spLocks noGrp="1"/>
+          </p:cNvSpPr>
+          <p:nvPr>
+            <p:ph type="title"/>
+          </p:nvPr>
+        </p:nvSpPr>
+        <p:spPr/>
+        <p:txBody>
+          <a:bodyPr>
+            <a:normAutofit/>
+          </a:bodyPr>
+          <a:lstStyle/>
+          <a:p>
+            <a:r>
+              <a:rPr lang="es-ES" sz="3200" dirty="0" err="1">
+                <a:sym typeface="Wingdings" panose="05000000000000000000" pitchFamily="2" charset="2"/>
+              </a:rPr>
+              <a:t>Translator</a:t>
+            </a:r>
+            <a:r>
+              <a:rPr lang="es-ES" sz="3200" dirty="0">
+                <a:sym typeface="Wingdings" panose="05000000000000000000" pitchFamily="2" charset="2"/>
+              </a:rPr>
+              <a:t> 3 SMS GATEWAY</a:t>
+            </a:r>
+            <a:endParaRPr lang="es-ES" sz="3200" dirty="0"/>
+          </a:p>
+        </p:txBody>
+      </p:sp>
+      <p:sp>
+        <p:nvSpPr>
+          <p:cNvPr id="3" name="Marcador de texto 2">
+            <a:extLst>
+              <a:ext uri="{FF2B5EF4-FFF2-40B4-BE49-F238E27FC236}">
+                <a16:creationId xmlns:a16="http://schemas.microsoft.com/office/drawing/2014/main" id="{5B493C32-E059-9D76-B9C6-68E6600AAD06}"/>
+              </a:ext>
+            </a:extLst>
+          </p:cNvPr>
+          <p:cNvSpPr>
+            <a:spLocks noGrp="1"/>
+          </p:cNvSpPr>
+          <p:nvPr>
+            <p:ph type="body" idx="1"/>
+          </p:nvPr>
+        </p:nvSpPr>
+        <p:spPr/>
+        <p:txBody>
+          <a:bodyPr/>
+          <a:lstStyle/>
+          <a:p>
+            <a:r>
+              <a:rPr lang="es-ES" dirty="0"/>
+              <a:t>Ejemplo de mensaje</a:t>
+            </a:r>
+          </a:p>
+        </p:txBody>
+      </p:sp>
+      <p:pic>
+        <p:nvPicPr>
+          <p:cNvPr id="6" name="Imagen 5" descr="Diagrama&#10;&#10;Descripción generada automáticamente">
+            <a:extLst>
+              <a:ext uri="{FF2B5EF4-FFF2-40B4-BE49-F238E27FC236}">
+                <a16:creationId xmlns:a16="http://schemas.microsoft.com/office/drawing/2014/main" id="{9C9808A5-2645-1253-ECB9-F1E6FD43D01A}"/>
+              </a:ext>
+            </a:extLst>
+          </p:cNvPr>
+          <p:cNvPicPr>
+            <a:picLocks noChangeAspect="1"/>
+          </p:cNvPicPr>
+          <p:nvPr/>
+        </p:nvPicPr>
+        <p:blipFill>
+          <a:blip r:embed="rId2"/>
+          <a:stretch>
+            <a:fillRect/>
+          </a:stretch>
+        </p:blipFill>
+        <p:spPr>
+          <a:xfrm>
+            <a:off x="5352945" y="602479"/>
+            <a:ext cx="1196711" cy="3413696"/>
+          </a:xfrm>
+          <a:prstGeom prst="rect">
+            <a:avLst/>
+          </a:prstGeom>
+        </p:spPr>
+      </p:pic>
+    </p:spTree>
+    <p:extLst>
+      <p:ext uri="{BB962C8B-B14F-4D97-AF65-F5344CB8AC3E}">
+        <p14:creationId xmlns:p14="http://schemas.microsoft.com/office/powerpoint/2010/main" val="3089249106"/>
+      </p:ext>
+    </p:extLst>
+  </p:cSld>
+  <p:clrMapOvr>
+    <a:masterClrMapping/>
+  </p:clrMapOvr>
+</p:sld>
+</file>
+
+<file path=ppt/slides/slide42.xml><?xml version="1.0" encoding="utf-8"?>
+<p:sld xmlns:a="http://schemas.openxmlformats.org/drawingml/2006/main" xmlns:r="http://schemas.openxmlformats.org/officeDocument/2006/relationships" xmlns:p="http://schemas.openxmlformats.org/presentationml/2006/main">
+  <p:cSld>
+    <p:spTree>
+      <p:nvGrpSpPr>
+        <p:cNvPr id="1" name=""/>
+        <p:cNvGrpSpPr/>
+        <p:nvPr/>
+      </p:nvGrpSpPr>
+      <p:grpSpPr>
+        <a:xfrm>
+          <a:off x="0" y="0"/>
+          <a:ext cx="0" cy="0"/>
+          <a:chOff x="0" y="0"/>
+          <a:chExt cx="0" cy="0"/>
+        </a:xfrm>
+      </p:grpSpPr>
+      <p:sp>
+        <p:nvSpPr>
+          <p:cNvPr id="2" name="Título 1">
+            <a:extLst>
+              <a:ext uri="{FF2B5EF4-FFF2-40B4-BE49-F238E27FC236}">
+                <a16:creationId xmlns:a16="http://schemas.microsoft.com/office/drawing/2014/main" id="{699DBA93-33D6-351E-0481-1AFB90151CC0}"/>
+              </a:ext>
+            </a:extLst>
+          </p:cNvPr>
+          <p:cNvSpPr>
+            <a:spLocks noGrp="1"/>
+          </p:cNvSpPr>
+          <p:nvPr>
+            <p:ph type="title"/>
+          </p:nvPr>
+        </p:nvSpPr>
+        <p:spPr/>
+        <p:txBody>
+          <a:bodyPr/>
+          <a:lstStyle/>
+          <a:p>
+            <a:r>
+              <a:rPr lang="es-ES" dirty="0"/>
+              <a:t>Ejemplo de mensaje</a:t>
+            </a:r>
+          </a:p>
+        </p:txBody>
+      </p:sp>
+      <p:sp>
+        <p:nvSpPr>
+          <p:cNvPr id="3" name="Marcador de contenido 2">
+            <a:extLst>
+              <a:ext uri="{FF2B5EF4-FFF2-40B4-BE49-F238E27FC236}">
+                <a16:creationId xmlns:a16="http://schemas.microsoft.com/office/drawing/2014/main" id="{6DB4D1E2-59B6-68AF-2048-74B77C976BD3}"/>
+              </a:ext>
+            </a:extLst>
+          </p:cNvPr>
+          <p:cNvSpPr>
+            <a:spLocks noGrp="1"/>
+          </p:cNvSpPr>
+          <p:nvPr>
+            <p:ph idx="1"/>
+          </p:nvPr>
+        </p:nvSpPr>
+        <p:spPr>
+          <a:xfrm>
+            <a:off x="581192" y="2180497"/>
+            <a:ext cx="11029615" cy="596260"/>
+          </a:xfrm>
+        </p:spPr>
+        <p:txBody>
+          <a:bodyPr>
+            <a:normAutofit lnSpcReduction="10000"/>
+          </a:bodyPr>
+          <a:lstStyle/>
+          <a:p>
+            <a:pPr algn="just"/>
+            <a:r>
+              <a:rPr lang="es-ES" dirty="0"/>
+              <a:t>Del </a:t>
+            </a:r>
+            <a:r>
+              <a:rPr lang="es-ES" dirty="0" err="1"/>
+              <a:t>Translator</a:t>
+            </a:r>
+            <a:r>
+              <a:rPr lang="es-ES" dirty="0"/>
+              <a:t> 3 saldrá el siguiente mensaje hacia la entrada del SMS Gateway, en el que enviaremos en el mensaje final, el teléfono del alumno junto con el nombre la asignatura y su calificación correspondiente</a:t>
+            </a:r>
+          </a:p>
+        </p:txBody>
+      </p:sp>
+      <p:pic>
+        <p:nvPicPr>
+          <p:cNvPr id="8" name="Imagen 7" descr="Texto&#10;&#10;Descripción generada automáticamente">
+            <a:extLst>
+              <a:ext uri="{FF2B5EF4-FFF2-40B4-BE49-F238E27FC236}">
+                <a16:creationId xmlns:a16="http://schemas.microsoft.com/office/drawing/2014/main" id="{321125DD-1B64-B5BB-0CCB-E86E1F20E483}"/>
+              </a:ext>
+            </a:extLst>
+          </p:cNvPr>
+          <p:cNvPicPr>
+            <a:picLocks noChangeAspect="1"/>
+          </p:cNvPicPr>
+          <p:nvPr/>
+        </p:nvPicPr>
+        <p:blipFill>
+          <a:blip r:embed="rId2"/>
+          <a:stretch>
+            <a:fillRect/>
+          </a:stretch>
+        </p:blipFill>
+        <p:spPr>
+          <a:xfrm>
+            <a:off x="747584" y="2952683"/>
+            <a:ext cx="10696831" cy="1566154"/>
+          </a:xfrm>
+          <a:prstGeom prst="rect">
+            <a:avLst/>
+          </a:prstGeom>
+        </p:spPr>
+      </p:pic>
+    </p:spTree>
+    <p:extLst>
+      <p:ext uri="{BB962C8B-B14F-4D97-AF65-F5344CB8AC3E}">
+        <p14:creationId xmlns:p14="http://schemas.microsoft.com/office/powerpoint/2010/main" val="1909711239"/>
+      </p:ext>
+    </p:extLst>
+  </p:cSld>
+  <p:clrMapOvr>
+    <a:masterClrMapping/>
+  </p:clrMapOvr>
+</p:sld>
+</file>
+
+<file path=ppt/slides/slide43.xml><?xml version="1.0" encoding="utf-8"?>
+<p:sld xmlns:a="http://schemas.openxmlformats.org/drawingml/2006/main" xmlns:r="http://schemas.openxmlformats.org/officeDocument/2006/relationships" xmlns:p="http://schemas.openxmlformats.org/presentationml/2006/main">
+  <p:cSld>
+    <p:spTree>
+      <p:nvGrpSpPr>
+        <p:cNvPr id="1" name=""/>
+        <p:cNvGrpSpPr/>
+        <p:nvPr/>
+      </p:nvGrpSpPr>
+      <p:grpSpPr>
+        <a:xfrm>
+          <a:off x="0" y="0"/>
+          <a:ext cx="0" cy="0"/>
+          <a:chOff x="0" y="0"/>
+          <a:chExt cx="0" cy="0"/>
+        </a:xfrm>
+      </p:grpSpPr>
+      <p:sp>
+        <p:nvSpPr>
+          <p:cNvPr id="2" name="Título 1">
+            <a:extLst>
+              <a:ext uri="{FF2B5EF4-FFF2-40B4-BE49-F238E27FC236}">
+                <a16:creationId xmlns:a16="http://schemas.microsoft.com/office/drawing/2014/main" id="{8D692F28-0EB3-DCB5-3631-5C098A06243D}"/>
+              </a:ext>
+            </a:extLst>
+          </p:cNvPr>
+          <p:cNvSpPr>
+            <a:spLocks noGrp="1"/>
+          </p:cNvSpPr>
+          <p:nvPr>
+            <p:ph type="title"/>
+          </p:nvPr>
+        </p:nvSpPr>
+        <p:spPr/>
+        <p:txBody>
+          <a:bodyPr>
+            <a:normAutofit/>
+          </a:bodyPr>
+          <a:lstStyle/>
+          <a:p>
+            <a:r>
+              <a:rPr lang="es-ES" sz="3200" dirty="0">
+                <a:sym typeface="Wingdings" panose="05000000000000000000" pitchFamily="2" charset="2"/>
+              </a:rPr>
+              <a:t>CONTEXT ENRICHER 2 TRANSLATOR 2</a:t>
+            </a:r>
+            <a:endParaRPr lang="es-ES" sz="3200" dirty="0"/>
+          </a:p>
+        </p:txBody>
+      </p:sp>
+      <p:sp>
+        <p:nvSpPr>
+          <p:cNvPr id="3" name="Marcador de texto 2">
+            <a:extLst>
+              <a:ext uri="{FF2B5EF4-FFF2-40B4-BE49-F238E27FC236}">
+                <a16:creationId xmlns:a16="http://schemas.microsoft.com/office/drawing/2014/main" id="{5B493C32-E059-9D76-B9C6-68E6600AAD06}"/>
+              </a:ext>
+            </a:extLst>
+          </p:cNvPr>
+          <p:cNvSpPr>
+            <a:spLocks noGrp="1"/>
+          </p:cNvSpPr>
+          <p:nvPr>
+            <p:ph type="body" idx="1"/>
+          </p:nvPr>
+        </p:nvSpPr>
+        <p:spPr/>
+        <p:txBody>
+          <a:bodyPr/>
+          <a:lstStyle/>
+          <a:p>
+            <a:r>
+              <a:rPr lang="es-ES" dirty="0"/>
+              <a:t>Ejemplo de mensaje</a:t>
+            </a:r>
+          </a:p>
+        </p:txBody>
+      </p:sp>
+      <p:pic>
+        <p:nvPicPr>
+          <p:cNvPr id="5" name="Imagen 4" descr="Interfaz de usuario gráfica, Aplicación&#10;&#10;Descripción generada automáticamente con confianza media">
+            <a:extLst>
+              <a:ext uri="{FF2B5EF4-FFF2-40B4-BE49-F238E27FC236}">
+                <a16:creationId xmlns:a16="http://schemas.microsoft.com/office/drawing/2014/main" id="{984F0027-C6EE-7C78-DF26-DEAB8A466871}"/>
+              </a:ext>
+            </a:extLst>
+          </p:cNvPr>
+          <p:cNvPicPr>
+            <a:picLocks noChangeAspect="1"/>
+          </p:cNvPicPr>
+          <p:nvPr/>
+        </p:nvPicPr>
+        <p:blipFill>
+          <a:blip r:embed="rId2"/>
+          <a:stretch>
+            <a:fillRect/>
+          </a:stretch>
+        </p:blipFill>
+        <p:spPr>
+          <a:xfrm>
+            <a:off x="4027354" y="643133"/>
+            <a:ext cx="4137292" cy="3207296"/>
+          </a:xfrm>
+          <a:prstGeom prst="rect">
+            <a:avLst/>
+          </a:prstGeom>
+        </p:spPr>
+      </p:pic>
+    </p:spTree>
+    <p:extLst>
+      <p:ext uri="{BB962C8B-B14F-4D97-AF65-F5344CB8AC3E}">
+        <p14:creationId xmlns:p14="http://schemas.microsoft.com/office/powerpoint/2010/main" val="113073816"/>
+      </p:ext>
+    </p:extLst>
+  </p:cSld>
+  <p:clrMapOvr>
+    <a:masterClrMapping/>
+  </p:clrMapOvr>
+</p:sld>
+</file>
+
+<file path=ppt/slides/slide44.xml><?xml version="1.0" encoding="utf-8"?>
+<p:sld xmlns:a="http://schemas.openxmlformats.org/drawingml/2006/main" xmlns:r="http://schemas.openxmlformats.org/officeDocument/2006/relationships" xmlns:p="http://schemas.openxmlformats.org/presentationml/2006/main">
+  <p:cSld>
+    <p:spTree>
+      <p:nvGrpSpPr>
+        <p:cNvPr id="1" name=""/>
+        <p:cNvGrpSpPr/>
+        <p:nvPr/>
+      </p:nvGrpSpPr>
+      <p:grpSpPr>
+        <a:xfrm>
+          <a:off x="0" y="0"/>
+          <a:ext cx="0" cy="0"/>
+          <a:chOff x="0" y="0"/>
+          <a:chExt cx="0" cy="0"/>
+        </a:xfrm>
+      </p:grpSpPr>
+      <p:sp>
+        <p:nvSpPr>
+          <p:cNvPr id="2" name="Título 1">
+            <a:extLst>
+              <a:ext uri="{FF2B5EF4-FFF2-40B4-BE49-F238E27FC236}">
+                <a16:creationId xmlns:a16="http://schemas.microsoft.com/office/drawing/2014/main" id="{699DBA93-33D6-351E-0481-1AFB90151CC0}"/>
+              </a:ext>
+            </a:extLst>
+          </p:cNvPr>
+          <p:cNvSpPr>
+            <a:spLocks noGrp="1"/>
+          </p:cNvSpPr>
+          <p:nvPr>
+            <p:ph type="title"/>
+          </p:nvPr>
+        </p:nvSpPr>
+        <p:spPr/>
+        <p:txBody>
+          <a:bodyPr/>
+          <a:lstStyle/>
+          <a:p>
+            <a:r>
+              <a:rPr lang="es-ES" dirty="0"/>
+              <a:t>Ejemplo de mensaje</a:t>
+            </a:r>
+          </a:p>
+        </p:txBody>
+      </p:sp>
+      <p:sp>
+        <p:nvSpPr>
+          <p:cNvPr id="3" name="Marcador de contenido 2">
+            <a:extLst>
+              <a:ext uri="{FF2B5EF4-FFF2-40B4-BE49-F238E27FC236}">
+                <a16:creationId xmlns:a16="http://schemas.microsoft.com/office/drawing/2014/main" id="{6DB4D1E2-59B6-68AF-2048-74B77C976BD3}"/>
+              </a:ext>
+            </a:extLst>
+          </p:cNvPr>
+          <p:cNvSpPr>
+            <a:spLocks noGrp="1"/>
+          </p:cNvSpPr>
+          <p:nvPr>
+            <p:ph idx="1"/>
+          </p:nvPr>
+        </p:nvSpPr>
+        <p:spPr>
+          <a:xfrm>
+            <a:off x="581192" y="2180497"/>
+            <a:ext cx="11029615" cy="596260"/>
+          </a:xfrm>
+        </p:spPr>
+        <p:txBody>
+          <a:bodyPr>
+            <a:normAutofit lnSpcReduction="10000"/>
+          </a:bodyPr>
+          <a:lstStyle/>
+          <a:p>
+            <a:pPr algn="just"/>
+            <a:r>
+              <a:rPr lang="es-ES" dirty="0"/>
+              <a:t>Del </a:t>
+            </a:r>
+            <a:r>
+              <a:rPr lang="es-ES" dirty="0" err="1"/>
+              <a:t>Context</a:t>
+            </a:r>
+            <a:r>
+              <a:rPr lang="es-ES" dirty="0"/>
+              <a:t> </a:t>
+            </a:r>
+            <a:r>
+              <a:rPr lang="es-ES" dirty="0" err="1"/>
+              <a:t>Enricher</a:t>
+            </a:r>
+            <a:r>
+              <a:rPr lang="es-ES" dirty="0"/>
+              <a:t> 2 saldrá el siguiente mensaje hacia la entrada del </a:t>
+            </a:r>
+            <a:r>
+              <a:rPr lang="es-ES" dirty="0" err="1"/>
+              <a:t>Translator</a:t>
+            </a:r>
+            <a:r>
+              <a:rPr lang="es-ES" dirty="0"/>
+              <a:t> 2, en el que enviaremos en el mensaje final, el correo del alumno junto con el nombre la asignatura y su calificación correspondiente</a:t>
+            </a:r>
+          </a:p>
+        </p:txBody>
+      </p:sp>
+      <p:pic>
+        <p:nvPicPr>
+          <p:cNvPr id="5" name="Imagen 4" descr="Texto&#10;&#10;Descripción generada automáticamente">
+            <a:extLst>
+              <a:ext uri="{FF2B5EF4-FFF2-40B4-BE49-F238E27FC236}">
+                <a16:creationId xmlns:a16="http://schemas.microsoft.com/office/drawing/2014/main" id="{539FCD5E-7F55-6EE0-9CC1-ABC7004D27E5}"/>
+              </a:ext>
+            </a:extLst>
+          </p:cNvPr>
+          <p:cNvPicPr>
+            <a:picLocks noChangeAspect="1"/>
+          </p:cNvPicPr>
+          <p:nvPr/>
+        </p:nvPicPr>
+        <p:blipFill>
+          <a:blip r:embed="rId2"/>
+          <a:stretch>
+            <a:fillRect/>
+          </a:stretch>
+        </p:blipFill>
+        <p:spPr>
+          <a:xfrm>
+            <a:off x="3467311" y="2776757"/>
+            <a:ext cx="5257376" cy="3582098"/>
+          </a:xfrm>
+          <a:prstGeom prst="rect">
+            <a:avLst/>
+          </a:prstGeom>
+        </p:spPr>
+      </p:pic>
+    </p:spTree>
+    <p:extLst>
+      <p:ext uri="{BB962C8B-B14F-4D97-AF65-F5344CB8AC3E}">
+        <p14:creationId xmlns:p14="http://schemas.microsoft.com/office/powerpoint/2010/main" val="3505550233"/>
+      </p:ext>
+    </p:extLst>
+  </p:cSld>
+  <p:clrMapOvr>
+    <a:masterClrMapping/>
+  </p:clrMapOvr>
+</p:sld>
+</file>
+
+<file path=ppt/slides/slide45.xml><?xml version="1.0" encoding="utf-8"?>
+<p:sld xmlns:a="http://schemas.openxmlformats.org/drawingml/2006/main" xmlns:r="http://schemas.openxmlformats.org/officeDocument/2006/relationships" xmlns:p="http://schemas.openxmlformats.org/presentationml/2006/main">
+  <p:cSld>
+    <p:spTree>
+      <p:nvGrpSpPr>
+        <p:cNvPr id="1" name=""/>
+        <p:cNvGrpSpPr/>
+        <p:nvPr/>
+      </p:nvGrpSpPr>
+      <p:grpSpPr>
+        <a:xfrm>
+          <a:off x="0" y="0"/>
+          <a:ext cx="0" cy="0"/>
+          <a:chOff x="0" y="0"/>
+          <a:chExt cx="0" cy="0"/>
+        </a:xfrm>
+      </p:grpSpPr>
+      <p:sp>
+        <p:nvSpPr>
+          <p:cNvPr id="2" name="Título 1">
+            <a:extLst>
+              <a:ext uri="{FF2B5EF4-FFF2-40B4-BE49-F238E27FC236}">
+                <a16:creationId xmlns:a16="http://schemas.microsoft.com/office/drawing/2014/main" id="{8D692F28-0EB3-DCB5-3631-5C098A06243D}"/>
+              </a:ext>
+            </a:extLst>
+          </p:cNvPr>
+          <p:cNvSpPr>
+            <a:spLocks noGrp="1"/>
+          </p:cNvSpPr>
+          <p:nvPr>
+            <p:ph type="title"/>
+          </p:nvPr>
+        </p:nvSpPr>
+        <p:spPr/>
+        <p:txBody>
+          <a:bodyPr>
+            <a:normAutofit/>
+          </a:bodyPr>
+          <a:lstStyle/>
+          <a:p>
+            <a:r>
+              <a:rPr lang="es-ES" sz="3200" dirty="0">
+                <a:sym typeface="Wingdings" panose="05000000000000000000" pitchFamily="2" charset="2"/>
+              </a:rPr>
+              <a:t>TRANSLATOR 2  Mail </a:t>
+            </a:r>
+            <a:r>
+              <a:rPr lang="es-ES" sz="3200" dirty="0" err="1">
+                <a:sym typeface="Wingdings" panose="05000000000000000000" pitchFamily="2" charset="2"/>
+              </a:rPr>
+              <a:t>gateway</a:t>
+            </a:r>
+            <a:endParaRPr lang="es-ES" sz="3200" dirty="0"/>
+          </a:p>
+        </p:txBody>
+      </p:sp>
+      <p:sp>
+        <p:nvSpPr>
+          <p:cNvPr id="3" name="Marcador de texto 2">
+            <a:extLst>
+              <a:ext uri="{FF2B5EF4-FFF2-40B4-BE49-F238E27FC236}">
+                <a16:creationId xmlns:a16="http://schemas.microsoft.com/office/drawing/2014/main" id="{5B493C32-E059-9D76-B9C6-68E6600AAD06}"/>
+              </a:ext>
+            </a:extLst>
+          </p:cNvPr>
+          <p:cNvSpPr>
+            <a:spLocks noGrp="1"/>
+          </p:cNvSpPr>
+          <p:nvPr>
+            <p:ph type="body" idx="1"/>
+          </p:nvPr>
+        </p:nvSpPr>
+        <p:spPr/>
+        <p:txBody>
+          <a:bodyPr/>
+          <a:lstStyle/>
+          <a:p>
+            <a:r>
+              <a:rPr lang="es-ES" dirty="0"/>
+              <a:t>Ejemplo de mensaje</a:t>
+            </a:r>
+          </a:p>
+        </p:txBody>
+      </p:sp>
+      <p:pic>
+        <p:nvPicPr>
+          <p:cNvPr id="6" name="Imagen 5" descr="Diagrama&#10;&#10;Descripción generada automáticamente">
+            <a:extLst>
+              <a:ext uri="{FF2B5EF4-FFF2-40B4-BE49-F238E27FC236}">
+                <a16:creationId xmlns:a16="http://schemas.microsoft.com/office/drawing/2014/main" id="{9B7B9811-0AA1-FE93-584C-6DA56B40E353}"/>
+              </a:ext>
+            </a:extLst>
+          </p:cNvPr>
+          <p:cNvPicPr>
+            <a:picLocks noChangeAspect="1"/>
+          </p:cNvPicPr>
+          <p:nvPr/>
+        </p:nvPicPr>
+        <p:blipFill>
+          <a:blip r:embed="rId2"/>
+          <a:stretch>
+            <a:fillRect/>
+          </a:stretch>
+        </p:blipFill>
+        <p:spPr>
+          <a:xfrm>
+            <a:off x="5155511" y="655964"/>
+            <a:ext cx="1880978" cy="3370086"/>
+          </a:xfrm>
+          <a:prstGeom prst="rect">
+            <a:avLst/>
+          </a:prstGeom>
+        </p:spPr>
+      </p:pic>
+    </p:spTree>
+    <p:extLst>
+      <p:ext uri="{BB962C8B-B14F-4D97-AF65-F5344CB8AC3E}">
+        <p14:creationId xmlns:p14="http://schemas.microsoft.com/office/powerpoint/2010/main" val="1030332868"/>
+      </p:ext>
+    </p:extLst>
+  </p:cSld>
+  <p:clrMapOvr>
+    <a:masterClrMapping/>
+  </p:clrMapOvr>
+</p:sld>
+</file>
+
+<file path=ppt/slides/slide46.xml><?xml version="1.0" encoding="utf-8"?>
+<p:sld xmlns:a="http://schemas.openxmlformats.org/drawingml/2006/main" xmlns:r="http://schemas.openxmlformats.org/officeDocument/2006/relationships" xmlns:p="http://schemas.openxmlformats.org/presentationml/2006/main">
+  <p:cSld>
+    <p:spTree>
+      <p:nvGrpSpPr>
+        <p:cNvPr id="1" name=""/>
+        <p:cNvGrpSpPr/>
+        <p:nvPr/>
+      </p:nvGrpSpPr>
+      <p:grpSpPr>
+        <a:xfrm>
+          <a:off x="0" y="0"/>
+          <a:ext cx="0" cy="0"/>
+          <a:chOff x="0" y="0"/>
+          <a:chExt cx="0" cy="0"/>
+        </a:xfrm>
+      </p:grpSpPr>
+      <p:sp>
+        <p:nvSpPr>
+          <p:cNvPr id="2" name="Título 1">
+            <a:extLst>
+              <a:ext uri="{FF2B5EF4-FFF2-40B4-BE49-F238E27FC236}">
+                <a16:creationId xmlns:a16="http://schemas.microsoft.com/office/drawing/2014/main" id="{699DBA93-33D6-351E-0481-1AFB90151CC0}"/>
+              </a:ext>
+            </a:extLst>
+          </p:cNvPr>
+          <p:cNvSpPr>
+            <a:spLocks noGrp="1"/>
+          </p:cNvSpPr>
+          <p:nvPr>
+            <p:ph type="title"/>
+          </p:nvPr>
+        </p:nvSpPr>
+        <p:spPr/>
+        <p:txBody>
+          <a:bodyPr/>
+          <a:lstStyle/>
+          <a:p>
+            <a:r>
+              <a:rPr lang="es-ES" dirty="0"/>
+              <a:t>Ejemplo de mensaje</a:t>
+            </a:r>
+          </a:p>
+        </p:txBody>
+      </p:sp>
+      <p:sp>
+        <p:nvSpPr>
+          <p:cNvPr id="3" name="Marcador de contenido 2">
+            <a:extLst>
+              <a:ext uri="{FF2B5EF4-FFF2-40B4-BE49-F238E27FC236}">
+                <a16:creationId xmlns:a16="http://schemas.microsoft.com/office/drawing/2014/main" id="{6DB4D1E2-59B6-68AF-2048-74B77C976BD3}"/>
+              </a:ext>
+            </a:extLst>
+          </p:cNvPr>
+          <p:cNvSpPr>
+            <a:spLocks noGrp="1"/>
+          </p:cNvSpPr>
+          <p:nvPr>
+            <p:ph idx="1"/>
+          </p:nvPr>
+        </p:nvSpPr>
+        <p:spPr>
+          <a:xfrm>
+            <a:off x="581192" y="2180497"/>
+            <a:ext cx="11029615" cy="596260"/>
+          </a:xfrm>
+        </p:spPr>
+        <p:txBody>
+          <a:bodyPr>
+            <a:normAutofit lnSpcReduction="10000"/>
+          </a:bodyPr>
+          <a:lstStyle/>
+          <a:p>
+            <a:pPr algn="just"/>
+            <a:r>
+              <a:rPr lang="es-ES" dirty="0"/>
+              <a:t>Del </a:t>
+            </a:r>
+            <a:r>
+              <a:rPr lang="es-ES" dirty="0" err="1"/>
+              <a:t>Translator</a:t>
+            </a:r>
+            <a:r>
+              <a:rPr lang="es-ES" dirty="0"/>
+              <a:t> 2 saldrá el siguiente mensaje hacia la entrada del Mail Gateway, en el que traduciremos el mensaje a un formato que sea capaz de interpretar el sistema MAIL Gateway</a:t>
+            </a:r>
+          </a:p>
+        </p:txBody>
+      </p:sp>
+      <p:pic>
+        <p:nvPicPr>
+          <p:cNvPr id="6" name="Imagen 5" descr="Interfaz de usuario gráfica, Texto, Aplicación&#10;&#10;Descripción generada automáticamente">
+            <a:extLst>
+              <a:ext uri="{FF2B5EF4-FFF2-40B4-BE49-F238E27FC236}">
+                <a16:creationId xmlns:a16="http://schemas.microsoft.com/office/drawing/2014/main" id="{2983A2EA-E993-30C3-D137-40E402501DF0}"/>
+              </a:ext>
+            </a:extLst>
+          </p:cNvPr>
+          <p:cNvPicPr>
+            <a:picLocks noChangeAspect="1"/>
+          </p:cNvPicPr>
+          <p:nvPr/>
+        </p:nvPicPr>
+        <p:blipFill>
+          <a:blip r:embed="rId2"/>
+          <a:stretch>
+            <a:fillRect/>
+          </a:stretch>
+        </p:blipFill>
+        <p:spPr>
+          <a:xfrm>
+            <a:off x="854448" y="3026750"/>
+            <a:ext cx="10483104" cy="1513351"/>
+          </a:xfrm>
+          <a:prstGeom prst="rect">
+            <a:avLst/>
+          </a:prstGeom>
+        </p:spPr>
+      </p:pic>
+    </p:spTree>
+    <p:extLst>
+      <p:ext uri="{BB962C8B-B14F-4D97-AF65-F5344CB8AC3E}">
+        <p14:creationId xmlns:p14="http://schemas.microsoft.com/office/powerpoint/2010/main" val="77823903"/>
       </p:ext>
     </p:extLst>
   </p:cSld>

--- a/Ejercicio 1 - IIA/Ejercicio 1 IIA.pptx
+++ b/Ejercicio 1 - IIA/Ejercicio 1 IIA.pptx
@@ -5,58 +5,63 @@
     <p:sldMasterId id="2147483672" r:id="rId1"/>
   </p:sldMasterIdLst>
   <p:notesMasterIdLst>
-    <p:notesMasterId r:id="rId48"/>
+    <p:notesMasterId r:id="rId53"/>
   </p:notesMasterIdLst>
   <p:handoutMasterIdLst>
-    <p:handoutMasterId r:id="rId49"/>
+    <p:handoutMasterId r:id="rId54"/>
   </p:handoutMasterIdLst>
   <p:sldIdLst>
     <p:sldId id="256" r:id="rId2"/>
-    <p:sldId id="266" r:id="rId3"/>
-    <p:sldId id="257" r:id="rId4"/>
-    <p:sldId id="263" r:id="rId5"/>
-    <p:sldId id="258" r:id="rId6"/>
-    <p:sldId id="264" r:id="rId7"/>
-    <p:sldId id="259" r:id="rId8"/>
-    <p:sldId id="265" r:id="rId9"/>
-    <p:sldId id="260" r:id="rId10"/>
-    <p:sldId id="273" r:id="rId11"/>
-    <p:sldId id="267" r:id="rId12"/>
-    <p:sldId id="274" r:id="rId13"/>
-    <p:sldId id="268" r:id="rId14"/>
-    <p:sldId id="275" r:id="rId15"/>
-    <p:sldId id="269" r:id="rId16"/>
-    <p:sldId id="276" r:id="rId17"/>
-    <p:sldId id="261" r:id="rId18"/>
-    <p:sldId id="277" r:id="rId19"/>
-    <p:sldId id="262" r:id="rId20"/>
-    <p:sldId id="278" r:id="rId21"/>
-    <p:sldId id="270" r:id="rId22"/>
-    <p:sldId id="279" r:id="rId23"/>
-    <p:sldId id="271" r:id="rId24"/>
-    <p:sldId id="280" r:id="rId25"/>
-    <p:sldId id="281" r:id="rId26"/>
-    <p:sldId id="282" r:id="rId27"/>
-    <p:sldId id="283" r:id="rId28"/>
-    <p:sldId id="284" r:id="rId29"/>
-    <p:sldId id="285" r:id="rId30"/>
-    <p:sldId id="286" r:id="rId31"/>
-    <p:sldId id="287" r:id="rId32"/>
-    <p:sldId id="288" r:id="rId33"/>
-    <p:sldId id="289" r:id="rId34"/>
-    <p:sldId id="290" r:id="rId35"/>
-    <p:sldId id="272" r:id="rId36"/>
-    <p:sldId id="291" r:id="rId37"/>
-    <p:sldId id="292" r:id="rId38"/>
-    <p:sldId id="293" r:id="rId39"/>
-    <p:sldId id="294" r:id="rId40"/>
-    <p:sldId id="295" r:id="rId41"/>
-    <p:sldId id="296" r:id="rId42"/>
-    <p:sldId id="297" r:id="rId43"/>
-    <p:sldId id="298" r:id="rId44"/>
-    <p:sldId id="299" r:id="rId45"/>
-    <p:sldId id="300" r:id="rId46"/>
-    <p:sldId id="301" r:id="rId47"/>
+    <p:sldId id="302" r:id="rId3"/>
+    <p:sldId id="303" r:id="rId4"/>
+    <p:sldId id="304" r:id="rId5"/>
+    <p:sldId id="266" r:id="rId6"/>
+    <p:sldId id="257" r:id="rId7"/>
+    <p:sldId id="263" r:id="rId8"/>
+    <p:sldId id="258" r:id="rId9"/>
+    <p:sldId id="264" r:id="rId10"/>
+    <p:sldId id="259" r:id="rId11"/>
+    <p:sldId id="265" r:id="rId12"/>
+    <p:sldId id="260" r:id="rId13"/>
+    <p:sldId id="273" r:id="rId14"/>
+    <p:sldId id="267" r:id="rId15"/>
+    <p:sldId id="274" r:id="rId16"/>
+    <p:sldId id="268" r:id="rId17"/>
+    <p:sldId id="275" r:id="rId18"/>
+    <p:sldId id="269" r:id="rId19"/>
+    <p:sldId id="276" r:id="rId20"/>
+    <p:sldId id="261" r:id="rId21"/>
+    <p:sldId id="277" r:id="rId22"/>
+    <p:sldId id="262" r:id="rId23"/>
+    <p:sldId id="278" r:id="rId24"/>
+    <p:sldId id="270" r:id="rId25"/>
+    <p:sldId id="279" r:id="rId26"/>
+    <p:sldId id="271" r:id="rId27"/>
+    <p:sldId id="280" r:id="rId28"/>
+    <p:sldId id="281" r:id="rId29"/>
+    <p:sldId id="282" r:id="rId30"/>
+    <p:sldId id="283" r:id="rId31"/>
+    <p:sldId id="284" r:id="rId32"/>
+    <p:sldId id="285" r:id="rId33"/>
+    <p:sldId id="286" r:id="rId34"/>
+    <p:sldId id="287" r:id="rId35"/>
+    <p:sldId id="288" r:id="rId36"/>
+    <p:sldId id="289" r:id="rId37"/>
+    <p:sldId id="290" r:id="rId38"/>
+    <p:sldId id="272" r:id="rId39"/>
+    <p:sldId id="291" r:id="rId40"/>
+    <p:sldId id="292" r:id="rId41"/>
+    <p:sldId id="293" r:id="rId42"/>
+    <p:sldId id="294" r:id="rId43"/>
+    <p:sldId id="295" r:id="rId44"/>
+    <p:sldId id="296" r:id="rId45"/>
+    <p:sldId id="297" r:id="rId46"/>
+    <p:sldId id="298" r:id="rId47"/>
+    <p:sldId id="299" r:id="rId48"/>
+    <p:sldId id="300" r:id="rId49"/>
+    <p:sldId id="301" r:id="rId50"/>
+    <p:sldId id="305" r:id="rId51"/>
+    <p:sldId id="306" r:id="rId52"/>
   </p:sldIdLst>
   <p:sldSz cx="12192000" cy="6858000"/>
   <p:notesSz cx="6858000" cy="9144000"/>
@@ -262,7 +267,7 @@
             <a:pPr rtl="0"/>
             <a:fld id="{C62B80FE-187A-4085-BD71-F0873FF7BD68}" type="datetime1">
               <a:rPr lang="es-ES" smtClean="0"/>
-              <a:t>07/10/2023</a:t>
+              <a:t>09/10/2023</a:t>
             </a:fld>
             <a:endParaRPr lang="es-ES"/>
           </a:p>
@@ -444,7 +449,7 @@
             <a:pPr rtl="0"/>
             <a:fld id="{6D59A2BD-4571-4110-BB3E-5D004DE434FA}" type="datetime1">
               <a:rPr lang="es-ES" noProof="0" smtClean="0"/>
-              <a:t>07/10/2023</a:t>
+              <a:t>09/10/2023</a:t>
             </a:fld>
             <a:endParaRPr lang="es-ES" noProof="0"/>
           </a:p>
@@ -1047,7 +1052,7 @@
             <a:pPr rtl="0"/>
             <a:fld id="{F409C0D2-15DE-4FAC-845B-C48979FFAEB9}" type="datetime1">
               <a:rPr lang="es-ES" noProof="0" smtClean="0"/>
-              <a:t>07/10/2023</a:t>
+              <a:t>09/10/2023</a:t>
             </a:fld>
             <a:endParaRPr lang="es-ES" noProof="0"/>
           </a:p>
@@ -1312,7 +1317,7 @@
             <a:pPr rtl="0"/>
             <a:fld id="{8CF9F163-DD03-4353-882E-CE0F9A80F1C3}" type="datetime1">
               <a:rPr lang="es-ES" noProof="0" smtClean="0"/>
-              <a:t>07/10/2023</a:t>
+              <a:t>09/10/2023</a:t>
             </a:fld>
             <a:endParaRPr lang="es-ES" noProof="0"/>
           </a:p>
@@ -1550,7 +1555,7 @@
             <a:pPr rtl="0"/>
             <a:fld id="{8D2FF54C-EA2F-453C-857C-5C9ADB86CB43}" type="datetime1">
               <a:rPr lang="es-ES" noProof="0" smtClean="0"/>
-              <a:t>07/10/2023</a:t>
+              <a:t>09/10/2023</a:t>
             </a:fld>
             <a:endParaRPr lang="es-ES" noProof="0"/>
           </a:p>
@@ -1793,7 +1798,7 @@
             <a:pPr rtl="0"/>
             <a:fld id="{57670FF6-52DC-429F-9C56-6A1BF295232E}" type="datetime1">
               <a:rPr lang="es-ES" noProof="0" smtClean="0"/>
-              <a:t>07/10/2023</a:t>
+              <a:t>09/10/2023</a:t>
             </a:fld>
             <a:endParaRPr lang="es-ES" noProof="0"/>
           </a:p>
@@ -2104,7 +2109,7 @@
             <a:pPr rtl="0"/>
             <a:fld id="{85E27922-51B6-4B96-9C28-2CD2060AE75A}" type="datetime1">
               <a:rPr lang="es-ES" noProof="0" smtClean="0"/>
-              <a:t>07/10/2023</a:t>
+              <a:t>09/10/2023</a:t>
             </a:fld>
             <a:endParaRPr lang="es-ES" noProof="0"/>
           </a:p>
@@ -2408,7 +2413,7 @@
             <a:pPr rtl="0"/>
             <a:fld id="{F3ECF5D1-1C98-40FD-9D65-EED7644802B9}" type="datetime1">
               <a:rPr lang="es-ES" noProof="0" smtClean="0"/>
-              <a:t>07/10/2023</a:t>
+              <a:t>09/10/2023</a:t>
             </a:fld>
             <a:endParaRPr lang="es-ES" noProof="0"/>
           </a:p>
@@ -2832,7 +2837,7 @@
             <a:pPr rtl="0"/>
             <a:fld id="{8556C746-EB55-4634-AD93-A9FF2473885C}" type="datetime1">
               <a:rPr lang="es-ES" noProof="0" smtClean="0"/>
-              <a:t>07/10/2023</a:t>
+              <a:t>09/10/2023</a:t>
             </a:fld>
             <a:endParaRPr lang="es-ES" noProof="0"/>
           </a:p>
@@ -2931,7 +2936,7 @@
             <a:pPr rtl="0"/>
             <a:fld id="{C9051F13-F75A-440F-BED7-E2004746A95F}" type="datetime1">
               <a:rPr lang="es-ES" noProof="0" smtClean="0"/>
-              <a:t>07/10/2023</a:t>
+              <a:t>09/10/2023</a:t>
             </a:fld>
             <a:endParaRPr lang="es-ES" noProof="0"/>
           </a:p>
@@ -3097,7 +3102,7 @@
             <a:pPr rtl="0"/>
             <a:fld id="{3D7A2E7D-666A-420B-9042-959E1D47E21D}" type="datetime1">
               <a:rPr lang="es-ES" noProof="0" smtClean="0"/>
-              <a:t>07/10/2023</a:t>
+              <a:t>09/10/2023</a:t>
             </a:fld>
             <a:endParaRPr lang="es-ES" noProof="0"/>
           </a:p>
@@ -3478,7 +3483,7 @@
             <a:pPr rtl="0"/>
             <a:fld id="{0403F12F-0E67-4CAB-8DFD-26DCD4A99D59}" type="datetime1">
               <a:rPr lang="es-ES" noProof="0" smtClean="0"/>
-              <a:t>07/10/2023</a:t>
+              <a:t>09/10/2023</a:t>
             </a:fld>
             <a:endParaRPr lang="es-ES" noProof="0"/>
           </a:p>
@@ -3771,7 +3776,7 @@
             <a:pPr rtl="0"/>
             <a:fld id="{9709DA8C-1A59-4B91-B9EA-509377CD0E23}" type="datetime1">
               <a:rPr lang="es-ES" noProof="0" smtClean="0"/>
-              <a:t>07/10/2023</a:t>
+              <a:t>09/10/2023</a:t>
             </a:fld>
             <a:endParaRPr lang="es-ES" noProof="0"/>
           </a:p>
@@ -3985,7 +3990,7 @@
             <a:pPr rtl="0"/>
             <a:fld id="{A3DF7BF2-42BB-439B-88AA-F60334FF1291}" type="datetime1">
               <a:rPr lang="es-ES" noProof="0" smtClean="0"/>
-              <a:t>07/10/2023</a:t>
+              <a:t>09/10/2023</a:t>
             </a:fld>
             <a:endParaRPr lang="es-ES" noProof="0"/>
           </a:p>
@@ -5023,8 +5028,8 @@
         </p:nvSpPr>
         <p:spPr>
           <a:xfrm>
-            <a:off x="581194" y="5467246"/>
-            <a:ext cx="10993546" cy="484822"/>
+            <a:off x="581194" y="5467245"/>
+            <a:ext cx="10993546" cy="895243"/>
           </a:xfrm>
         </p:spPr>
         <p:txBody>
@@ -5040,21 +5045,35 @@
                   <a:srgbClr val="7CEBFF"/>
                 </a:solidFill>
               </a:rPr>
-              <a:t>Integración de la información y aplicaciones | ingeniería informática | universidad de </a:t>
-            </a:r>
-            <a:r>
-              <a:rPr lang="es-ES" dirty="0" err="1">
+              <a:t>Integración de la información y aplicaciones | ingeniería informática | universidad de Huelva</a:t>
+            </a:r>
+          </a:p>
+          <a:p>
+            <a:pPr algn="r" rtl="0"/>
+            <a:r>
+              <a:rPr lang="es-ES" sz="1200" dirty="0">
                 <a:solidFill>
                   <a:srgbClr val="7CEBFF"/>
                 </a:solidFill>
               </a:rPr>
-              <a:t>huelva</a:t>
-            </a:r>
-            <a:endParaRPr lang="es-ES" dirty="0">
-              <a:solidFill>
-                <a:srgbClr val="7CEBFF"/>
-              </a:solidFill>
-            </a:endParaRPr>
+              <a:t>Juan Alberto Domínguez Vázquez | </a:t>
+            </a:r>
+            <a:r>
+              <a:rPr lang="es-ES" sz="1200" dirty="0" err="1">
+                <a:solidFill>
+                  <a:srgbClr val="7CEBFF"/>
+                </a:solidFill>
+              </a:rPr>
+              <a:t>saúl</a:t>
+            </a:r>
+            <a:r>
+              <a:rPr lang="es-ES" sz="1200" dirty="0">
+                <a:solidFill>
+                  <a:srgbClr val="7CEBFF"/>
+                </a:solidFill>
+              </a:rPr>
+              <a:t> rodríguez naranjo</a:t>
+            </a:r>
           </a:p>
         </p:txBody>
       </p:sp>
@@ -5093,7 +5112,7 @@
           <p:cNvPr id="2" name="Título 1">
             <a:extLst>
               <a:ext uri="{FF2B5EF4-FFF2-40B4-BE49-F238E27FC236}">
-                <a16:creationId xmlns:a16="http://schemas.microsoft.com/office/drawing/2014/main" id="{89ED3505-0257-0065-3165-D72A0E4661D9}"/>
+                <a16:creationId xmlns:a16="http://schemas.microsoft.com/office/drawing/2014/main" id="{8D692F28-0EB3-DCB5-3631-5C098A06243D}"/>
               </a:ext>
             </a:extLst>
           </p:cNvPr>
@@ -5106,72 +5125,99 @@
         </p:nvSpPr>
         <p:spPr/>
         <p:txBody>
+          <a:bodyPr>
+            <a:normAutofit/>
+          </a:bodyPr>
+          <a:lstStyle/>
+          <a:p>
+            <a:r>
+              <a:rPr lang="es-ES" sz="3200" dirty="0"/>
+              <a:t>Slot SPLITTER 1</a:t>
+            </a:r>
+            <a:r>
+              <a:rPr lang="es-ES" sz="3200" dirty="0">
+                <a:sym typeface="Wingdings" panose="05000000000000000000" pitchFamily="2" charset="2"/>
+              </a:rPr>
+              <a:t> </a:t>
+            </a:r>
+            <a:r>
+              <a:rPr lang="es-ES" sz="3200" dirty="0" err="1">
+                <a:sym typeface="Wingdings" panose="05000000000000000000" pitchFamily="2" charset="2"/>
+              </a:rPr>
+              <a:t>Replicator</a:t>
+            </a:r>
+            <a:r>
+              <a:rPr lang="es-ES" sz="3200" dirty="0">
+                <a:sym typeface="Wingdings" panose="05000000000000000000" pitchFamily="2" charset="2"/>
+              </a:rPr>
+              <a:t> 1</a:t>
+            </a:r>
+            <a:endParaRPr lang="es-ES" sz="3200" dirty="0"/>
+          </a:p>
+        </p:txBody>
+      </p:sp>
+      <p:sp>
+        <p:nvSpPr>
+          <p:cNvPr id="3" name="Marcador de texto 2">
+            <a:extLst>
+              <a:ext uri="{FF2B5EF4-FFF2-40B4-BE49-F238E27FC236}">
+                <a16:creationId xmlns:a16="http://schemas.microsoft.com/office/drawing/2014/main" id="{5B493C32-E059-9D76-B9C6-68E6600AAD06}"/>
+              </a:ext>
+            </a:extLst>
+          </p:cNvPr>
+          <p:cNvSpPr>
+            <a:spLocks noGrp="1"/>
+          </p:cNvSpPr>
+          <p:nvPr>
+            <p:ph type="body" idx="1"/>
+          </p:nvPr>
+        </p:nvSpPr>
+        <p:spPr/>
+        <p:txBody>
           <a:bodyPr/>
           <a:lstStyle/>
           <a:p>
             <a:r>
               <a:rPr lang="es-ES" dirty="0"/>
-              <a:t>EJEMPLO DE MENSAJE</a:t>
-            </a:r>
-          </a:p>
-        </p:txBody>
-      </p:sp>
-      <p:sp>
-        <p:nvSpPr>
-          <p:cNvPr id="3" name="Marcador de contenido 2">
-            <a:extLst>
-              <a:ext uri="{FF2B5EF4-FFF2-40B4-BE49-F238E27FC236}">
-                <a16:creationId xmlns:a16="http://schemas.microsoft.com/office/drawing/2014/main" id="{4853F199-A787-5C36-5CC5-DD4D3AD3A123}"/>
-              </a:ext>
-            </a:extLst>
-          </p:cNvPr>
-          <p:cNvSpPr>
-            <a:spLocks noGrp="1"/>
-          </p:cNvSpPr>
-          <p:nvPr>
-            <p:ph idx="1"/>
-          </p:nvPr>
-        </p:nvSpPr>
-        <p:spPr/>
-        <p:txBody>
-          <a:bodyPr/>
-          <a:lstStyle/>
-          <a:p>
-            <a:r>
-              <a:rPr lang="es-ES" dirty="0"/>
-              <a:t>Del </a:t>
-            </a:r>
-            <a:r>
-              <a:rPr lang="es-ES" dirty="0" err="1"/>
-              <a:t>replicator</a:t>
-            </a:r>
-            <a:r>
-              <a:rPr lang="es-ES" dirty="0"/>
-              <a:t> 1 hacia el </a:t>
-            </a:r>
-            <a:r>
-              <a:rPr lang="es-ES" dirty="0" err="1"/>
-              <a:t>slimmer</a:t>
-            </a:r>
-            <a:r>
-              <a:rPr lang="es-ES" dirty="0"/>
-              <a:t> 2 salen tantos mensajes como le lleguen del </a:t>
-            </a:r>
-            <a:r>
-              <a:rPr lang="es-ES" dirty="0" err="1"/>
-              <a:t>splitter</a:t>
-            </a:r>
-            <a:r>
-              <a:rPr lang="es-ES" dirty="0"/>
-              <a:t> 1</a:t>
-            </a:r>
-          </a:p>
-        </p:txBody>
-      </p:sp>
+              <a:t>Ejemplo de mensaje</a:t>
+            </a:r>
+          </a:p>
+        </p:txBody>
+      </p:sp>
+      <p:pic>
+        <p:nvPicPr>
+          <p:cNvPr id="5" name="Imagen 4">
+            <a:extLst>
+              <a:ext uri="{FF2B5EF4-FFF2-40B4-BE49-F238E27FC236}">
+                <a16:creationId xmlns:a16="http://schemas.microsoft.com/office/drawing/2014/main" id="{59F00DD1-9688-64E5-C48D-29B39EF92807}"/>
+              </a:ext>
+            </a:extLst>
+          </p:cNvPr>
+          <p:cNvPicPr>
+            <a:picLocks noChangeAspect="1"/>
+          </p:cNvPicPr>
+          <p:nvPr/>
+        </p:nvPicPr>
+        <p:blipFill>
+          <a:blip r:embed="rId2"/>
+          <a:stretch>
+            <a:fillRect/>
+          </a:stretch>
+        </p:blipFill>
+        <p:spPr>
+          <a:xfrm>
+            <a:off x="3899807" y="1368392"/>
+            <a:ext cx="4392386" cy="1914249"/>
+          </a:xfrm>
+          <a:prstGeom prst="rect">
+            <a:avLst/>
+          </a:prstGeom>
+        </p:spPr>
+      </p:pic>
     </p:spTree>
     <p:extLst>
       <p:ext uri="{BB962C8B-B14F-4D97-AF65-F5344CB8AC3E}">
-        <p14:creationId xmlns:p14="http://schemas.microsoft.com/office/powerpoint/2010/main" val="3972430135"/>
+        <p14:creationId xmlns:p14="http://schemas.microsoft.com/office/powerpoint/2010/main" val="1602749459"/>
       </p:ext>
     </p:extLst>
   </p:cSld>
@@ -5203,7 +5249,7 @@
           <p:cNvPr id="2" name="Título 1">
             <a:extLst>
               <a:ext uri="{FF2B5EF4-FFF2-40B4-BE49-F238E27FC236}">
-                <a16:creationId xmlns:a16="http://schemas.microsoft.com/office/drawing/2014/main" id="{8D692F28-0EB3-DCB5-3631-5C098A06243D}"/>
+                <a16:creationId xmlns:a16="http://schemas.microsoft.com/office/drawing/2014/main" id="{699DBA93-33D6-351E-0481-1AFB90151CC0}"/>
               </a:ext>
             </a:extLst>
           </p:cNvPr>
@@ -5215,6 +5261,39 @@
           </p:nvPr>
         </p:nvSpPr>
         <p:spPr/>
+        <p:txBody>
+          <a:bodyPr/>
+          <a:lstStyle/>
+          <a:p>
+            <a:r>
+              <a:rPr lang="es-ES" dirty="0"/>
+              <a:t>Ejemplo de mensaje</a:t>
+            </a:r>
+          </a:p>
+        </p:txBody>
+      </p:sp>
+      <p:sp>
+        <p:nvSpPr>
+          <p:cNvPr id="3" name="Marcador de contenido 2">
+            <a:extLst>
+              <a:ext uri="{FF2B5EF4-FFF2-40B4-BE49-F238E27FC236}">
+                <a16:creationId xmlns:a16="http://schemas.microsoft.com/office/drawing/2014/main" id="{6DB4D1E2-59B6-68AF-2048-74B77C976BD3}"/>
+              </a:ext>
+            </a:extLst>
+          </p:cNvPr>
+          <p:cNvSpPr>
+            <a:spLocks noGrp="1"/>
+          </p:cNvSpPr>
+          <p:nvPr>
+            <p:ph idx="1"/>
+          </p:nvPr>
+        </p:nvSpPr>
+        <p:spPr>
+          <a:xfrm>
+            <a:off x="581192" y="2180497"/>
+            <a:ext cx="11029615" cy="596260"/>
+          </a:xfrm>
+        </p:spPr>
         <p:txBody>
           <a:bodyPr>
             <a:normAutofit/>
@@ -5222,65 +5301,34 @@
           <a:lstStyle/>
           <a:p>
             <a:r>
-              <a:rPr lang="es-ES" sz="3200" dirty="0"/>
-              <a:t>Slot REPLICATOR 1</a:t>
-            </a:r>
-            <a:r>
-              <a:rPr lang="es-ES" sz="3200" dirty="0">
-                <a:sym typeface="Wingdings" panose="05000000000000000000" pitchFamily="2" charset="2"/>
-              </a:rPr>
-              <a:t> </a:t>
-            </a:r>
-            <a:r>
-              <a:rPr lang="es-ES" sz="3200" dirty="0" err="1">
-                <a:sym typeface="Wingdings" panose="05000000000000000000" pitchFamily="2" charset="2"/>
-              </a:rPr>
-              <a:t>slimmer</a:t>
-            </a:r>
-            <a:r>
-              <a:rPr lang="es-ES" sz="3200" dirty="0">
-                <a:sym typeface="Wingdings" panose="05000000000000000000" pitchFamily="2" charset="2"/>
-              </a:rPr>
-              <a:t> 3</a:t>
-            </a:r>
-            <a:endParaRPr lang="es-ES" sz="3200" dirty="0"/>
-          </a:p>
-        </p:txBody>
-      </p:sp>
-      <p:sp>
-        <p:nvSpPr>
-          <p:cNvPr id="3" name="Marcador de texto 2">
-            <a:extLst>
-              <a:ext uri="{FF2B5EF4-FFF2-40B4-BE49-F238E27FC236}">
-                <a16:creationId xmlns:a16="http://schemas.microsoft.com/office/drawing/2014/main" id="{5B493C32-E059-9D76-B9C6-68E6600AAD06}"/>
-              </a:ext>
-            </a:extLst>
-          </p:cNvPr>
-          <p:cNvSpPr>
-            <a:spLocks noGrp="1"/>
-          </p:cNvSpPr>
-          <p:nvPr>
-            <p:ph type="body" idx="1"/>
-          </p:nvPr>
-        </p:nvSpPr>
-        <p:spPr/>
-        <p:txBody>
-          <a:bodyPr/>
-          <a:lstStyle/>
-          <a:p>
-            <a:r>
               <a:rPr lang="es-ES" dirty="0"/>
-              <a:t>Ejemplo de mensaje</a:t>
+              <a:t>Del </a:t>
+            </a:r>
+            <a:r>
+              <a:rPr lang="es-ES" dirty="0" err="1"/>
+              <a:t>Splitter</a:t>
+            </a:r>
+            <a:r>
+              <a:rPr lang="es-ES" dirty="0"/>
+              <a:t> 1 saldrán tantos mensajes como alumnos le lleguen del </a:t>
+            </a:r>
+            <a:r>
+              <a:rPr lang="es-ES" dirty="0" err="1"/>
+              <a:t>Slimmer</a:t>
+            </a:r>
+            <a:r>
+              <a:rPr lang="es-ES" dirty="0"/>
+              <a:t> 1:</a:t>
             </a:r>
           </a:p>
         </p:txBody>
       </p:sp>
       <p:pic>
         <p:nvPicPr>
-          <p:cNvPr id="5" name="Imagen 4">
-            <a:extLst>
-              <a:ext uri="{FF2B5EF4-FFF2-40B4-BE49-F238E27FC236}">
-                <a16:creationId xmlns:a16="http://schemas.microsoft.com/office/drawing/2014/main" id="{E5A5F121-304A-43B0-6C3E-2243685922FD}"/>
+          <p:cNvPr id="4" name="Imagen 3">
+            <a:extLst>
+              <a:ext uri="{FF2B5EF4-FFF2-40B4-BE49-F238E27FC236}">
+                <a16:creationId xmlns:a16="http://schemas.microsoft.com/office/drawing/2014/main" id="{6893CE23-A7BE-8EDA-07C9-222A76942FAA}"/>
               </a:ext>
             </a:extLst>
           </p:cNvPr>
@@ -5297,8 +5345,38 @@
         </p:blipFill>
         <p:spPr>
           <a:xfrm>
-            <a:off x="4268755" y="1091954"/>
-            <a:ext cx="3654490" cy="2702800"/>
+            <a:off x="2327707" y="2943356"/>
+            <a:ext cx="3314700" cy="3571875"/>
+          </a:xfrm>
+          <a:prstGeom prst="rect">
+            <a:avLst/>
+          </a:prstGeom>
+        </p:spPr>
+      </p:pic>
+      <p:pic>
+        <p:nvPicPr>
+          <p:cNvPr id="5" name="Imagen 4">
+            <a:extLst>
+              <a:ext uri="{FF2B5EF4-FFF2-40B4-BE49-F238E27FC236}">
+                <a16:creationId xmlns:a16="http://schemas.microsoft.com/office/drawing/2014/main" id="{1CBA7188-0611-CE4A-7831-7A9EA787D92F}"/>
+              </a:ext>
+            </a:extLst>
+          </p:cNvPr>
+          <p:cNvPicPr>
+            <a:picLocks noChangeAspect="1"/>
+          </p:cNvPicPr>
+          <p:nvPr/>
+        </p:nvPicPr>
+        <p:blipFill>
+          <a:blip r:embed="rId3"/>
+          <a:stretch>
+            <a:fillRect/>
+          </a:stretch>
+        </p:blipFill>
+        <p:spPr>
+          <a:xfrm>
+            <a:off x="6549595" y="2981455"/>
+            <a:ext cx="3333750" cy="3495675"/>
           </a:xfrm>
           <a:prstGeom prst="rect">
             <a:avLst/>
@@ -5308,7 +5386,7 @@
     </p:spTree>
     <p:extLst>
       <p:ext uri="{BB962C8B-B14F-4D97-AF65-F5344CB8AC3E}">
-        <p14:creationId xmlns:p14="http://schemas.microsoft.com/office/powerpoint/2010/main" val="2013496292"/>
+        <p14:creationId xmlns:p14="http://schemas.microsoft.com/office/powerpoint/2010/main" val="3191315589"/>
       </p:ext>
     </p:extLst>
   </p:cSld>
@@ -5340,7 +5418,7 @@
           <p:cNvPr id="2" name="Título 1">
             <a:extLst>
               <a:ext uri="{FF2B5EF4-FFF2-40B4-BE49-F238E27FC236}">
-                <a16:creationId xmlns:a16="http://schemas.microsoft.com/office/drawing/2014/main" id="{89ED3505-0257-0065-3165-D72A0E4661D9}"/>
+                <a16:creationId xmlns:a16="http://schemas.microsoft.com/office/drawing/2014/main" id="{8D692F28-0EB3-DCB5-3631-5C098A06243D}"/>
               </a:ext>
             </a:extLst>
           </p:cNvPr>
@@ -5353,72 +5431,107 @@
         </p:nvSpPr>
         <p:spPr/>
         <p:txBody>
+          <a:bodyPr>
+            <a:normAutofit/>
+          </a:bodyPr>
+          <a:lstStyle/>
+          <a:p>
+            <a:r>
+              <a:rPr lang="es-ES" sz="3200" dirty="0"/>
+              <a:t>Slot </a:t>
+            </a:r>
+            <a:r>
+              <a:rPr lang="es-ES" sz="3200" dirty="0" err="1"/>
+              <a:t>replicator</a:t>
+            </a:r>
+            <a:r>
+              <a:rPr lang="es-ES" sz="3200" dirty="0"/>
+              <a:t> i</a:t>
+            </a:r>
+            <a:r>
+              <a:rPr lang="es-ES" sz="3200" dirty="0">
+                <a:sym typeface="Wingdings" panose="05000000000000000000" pitchFamily="2" charset="2"/>
+              </a:rPr>
+              <a:t> </a:t>
+            </a:r>
+            <a:r>
+              <a:rPr lang="es-ES" sz="3200" dirty="0" err="1">
+                <a:sym typeface="Wingdings" panose="05000000000000000000" pitchFamily="2" charset="2"/>
+              </a:rPr>
+              <a:t>slimmer</a:t>
+            </a:r>
+            <a:r>
+              <a:rPr lang="es-ES" sz="3200" dirty="0">
+                <a:sym typeface="Wingdings" panose="05000000000000000000" pitchFamily="2" charset="2"/>
+              </a:rPr>
+              <a:t> 2</a:t>
+            </a:r>
+            <a:endParaRPr lang="es-ES" sz="3200" dirty="0"/>
+          </a:p>
+        </p:txBody>
+      </p:sp>
+      <p:sp>
+        <p:nvSpPr>
+          <p:cNvPr id="3" name="Marcador de texto 2">
+            <a:extLst>
+              <a:ext uri="{FF2B5EF4-FFF2-40B4-BE49-F238E27FC236}">
+                <a16:creationId xmlns:a16="http://schemas.microsoft.com/office/drawing/2014/main" id="{5B493C32-E059-9D76-B9C6-68E6600AAD06}"/>
+              </a:ext>
+            </a:extLst>
+          </p:cNvPr>
+          <p:cNvSpPr>
+            <a:spLocks noGrp="1"/>
+          </p:cNvSpPr>
+          <p:nvPr>
+            <p:ph type="body" idx="1"/>
+          </p:nvPr>
+        </p:nvSpPr>
+        <p:spPr/>
+        <p:txBody>
           <a:bodyPr/>
           <a:lstStyle/>
           <a:p>
             <a:r>
               <a:rPr lang="es-ES" dirty="0"/>
-              <a:t>EJEMPLO DE MENSAJE</a:t>
-            </a:r>
-          </a:p>
-        </p:txBody>
-      </p:sp>
-      <p:sp>
-        <p:nvSpPr>
-          <p:cNvPr id="3" name="Marcador de contenido 2">
-            <a:extLst>
-              <a:ext uri="{FF2B5EF4-FFF2-40B4-BE49-F238E27FC236}">
-                <a16:creationId xmlns:a16="http://schemas.microsoft.com/office/drawing/2014/main" id="{4853F199-A787-5C36-5CC5-DD4D3AD3A123}"/>
-              </a:ext>
-            </a:extLst>
-          </p:cNvPr>
-          <p:cNvSpPr>
-            <a:spLocks noGrp="1"/>
-          </p:cNvSpPr>
-          <p:nvPr>
-            <p:ph idx="1"/>
-          </p:nvPr>
-        </p:nvSpPr>
-        <p:spPr/>
-        <p:txBody>
-          <a:bodyPr/>
-          <a:lstStyle/>
-          <a:p>
-            <a:r>
-              <a:rPr lang="es-ES" dirty="0"/>
-              <a:t>Del </a:t>
-            </a:r>
-            <a:r>
-              <a:rPr lang="es-ES" dirty="0" err="1"/>
-              <a:t>replicator</a:t>
-            </a:r>
-            <a:r>
-              <a:rPr lang="es-ES" dirty="0"/>
-              <a:t> 1 hacia el </a:t>
-            </a:r>
-            <a:r>
-              <a:rPr lang="es-ES" dirty="0" err="1"/>
-              <a:t>slimmer</a:t>
-            </a:r>
-            <a:r>
-              <a:rPr lang="es-ES" dirty="0"/>
-              <a:t> 3 salen tantos mensajes como le lleguen del </a:t>
-            </a:r>
-            <a:r>
-              <a:rPr lang="es-ES" dirty="0" err="1"/>
-              <a:t>splitter</a:t>
-            </a:r>
-            <a:r>
-              <a:rPr lang="es-ES" dirty="0"/>
-              <a:t> 1.</a:t>
-            </a:r>
-          </a:p>
-        </p:txBody>
-      </p:sp>
+              <a:t>Ejemplo de mensaje</a:t>
+            </a:r>
+          </a:p>
+        </p:txBody>
+      </p:sp>
+      <p:pic>
+        <p:nvPicPr>
+          <p:cNvPr id="7" name="Imagen 6">
+            <a:extLst>
+              <a:ext uri="{FF2B5EF4-FFF2-40B4-BE49-F238E27FC236}">
+                <a16:creationId xmlns:a16="http://schemas.microsoft.com/office/drawing/2014/main" id="{0C2159DD-ED6F-EFEC-403D-29F490C465B5}"/>
+              </a:ext>
+            </a:extLst>
+          </p:cNvPr>
+          <p:cNvPicPr>
+            <a:picLocks noChangeAspect="1"/>
+          </p:cNvPicPr>
+          <p:nvPr/>
+        </p:nvPicPr>
+        <p:blipFill>
+          <a:blip r:embed="rId2"/>
+          <a:stretch>
+            <a:fillRect/>
+          </a:stretch>
+        </p:blipFill>
+        <p:spPr>
+          <a:xfrm>
+            <a:off x="4476895" y="1365963"/>
+            <a:ext cx="3238210" cy="2302987"/>
+          </a:xfrm>
+          <a:prstGeom prst="rect">
+            <a:avLst/>
+          </a:prstGeom>
+        </p:spPr>
+      </p:pic>
     </p:spTree>
     <p:extLst>
       <p:ext uri="{BB962C8B-B14F-4D97-AF65-F5344CB8AC3E}">
-        <p14:creationId xmlns:p14="http://schemas.microsoft.com/office/powerpoint/2010/main" val="679735737"/>
+        <p14:creationId xmlns:p14="http://schemas.microsoft.com/office/powerpoint/2010/main" val="962782487"/>
       </p:ext>
     </p:extLst>
   </p:cSld>
@@ -5450,7 +5563,7 @@
           <p:cNvPr id="2" name="Título 1">
             <a:extLst>
               <a:ext uri="{FF2B5EF4-FFF2-40B4-BE49-F238E27FC236}">
-                <a16:creationId xmlns:a16="http://schemas.microsoft.com/office/drawing/2014/main" id="{8D692F28-0EB3-DCB5-3631-5C098A06243D}"/>
+                <a16:creationId xmlns:a16="http://schemas.microsoft.com/office/drawing/2014/main" id="{89ED3505-0257-0065-3165-D72A0E4661D9}"/>
               </a:ext>
             </a:extLst>
           </p:cNvPr>
@@ -5463,51 +5576,30 @@
         </p:nvSpPr>
         <p:spPr/>
         <p:txBody>
-          <a:bodyPr>
-            <a:normAutofit/>
-          </a:bodyPr>
-          <a:lstStyle/>
-          <a:p>
-            <a:r>
-              <a:rPr lang="es-ES" sz="3200" dirty="0"/>
-              <a:t>Slot SLIMMER 2</a:t>
-            </a:r>
-            <a:r>
-              <a:rPr lang="es-ES" sz="3200" dirty="0">
-                <a:sym typeface="Wingdings" panose="05000000000000000000" pitchFamily="2" charset="2"/>
-              </a:rPr>
-              <a:t> </a:t>
-            </a:r>
-            <a:r>
-              <a:rPr lang="es-ES" sz="3200" dirty="0" err="1">
-                <a:sym typeface="Wingdings" panose="05000000000000000000" pitchFamily="2" charset="2"/>
-              </a:rPr>
-              <a:t>correlation</a:t>
-            </a:r>
-            <a:r>
-              <a:rPr lang="es-ES" sz="3200" dirty="0">
-                <a:sym typeface="Wingdings" panose="05000000000000000000" pitchFamily="2" charset="2"/>
-              </a:rPr>
-              <a:t> id setter 1</a:t>
-            </a:r>
-            <a:endParaRPr lang="es-ES" sz="3200" dirty="0"/>
-          </a:p>
-        </p:txBody>
-      </p:sp>
-      <p:sp>
-        <p:nvSpPr>
-          <p:cNvPr id="3" name="Marcador de texto 2">
-            <a:extLst>
-              <a:ext uri="{FF2B5EF4-FFF2-40B4-BE49-F238E27FC236}">
-                <a16:creationId xmlns:a16="http://schemas.microsoft.com/office/drawing/2014/main" id="{5B493C32-E059-9D76-B9C6-68E6600AAD06}"/>
-              </a:ext>
-            </a:extLst>
-          </p:cNvPr>
-          <p:cNvSpPr>
-            <a:spLocks noGrp="1"/>
-          </p:cNvSpPr>
-          <p:nvPr>
-            <p:ph type="body" idx="1"/>
+          <a:bodyPr/>
+          <a:lstStyle/>
+          <a:p>
+            <a:r>
+              <a:rPr lang="es-ES" dirty="0"/>
+              <a:t>EJEMPLO DE MENSAJE</a:t>
+            </a:r>
+          </a:p>
+        </p:txBody>
+      </p:sp>
+      <p:sp>
+        <p:nvSpPr>
+          <p:cNvPr id="3" name="Marcador de contenido 2">
+            <a:extLst>
+              <a:ext uri="{FF2B5EF4-FFF2-40B4-BE49-F238E27FC236}">
+                <a16:creationId xmlns:a16="http://schemas.microsoft.com/office/drawing/2014/main" id="{4853F199-A787-5C36-5CC5-DD4D3AD3A123}"/>
+              </a:ext>
+            </a:extLst>
+          </p:cNvPr>
+          <p:cNvSpPr>
+            <a:spLocks noGrp="1"/>
+          </p:cNvSpPr>
+          <p:nvPr>
+            <p:ph idx="1"/>
           </p:nvPr>
         </p:nvSpPr>
         <p:spPr/>
@@ -5517,45 +5609,39 @@
           <a:p>
             <a:r>
               <a:rPr lang="es-ES" dirty="0"/>
-              <a:t>Ejemplo de mensaje</a:t>
-            </a:r>
-          </a:p>
-        </p:txBody>
-      </p:sp>
-      <p:pic>
-        <p:nvPicPr>
-          <p:cNvPr id="5" name="Imagen 4">
-            <a:extLst>
-              <a:ext uri="{FF2B5EF4-FFF2-40B4-BE49-F238E27FC236}">
-                <a16:creationId xmlns:a16="http://schemas.microsoft.com/office/drawing/2014/main" id="{0D72F120-545B-3FEA-39CF-4811F1E5C366}"/>
-              </a:ext>
-            </a:extLst>
-          </p:cNvPr>
-          <p:cNvPicPr>
-            <a:picLocks noChangeAspect="1"/>
-          </p:cNvPicPr>
-          <p:nvPr/>
-        </p:nvPicPr>
-        <p:blipFill>
-          <a:blip r:embed="rId2"/>
-          <a:stretch>
-            <a:fillRect/>
-          </a:stretch>
-        </p:blipFill>
-        <p:spPr>
-          <a:xfrm>
-            <a:off x="4301173" y="1568187"/>
-            <a:ext cx="3589653" cy="1860813"/>
-          </a:xfrm>
-          <a:prstGeom prst="rect">
-            <a:avLst/>
-          </a:prstGeom>
-        </p:spPr>
-      </p:pic>
+              <a:t>Del </a:t>
+            </a:r>
+            <a:r>
+              <a:rPr lang="es-ES" dirty="0" err="1"/>
+              <a:t>replicator</a:t>
+            </a:r>
+            <a:r>
+              <a:rPr lang="es-ES" dirty="0"/>
+              <a:t> 1 hacia el </a:t>
+            </a:r>
+            <a:r>
+              <a:rPr lang="es-ES" dirty="0" err="1"/>
+              <a:t>slimmer</a:t>
+            </a:r>
+            <a:r>
+              <a:rPr lang="es-ES" dirty="0"/>
+              <a:t> 2 salen tantos mensajes como le lleguen del </a:t>
+            </a:r>
+            <a:r>
+              <a:rPr lang="es-ES" dirty="0" err="1"/>
+              <a:t>splitter</a:t>
+            </a:r>
+            <a:r>
+              <a:rPr lang="es-ES" dirty="0"/>
+              <a:t> 1</a:t>
+            </a:r>
+          </a:p>
+        </p:txBody>
+      </p:sp>
     </p:spTree>
     <p:extLst>
       <p:ext uri="{BB962C8B-B14F-4D97-AF65-F5344CB8AC3E}">
-        <p14:creationId xmlns:p14="http://schemas.microsoft.com/office/powerpoint/2010/main" val="2758513083"/>
+        <p14:creationId xmlns:p14="http://schemas.microsoft.com/office/powerpoint/2010/main" val="3972430135"/>
       </p:ext>
     </p:extLst>
   </p:cSld>
@@ -5587,7 +5673,7 @@
           <p:cNvPr id="2" name="Título 1">
             <a:extLst>
               <a:ext uri="{FF2B5EF4-FFF2-40B4-BE49-F238E27FC236}">
-                <a16:creationId xmlns:a16="http://schemas.microsoft.com/office/drawing/2014/main" id="{89ED3505-0257-0065-3165-D72A0E4661D9}"/>
+                <a16:creationId xmlns:a16="http://schemas.microsoft.com/office/drawing/2014/main" id="{8D692F28-0EB3-DCB5-3631-5C098A06243D}"/>
               </a:ext>
             </a:extLst>
           </p:cNvPr>
@@ -5600,53 +5686,61 @@
         </p:nvSpPr>
         <p:spPr/>
         <p:txBody>
+          <a:bodyPr>
+            <a:normAutofit/>
+          </a:bodyPr>
+          <a:lstStyle/>
+          <a:p>
+            <a:r>
+              <a:rPr lang="es-ES" sz="3200" dirty="0"/>
+              <a:t>Slot REPLICATOR 1</a:t>
+            </a:r>
+            <a:r>
+              <a:rPr lang="es-ES" sz="3200" dirty="0">
+                <a:sym typeface="Wingdings" panose="05000000000000000000" pitchFamily="2" charset="2"/>
+              </a:rPr>
+              <a:t> </a:t>
+            </a:r>
+            <a:r>
+              <a:rPr lang="es-ES" sz="3200" dirty="0" err="1">
+                <a:sym typeface="Wingdings" panose="05000000000000000000" pitchFamily="2" charset="2"/>
+              </a:rPr>
+              <a:t>slimmer</a:t>
+            </a:r>
+            <a:r>
+              <a:rPr lang="es-ES" sz="3200" dirty="0">
+                <a:sym typeface="Wingdings" panose="05000000000000000000" pitchFamily="2" charset="2"/>
+              </a:rPr>
+              <a:t> 3</a:t>
+            </a:r>
+            <a:endParaRPr lang="es-ES" sz="3200" dirty="0"/>
+          </a:p>
+        </p:txBody>
+      </p:sp>
+      <p:sp>
+        <p:nvSpPr>
+          <p:cNvPr id="3" name="Marcador de texto 2">
+            <a:extLst>
+              <a:ext uri="{FF2B5EF4-FFF2-40B4-BE49-F238E27FC236}">
+                <a16:creationId xmlns:a16="http://schemas.microsoft.com/office/drawing/2014/main" id="{5B493C32-E059-9D76-B9C6-68E6600AAD06}"/>
+              </a:ext>
+            </a:extLst>
+          </p:cNvPr>
+          <p:cNvSpPr>
+            <a:spLocks noGrp="1"/>
+          </p:cNvSpPr>
+          <p:nvPr>
+            <p:ph type="body" idx="1"/>
+          </p:nvPr>
+        </p:nvSpPr>
+        <p:spPr/>
+        <p:txBody>
           <a:bodyPr/>
           <a:lstStyle/>
           <a:p>
             <a:r>
               <a:rPr lang="es-ES" dirty="0"/>
-              <a:t>EJEMPLO DE MENSAJE</a:t>
-            </a:r>
-          </a:p>
-        </p:txBody>
-      </p:sp>
-      <p:sp>
-        <p:nvSpPr>
-          <p:cNvPr id="3" name="Marcador de contenido 2">
-            <a:extLst>
-              <a:ext uri="{FF2B5EF4-FFF2-40B4-BE49-F238E27FC236}">
-                <a16:creationId xmlns:a16="http://schemas.microsoft.com/office/drawing/2014/main" id="{4853F199-A787-5C36-5CC5-DD4D3AD3A123}"/>
-              </a:ext>
-            </a:extLst>
-          </p:cNvPr>
-          <p:cNvSpPr>
-            <a:spLocks noGrp="1"/>
-          </p:cNvSpPr>
-          <p:nvPr>
-            <p:ph idx="1"/>
-          </p:nvPr>
-        </p:nvSpPr>
-        <p:spPr>
-          <a:xfrm>
-            <a:off x="581192" y="2180496"/>
-            <a:ext cx="11029615" cy="520759"/>
-          </a:xfrm>
-        </p:spPr>
-        <p:txBody>
-          <a:bodyPr/>
-          <a:lstStyle/>
-          <a:p>
-            <a:r>
-              <a:rPr lang="es-ES" dirty="0"/>
-              <a:t>Del </a:t>
-            </a:r>
-            <a:r>
-              <a:rPr lang="es-ES" dirty="0" err="1"/>
-              <a:t>Slimmer</a:t>
-            </a:r>
-            <a:r>
-              <a:rPr lang="es-ES" dirty="0"/>
-              <a:t> 2 tan solo salen los datos personales del alumno:</a:t>
+              <a:t>Ejemplo de mensaje</a:t>
             </a:r>
           </a:p>
         </p:txBody>
@@ -5656,7 +5750,7 @@
           <p:cNvPr id="5" name="Imagen 4">
             <a:extLst>
               <a:ext uri="{FF2B5EF4-FFF2-40B4-BE49-F238E27FC236}">
-                <a16:creationId xmlns:a16="http://schemas.microsoft.com/office/drawing/2014/main" id="{F4E05555-112F-6327-F283-CB2B6DCD1DEF}"/>
+                <a16:creationId xmlns:a16="http://schemas.microsoft.com/office/drawing/2014/main" id="{E5A5F121-304A-43B0-6C3E-2243685922FD}"/>
               </a:ext>
             </a:extLst>
           </p:cNvPr>
@@ -5673,38 +5767,8 @@
         </p:blipFill>
         <p:spPr>
           <a:xfrm>
-            <a:off x="889232" y="3265428"/>
-            <a:ext cx="4679881" cy="1096847"/>
-          </a:xfrm>
-          <a:prstGeom prst="rect">
-            <a:avLst/>
-          </a:prstGeom>
-        </p:spPr>
-      </p:pic>
-      <p:pic>
-        <p:nvPicPr>
-          <p:cNvPr id="7" name="Imagen 6">
-            <a:extLst>
-              <a:ext uri="{FF2B5EF4-FFF2-40B4-BE49-F238E27FC236}">
-                <a16:creationId xmlns:a16="http://schemas.microsoft.com/office/drawing/2014/main" id="{CBFD9A26-4357-B9F4-9272-4ED0C30E2DC9}"/>
-              </a:ext>
-            </a:extLst>
-          </p:cNvPr>
-          <p:cNvPicPr>
-            <a:picLocks noChangeAspect="1"/>
-          </p:cNvPicPr>
-          <p:nvPr/>
-        </p:nvPicPr>
-        <p:blipFill>
-          <a:blip r:embed="rId3"/>
-          <a:stretch>
-            <a:fillRect/>
-          </a:stretch>
-        </p:blipFill>
-        <p:spPr>
-          <a:xfrm>
-            <a:off x="5721510" y="3258205"/>
-            <a:ext cx="4297987" cy="1104070"/>
+            <a:off x="4268755" y="1091954"/>
+            <a:ext cx="3654490" cy="2702800"/>
           </a:xfrm>
           <a:prstGeom prst="rect">
             <a:avLst/>
@@ -5714,7 +5778,7 @@
     </p:spTree>
     <p:extLst>
       <p:ext uri="{BB962C8B-B14F-4D97-AF65-F5344CB8AC3E}">
-        <p14:creationId xmlns:p14="http://schemas.microsoft.com/office/powerpoint/2010/main" val="3488830883"/>
+        <p14:creationId xmlns:p14="http://schemas.microsoft.com/office/powerpoint/2010/main" val="2013496292"/>
       </p:ext>
     </p:extLst>
   </p:cSld>
@@ -5746,7 +5810,7 @@
           <p:cNvPr id="2" name="Título 1">
             <a:extLst>
               <a:ext uri="{FF2B5EF4-FFF2-40B4-BE49-F238E27FC236}">
-                <a16:creationId xmlns:a16="http://schemas.microsoft.com/office/drawing/2014/main" id="{8D692F28-0EB3-DCB5-3631-5C098A06243D}"/>
+                <a16:creationId xmlns:a16="http://schemas.microsoft.com/office/drawing/2014/main" id="{89ED3505-0257-0065-3165-D72A0E4661D9}"/>
               </a:ext>
             </a:extLst>
           </p:cNvPr>
@@ -5759,59 +5823,30 @@
         </p:nvSpPr>
         <p:spPr/>
         <p:txBody>
-          <a:bodyPr>
-            <a:normAutofit/>
-          </a:bodyPr>
-          <a:lstStyle/>
-          <a:p>
-            <a:r>
-              <a:rPr lang="es-ES" sz="3200" dirty="0"/>
-              <a:t>Slot </a:t>
-            </a:r>
-            <a:r>
-              <a:rPr lang="es-ES" sz="3200" dirty="0" err="1"/>
-              <a:t>correlation</a:t>
-            </a:r>
-            <a:r>
-              <a:rPr lang="es-ES" sz="3200" dirty="0"/>
-              <a:t> id setter 1</a:t>
-            </a:r>
-            <a:r>
-              <a:rPr lang="es-ES" sz="3200" dirty="0">
-                <a:sym typeface="Wingdings" panose="05000000000000000000" pitchFamily="2" charset="2"/>
-              </a:rPr>
-              <a:t> </a:t>
-            </a:r>
-            <a:r>
-              <a:rPr lang="es-ES" sz="3200" dirty="0" err="1">
-                <a:sym typeface="Wingdings" panose="05000000000000000000" pitchFamily="2" charset="2"/>
-              </a:rPr>
-              <a:t>translator</a:t>
-            </a:r>
-            <a:r>
-              <a:rPr lang="es-ES" sz="3200" dirty="0">
-                <a:sym typeface="Wingdings" panose="05000000000000000000" pitchFamily="2" charset="2"/>
-              </a:rPr>
-              <a:t> 1</a:t>
-            </a:r>
-            <a:endParaRPr lang="es-ES" sz="3200" dirty="0"/>
-          </a:p>
-        </p:txBody>
-      </p:sp>
-      <p:sp>
-        <p:nvSpPr>
-          <p:cNvPr id="3" name="Marcador de texto 2">
-            <a:extLst>
-              <a:ext uri="{FF2B5EF4-FFF2-40B4-BE49-F238E27FC236}">
-                <a16:creationId xmlns:a16="http://schemas.microsoft.com/office/drawing/2014/main" id="{5B493C32-E059-9D76-B9C6-68E6600AAD06}"/>
-              </a:ext>
-            </a:extLst>
-          </p:cNvPr>
-          <p:cNvSpPr>
-            <a:spLocks noGrp="1"/>
-          </p:cNvSpPr>
-          <p:nvPr>
-            <p:ph type="body" idx="1"/>
+          <a:bodyPr/>
+          <a:lstStyle/>
+          <a:p>
+            <a:r>
+              <a:rPr lang="es-ES" dirty="0"/>
+              <a:t>EJEMPLO DE MENSAJE</a:t>
+            </a:r>
+          </a:p>
+        </p:txBody>
+      </p:sp>
+      <p:sp>
+        <p:nvSpPr>
+          <p:cNvPr id="3" name="Marcador de contenido 2">
+            <a:extLst>
+              <a:ext uri="{FF2B5EF4-FFF2-40B4-BE49-F238E27FC236}">
+                <a16:creationId xmlns:a16="http://schemas.microsoft.com/office/drawing/2014/main" id="{4853F199-A787-5C36-5CC5-DD4D3AD3A123}"/>
+              </a:ext>
+            </a:extLst>
+          </p:cNvPr>
+          <p:cNvSpPr>
+            <a:spLocks noGrp="1"/>
+          </p:cNvSpPr>
+          <p:nvPr>
+            <p:ph idx="1"/>
           </p:nvPr>
         </p:nvSpPr>
         <p:spPr/>
@@ -5821,45 +5856,39 @@
           <a:p>
             <a:r>
               <a:rPr lang="es-ES" dirty="0"/>
-              <a:t>Ejemplo de mensaje</a:t>
-            </a:r>
-          </a:p>
-        </p:txBody>
-      </p:sp>
-      <p:pic>
-        <p:nvPicPr>
-          <p:cNvPr id="5" name="Imagen 4">
-            <a:extLst>
-              <a:ext uri="{FF2B5EF4-FFF2-40B4-BE49-F238E27FC236}">
-                <a16:creationId xmlns:a16="http://schemas.microsoft.com/office/drawing/2014/main" id="{C61A80C3-372D-6FE2-2A3F-D141C81A3201}"/>
-              </a:ext>
-            </a:extLst>
-          </p:cNvPr>
-          <p:cNvPicPr>
-            <a:picLocks noChangeAspect="1"/>
-          </p:cNvPicPr>
-          <p:nvPr/>
-        </p:nvPicPr>
-        <p:blipFill>
-          <a:blip r:embed="rId2"/>
-          <a:stretch>
-            <a:fillRect/>
-          </a:stretch>
-        </p:blipFill>
-        <p:spPr>
-          <a:xfrm>
-            <a:off x="3910157" y="1045249"/>
-            <a:ext cx="4371685" cy="2796209"/>
-          </a:xfrm>
-          <a:prstGeom prst="rect">
-            <a:avLst/>
-          </a:prstGeom>
-        </p:spPr>
-      </p:pic>
+              <a:t>Del </a:t>
+            </a:r>
+            <a:r>
+              <a:rPr lang="es-ES" dirty="0" err="1"/>
+              <a:t>replicator</a:t>
+            </a:r>
+            <a:r>
+              <a:rPr lang="es-ES" dirty="0"/>
+              <a:t> 1 hacia el </a:t>
+            </a:r>
+            <a:r>
+              <a:rPr lang="es-ES" dirty="0" err="1"/>
+              <a:t>slimmer</a:t>
+            </a:r>
+            <a:r>
+              <a:rPr lang="es-ES" dirty="0"/>
+              <a:t> 3 salen tantos mensajes como le lleguen del </a:t>
+            </a:r>
+            <a:r>
+              <a:rPr lang="es-ES" dirty="0" err="1"/>
+              <a:t>splitter</a:t>
+            </a:r>
+            <a:r>
+              <a:rPr lang="es-ES" dirty="0"/>
+              <a:t> 1.</a:t>
+            </a:r>
+          </a:p>
+        </p:txBody>
+      </p:sp>
     </p:spTree>
     <p:extLst>
       <p:ext uri="{BB962C8B-B14F-4D97-AF65-F5344CB8AC3E}">
-        <p14:creationId xmlns:p14="http://schemas.microsoft.com/office/powerpoint/2010/main" val="862430890"/>
+        <p14:creationId xmlns:p14="http://schemas.microsoft.com/office/powerpoint/2010/main" val="679735737"/>
       </p:ext>
     </p:extLst>
   </p:cSld>
@@ -5891,7 +5920,7 @@
           <p:cNvPr id="2" name="Título 1">
             <a:extLst>
               <a:ext uri="{FF2B5EF4-FFF2-40B4-BE49-F238E27FC236}">
-                <a16:creationId xmlns:a16="http://schemas.microsoft.com/office/drawing/2014/main" id="{89ED3505-0257-0065-3165-D72A0E4661D9}"/>
+                <a16:creationId xmlns:a16="http://schemas.microsoft.com/office/drawing/2014/main" id="{8D692F28-0EB3-DCB5-3631-5C098A06243D}"/>
               </a:ext>
             </a:extLst>
           </p:cNvPr>
@@ -5904,61 +5933,61 @@
         </p:nvSpPr>
         <p:spPr/>
         <p:txBody>
+          <a:bodyPr>
+            <a:normAutofit/>
+          </a:bodyPr>
+          <a:lstStyle/>
+          <a:p>
+            <a:r>
+              <a:rPr lang="es-ES" sz="3200" dirty="0"/>
+              <a:t>Slot SLIMMER 2</a:t>
+            </a:r>
+            <a:r>
+              <a:rPr lang="es-ES" sz="3200" dirty="0">
+                <a:sym typeface="Wingdings" panose="05000000000000000000" pitchFamily="2" charset="2"/>
+              </a:rPr>
+              <a:t> </a:t>
+            </a:r>
+            <a:r>
+              <a:rPr lang="es-ES" sz="3200" dirty="0" err="1">
+                <a:sym typeface="Wingdings" panose="05000000000000000000" pitchFamily="2" charset="2"/>
+              </a:rPr>
+              <a:t>correlation</a:t>
+            </a:r>
+            <a:r>
+              <a:rPr lang="es-ES" sz="3200" dirty="0">
+                <a:sym typeface="Wingdings" panose="05000000000000000000" pitchFamily="2" charset="2"/>
+              </a:rPr>
+              <a:t> id setter 1</a:t>
+            </a:r>
+            <a:endParaRPr lang="es-ES" sz="3200" dirty="0"/>
+          </a:p>
+        </p:txBody>
+      </p:sp>
+      <p:sp>
+        <p:nvSpPr>
+          <p:cNvPr id="3" name="Marcador de texto 2">
+            <a:extLst>
+              <a:ext uri="{FF2B5EF4-FFF2-40B4-BE49-F238E27FC236}">
+                <a16:creationId xmlns:a16="http://schemas.microsoft.com/office/drawing/2014/main" id="{5B493C32-E059-9D76-B9C6-68E6600AAD06}"/>
+              </a:ext>
+            </a:extLst>
+          </p:cNvPr>
+          <p:cNvSpPr>
+            <a:spLocks noGrp="1"/>
+          </p:cNvSpPr>
+          <p:nvPr>
+            <p:ph type="body" idx="1"/>
+          </p:nvPr>
+        </p:nvSpPr>
+        <p:spPr/>
+        <p:txBody>
           <a:bodyPr/>
           <a:lstStyle/>
           <a:p>
             <a:r>
               <a:rPr lang="es-ES" dirty="0"/>
-              <a:t>EJEMPLO DE MENSAJE</a:t>
-            </a:r>
-          </a:p>
-        </p:txBody>
-      </p:sp>
-      <p:sp>
-        <p:nvSpPr>
-          <p:cNvPr id="3" name="Marcador de contenido 2">
-            <a:extLst>
-              <a:ext uri="{FF2B5EF4-FFF2-40B4-BE49-F238E27FC236}">
-                <a16:creationId xmlns:a16="http://schemas.microsoft.com/office/drawing/2014/main" id="{4853F199-A787-5C36-5CC5-DD4D3AD3A123}"/>
-              </a:ext>
-            </a:extLst>
-          </p:cNvPr>
-          <p:cNvSpPr>
-            <a:spLocks noGrp="1"/>
-          </p:cNvSpPr>
-          <p:nvPr>
-            <p:ph idx="1"/>
-          </p:nvPr>
-        </p:nvSpPr>
-        <p:spPr>
-          <a:xfrm>
-            <a:off x="581192" y="2180497"/>
-            <a:ext cx="11029615" cy="445258"/>
-          </a:xfrm>
-        </p:spPr>
-        <p:txBody>
-          <a:bodyPr/>
-          <a:lstStyle/>
-          <a:p>
-            <a:r>
-              <a:rPr lang="es-ES" dirty="0"/>
-              <a:t>Del </a:t>
-            </a:r>
-            <a:r>
-              <a:rPr lang="es-ES" dirty="0" err="1"/>
-              <a:t>Correlation</a:t>
-            </a:r>
-            <a:r>
-              <a:rPr lang="es-ES" dirty="0"/>
-              <a:t> ID Setter 1 sale el siguiente mensaje hacia el </a:t>
-            </a:r>
-            <a:r>
-              <a:rPr lang="es-ES" dirty="0" err="1"/>
-              <a:t>Translator</a:t>
-            </a:r>
-            <a:r>
-              <a:rPr lang="es-ES" dirty="0"/>
-              <a:t> 1:</a:t>
+              <a:t>Ejemplo de mensaje</a:t>
             </a:r>
           </a:p>
         </p:txBody>
@@ -5968,7 +5997,7 @@
           <p:cNvPr id="5" name="Imagen 4">
             <a:extLst>
               <a:ext uri="{FF2B5EF4-FFF2-40B4-BE49-F238E27FC236}">
-                <a16:creationId xmlns:a16="http://schemas.microsoft.com/office/drawing/2014/main" id="{F03A259D-7CE5-BD70-4526-2B267E18744E}"/>
+                <a16:creationId xmlns:a16="http://schemas.microsoft.com/office/drawing/2014/main" id="{0D72F120-545B-3FEA-39CF-4811F1E5C366}"/>
               </a:ext>
             </a:extLst>
           </p:cNvPr>
@@ -5985,8 +6014,8 @@
         </p:blipFill>
         <p:spPr>
           <a:xfrm>
-            <a:off x="3546031" y="3178350"/>
-            <a:ext cx="5099938" cy="2349062"/>
+            <a:off x="4301173" y="1568187"/>
+            <a:ext cx="3589653" cy="1860813"/>
           </a:xfrm>
           <a:prstGeom prst="rect">
             <a:avLst/>
@@ -5996,7 +6025,7 @@
     </p:spTree>
     <p:extLst>
       <p:ext uri="{BB962C8B-B14F-4D97-AF65-F5344CB8AC3E}">
-        <p14:creationId xmlns:p14="http://schemas.microsoft.com/office/powerpoint/2010/main" val="3369922881"/>
+        <p14:creationId xmlns:p14="http://schemas.microsoft.com/office/powerpoint/2010/main" val="2758513083"/>
       </p:ext>
     </p:extLst>
   </p:cSld>
@@ -6028,7 +6057,7 @@
           <p:cNvPr id="2" name="Título 1">
             <a:extLst>
               <a:ext uri="{FF2B5EF4-FFF2-40B4-BE49-F238E27FC236}">
-                <a16:creationId xmlns:a16="http://schemas.microsoft.com/office/drawing/2014/main" id="{8D692F28-0EB3-DCB5-3631-5C098A06243D}"/>
+                <a16:creationId xmlns:a16="http://schemas.microsoft.com/office/drawing/2014/main" id="{89ED3505-0257-0065-3165-D72A0E4661D9}"/>
               </a:ext>
             </a:extLst>
           </p:cNvPr>
@@ -6041,87 +6070,53 @@
         </p:nvSpPr>
         <p:spPr/>
         <p:txBody>
-          <a:bodyPr>
-            <a:normAutofit/>
-          </a:bodyPr>
-          <a:lstStyle/>
-          <a:p>
-            <a:r>
-              <a:rPr lang="es-ES" sz="3200" dirty="0"/>
-              <a:t>Slot </a:t>
-            </a:r>
-            <a:r>
-              <a:rPr lang="es-ES" sz="3200" dirty="0" err="1"/>
-              <a:t>translator</a:t>
-            </a:r>
-            <a:r>
-              <a:rPr lang="es-ES" sz="3200" dirty="0"/>
-              <a:t> 1 </a:t>
-            </a:r>
-            <a:r>
-              <a:rPr lang="es-ES" sz="3200" dirty="0">
-                <a:sym typeface="Wingdings" panose="05000000000000000000" pitchFamily="2" charset="2"/>
-              </a:rPr>
-              <a:t> </a:t>
-            </a:r>
-            <a:r>
-              <a:rPr lang="es-ES" sz="3200" dirty="0" err="1">
-                <a:sym typeface="Wingdings" panose="05000000000000000000" pitchFamily="2" charset="2"/>
-              </a:rPr>
-              <a:t>student</a:t>
-            </a:r>
-            <a:r>
-              <a:rPr lang="es-ES" sz="3200" dirty="0">
-                <a:sym typeface="Wingdings" panose="05000000000000000000" pitchFamily="2" charset="2"/>
-              </a:rPr>
-              <a:t> </a:t>
-            </a:r>
-            <a:r>
-              <a:rPr lang="es-ES" sz="3200" dirty="0" err="1">
-                <a:sym typeface="Wingdings" panose="05000000000000000000" pitchFamily="2" charset="2"/>
-              </a:rPr>
-              <a:t>management</a:t>
-            </a:r>
-            <a:r>
-              <a:rPr lang="es-ES" sz="3200" dirty="0">
-                <a:sym typeface="Wingdings" panose="05000000000000000000" pitchFamily="2" charset="2"/>
-              </a:rPr>
-              <a:t> </a:t>
-            </a:r>
-            <a:r>
-              <a:rPr lang="es-ES" sz="3200" dirty="0" err="1">
-                <a:sym typeface="Wingdings" panose="05000000000000000000" pitchFamily="2" charset="2"/>
-              </a:rPr>
-              <a:t>system</a:t>
-            </a:r>
-            <a:endParaRPr lang="es-ES" sz="3200" dirty="0"/>
-          </a:p>
-        </p:txBody>
-      </p:sp>
-      <p:sp>
-        <p:nvSpPr>
-          <p:cNvPr id="3" name="Marcador de texto 2">
-            <a:extLst>
-              <a:ext uri="{FF2B5EF4-FFF2-40B4-BE49-F238E27FC236}">
-                <a16:creationId xmlns:a16="http://schemas.microsoft.com/office/drawing/2014/main" id="{5B493C32-E059-9D76-B9C6-68E6600AAD06}"/>
-              </a:ext>
-            </a:extLst>
-          </p:cNvPr>
-          <p:cNvSpPr>
-            <a:spLocks noGrp="1"/>
-          </p:cNvSpPr>
-          <p:nvPr>
-            <p:ph type="body" idx="1"/>
-          </p:nvPr>
-        </p:nvSpPr>
-        <p:spPr/>
-        <p:txBody>
           <a:bodyPr/>
           <a:lstStyle/>
           <a:p>
             <a:r>
               <a:rPr lang="es-ES" dirty="0"/>
-              <a:t>Ejemplo de mensaje</a:t>
+              <a:t>EJEMPLO DE MENSAJE</a:t>
+            </a:r>
+          </a:p>
+        </p:txBody>
+      </p:sp>
+      <p:sp>
+        <p:nvSpPr>
+          <p:cNvPr id="3" name="Marcador de contenido 2">
+            <a:extLst>
+              <a:ext uri="{FF2B5EF4-FFF2-40B4-BE49-F238E27FC236}">
+                <a16:creationId xmlns:a16="http://schemas.microsoft.com/office/drawing/2014/main" id="{4853F199-A787-5C36-5CC5-DD4D3AD3A123}"/>
+              </a:ext>
+            </a:extLst>
+          </p:cNvPr>
+          <p:cNvSpPr>
+            <a:spLocks noGrp="1"/>
+          </p:cNvSpPr>
+          <p:nvPr>
+            <p:ph idx="1"/>
+          </p:nvPr>
+        </p:nvSpPr>
+        <p:spPr>
+          <a:xfrm>
+            <a:off x="581192" y="2180496"/>
+            <a:ext cx="11029615" cy="520759"/>
+          </a:xfrm>
+        </p:spPr>
+        <p:txBody>
+          <a:bodyPr/>
+          <a:lstStyle/>
+          <a:p>
+            <a:r>
+              <a:rPr lang="es-ES" dirty="0"/>
+              <a:t>Del </a:t>
+            </a:r>
+            <a:r>
+              <a:rPr lang="es-ES" dirty="0" err="1"/>
+              <a:t>Slimmer</a:t>
+            </a:r>
+            <a:r>
+              <a:rPr lang="es-ES" dirty="0"/>
+              <a:t> 2 tan solo salen los datos personales del alumno:</a:t>
             </a:r>
           </a:p>
         </p:txBody>
@@ -6131,7 +6126,7 @@
           <p:cNvPr id="5" name="Imagen 4">
             <a:extLst>
               <a:ext uri="{FF2B5EF4-FFF2-40B4-BE49-F238E27FC236}">
-                <a16:creationId xmlns:a16="http://schemas.microsoft.com/office/drawing/2014/main" id="{9B69871E-7E97-8859-9A58-6957144434FD}"/>
+                <a16:creationId xmlns:a16="http://schemas.microsoft.com/office/drawing/2014/main" id="{F4E05555-112F-6327-F283-CB2B6DCD1DEF}"/>
               </a:ext>
             </a:extLst>
           </p:cNvPr>
@@ -6148,8 +6143,38 @@
         </p:blipFill>
         <p:spPr>
           <a:xfrm>
-            <a:off x="4481511" y="933641"/>
-            <a:ext cx="3228975" cy="3019425"/>
+            <a:off x="889232" y="3265428"/>
+            <a:ext cx="4679881" cy="1096847"/>
+          </a:xfrm>
+          <a:prstGeom prst="rect">
+            <a:avLst/>
+          </a:prstGeom>
+        </p:spPr>
+      </p:pic>
+      <p:pic>
+        <p:nvPicPr>
+          <p:cNvPr id="7" name="Imagen 6">
+            <a:extLst>
+              <a:ext uri="{FF2B5EF4-FFF2-40B4-BE49-F238E27FC236}">
+                <a16:creationId xmlns:a16="http://schemas.microsoft.com/office/drawing/2014/main" id="{CBFD9A26-4357-B9F4-9272-4ED0C30E2DC9}"/>
+              </a:ext>
+            </a:extLst>
+          </p:cNvPr>
+          <p:cNvPicPr>
+            <a:picLocks noChangeAspect="1"/>
+          </p:cNvPicPr>
+          <p:nvPr/>
+        </p:nvPicPr>
+        <p:blipFill>
+          <a:blip r:embed="rId3"/>
+          <a:stretch>
+            <a:fillRect/>
+          </a:stretch>
+        </p:blipFill>
+        <p:spPr>
+          <a:xfrm>
+            <a:off x="5721510" y="3258205"/>
+            <a:ext cx="4297987" cy="1104070"/>
           </a:xfrm>
           <a:prstGeom prst="rect">
             <a:avLst/>
@@ -6159,7 +6184,7 @@
     </p:spTree>
     <p:extLst>
       <p:ext uri="{BB962C8B-B14F-4D97-AF65-F5344CB8AC3E}">
-        <p14:creationId xmlns:p14="http://schemas.microsoft.com/office/powerpoint/2010/main" val="1097510421"/>
+        <p14:creationId xmlns:p14="http://schemas.microsoft.com/office/powerpoint/2010/main" val="3488830883"/>
       </p:ext>
     </p:extLst>
   </p:cSld>
@@ -6191,7 +6216,7 @@
           <p:cNvPr id="2" name="Título 1">
             <a:extLst>
               <a:ext uri="{FF2B5EF4-FFF2-40B4-BE49-F238E27FC236}">
-                <a16:creationId xmlns:a16="http://schemas.microsoft.com/office/drawing/2014/main" id="{89ED3505-0257-0065-3165-D72A0E4661D9}"/>
+                <a16:creationId xmlns:a16="http://schemas.microsoft.com/office/drawing/2014/main" id="{8D692F28-0EB3-DCB5-3631-5C098A06243D}"/>
               </a:ext>
             </a:extLst>
           </p:cNvPr>
@@ -6204,55 +6229,79 @@
         </p:nvSpPr>
         <p:spPr/>
         <p:txBody>
+          <a:bodyPr>
+            <a:normAutofit/>
+          </a:bodyPr>
+          <a:lstStyle/>
+          <a:p>
+            <a:r>
+              <a:rPr lang="es-ES" sz="3200" dirty="0"/>
+              <a:t>Slot </a:t>
+            </a:r>
+            <a:r>
+              <a:rPr lang="es-ES" sz="3200" dirty="0" err="1"/>
+              <a:t>correlation</a:t>
+            </a:r>
+            <a:r>
+              <a:rPr lang="es-ES" sz="3200" dirty="0"/>
+              <a:t> id setter 1</a:t>
+            </a:r>
+            <a:r>
+              <a:rPr lang="es-ES" sz="3200" dirty="0">
+                <a:sym typeface="Wingdings" panose="05000000000000000000" pitchFamily="2" charset="2"/>
+              </a:rPr>
+              <a:t> </a:t>
+            </a:r>
+            <a:r>
+              <a:rPr lang="es-ES" sz="3200" dirty="0" err="1">
+                <a:sym typeface="Wingdings" panose="05000000000000000000" pitchFamily="2" charset="2"/>
+              </a:rPr>
+              <a:t>translator</a:t>
+            </a:r>
+            <a:r>
+              <a:rPr lang="es-ES" sz="3200" dirty="0">
+                <a:sym typeface="Wingdings" panose="05000000000000000000" pitchFamily="2" charset="2"/>
+              </a:rPr>
+              <a:t> 1</a:t>
+            </a:r>
+            <a:endParaRPr lang="es-ES" sz="3200" dirty="0"/>
+          </a:p>
+        </p:txBody>
+      </p:sp>
+      <p:sp>
+        <p:nvSpPr>
+          <p:cNvPr id="3" name="Marcador de texto 2">
+            <a:extLst>
+              <a:ext uri="{FF2B5EF4-FFF2-40B4-BE49-F238E27FC236}">
+                <a16:creationId xmlns:a16="http://schemas.microsoft.com/office/drawing/2014/main" id="{5B493C32-E059-9D76-B9C6-68E6600AAD06}"/>
+              </a:ext>
+            </a:extLst>
+          </p:cNvPr>
+          <p:cNvSpPr>
+            <a:spLocks noGrp="1"/>
+          </p:cNvSpPr>
+          <p:nvPr>
+            <p:ph type="body" idx="1"/>
+          </p:nvPr>
+        </p:nvSpPr>
+        <p:spPr/>
+        <p:txBody>
           <a:bodyPr/>
           <a:lstStyle/>
           <a:p>
             <a:r>
               <a:rPr lang="es-ES" dirty="0"/>
-              <a:t>EJEMPLO DE MENSAJE</a:t>
-            </a:r>
-          </a:p>
-        </p:txBody>
-      </p:sp>
-      <p:sp>
-        <p:nvSpPr>
-          <p:cNvPr id="3" name="Marcador de contenido 2">
-            <a:extLst>
-              <a:ext uri="{FF2B5EF4-FFF2-40B4-BE49-F238E27FC236}">
-                <a16:creationId xmlns:a16="http://schemas.microsoft.com/office/drawing/2014/main" id="{4853F199-A787-5C36-5CC5-DD4D3AD3A123}"/>
-              </a:ext>
-            </a:extLst>
-          </p:cNvPr>
-          <p:cNvSpPr>
-            <a:spLocks noGrp="1"/>
-          </p:cNvSpPr>
-          <p:nvPr>
-            <p:ph idx="1"/>
-          </p:nvPr>
-        </p:nvSpPr>
-        <p:spPr>
-          <a:xfrm>
-            <a:off x="581192" y="2180496"/>
-            <a:ext cx="11029615" cy="537537"/>
-          </a:xfrm>
-        </p:spPr>
-        <p:txBody>
-          <a:bodyPr/>
-          <a:lstStyle/>
-          <a:p>
-            <a:r>
-              <a:rPr lang="es-ES" dirty="0"/>
-              <a:t>Se traduciría el mensaje que llega a SQL (por ejemplo):</a:t>
+              <a:t>Ejemplo de mensaje</a:t>
             </a:r>
           </a:p>
         </p:txBody>
       </p:sp>
       <p:pic>
         <p:nvPicPr>
-          <p:cNvPr id="4" name="Imagen 3">
-            <a:extLst>
-              <a:ext uri="{FF2B5EF4-FFF2-40B4-BE49-F238E27FC236}">
-                <a16:creationId xmlns:a16="http://schemas.microsoft.com/office/drawing/2014/main" id="{B69BAE1F-8B3E-953A-F0C4-415511AB8043}"/>
+          <p:cNvPr id="5" name="Imagen 4">
+            <a:extLst>
+              <a:ext uri="{FF2B5EF4-FFF2-40B4-BE49-F238E27FC236}">
+                <a16:creationId xmlns:a16="http://schemas.microsoft.com/office/drawing/2014/main" id="{C61A80C3-372D-6FE2-2A3F-D141C81A3201}"/>
               </a:ext>
             </a:extLst>
           </p:cNvPr>
@@ -6269,116 +6318,18 @@
         </p:blipFill>
         <p:spPr>
           <a:xfrm>
-            <a:off x="662872" y="3182573"/>
-            <a:ext cx="5099938" cy="2349062"/>
+            <a:off x="3910157" y="1045249"/>
+            <a:ext cx="4371685" cy="2796209"/>
           </a:xfrm>
           <a:prstGeom prst="rect">
             <a:avLst/>
           </a:prstGeom>
         </p:spPr>
       </p:pic>
-      <p:sp>
-        <p:nvSpPr>
-          <p:cNvPr id="5" name="Flecha: a la derecha 4">
-            <a:extLst>
-              <a:ext uri="{FF2B5EF4-FFF2-40B4-BE49-F238E27FC236}">
-                <a16:creationId xmlns:a16="http://schemas.microsoft.com/office/drawing/2014/main" id="{3E4C48A8-A7EE-B782-7DCB-1762372356BD}"/>
-              </a:ext>
-            </a:extLst>
-          </p:cNvPr>
-          <p:cNvSpPr/>
-          <p:nvPr/>
-        </p:nvSpPr>
-        <p:spPr>
-          <a:xfrm>
-            <a:off x="6095999" y="3967992"/>
-            <a:ext cx="1160478" cy="537537"/>
-          </a:xfrm>
-          <a:prstGeom prst="rightArrow">
-            <a:avLst/>
-          </a:prstGeom>
-        </p:spPr>
-        <p:style>
-          <a:lnRef idx="2">
-            <a:schemeClr val="accent1">
-              <a:shade val="15000"/>
-            </a:schemeClr>
-          </a:lnRef>
-          <a:fillRef idx="1">
-            <a:schemeClr val="accent1"/>
-          </a:fillRef>
-          <a:effectRef idx="0">
-            <a:schemeClr val="accent1"/>
-          </a:effectRef>
-          <a:fontRef idx="minor">
-            <a:schemeClr val="lt1"/>
-          </a:fontRef>
-        </p:style>
-        <p:txBody>
-          <a:bodyPr rtlCol="0" anchor="ctr"/>
-          <a:lstStyle/>
-          <a:p>
-            <a:pPr algn="ctr"/>
-            <a:endParaRPr lang="es-ES"/>
-          </a:p>
-        </p:txBody>
-      </p:sp>
-      <p:sp>
-        <p:nvSpPr>
-          <p:cNvPr id="11" name="CuadroTexto 10">
-            <a:extLst>
-              <a:ext uri="{FF2B5EF4-FFF2-40B4-BE49-F238E27FC236}">
-                <a16:creationId xmlns:a16="http://schemas.microsoft.com/office/drawing/2014/main" id="{48D2D43B-984E-B766-33A3-9D166E1F6145}"/>
-              </a:ext>
-            </a:extLst>
-          </p:cNvPr>
-          <p:cNvSpPr txBox="1"/>
-          <p:nvPr/>
-        </p:nvSpPr>
-        <p:spPr>
-          <a:xfrm>
-            <a:off x="7424256" y="3775095"/>
-            <a:ext cx="4840449" cy="923330"/>
-          </a:xfrm>
-          <a:prstGeom prst="rect">
-            <a:avLst/>
-          </a:prstGeom>
-          <a:noFill/>
-        </p:spPr>
-        <p:txBody>
-          <a:bodyPr wrap="square">
-            <a:spAutoFit/>
-          </a:bodyPr>
-          <a:lstStyle/>
-          <a:p>
-            <a:r>
-              <a:rPr lang="es-ES" b="1" dirty="0">
-                <a:effectLst/>
-                <a:latin typeface="Consolas" panose="020B0609020204030204" pitchFamily="49" charset="0"/>
-              </a:rPr>
-              <a:t>SELECT correo, </a:t>
-            </a:r>
-            <a:r>
-              <a:rPr lang="es-ES" b="1" dirty="0" err="1">
-                <a:effectLst/>
-                <a:latin typeface="Consolas" panose="020B0609020204030204" pitchFamily="49" charset="0"/>
-              </a:rPr>
-              <a:t>telefono</a:t>
-            </a:r>
-            <a:r>
-              <a:rPr lang="es-ES" b="1" dirty="0">
-                <a:effectLst/>
-                <a:latin typeface="Consolas" panose="020B0609020204030204" pitchFamily="49" charset="0"/>
-              </a:rPr>
-              <a:t> FROM ALUMNOS WHERE DNI = "..." AND Nombre = "..." AND Apellidos = "..."</a:t>
-            </a:r>
-          </a:p>
-        </p:txBody>
-      </p:sp>
     </p:spTree>
     <p:extLst>
       <p:ext uri="{BB962C8B-B14F-4D97-AF65-F5344CB8AC3E}">
-        <p14:creationId xmlns:p14="http://schemas.microsoft.com/office/powerpoint/2010/main" val="2310043312"/>
+        <p14:creationId xmlns:p14="http://schemas.microsoft.com/office/powerpoint/2010/main" val="862430890"/>
       </p:ext>
     </p:extLst>
   </p:cSld>
@@ -6410,7 +6361,7 @@
           <p:cNvPr id="2" name="Título 1">
             <a:extLst>
               <a:ext uri="{FF2B5EF4-FFF2-40B4-BE49-F238E27FC236}">
-                <a16:creationId xmlns:a16="http://schemas.microsoft.com/office/drawing/2014/main" id="{8D692F28-0EB3-DCB5-3631-5C098A06243D}"/>
+                <a16:creationId xmlns:a16="http://schemas.microsoft.com/office/drawing/2014/main" id="{89ED3505-0257-0065-3165-D72A0E4661D9}"/>
               </a:ext>
             </a:extLst>
           </p:cNvPr>
@@ -6423,81 +6374,61 @@
         </p:nvSpPr>
         <p:spPr/>
         <p:txBody>
-          <a:bodyPr>
-            <a:normAutofit/>
-          </a:bodyPr>
-          <a:lstStyle/>
-          <a:p>
-            <a:r>
-              <a:rPr lang="es-ES" sz="3200" dirty="0"/>
-              <a:t>Slot </a:t>
-            </a:r>
-            <a:r>
-              <a:rPr lang="es-ES" sz="3200" dirty="0" err="1"/>
-              <a:t>student</a:t>
-            </a:r>
-            <a:r>
-              <a:rPr lang="es-ES" sz="3200" dirty="0"/>
-              <a:t> </a:t>
-            </a:r>
-            <a:r>
-              <a:rPr lang="es-ES" sz="3200" dirty="0" err="1"/>
-              <a:t>management</a:t>
-            </a:r>
-            <a:r>
-              <a:rPr lang="es-ES" sz="3200" dirty="0"/>
-              <a:t> </a:t>
-            </a:r>
-            <a:r>
-              <a:rPr lang="es-ES" sz="3200" dirty="0" err="1"/>
-              <a:t>system</a:t>
-            </a:r>
-            <a:r>
-              <a:rPr lang="es-ES" sz="3200" dirty="0">
-                <a:sym typeface="Wingdings" panose="05000000000000000000" pitchFamily="2" charset="2"/>
-              </a:rPr>
-              <a:t> </a:t>
-            </a:r>
-            <a:r>
-              <a:rPr lang="es-ES" sz="3200" dirty="0" err="1">
-                <a:sym typeface="Wingdings" panose="05000000000000000000" pitchFamily="2" charset="2"/>
-              </a:rPr>
-              <a:t>replicator</a:t>
-            </a:r>
-            <a:r>
-              <a:rPr lang="es-ES" sz="3200" dirty="0">
-                <a:sym typeface="Wingdings" panose="05000000000000000000" pitchFamily="2" charset="2"/>
-              </a:rPr>
-              <a:t> 2</a:t>
-            </a:r>
-            <a:endParaRPr lang="es-ES" sz="3200" dirty="0"/>
-          </a:p>
-        </p:txBody>
-      </p:sp>
-      <p:sp>
-        <p:nvSpPr>
-          <p:cNvPr id="3" name="Marcador de texto 2">
-            <a:extLst>
-              <a:ext uri="{FF2B5EF4-FFF2-40B4-BE49-F238E27FC236}">
-                <a16:creationId xmlns:a16="http://schemas.microsoft.com/office/drawing/2014/main" id="{5B493C32-E059-9D76-B9C6-68E6600AAD06}"/>
-              </a:ext>
-            </a:extLst>
-          </p:cNvPr>
-          <p:cNvSpPr>
-            <a:spLocks noGrp="1"/>
-          </p:cNvSpPr>
-          <p:nvPr>
-            <p:ph type="body" idx="1"/>
-          </p:nvPr>
-        </p:nvSpPr>
-        <p:spPr/>
-        <p:txBody>
           <a:bodyPr/>
           <a:lstStyle/>
           <a:p>
             <a:r>
               <a:rPr lang="es-ES" dirty="0"/>
-              <a:t>Ejemplo de mensaje</a:t>
+              <a:t>EJEMPLO DE MENSAJE</a:t>
+            </a:r>
+          </a:p>
+        </p:txBody>
+      </p:sp>
+      <p:sp>
+        <p:nvSpPr>
+          <p:cNvPr id="3" name="Marcador de contenido 2">
+            <a:extLst>
+              <a:ext uri="{FF2B5EF4-FFF2-40B4-BE49-F238E27FC236}">
+                <a16:creationId xmlns:a16="http://schemas.microsoft.com/office/drawing/2014/main" id="{4853F199-A787-5C36-5CC5-DD4D3AD3A123}"/>
+              </a:ext>
+            </a:extLst>
+          </p:cNvPr>
+          <p:cNvSpPr>
+            <a:spLocks noGrp="1"/>
+          </p:cNvSpPr>
+          <p:nvPr>
+            <p:ph idx="1"/>
+          </p:nvPr>
+        </p:nvSpPr>
+        <p:spPr>
+          <a:xfrm>
+            <a:off x="581192" y="2180497"/>
+            <a:ext cx="11029615" cy="445258"/>
+          </a:xfrm>
+        </p:spPr>
+        <p:txBody>
+          <a:bodyPr/>
+          <a:lstStyle/>
+          <a:p>
+            <a:r>
+              <a:rPr lang="es-ES" dirty="0"/>
+              <a:t>Del </a:t>
+            </a:r>
+            <a:r>
+              <a:rPr lang="es-ES" dirty="0" err="1"/>
+              <a:t>Correlation</a:t>
+            </a:r>
+            <a:r>
+              <a:rPr lang="es-ES" dirty="0"/>
+              <a:t> ID Setter 1 sale el siguiente mensaje hacia el </a:t>
+            </a:r>
+            <a:r>
+              <a:rPr lang="es-ES" dirty="0" err="1"/>
+              <a:t>Translator</a:t>
+            </a:r>
+            <a:r>
+              <a:rPr lang="es-ES" dirty="0"/>
+              <a:t> 1:</a:t>
             </a:r>
           </a:p>
         </p:txBody>
@@ -6507,7 +6438,7 @@
           <p:cNvPr id="5" name="Imagen 4">
             <a:extLst>
               <a:ext uri="{FF2B5EF4-FFF2-40B4-BE49-F238E27FC236}">
-                <a16:creationId xmlns:a16="http://schemas.microsoft.com/office/drawing/2014/main" id="{370AB022-1589-5C6E-1EC1-9D7687E4C54D}"/>
+                <a16:creationId xmlns:a16="http://schemas.microsoft.com/office/drawing/2014/main" id="{F03A259D-7CE5-BD70-4526-2B267E18744E}"/>
               </a:ext>
             </a:extLst>
           </p:cNvPr>
@@ -6524,8 +6455,8 @@
         </p:blipFill>
         <p:spPr>
           <a:xfrm>
-            <a:off x="4710111" y="928879"/>
-            <a:ext cx="2771775" cy="3028950"/>
+            <a:off x="3546031" y="3178350"/>
+            <a:ext cx="5099938" cy="2349062"/>
           </a:xfrm>
           <a:prstGeom prst="rect">
             <a:avLst/>
@@ -6535,7 +6466,7 @@
     </p:spTree>
     <p:extLst>
       <p:ext uri="{BB962C8B-B14F-4D97-AF65-F5344CB8AC3E}">
-        <p14:creationId xmlns:p14="http://schemas.microsoft.com/office/powerpoint/2010/main" val="2141245852"/>
+        <p14:creationId xmlns:p14="http://schemas.microsoft.com/office/powerpoint/2010/main" val="3369922881"/>
       </p:ext>
     </p:extLst>
   </p:cSld>
@@ -6567,15 +6498,15 @@
           <p:cNvPr id="2" name="Título 1">
             <a:extLst>
               <a:ext uri="{FF2B5EF4-FFF2-40B4-BE49-F238E27FC236}">
-                <a16:creationId xmlns:a16="http://schemas.microsoft.com/office/drawing/2014/main" id="{3862B44E-422C-1495-5730-9A26A321B701}"/>
-              </a:ext>
-            </a:extLst>
-          </p:cNvPr>
-          <p:cNvSpPr>
-            <a:spLocks noGrp="1"/>
-          </p:cNvSpPr>
-          <p:nvPr>
-            <p:ph type="title"/>
+                <a16:creationId xmlns:a16="http://schemas.microsoft.com/office/drawing/2014/main" id="{80901AA9-C238-90FC-12CA-367FFB28C517}"/>
+              </a:ext>
+            </a:extLst>
+          </p:cNvPr>
+          <p:cNvSpPr>
+            <a:spLocks noGrp="1"/>
+          </p:cNvSpPr>
+          <p:nvPr>
+            <p:ph type="ctrTitle"/>
           </p:nvPr>
         </p:nvSpPr>
         <p:spPr/>
@@ -6585,45 +6516,43 @@
           <a:p>
             <a:r>
               <a:rPr lang="es-ES" dirty="0"/>
-              <a:t>TAREAS PRESENTES EN EL EJERCICIO 1</a:t>
-            </a:r>
-          </a:p>
-        </p:txBody>
-      </p:sp>
-      <p:pic>
-        <p:nvPicPr>
-          <p:cNvPr id="5" name="Imagen 4">
-            <a:extLst>
-              <a:ext uri="{FF2B5EF4-FFF2-40B4-BE49-F238E27FC236}">
-                <a16:creationId xmlns:a16="http://schemas.microsoft.com/office/drawing/2014/main" id="{5C685EBE-6A44-AF3A-E25F-C17B4BED1DE6}"/>
-              </a:ext>
-            </a:extLst>
-          </p:cNvPr>
-          <p:cNvPicPr>
-            <a:picLocks noChangeAspect="1"/>
-          </p:cNvPicPr>
-          <p:nvPr/>
-        </p:nvPicPr>
-        <p:blipFill>
-          <a:blip r:embed="rId2"/>
-          <a:stretch>
-            <a:fillRect/>
-          </a:stretch>
-        </p:blipFill>
-        <p:spPr>
-          <a:xfrm>
-            <a:off x="1836473" y="2041783"/>
-            <a:ext cx="8519053" cy="4816217"/>
-          </a:xfrm>
-          <a:prstGeom prst="rect">
-            <a:avLst/>
-          </a:prstGeom>
-        </p:spPr>
-      </p:pic>
+              <a:t>1) Modelo de la solución de integración haciendo uso del DSL visto en clases.</a:t>
+            </a:r>
+          </a:p>
+        </p:txBody>
+      </p:sp>
+      <p:sp>
+        <p:nvSpPr>
+          <p:cNvPr id="3" name="Subtítulo 2">
+            <a:extLst>
+              <a:ext uri="{FF2B5EF4-FFF2-40B4-BE49-F238E27FC236}">
+                <a16:creationId xmlns:a16="http://schemas.microsoft.com/office/drawing/2014/main" id="{C2778957-69C9-3B7A-58BC-D3546F8CF5C1}"/>
+              </a:ext>
+            </a:extLst>
+          </p:cNvPr>
+          <p:cNvSpPr>
+            <a:spLocks noGrp="1"/>
+          </p:cNvSpPr>
+          <p:nvPr>
+            <p:ph type="subTitle" idx="1"/>
+          </p:nvPr>
+        </p:nvSpPr>
+        <p:spPr/>
+        <p:txBody>
+          <a:bodyPr/>
+          <a:lstStyle/>
+          <a:p>
+            <a:r>
+              <a:rPr lang="es-ES" dirty="0"/>
+              <a:t>MODELO DEL EJERCICIO 1</a:t>
+            </a:r>
+          </a:p>
+        </p:txBody>
+      </p:sp>
     </p:spTree>
     <p:extLst>
       <p:ext uri="{BB962C8B-B14F-4D97-AF65-F5344CB8AC3E}">
-        <p14:creationId xmlns:p14="http://schemas.microsoft.com/office/powerpoint/2010/main" val="3892038369"/>
+        <p14:creationId xmlns:p14="http://schemas.microsoft.com/office/powerpoint/2010/main" val="3587780089"/>
       </p:ext>
     </p:extLst>
   </p:cSld>
@@ -6655,7 +6584,7 @@
           <p:cNvPr id="2" name="Título 1">
             <a:extLst>
               <a:ext uri="{FF2B5EF4-FFF2-40B4-BE49-F238E27FC236}">
-                <a16:creationId xmlns:a16="http://schemas.microsoft.com/office/drawing/2014/main" id="{89ED3505-0257-0065-3165-D72A0E4661D9}"/>
+                <a16:creationId xmlns:a16="http://schemas.microsoft.com/office/drawing/2014/main" id="{8D692F28-0EB3-DCB5-3631-5C098A06243D}"/>
               </a:ext>
             </a:extLst>
           </p:cNvPr>
@@ -6668,71 +6597,97 @@
         </p:nvSpPr>
         <p:spPr/>
         <p:txBody>
+          <a:bodyPr>
+            <a:normAutofit/>
+          </a:bodyPr>
+          <a:lstStyle/>
+          <a:p>
+            <a:r>
+              <a:rPr lang="es-ES" sz="3200" dirty="0"/>
+              <a:t>Slot </a:t>
+            </a:r>
+            <a:r>
+              <a:rPr lang="es-ES" sz="3200" dirty="0" err="1"/>
+              <a:t>translator</a:t>
+            </a:r>
+            <a:r>
+              <a:rPr lang="es-ES" sz="3200" dirty="0"/>
+              <a:t> 1 </a:t>
+            </a:r>
+            <a:r>
+              <a:rPr lang="es-ES" sz="3200" dirty="0">
+                <a:sym typeface="Wingdings" panose="05000000000000000000" pitchFamily="2" charset="2"/>
+              </a:rPr>
+              <a:t> </a:t>
+            </a:r>
+            <a:r>
+              <a:rPr lang="es-ES" sz="3200" dirty="0" err="1">
+                <a:sym typeface="Wingdings" panose="05000000000000000000" pitchFamily="2" charset="2"/>
+              </a:rPr>
+              <a:t>student</a:t>
+            </a:r>
+            <a:r>
+              <a:rPr lang="es-ES" sz="3200" dirty="0">
+                <a:sym typeface="Wingdings" panose="05000000000000000000" pitchFamily="2" charset="2"/>
+              </a:rPr>
+              <a:t> </a:t>
+            </a:r>
+            <a:r>
+              <a:rPr lang="es-ES" sz="3200" dirty="0" err="1">
+                <a:sym typeface="Wingdings" panose="05000000000000000000" pitchFamily="2" charset="2"/>
+              </a:rPr>
+              <a:t>management</a:t>
+            </a:r>
+            <a:r>
+              <a:rPr lang="es-ES" sz="3200" dirty="0">
+                <a:sym typeface="Wingdings" panose="05000000000000000000" pitchFamily="2" charset="2"/>
+              </a:rPr>
+              <a:t> </a:t>
+            </a:r>
+            <a:r>
+              <a:rPr lang="es-ES" sz="3200" dirty="0" err="1">
+                <a:sym typeface="Wingdings" panose="05000000000000000000" pitchFamily="2" charset="2"/>
+              </a:rPr>
+              <a:t>system</a:t>
+            </a:r>
+            <a:endParaRPr lang="es-ES" sz="3200" dirty="0"/>
+          </a:p>
+        </p:txBody>
+      </p:sp>
+      <p:sp>
+        <p:nvSpPr>
+          <p:cNvPr id="3" name="Marcador de texto 2">
+            <a:extLst>
+              <a:ext uri="{FF2B5EF4-FFF2-40B4-BE49-F238E27FC236}">
+                <a16:creationId xmlns:a16="http://schemas.microsoft.com/office/drawing/2014/main" id="{5B493C32-E059-9D76-B9C6-68E6600AAD06}"/>
+              </a:ext>
+            </a:extLst>
+          </p:cNvPr>
+          <p:cNvSpPr>
+            <a:spLocks noGrp="1"/>
+          </p:cNvSpPr>
+          <p:nvPr>
+            <p:ph type="body" idx="1"/>
+          </p:nvPr>
+        </p:nvSpPr>
+        <p:spPr/>
+        <p:txBody>
           <a:bodyPr/>
           <a:lstStyle/>
           <a:p>
             <a:r>
               <a:rPr lang="es-ES" dirty="0"/>
-              <a:t>EJEMPLO DE MENSAJE</a:t>
-            </a:r>
-          </a:p>
-        </p:txBody>
-      </p:sp>
-      <p:sp>
-        <p:nvSpPr>
-          <p:cNvPr id="3" name="Marcador de contenido 2">
-            <a:extLst>
-              <a:ext uri="{FF2B5EF4-FFF2-40B4-BE49-F238E27FC236}">
-                <a16:creationId xmlns:a16="http://schemas.microsoft.com/office/drawing/2014/main" id="{4853F199-A787-5C36-5CC5-DD4D3AD3A123}"/>
-              </a:ext>
-            </a:extLst>
-          </p:cNvPr>
-          <p:cNvSpPr>
-            <a:spLocks noGrp="1"/>
-          </p:cNvSpPr>
-          <p:nvPr>
-            <p:ph idx="1"/>
-          </p:nvPr>
-        </p:nvSpPr>
-        <p:spPr>
-          <a:xfrm>
-            <a:off x="581192" y="2180496"/>
-            <a:ext cx="11029615" cy="453647"/>
-          </a:xfrm>
-        </p:spPr>
-        <p:txBody>
-          <a:bodyPr/>
-          <a:lstStyle/>
-          <a:p>
-            <a:r>
-              <a:rPr lang="es-ES" dirty="0"/>
-              <a:t>Del </a:t>
-            </a:r>
-            <a:r>
-              <a:rPr lang="es-ES" dirty="0" err="1"/>
-              <a:t>Student</a:t>
-            </a:r>
-            <a:r>
-              <a:rPr lang="es-ES" dirty="0"/>
-              <a:t> Management </a:t>
-            </a:r>
-            <a:r>
-              <a:rPr lang="es-ES" dirty="0" err="1"/>
-              <a:t>System</a:t>
-            </a:r>
-            <a:r>
-              <a:rPr lang="es-ES" dirty="0"/>
-              <a:t> saldría el siguiente mensaje:</a:t>
+              <a:t>Ejemplo de mensaje</a:t>
             </a:r>
           </a:p>
         </p:txBody>
       </p:sp>
       <p:pic>
         <p:nvPicPr>
-          <p:cNvPr id="7" name="Imagen 6">
-            <a:extLst>
-              <a:ext uri="{FF2B5EF4-FFF2-40B4-BE49-F238E27FC236}">
-                <a16:creationId xmlns:a16="http://schemas.microsoft.com/office/drawing/2014/main" id="{3B5309B6-C04B-39A8-55C0-6D4B2F662DA6}"/>
+          <p:cNvPr id="5" name="Imagen 4">
+            <a:extLst>
+              <a:ext uri="{FF2B5EF4-FFF2-40B4-BE49-F238E27FC236}">
+                <a16:creationId xmlns:a16="http://schemas.microsoft.com/office/drawing/2014/main" id="{9B69871E-7E97-8859-9A58-6957144434FD}"/>
               </a:ext>
             </a:extLst>
           </p:cNvPr>
@@ -6749,8 +6704,8 @@
         </p:blipFill>
         <p:spPr>
           <a:xfrm>
-            <a:off x="3171465" y="3236403"/>
-            <a:ext cx="5849070" cy="1213958"/>
+            <a:off x="4481511" y="933641"/>
+            <a:ext cx="3228975" cy="3019425"/>
           </a:xfrm>
           <a:prstGeom prst="rect">
             <a:avLst/>
@@ -6760,7 +6715,7 @@
     </p:spTree>
     <p:extLst>
       <p:ext uri="{BB962C8B-B14F-4D97-AF65-F5344CB8AC3E}">
-        <p14:creationId xmlns:p14="http://schemas.microsoft.com/office/powerpoint/2010/main" val="274040726"/>
+        <p14:creationId xmlns:p14="http://schemas.microsoft.com/office/powerpoint/2010/main" val="1097510421"/>
       </p:ext>
     </p:extLst>
   </p:cSld>
@@ -6792,7 +6747,7 @@
           <p:cNvPr id="2" name="Título 1">
             <a:extLst>
               <a:ext uri="{FF2B5EF4-FFF2-40B4-BE49-F238E27FC236}">
-                <a16:creationId xmlns:a16="http://schemas.microsoft.com/office/drawing/2014/main" id="{8D692F28-0EB3-DCB5-3631-5C098A06243D}"/>
+                <a16:creationId xmlns:a16="http://schemas.microsoft.com/office/drawing/2014/main" id="{89ED3505-0257-0065-3165-D72A0E4661D9}"/>
               </a:ext>
             </a:extLst>
           </p:cNvPr>
@@ -6805,79 +6760,55 @@
         </p:nvSpPr>
         <p:spPr/>
         <p:txBody>
-          <a:bodyPr>
-            <a:normAutofit/>
-          </a:bodyPr>
-          <a:lstStyle/>
-          <a:p>
-            <a:r>
-              <a:rPr lang="es-ES" sz="3200" dirty="0"/>
-              <a:t>Slot </a:t>
-            </a:r>
-            <a:r>
-              <a:rPr lang="es-ES" sz="3200" dirty="0" err="1"/>
-              <a:t>slimmer</a:t>
-            </a:r>
-            <a:r>
-              <a:rPr lang="es-ES" sz="3200" dirty="0"/>
-              <a:t> 3</a:t>
-            </a:r>
-            <a:r>
-              <a:rPr lang="es-ES" sz="3200" dirty="0">
-                <a:sym typeface="Wingdings" panose="05000000000000000000" pitchFamily="2" charset="2"/>
-              </a:rPr>
-              <a:t> </a:t>
-            </a:r>
-            <a:r>
-              <a:rPr lang="es-ES" sz="3200" dirty="0" err="1">
-                <a:sym typeface="Wingdings" panose="05000000000000000000" pitchFamily="2" charset="2"/>
-              </a:rPr>
-              <a:t>correlation</a:t>
-            </a:r>
-            <a:r>
-              <a:rPr lang="es-ES" sz="3200" dirty="0">
-                <a:sym typeface="Wingdings" panose="05000000000000000000" pitchFamily="2" charset="2"/>
-              </a:rPr>
-              <a:t> id setter 2</a:t>
-            </a:r>
-            <a:endParaRPr lang="es-ES" sz="3200" dirty="0"/>
-          </a:p>
-        </p:txBody>
-      </p:sp>
-      <p:sp>
-        <p:nvSpPr>
-          <p:cNvPr id="3" name="Marcador de texto 2">
-            <a:extLst>
-              <a:ext uri="{FF2B5EF4-FFF2-40B4-BE49-F238E27FC236}">
-                <a16:creationId xmlns:a16="http://schemas.microsoft.com/office/drawing/2014/main" id="{5B493C32-E059-9D76-B9C6-68E6600AAD06}"/>
-              </a:ext>
-            </a:extLst>
-          </p:cNvPr>
-          <p:cNvSpPr>
-            <a:spLocks noGrp="1"/>
-          </p:cNvSpPr>
-          <p:nvPr>
-            <p:ph type="body" idx="1"/>
-          </p:nvPr>
-        </p:nvSpPr>
-        <p:spPr/>
-        <p:txBody>
           <a:bodyPr/>
           <a:lstStyle/>
           <a:p>
             <a:r>
               <a:rPr lang="es-ES" dirty="0"/>
-              <a:t>Ejemplo de mensaje</a:t>
+              <a:t>EJEMPLO DE MENSAJE</a:t>
+            </a:r>
+          </a:p>
+        </p:txBody>
+      </p:sp>
+      <p:sp>
+        <p:nvSpPr>
+          <p:cNvPr id="3" name="Marcador de contenido 2">
+            <a:extLst>
+              <a:ext uri="{FF2B5EF4-FFF2-40B4-BE49-F238E27FC236}">
+                <a16:creationId xmlns:a16="http://schemas.microsoft.com/office/drawing/2014/main" id="{4853F199-A787-5C36-5CC5-DD4D3AD3A123}"/>
+              </a:ext>
+            </a:extLst>
+          </p:cNvPr>
+          <p:cNvSpPr>
+            <a:spLocks noGrp="1"/>
+          </p:cNvSpPr>
+          <p:nvPr>
+            <p:ph idx="1"/>
+          </p:nvPr>
+        </p:nvSpPr>
+        <p:spPr>
+          <a:xfrm>
+            <a:off x="581192" y="2180496"/>
+            <a:ext cx="11029615" cy="537537"/>
+          </a:xfrm>
+        </p:spPr>
+        <p:txBody>
+          <a:bodyPr/>
+          <a:lstStyle/>
+          <a:p>
+            <a:r>
+              <a:rPr lang="es-ES" dirty="0"/>
+              <a:t>Se traduciría el mensaje que llega a SQL (por ejemplo):</a:t>
             </a:r>
           </a:p>
         </p:txBody>
       </p:sp>
       <p:pic>
         <p:nvPicPr>
-          <p:cNvPr id="5" name="Imagen 4">
-            <a:extLst>
-              <a:ext uri="{FF2B5EF4-FFF2-40B4-BE49-F238E27FC236}">
-                <a16:creationId xmlns:a16="http://schemas.microsoft.com/office/drawing/2014/main" id="{4384A4B7-C1F4-A6DA-0F71-FC2B164D47B5}"/>
+          <p:cNvPr id="4" name="Imagen 3">
+            <a:extLst>
+              <a:ext uri="{FF2B5EF4-FFF2-40B4-BE49-F238E27FC236}">
+                <a16:creationId xmlns:a16="http://schemas.microsoft.com/office/drawing/2014/main" id="{B69BAE1F-8B3E-953A-F0C4-415511AB8043}"/>
               </a:ext>
             </a:extLst>
           </p:cNvPr>
@@ -6894,18 +6825,116 @@
         </p:blipFill>
         <p:spPr>
           <a:xfrm>
-            <a:off x="4131181" y="1450530"/>
-            <a:ext cx="3929637" cy="1985647"/>
+            <a:off x="662872" y="3182573"/>
+            <a:ext cx="5099938" cy="2349062"/>
           </a:xfrm>
           <a:prstGeom prst="rect">
             <a:avLst/>
           </a:prstGeom>
         </p:spPr>
       </p:pic>
+      <p:sp>
+        <p:nvSpPr>
+          <p:cNvPr id="5" name="Flecha: a la derecha 4">
+            <a:extLst>
+              <a:ext uri="{FF2B5EF4-FFF2-40B4-BE49-F238E27FC236}">
+                <a16:creationId xmlns:a16="http://schemas.microsoft.com/office/drawing/2014/main" id="{3E4C48A8-A7EE-B782-7DCB-1762372356BD}"/>
+              </a:ext>
+            </a:extLst>
+          </p:cNvPr>
+          <p:cNvSpPr/>
+          <p:nvPr/>
+        </p:nvSpPr>
+        <p:spPr>
+          <a:xfrm>
+            <a:off x="6095999" y="3967992"/>
+            <a:ext cx="1160478" cy="537537"/>
+          </a:xfrm>
+          <a:prstGeom prst="rightArrow">
+            <a:avLst/>
+          </a:prstGeom>
+        </p:spPr>
+        <p:style>
+          <a:lnRef idx="2">
+            <a:schemeClr val="accent1">
+              <a:shade val="15000"/>
+            </a:schemeClr>
+          </a:lnRef>
+          <a:fillRef idx="1">
+            <a:schemeClr val="accent1"/>
+          </a:fillRef>
+          <a:effectRef idx="0">
+            <a:schemeClr val="accent1"/>
+          </a:effectRef>
+          <a:fontRef idx="minor">
+            <a:schemeClr val="lt1"/>
+          </a:fontRef>
+        </p:style>
+        <p:txBody>
+          <a:bodyPr rtlCol="0" anchor="ctr"/>
+          <a:lstStyle/>
+          <a:p>
+            <a:pPr algn="ctr"/>
+            <a:endParaRPr lang="es-ES"/>
+          </a:p>
+        </p:txBody>
+      </p:sp>
+      <p:sp>
+        <p:nvSpPr>
+          <p:cNvPr id="11" name="CuadroTexto 10">
+            <a:extLst>
+              <a:ext uri="{FF2B5EF4-FFF2-40B4-BE49-F238E27FC236}">
+                <a16:creationId xmlns:a16="http://schemas.microsoft.com/office/drawing/2014/main" id="{48D2D43B-984E-B766-33A3-9D166E1F6145}"/>
+              </a:ext>
+            </a:extLst>
+          </p:cNvPr>
+          <p:cNvSpPr txBox="1"/>
+          <p:nvPr/>
+        </p:nvSpPr>
+        <p:spPr>
+          <a:xfrm>
+            <a:off x="7424256" y="3775095"/>
+            <a:ext cx="4840449" cy="923330"/>
+          </a:xfrm>
+          <a:prstGeom prst="rect">
+            <a:avLst/>
+          </a:prstGeom>
+          <a:noFill/>
+        </p:spPr>
+        <p:txBody>
+          <a:bodyPr wrap="square">
+            <a:spAutoFit/>
+          </a:bodyPr>
+          <a:lstStyle/>
+          <a:p>
+            <a:r>
+              <a:rPr lang="es-ES" b="1" dirty="0">
+                <a:effectLst/>
+                <a:latin typeface="Consolas" panose="020B0609020204030204" pitchFamily="49" charset="0"/>
+              </a:rPr>
+              <a:t>SELECT correo, </a:t>
+            </a:r>
+            <a:r>
+              <a:rPr lang="es-ES" b="1" dirty="0" err="1">
+                <a:effectLst/>
+                <a:latin typeface="Consolas" panose="020B0609020204030204" pitchFamily="49" charset="0"/>
+              </a:rPr>
+              <a:t>telefono</a:t>
+            </a:r>
+            <a:r>
+              <a:rPr lang="es-ES" b="1" dirty="0">
+                <a:effectLst/>
+                <a:latin typeface="Consolas" panose="020B0609020204030204" pitchFamily="49" charset="0"/>
+              </a:rPr>
+              <a:t> FROM ALUMNOS WHERE DNI = "..." AND Nombre = "..." AND Apellidos = "..."</a:t>
+            </a:r>
+          </a:p>
+        </p:txBody>
+      </p:sp>
     </p:spTree>
     <p:extLst>
       <p:ext uri="{BB962C8B-B14F-4D97-AF65-F5344CB8AC3E}">
-        <p14:creationId xmlns:p14="http://schemas.microsoft.com/office/powerpoint/2010/main" val="2670394462"/>
+        <p14:creationId xmlns:p14="http://schemas.microsoft.com/office/powerpoint/2010/main" val="2310043312"/>
       </p:ext>
     </p:extLst>
   </p:cSld>
@@ -6937,7 +6966,7 @@
           <p:cNvPr id="2" name="Título 1">
             <a:extLst>
               <a:ext uri="{FF2B5EF4-FFF2-40B4-BE49-F238E27FC236}">
-                <a16:creationId xmlns:a16="http://schemas.microsoft.com/office/drawing/2014/main" id="{89ED3505-0257-0065-3165-D72A0E4661D9}"/>
+                <a16:creationId xmlns:a16="http://schemas.microsoft.com/office/drawing/2014/main" id="{8D692F28-0EB3-DCB5-3631-5C098A06243D}"/>
               </a:ext>
             </a:extLst>
           </p:cNvPr>
@@ -6950,61 +6979,81 @@
         </p:nvSpPr>
         <p:spPr/>
         <p:txBody>
+          <a:bodyPr>
+            <a:normAutofit/>
+          </a:bodyPr>
+          <a:lstStyle/>
+          <a:p>
+            <a:r>
+              <a:rPr lang="es-ES" sz="3200" dirty="0"/>
+              <a:t>Slot </a:t>
+            </a:r>
+            <a:r>
+              <a:rPr lang="es-ES" sz="3200" dirty="0" err="1"/>
+              <a:t>student</a:t>
+            </a:r>
+            <a:r>
+              <a:rPr lang="es-ES" sz="3200" dirty="0"/>
+              <a:t> </a:t>
+            </a:r>
+            <a:r>
+              <a:rPr lang="es-ES" sz="3200" dirty="0" err="1"/>
+              <a:t>management</a:t>
+            </a:r>
+            <a:r>
+              <a:rPr lang="es-ES" sz="3200" dirty="0"/>
+              <a:t> </a:t>
+            </a:r>
+            <a:r>
+              <a:rPr lang="es-ES" sz="3200" dirty="0" err="1"/>
+              <a:t>system</a:t>
+            </a:r>
+            <a:r>
+              <a:rPr lang="es-ES" sz="3200" dirty="0">
+                <a:sym typeface="Wingdings" panose="05000000000000000000" pitchFamily="2" charset="2"/>
+              </a:rPr>
+              <a:t> </a:t>
+            </a:r>
+            <a:r>
+              <a:rPr lang="es-ES" sz="3200" dirty="0" err="1">
+                <a:sym typeface="Wingdings" panose="05000000000000000000" pitchFamily="2" charset="2"/>
+              </a:rPr>
+              <a:t>replicator</a:t>
+            </a:r>
+            <a:r>
+              <a:rPr lang="es-ES" sz="3200" dirty="0">
+                <a:sym typeface="Wingdings" panose="05000000000000000000" pitchFamily="2" charset="2"/>
+              </a:rPr>
+              <a:t> 2</a:t>
+            </a:r>
+            <a:endParaRPr lang="es-ES" sz="3200" dirty="0"/>
+          </a:p>
+        </p:txBody>
+      </p:sp>
+      <p:sp>
+        <p:nvSpPr>
+          <p:cNvPr id="3" name="Marcador de texto 2">
+            <a:extLst>
+              <a:ext uri="{FF2B5EF4-FFF2-40B4-BE49-F238E27FC236}">
+                <a16:creationId xmlns:a16="http://schemas.microsoft.com/office/drawing/2014/main" id="{5B493C32-E059-9D76-B9C6-68E6600AAD06}"/>
+              </a:ext>
+            </a:extLst>
+          </p:cNvPr>
+          <p:cNvSpPr>
+            <a:spLocks noGrp="1"/>
+          </p:cNvSpPr>
+          <p:nvPr>
+            <p:ph type="body" idx="1"/>
+          </p:nvPr>
+        </p:nvSpPr>
+        <p:spPr/>
+        <p:txBody>
           <a:bodyPr/>
           <a:lstStyle/>
           <a:p>
             <a:r>
               <a:rPr lang="es-ES" dirty="0"/>
-              <a:t>EJEMPLO DE MENSAJE</a:t>
-            </a:r>
-          </a:p>
-        </p:txBody>
-      </p:sp>
-      <p:sp>
-        <p:nvSpPr>
-          <p:cNvPr id="3" name="Marcador de contenido 2">
-            <a:extLst>
-              <a:ext uri="{FF2B5EF4-FFF2-40B4-BE49-F238E27FC236}">
-                <a16:creationId xmlns:a16="http://schemas.microsoft.com/office/drawing/2014/main" id="{4853F199-A787-5C36-5CC5-DD4D3AD3A123}"/>
-              </a:ext>
-            </a:extLst>
-          </p:cNvPr>
-          <p:cNvSpPr>
-            <a:spLocks noGrp="1"/>
-          </p:cNvSpPr>
-          <p:nvPr>
-            <p:ph idx="1"/>
-          </p:nvPr>
-        </p:nvSpPr>
-        <p:spPr>
-          <a:xfrm>
-            <a:off x="581192" y="2180496"/>
-            <a:ext cx="11029615" cy="453647"/>
-          </a:xfrm>
-        </p:spPr>
-        <p:txBody>
-          <a:bodyPr/>
-          <a:lstStyle/>
-          <a:p>
-            <a:r>
-              <a:rPr lang="es-ES" dirty="0"/>
-              <a:t>Del </a:t>
-            </a:r>
-            <a:r>
-              <a:rPr lang="es-ES" dirty="0" err="1"/>
-              <a:t>Slimmer</a:t>
-            </a:r>
-            <a:r>
-              <a:rPr lang="es-ES" dirty="0"/>
-              <a:t> 3 sale al </a:t>
-            </a:r>
-            <a:r>
-              <a:rPr lang="es-ES" dirty="0" err="1"/>
-              <a:t>Correlation</a:t>
-            </a:r>
-            <a:r>
-              <a:rPr lang="es-ES" dirty="0"/>
-              <a:t> ID Setter 2 tan solo los datos de las asignaturas:</a:t>
+              <a:t>Ejemplo de mensaje</a:t>
             </a:r>
           </a:p>
         </p:txBody>
@@ -7014,7 +7063,7 @@
           <p:cNvPr id="5" name="Imagen 4">
             <a:extLst>
               <a:ext uri="{FF2B5EF4-FFF2-40B4-BE49-F238E27FC236}">
-                <a16:creationId xmlns:a16="http://schemas.microsoft.com/office/drawing/2014/main" id="{331C0DF0-F1FF-8C47-BAD2-BE53FC047BEB}"/>
+                <a16:creationId xmlns:a16="http://schemas.microsoft.com/office/drawing/2014/main" id="{370AB022-1589-5C6E-1EC1-9D7687E4C54D}"/>
               </a:ext>
             </a:extLst>
           </p:cNvPr>
@@ -7031,8 +7080,8 @@
         </p:blipFill>
         <p:spPr>
           <a:xfrm>
-            <a:off x="4110551" y="3098683"/>
-            <a:ext cx="3970897" cy="2928701"/>
+            <a:off x="4710111" y="928879"/>
+            <a:ext cx="2771775" cy="3028950"/>
           </a:xfrm>
           <a:prstGeom prst="rect">
             <a:avLst/>
@@ -7042,7 +7091,7 @@
     </p:spTree>
     <p:extLst>
       <p:ext uri="{BB962C8B-B14F-4D97-AF65-F5344CB8AC3E}">
-        <p14:creationId xmlns:p14="http://schemas.microsoft.com/office/powerpoint/2010/main" val="1668251833"/>
+        <p14:creationId xmlns:p14="http://schemas.microsoft.com/office/powerpoint/2010/main" val="2141245852"/>
       </p:ext>
     </p:extLst>
   </p:cSld>
@@ -7074,7 +7123,7 @@
           <p:cNvPr id="2" name="Título 1">
             <a:extLst>
               <a:ext uri="{FF2B5EF4-FFF2-40B4-BE49-F238E27FC236}">
-                <a16:creationId xmlns:a16="http://schemas.microsoft.com/office/drawing/2014/main" id="{8D692F28-0EB3-DCB5-3631-5C098A06243D}"/>
+                <a16:creationId xmlns:a16="http://schemas.microsoft.com/office/drawing/2014/main" id="{89ED3505-0257-0065-3165-D72A0E4661D9}"/>
               </a:ext>
             </a:extLst>
           </p:cNvPr>
@@ -7087,79 +7136,71 @@
         </p:nvSpPr>
         <p:spPr/>
         <p:txBody>
-          <a:bodyPr>
-            <a:normAutofit/>
-          </a:bodyPr>
-          <a:lstStyle/>
-          <a:p>
-            <a:r>
-              <a:rPr lang="es-ES" sz="3200" dirty="0"/>
-              <a:t>Slot </a:t>
-            </a:r>
-            <a:r>
-              <a:rPr lang="es-ES" sz="3200" dirty="0" err="1"/>
-              <a:t>correlation</a:t>
-            </a:r>
-            <a:r>
-              <a:rPr lang="es-ES" sz="3200" dirty="0"/>
-              <a:t> id setter 2</a:t>
-            </a:r>
-            <a:r>
-              <a:rPr lang="es-ES" sz="3200" dirty="0">
-                <a:sym typeface="Wingdings" panose="05000000000000000000" pitchFamily="2" charset="2"/>
-              </a:rPr>
-              <a:t> </a:t>
-            </a:r>
-            <a:r>
-              <a:rPr lang="es-ES" sz="3200" dirty="0" err="1">
-                <a:sym typeface="Wingdings" panose="05000000000000000000" pitchFamily="2" charset="2"/>
-              </a:rPr>
-              <a:t>replicator</a:t>
-            </a:r>
-            <a:r>
-              <a:rPr lang="es-ES" sz="3200" dirty="0">
-                <a:sym typeface="Wingdings" panose="05000000000000000000" pitchFamily="2" charset="2"/>
-              </a:rPr>
-              <a:t> 3</a:t>
-            </a:r>
-            <a:endParaRPr lang="es-ES" sz="3200" dirty="0"/>
-          </a:p>
-        </p:txBody>
-      </p:sp>
-      <p:sp>
-        <p:nvSpPr>
-          <p:cNvPr id="3" name="Marcador de texto 2">
-            <a:extLst>
-              <a:ext uri="{FF2B5EF4-FFF2-40B4-BE49-F238E27FC236}">
-                <a16:creationId xmlns:a16="http://schemas.microsoft.com/office/drawing/2014/main" id="{5B493C32-E059-9D76-B9C6-68E6600AAD06}"/>
-              </a:ext>
-            </a:extLst>
-          </p:cNvPr>
-          <p:cNvSpPr>
-            <a:spLocks noGrp="1"/>
-          </p:cNvSpPr>
-          <p:nvPr>
-            <p:ph type="body" idx="1"/>
-          </p:nvPr>
-        </p:nvSpPr>
-        <p:spPr/>
-        <p:txBody>
           <a:bodyPr/>
           <a:lstStyle/>
           <a:p>
             <a:r>
               <a:rPr lang="es-ES" dirty="0"/>
-              <a:t>Ejemplo de mensaje</a:t>
+              <a:t>EJEMPLO DE MENSAJE</a:t>
+            </a:r>
+          </a:p>
+        </p:txBody>
+      </p:sp>
+      <p:sp>
+        <p:nvSpPr>
+          <p:cNvPr id="3" name="Marcador de contenido 2">
+            <a:extLst>
+              <a:ext uri="{FF2B5EF4-FFF2-40B4-BE49-F238E27FC236}">
+                <a16:creationId xmlns:a16="http://schemas.microsoft.com/office/drawing/2014/main" id="{4853F199-A787-5C36-5CC5-DD4D3AD3A123}"/>
+              </a:ext>
+            </a:extLst>
+          </p:cNvPr>
+          <p:cNvSpPr>
+            <a:spLocks noGrp="1"/>
+          </p:cNvSpPr>
+          <p:nvPr>
+            <p:ph idx="1"/>
+          </p:nvPr>
+        </p:nvSpPr>
+        <p:spPr>
+          <a:xfrm>
+            <a:off x="581192" y="2180496"/>
+            <a:ext cx="11029615" cy="453647"/>
+          </a:xfrm>
+        </p:spPr>
+        <p:txBody>
+          <a:bodyPr/>
+          <a:lstStyle/>
+          <a:p>
+            <a:r>
+              <a:rPr lang="es-ES" dirty="0"/>
+              <a:t>Del </a:t>
+            </a:r>
+            <a:r>
+              <a:rPr lang="es-ES" dirty="0" err="1"/>
+              <a:t>Student</a:t>
+            </a:r>
+            <a:r>
+              <a:rPr lang="es-ES" dirty="0"/>
+              <a:t> Management </a:t>
+            </a:r>
+            <a:r>
+              <a:rPr lang="es-ES" dirty="0" err="1"/>
+              <a:t>System</a:t>
+            </a:r>
+            <a:r>
+              <a:rPr lang="es-ES" dirty="0"/>
+              <a:t> saldría el siguiente mensaje:</a:t>
             </a:r>
           </a:p>
         </p:txBody>
       </p:sp>
       <p:pic>
         <p:nvPicPr>
-          <p:cNvPr id="5" name="Imagen 4">
-            <a:extLst>
-              <a:ext uri="{FF2B5EF4-FFF2-40B4-BE49-F238E27FC236}">
-                <a16:creationId xmlns:a16="http://schemas.microsoft.com/office/drawing/2014/main" id="{A37CA9A4-4B4E-32CA-78C6-9E50C8ABAB0E}"/>
+          <p:cNvPr id="7" name="Imagen 6">
+            <a:extLst>
+              <a:ext uri="{FF2B5EF4-FFF2-40B4-BE49-F238E27FC236}">
+                <a16:creationId xmlns:a16="http://schemas.microsoft.com/office/drawing/2014/main" id="{3B5309B6-C04B-39A8-55C0-6D4B2F662DA6}"/>
               </a:ext>
             </a:extLst>
           </p:cNvPr>
@@ -7176,8 +7217,8 @@
         </p:blipFill>
         <p:spPr>
           <a:xfrm>
-            <a:off x="4421806" y="1638825"/>
-            <a:ext cx="3348387" cy="1488172"/>
+            <a:off x="3171465" y="3236403"/>
+            <a:ext cx="5849070" cy="1213958"/>
           </a:xfrm>
           <a:prstGeom prst="rect">
             <a:avLst/>
@@ -7187,7 +7228,7 @@
     </p:spTree>
     <p:extLst>
       <p:ext uri="{BB962C8B-B14F-4D97-AF65-F5344CB8AC3E}">
-        <p14:creationId xmlns:p14="http://schemas.microsoft.com/office/powerpoint/2010/main" val="1011752997"/>
+        <p14:creationId xmlns:p14="http://schemas.microsoft.com/office/powerpoint/2010/main" val="274040726"/>
       </p:ext>
     </p:extLst>
   </p:cSld>
@@ -7219,7 +7260,7 @@
           <p:cNvPr id="2" name="Título 1">
             <a:extLst>
               <a:ext uri="{FF2B5EF4-FFF2-40B4-BE49-F238E27FC236}">
-                <a16:creationId xmlns:a16="http://schemas.microsoft.com/office/drawing/2014/main" id="{89ED3505-0257-0065-3165-D72A0E4661D9}"/>
+                <a16:creationId xmlns:a16="http://schemas.microsoft.com/office/drawing/2014/main" id="{8D692F28-0EB3-DCB5-3631-5C098A06243D}"/>
               </a:ext>
             </a:extLst>
           </p:cNvPr>
@@ -7232,71 +7273,79 @@
         </p:nvSpPr>
         <p:spPr/>
         <p:txBody>
+          <a:bodyPr>
+            <a:normAutofit/>
+          </a:bodyPr>
+          <a:lstStyle/>
+          <a:p>
+            <a:r>
+              <a:rPr lang="es-ES" sz="3200" dirty="0"/>
+              <a:t>Slot </a:t>
+            </a:r>
+            <a:r>
+              <a:rPr lang="es-ES" sz="3200" dirty="0" err="1"/>
+              <a:t>slimmer</a:t>
+            </a:r>
+            <a:r>
+              <a:rPr lang="es-ES" sz="3200" dirty="0"/>
+              <a:t> 3</a:t>
+            </a:r>
+            <a:r>
+              <a:rPr lang="es-ES" sz="3200" dirty="0">
+                <a:sym typeface="Wingdings" panose="05000000000000000000" pitchFamily="2" charset="2"/>
+              </a:rPr>
+              <a:t> </a:t>
+            </a:r>
+            <a:r>
+              <a:rPr lang="es-ES" sz="3200" dirty="0" err="1">
+                <a:sym typeface="Wingdings" panose="05000000000000000000" pitchFamily="2" charset="2"/>
+              </a:rPr>
+              <a:t>correlation</a:t>
+            </a:r>
+            <a:r>
+              <a:rPr lang="es-ES" sz="3200" dirty="0">
+                <a:sym typeface="Wingdings" panose="05000000000000000000" pitchFamily="2" charset="2"/>
+              </a:rPr>
+              <a:t> id setter 2</a:t>
+            </a:r>
+            <a:endParaRPr lang="es-ES" sz="3200" dirty="0"/>
+          </a:p>
+        </p:txBody>
+      </p:sp>
+      <p:sp>
+        <p:nvSpPr>
+          <p:cNvPr id="3" name="Marcador de texto 2">
+            <a:extLst>
+              <a:ext uri="{FF2B5EF4-FFF2-40B4-BE49-F238E27FC236}">
+                <a16:creationId xmlns:a16="http://schemas.microsoft.com/office/drawing/2014/main" id="{5B493C32-E059-9D76-B9C6-68E6600AAD06}"/>
+              </a:ext>
+            </a:extLst>
+          </p:cNvPr>
+          <p:cNvSpPr>
+            <a:spLocks noGrp="1"/>
+          </p:cNvSpPr>
+          <p:nvPr>
+            <p:ph type="body" idx="1"/>
+          </p:nvPr>
+        </p:nvSpPr>
+        <p:spPr/>
+        <p:txBody>
           <a:bodyPr/>
           <a:lstStyle/>
           <a:p>
             <a:r>
               <a:rPr lang="es-ES" dirty="0"/>
-              <a:t>EJEMPLO DE MENSAJE</a:t>
-            </a:r>
-          </a:p>
-        </p:txBody>
-      </p:sp>
-      <p:sp>
-        <p:nvSpPr>
-          <p:cNvPr id="3" name="Marcador de contenido 2">
-            <a:extLst>
-              <a:ext uri="{FF2B5EF4-FFF2-40B4-BE49-F238E27FC236}">
-                <a16:creationId xmlns:a16="http://schemas.microsoft.com/office/drawing/2014/main" id="{4853F199-A787-5C36-5CC5-DD4D3AD3A123}"/>
-              </a:ext>
-            </a:extLst>
-          </p:cNvPr>
-          <p:cNvSpPr>
-            <a:spLocks noGrp="1"/>
-          </p:cNvSpPr>
-          <p:nvPr>
-            <p:ph idx="1"/>
-          </p:nvPr>
-        </p:nvSpPr>
-        <p:spPr>
-          <a:xfrm>
-            <a:off x="581192" y="2180496"/>
-            <a:ext cx="11029615" cy="587871"/>
-          </a:xfrm>
-        </p:spPr>
-        <p:txBody>
-          <a:bodyPr/>
-          <a:lstStyle/>
-          <a:p>
-            <a:r>
-              <a:rPr lang="es-ES" dirty="0"/>
-              <a:t>Del </a:t>
-            </a:r>
-            <a:r>
-              <a:rPr lang="es-ES" dirty="0" err="1"/>
-              <a:t>Correlation</a:t>
-            </a:r>
-            <a:r>
-              <a:rPr lang="es-ES" dirty="0"/>
-              <a:t> ID Setter 2 sale el siguiente mensaje hacia el </a:t>
-            </a:r>
-            <a:r>
-              <a:rPr lang="es-ES" dirty="0" err="1"/>
-              <a:t>Replicator</a:t>
-            </a:r>
-            <a:r>
-              <a:rPr lang="es-ES" dirty="0"/>
-              <a:t> 3:</a:t>
+              <a:t>Ejemplo de mensaje</a:t>
             </a:r>
           </a:p>
         </p:txBody>
       </p:sp>
       <p:pic>
         <p:nvPicPr>
-          <p:cNvPr id="7" name="Imagen 6">
-            <a:extLst>
-              <a:ext uri="{FF2B5EF4-FFF2-40B4-BE49-F238E27FC236}">
-                <a16:creationId xmlns:a16="http://schemas.microsoft.com/office/drawing/2014/main" id="{F2BDE9B8-32F5-B137-28E1-0B0374675356}"/>
+          <p:cNvPr id="5" name="Imagen 4">
+            <a:extLst>
+              <a:ext uri="{FF2B5EF4-FFF2-40B4-BE49-F238E27FC236}">
+                <a16:creationId xmlns:a16="http://schemas.microsoft.com/office/drawing/2014/main" id="{4384A4B7-C1F4-A6DA-0F71-FC2B164D47B5}"/>
               </a:ext>
             </a:extLst>
           </p:cNvPr>
@@ -7313,8 +7362,8 @@
         </p:blipFill>
         <p:spPr>
           <a:xfrm>
-            <a:off x="4552665" y="2975640"/>
-            <a:ext cx="3086669" cy="3180204"/>
+            <a:off x="4131181" y="1450530"/>
+            <a:ext cx="3929637" cy="1985647"/>
           </a:xfrm>
           <a:prstGeom prst="rect">
             <a:avLst/>
@@ -7324,7 +7373,7 @@
     </p:spTree>
     <p:extLst>
       <p:ext uri="{BB962C8B-B14F-4D97-AF65-F5344CB8AC3E}">
-        <p14:creationId xmlns:p14="http://schemas.microsoft.com/office/powerpoint/2010/main" val="1490956262"/>
+        <p14:creationId xmlns:p14="http://schemas.microsoft.com/office/powerpoint/2010/main" val="2670394462"/>
       </p:ext>
     </p:extLst>
   </p:cSld>
@@ -7356,7 +7405,7 @@
           <p:cNvPr id="2" name="Título 1">
             <a:extLst>
               <a:ext uri="{FF2B5EF4-FFF2-40B4-BE49-F238E27FC236}">
-                <a16:creationId xmlns:a16="http://schemas.microsoft.com/office/drawing/2014/main" id="{8D692F28-0EB3-DCB5-3631-5C098A06243D}"/>
+                <a16:creationId xmlns:a16="http://schemas.microsoft.com/office/drawing/2014/main" id="{89ED3505-0257-0065-3165-D72A0E4661D9}"/>
               </a:ext>
             </a:extLst>
           </p:cNvPr>
@@ -7369,73 +7418,71 @@
         </p:nvSpPr>
         <p:spPr/>
         <p:txBody>
-          <a:bodyPr>
-            <a:normAutofit/>
-          </a:bodyPr>
-          <a:lstStyle/>
-          <a:p>
-            <a:r>
-              <a:rPr lang="es-ES" sz="3200" dirty="0" err="1">
-                <a:sym typeface="Wingdings" panose="05000000000000000000" pitchFamily="2" charset="2"/>
-              </a:rPr>
-              <a:t>Replicator</a:t>
-            </a:r>
-            <a:r>
-              <a:rPr lang="es-ES" sz="3200" dirty="0">
-                <a:sym typeface="Wingdings" panose="05000000000000000000" pitchFamily="2" charset="2"/>
-              </a:rPr>
-              <a:t> 2  </a:t>
-            </a:r>
-            <a:r>
-              <a:rPr lang="es-ES" sz="3200" dirty="0" err="1">
-                <a:sym typeface="Wingdings" panose="05000000000000000000" pitchFamily="2" charset="2"/>
-              </a:rPr>
-              <a:t>slimmer</a:t>
-            </a:r>
-            <a:r>
-              <a:rPr lang="es-ES" sz="3200" dirty="0">
-                <a:sym typeface="Wingdings" panose="05000000000000000000" pitchFamily="2" charset="2"/>
-              </a:rPr>
-              <a:t> 4</a:t>
-            </a:r>
-            <a:endParaRPr lang="es-ES" sz="3200" dirty="0"/>
-          </a:p>
-        </p:txBody>
-      </p:sp>
-      <p:sp>
-        <p:nvSpPr>
-          <p:cNvPr id="3" name="Marcador de texto 2">
-            <a:extLst>
-              <a:ext uri="{FF2B5EF4-FFF2-40B4-BE49-F238E27FC236}">
-                <a16:creationId xmlns:a16="http://schemas.microsoft.com/office/drawing/2014/main" id="{5B493C32-E059-9D76-B9C6-68E6600AAD06}"/>
-              </a:ext>
-            </a:extLst>
-          </p:cNvPr>
-          <p:cNvSpPr>
-            <a:spLocks noGrp="1"/>
-          </p:cNvSpPr>
-          <p:nvPr>
-            <p:ph type="body" idx="1"/>
-          </p:nvPr>
-        </p:nvSpPr>
-        <p:spPr/>
-        <p:txBody>
           <a:bodyPr/>
           <a:lstStyle/>
           <a:p>
             <a:r>
               <a:rPr lang="es-ES" dirty="0"/>
-              <a:t>Ejemplo de mensaje</a:t>
+              <a:t>EJEMPLO DE MENSAJE</a:t>
+            </a:r>
+          </a:p>
+        </p:txBody>
+      </p:sp>
+      <p:sp>
+        <p:nvSpPr>
+          <p:cNvPr id="3" name="Marcador de contenido 2">
+            <a:extLst>
+              <a:ext uri="{FF2B5EF4-FFF2-40B4-BE49-F238E27FC236}">
+                <a16:creationId xmlns:a16="http://schemas.microsoft.com/office/drawing/2014/main" id="{4853F199-A787-5C36-5CC5-DD4D3AD3A123}"/>
+              </a:ext>
+            </a:extLst>
+          </p:cNvPr>
+          <p:cNvSpPr>
+            <a:spLocks noGrp="1"/>
+          </p:cNvSpPr>
+          <p:nvPr>
+            <p:ph idx="1"/>
+          </p:nvPr>
+        </p:nvSpPr>
+        <p:spPr>
+          <a:xfrm>
+            <a:off x="581192" y="2180496"/>
+            <a:ext cx="11029615" cy="453647"/>
+          </a:xfrm>
+        </p:spPr>
+        <p:txBody>
+          <a:bodyPr/>
+          <a:lstStyle/>
+          <a:p>
+            <a:r>
+              <a:rPr lang="es-ES" dirty="0"/>
+              <a:t>Del </a:t>
+            </a:r>
+            <a:r>
+              <a:rPr lang="es-ES" dirty="0" err="1"/>
+              <a:t>Slimmer</a:t>
+            </a:r>
+            <a:r>
+              <a:rPr lang="es-ES" dirty="0"/>
+              <a:t> 3 sale al </a:t>
+            </a:r>
+            <a:r>
+              <a:rPr lang="es-ES" dirty="0" err="1"/>
+              <a:t>Correlation</a:t>
+            </a:r>
+            <a:r>
+              <a:rPr lang="es-ES" dirty="0"/>
+              <a:t> ID Setter 2 tan solo los datos de las asignaturas:</a:t>
             </a:r>
           </a:p>
         </p:txBody>
       </p:sp>
       <p:pic>
         <p:nvPicPr>
-          <p:cNvPr id="5" name="Imagen 4" descr="Diagrama, Esquemático&#10;&#10;Descripción generada automáticamente">
-            <a:extLst>
-              <a:ext uri="{FF2B5EF4-FFF2-40B4-BE49-F238E27FC236}">
-                <a16:creationId xmlns:a16="http://schemas.microsoft.com/office/drawing/2014/main" id="{38F597A3-D9AF-6676-1EAE-95546F8B44EC}"/>
+          <p:cNvPr id="5" name="Imagen 4">
+            <a:extLst>
+              <a:ext uri="{FF2B5EF4-FFF2-40B4-BE49-F238E27FC236}">
+                <a16:creationId xmlns:a16="http://schemas.microsoft.com/office/drawing/2014/main" id="{331C0DF0-F1FF-8C47-BAD2-BE53FC047BEB}"/>
               </a:ext>
             </a:extLst>
           </p:cNvPr>
@@ -7452,8 +7499,8 @@
         </p:blipFill>
         <p:spPr>
           <a:xfrm>
-            <a:off x="2759243" y="629391"/>
-            <a:ext cx="5983706" cy="3101920"/>
+            <a:off x="4110551" y="3098683"/>
+            <a:ext cx="3970897" cy="2928701"/>
           </a:xfrm>
           <a:prstGeom prst="rect">
             <a:avLst/>
@@ -7463,7 +7510,7 @@
     </p:spTree>
     <p:extLst>
       <p:ext uri="{BB962C8B-B14F-4D97-AF65-F5344CB8AC3E}">
-        <p14:creationId xmlns:p14="http://schemas.microsoft.com/office/powerpoint/2010/main" val="3630769872"/>
+        <p14:creationId xmlns:p14="http://schemas.microsoft.com/office/powerpoint/2010/main" val="1668251833"/>
       </p:ext>
     </p:extLst>
   </p:cSld>
@@ -7495,7 +7542,7 @@
           <p:cNvPr id="2" name="Título 1">
             <a:extLst>
               <a:ext uri="{FF2B5EF4-FFF2-40B4-BE49-F238E27FC236}">
-                <a16:creationId xmlns:a16="http://schemas.microsoft.com/office/drawing/2014/main" id="{699DBA93-33D6-351E-0481-1AFB90151CC0}"/>
+                <a16:creationId xmlns:a16="http://schemas.microsoft.com/office/drawing/2014/main" id="{8D692F28-0EB3-DCB5-3631-5C098A06243D}"/>
               </a:ext>
             </a:extLst>
           </p:cNvPr>
@@ -7504,6 +7551,63 @@
           </p:cNvSpPr>
           <p:nvPr>
             <p:ph type="title"/>
+          </p:nvPr>
+        </p:nvSpPr>
+        <p:spPr/>
+        <p:txBody>
+          <a:bodyPr>
+            <a:normAutofit/>
+          </a:bodyPr>
+          <a:lstStyle/>
+          <a:p>
+            <a:r>
+              <a:rPr lang="es-ES" sz="3200" dirty="0"/>
+              <a:t>Slot </a:t>
+            </a:r>
+            <a:r>
+              <a:rPr lang="es-ES" sz="3200" dirty="0" err="1"/>
+              <a:t>correlation</a:t>
+            </a:r>
+            <a:r>
+              <a:rPr lang="es-ES" sz="3200" dirty="0"/>
+              <a:t> id setter 2</a:t>
+            </a:r>
+            <a:r>
+              <a:rPr lang="es-ES" sz="3200" dirty="0">
+                <a:sym typeface="Wingdings" panose="05000000000000000000" pitchFamily="2" charset="2"/>
+              </a:rPr>
+              <a:t> </a:t>
+            </a:r>
+            <a:r>
+              <a:rPr lang="es-ES" sz="3200" dirty="0" err="1">
+                <a:sym typeface="Wingdings" panose="05000000000000000000" pitchFamily="2" charset="2"/>
+              </a:rPr>
+              <a:t>replicator</a:t>
+            </a:r>
+            <a:r>
+              <a:rPr lang="es-ES" sz="3200" dirty="0">
+                <a:sym typeface="Wingdings" panose="05000000000000000000" pitchFamily="2" charset="2"/>
+              </a:rPr>
+              <a:t> 3</a:t>
+            </a:r>
+            <a:endParaRPr lang="es-ES" sz="3200" dirty="0"/>
+          </a:p>
+        </p:txBody>
+      </p:sp>
+      <p:sp>
+        <p:nvSpPr>
+          <p:cNvPr id="3" name="Marcador de texto 2">
+            <a:extLst>
+              <a:ext uri="{FF2B5EF4-FFF2-40B4-BE49-F238E27FC236}">
+                <a16:creationId xmlns:a16="http://schemas.microsoft.com/office/drawing/2014/main" id="{5B493C32-E059-9D76-B9C6-68E6600AAD06}"/>
+              </a:ext>
+            </a:extLst>
+          </p:cNvPr>
+          <p:cNvSpPr>
+            <a:spLocks noGrp="1"/>
+          </p:cNvSpPr>
+          <p:nvPr>
+            <p:ph type="body" idx="1"/>
           </p:nvPr>
         </p:nvSpPr>
         <p:spPr/>
@@ -7518,63 +7622,12 @@
           </a:p>
         </p:txBody>
       </p:sp>
-      <p:sp>
-        <p:nvSpPr>
-          <p:cNvPr id="3" name="Marcador de contenido 2">
-            <a:extLst>
-              <a:ext uri="{FF2B5EF4-FFF2-40B4-BE49-F238E27FC236}">
-                <a16:creationId xmlns:a16="http://schemas.microsoft.com/office/drawing/2014/main" id="{6DB4D1E2-59B6-68AF-2048-74B77C976BD3}"/>
-              </a:ext>
-            </a:extLst>
-          </p:cNvPr>
-          <p:cNvSpPr>
-            <a:spLocks noGrp="1"/>
-          </p:cNvSpPr>
-          <p:nvPr>
-            <p:ph idx="1"/>
-          </p:nvPr>
-        </p:nvSpPr>
-        <p:spPr>
-          <a:xfrm>
-            <a:off x="581192" y="2180497"/>
-            <a:ext cx="11029615" cy="596260"/>
-          </a:xfrm>
-        </p:spPr>
-        <p:txBody>
-          <a:bodyPr>
-            <a:normAutofit lnSpcReduction="10000"/>
-          </a:bodyPr>
-          <a:lstStyle/>
-          <a:p>
-            <a:r>
-              <a:rPr lang="es-ES" dirty="0"/>
-              <a:t>Del </a:t>
-            </a:r>
-            <a:r>
-              <a:rPr lang="es-ES" dirty="0" err="1"/>
-              <a:t>Replicator</a:t>
-            </a:r>
-            <a:r>
-              <a:rPr lang="es-ES" dirty="0"/>
-              <a:t> 2 saldrá el siguiente mensaje hacia la entrada del </a:t>
-            </a:r>
-            <a:r>
-              <a:rPr lang="es-ES" dirty="0" err="1"/>
-              <a:t>Slimmer</a:t>
-            </a:r>
-            <a:r>
-              <a:rPr lang="es-ES" dirty="0"/>
-              <a:t> 4 en el que nos quedaríamos solo con la información del número de teléfono del alumno:</a:t>
-            </a:r>
-          </a:p>
-        </p:txBody>
-      </p:sp>
       <p:pic>
         <p:nvPicPr>
-          <p:cNvPr id="6" name="Imagen 5" descr="Texto&#10;&#10;Descripción generada automáticamente">
-            <a:extLst>
-              <a:ext uri="{FF2B5EF4-FFF2-40B4-BE49-F238E27FC236}">
-                <a16:creationId xmlns:a16="http://schemas.microsoft.com/office/drawing/2014/main" id="{1A8DC71B-5A52-21B3-42B4-F47F3047CECF}"/>
+          <p:cNvPr id="5" name="Imagen 4">
+            <a:extLst>
+              <a:ext uri="{FF2B5EF4-FFF2-40B4-BE49-F238E27FC236}">
+                <a16:creationId xmlns:a16="http://schemas.microsoft.com/office/drawing/2014/main" id="{A37CA9A4-4B4E-32CA-78C6-9E50C8ABAB0E}"/>
               </a:ext>
             </a:extLst>
           </p:cNvPr>
@@ -7591,38 +7644,8 @@
         </p:blipFill>
         <p:spPr>
           <a:xfrm>
-            <a:off x="215831" y="3072792"/>
-            <a:ext cx="5511516" cy="1356237"/>
-          </a:xfrm>
-          <a:prstGeom prst="rect">
-            <a:avLst/>
-          </a:prstGeom>
-        </p:spPr>
-      </p:pic>
-      <p:pic>
-        <p:nvPicPr>
-          <p:cNvPr id="11" name="Imagen 10" descr="Texto&#10;&#10;Descripción generada automáticamente">
-            <a:extLst>
-              <a:ext uri="{FF2B5EF4-FFF2-40B4-BE49-F238E27FC236}">
-                <a16:creationId xmlns:a16="http://schemas.microsoft.com/office/drawing/2014/main" id="{64CA8FDC-B7EC-1EA5-E5EC-38A2D0CB3731}"/>
-              </a:ext>
-            </a:extLst>
-          </p:cNvPr>
-          <p:cNvPicPr>
-            <a:picLocks noChangeAspect="1"/>
-          </p:cNvPicPr>
-          <p:nvPr/>
-        </p:nvPicPr>
-        <p:blipFill>
-          <a:blip r:embed="rId3"/>
-          <a:stretch>
-            <a:fillRect/>
-          </a:stretch>
-        </p:blipFill>
-        <p:spPr>
-          <a:xfrm>
-            <a:off x="6095999" y="3068781"/>
-            <a:ext cx="5511516" cy="1343798"/>
+            <a:off x="4421806" y="1638825"/>
+            <a:ext cx="3348387" cy="1488172"/>
           </a:xfrm>
           <a:prstGeom prst="rect">
             <a:avLst/>
@@ -7632,7 +7655,7 @@
     </p:spTree>
     <p:extLst>
       <p:ext uri="{BB962C8B-B14F-4D97-AF65-F5344CB8AC3E}">
-        <p14:creationId xmlns:p14="http://schemas.microsoft.com/office/powerpoint/2010/main" val="2974065774"/>
+        <p14:creationId xmlns:p14="http://schemas.microsoft.com/office/powerpoint/2010/main" val="1011752997"/>
       </p:ext>
     </p:extLst>
   </p:cSld>
@@ -7664,7 +7687,7 @@
           <p:cNvPr id="2" name="Título 1">
             <a:extLst>
               <a:ext uri="{FF2B5EF4-FFF2-40B4-BE49-F238E27FC236}">
-                <a16:creationId xmlns:a16="http://schemas.microsoft.com/office/drawing/2014/main" id="{8D692F28-0EB3-DCB5-3631-5C098A06243D}"/>
+                <a16:creationId xmlns:a16="http://schemas.microsoft.com/office/drawing/2014/main" id="{89ED3505-0257-0065-3165-D72A0E4661D9}"/>
               </a:ext>
             </a:extLst>
           </p:cNvPr>
@@ -7677,75 +7700,71 @@
         </p:nvSpPr>
         <p:spPr/>
         <p:txBody>
-          <a:bodyPr>
-            <a:normAutofit/>
-          </a:bodyPr>
-          <a:lstStyle/>
-          <a:p>
-            <a:r>
-              <a:rPr lang="es-ES" sz="3200" dirty="0" err="1"/>
+          <a:bodyPr/>
+          <a:lstStyle/>
+          <a:p>
+            <a:r>
+              <a:rPr lang="es-ES" dirty="0"/>
+              <a:t>EJEMPLO DE MENSAJE</a:t>
+            </a:r>
+          </a:p>
+        </p:txBody>
+      </p:sp>
+      <p:sp>
+        <p:nvSpPr>
+          <p:cNvPr id="3" name="Marcador de contenido 2">
+            <a:extLst>
+              <a:ext uri="{FF2B5EF4-FFF2-40B4-BE49-F238E27FC236}">
+                <a16:creationId xmlns:a16="http://schemas.microsoft.com/office/drawing/2014/main" id="{4853F199-A787-5C36-5CC5-DD4D3AD3A123}"/>
+              </a:ext>
+            </a:extLst>
+          </p:cNvPr>
+          <p:cNvSpPr>
+            <a:spLocks noGrp="1"/>
+          </p:cNvSpPr>
+          <p:nvPr>
+            <p:ph idx="1"/>
+          </p:nvPr>
+        </p:nvSpPr>
+        <p:spPr>
+          <a:xfrm>
+            <a:off x="581192" y="2180496"/>
+            <a:ext cx="11029615" cy="587871"/>
+          </a:xfrm>
+        </p:spPr>
+        <p:txBody>
+          <a:bodyPr/>
+          <a:lstStyle/>
+          <a:p>
+            <a:r>
+              <a:rPr lang="es-ES" dirty="0"/>
+              <a:t>Del </a:t>
+            </a:r>
+            <a:r>
+              <a:rPr lang="es-ES" dirty="0" err="1"/>
+              <a:t>Correlation</a:t>
+            </a:r>
+            <a:r>
+              <a:rPr lang="es-ES" dirty="0"/>
+              <a:t> ID Setter 2 sale el siguiente mensaje hacia el </a:t>
+            </a:r>
+            <a:r>
+              <a:rPr lang="es-ES" dirty="0" err="1"/>
               <a:t>Replicator</a:t>
             </a:r>
             <a:r>
-              <a:rPr lang="es-ES" sz="3200" dirty="0"/>
-              <a:t> 2 </a:t>
-            </a:r>
-            <a:r>
-              <a:rPr lang="es-ES" sz="3200" dirty="0">
-                <a:sym typeface="Wingdings" panose="05000000000000000000" pitchFamily="2" charset="2"/>
-              </a:rPr>
-              <a:t> </a:t>
-            </a:r>
-            <a:r>
-              <a:rPr lang="es-ES" sz="3200" dirty="0" err="1">
-                <a:sym typeface="Wingdings" panose="05000000000000000000" pitchFamily="2" charset="2"/>
-              </a:rPr>
-              <a:t>slimmer</a:t>
-            </a:r>
-            <a:r>
-              <a:rPr lang="es-ES" sz="3200" dirty="0">
-                <a:sym typeface="Wingdings" panose="05000000000000000000" pitchFamily="2" charset="2"/>
-              </a:rPr>
-              <a:t> 5</a:t>
-            </a:r>
-            <a:endParaRPr lang="es-ES" sz="3200" dirty="0"/>
-          </a:p>
-        </p:txBody>
-      </p:sp>
-      <p:sp>
-        <p:nvSpPr>
-          <p:cNvPr id="3" name="Marcador de texto 2">
-            <a:extLst>
-              <a:ext uri="{FF2B5EF4-FFF2-40B4-BE49-F238E27FC236}">
-                <a16:creationId xmlns:a16="http://schemas.microsoft.com/office/drawing/2014/main" id="{5B493C32-E059-9D76-B9C6-68E6600AAD06}"/>
-              </a:ext>
-            </a:extLst>
-          </p:cNvPr>
-          <p:cNvSpPr>
-            <a:spLocks noGrp="1"/>
-          </p:cNvSpPr>
-          <p:nvPr>
-            <p:ph type="body" idx="1"/>
-          </p:nvPr>
-        </p:nvSpPr>
-        <p:spPr/>
-        <p:txBody>
-          <a:bodyPr/>
-          <a:lstStyle/>
-          <a:p>
-            <a:r>
               <a:rPr lang="es-ES" dirty="0"/>
-              <a:t>Ejemplo de mensaje</a:t>
+              <a:t> 3:</a:t>
             </a:r>
           </a:p>
         </p:txBody>
       </p:sp>
       <p:pic>
         <p:nvPicPr>
-          <p:cNvPr id="5" name="Imagen 4" descr="Diagrama&#10;&#10;Descripción generada automáticamente">
-            <a:extLst>
-              <a:ext uri="{FF2B5EF4-FFF2-40B4-BE49-F238E27FC236}">
-                <a16:creationId xmlns:a16="http://schemas.microsoft.com/office/drawing/2014/main" id="{7B6B1947-3D25-08B3-349D-DC2C9801C491}"/>
+          <p:cNvPr id="7" name="Imagen 6">
+            <a:extLst>
+              <a:ext uri="{FF2B5EF4-FFF2-40B4-BE49-F238E27FC236}">
+                <a16:creationId xmlns:a16="http://schemas.microsoft.com/office/drawing/2014/main" id="{F2BDE9B8-32F5-B137-28E1-0B0374675356}"/>
               </a:ext>
             </a:extLst>
           </p:cNvPr>
@@ -7762,8 +7781,8 @@
         </p:blipFill>
         <p:spPr>
           <a:xfrm>
-            <a:off x="3809309" y="665121"/>
-            <a:ext cx="3505891" cy="3392150"/>
+            <a:off x="4552665" y="2975640"/>
+            <a:ext cx="3086669" cy="3180204"/>
           </a:xfrm>
           <a:prstGeom prst="rect">
             <a:avLst/>
@@ -7773,7 +7792,7 @@
     </p:spTree>
     <p:extLst>
       <p:ext uri="{BB962C8B-B14F-4D97-AF65-F5344CB8AC3E}">
-        <p14:creationId xmlns:p14="http://schemas.microsoft.com/office/powerpoint/2010/main" val="2648238641"/>
+        <p14:creationId xmlns:p14="http://schemas.microsoft.com/office/powerpoint/2010/main" val="1490956262"/>
       </p:ext>
     </p:extLst>
   </p:cSld>
@@ -7805,7 +7824,7 @@
           <p:cNvPr id="2" name="Título 1">
             <a:extLst>
               <a:ext uri="{FF2B5EF4-FFF2-40B4-BE49-F238E27FC236}">
-                <a16:creationId xmlns:a16="http://schemas.microsoft.com/office/drawing/2014/main" id="{699DBA93-33D6-351E-0481-1AFB90151CC0}"/>
+                <a16:creationId xmlns:a16="http://schemas.microsoft.com/office/drawing/2014/main" id="{8D692F28-0EB3-DCB5-3631-5C098A06243D}"/>
               </a:ext>
             </a:extLst>
           </p:cNvPr>
@@ -7814,6 +7833,57 @@
           </p:cNvSpPr>
           <p:nvPr>
             <p:ph type="title"/>
+          </p:nvPr>
+        </p:nvSpPr>
+        <p:spPr/>
+        <p:txBody>
+          <a:bodyPr>
+            <a:normAutofit/>
+          </a:bodyPr>
+          <a:lstStyle/>
+          <a:p>
+            <a:r>
+              <a:rPr lang="es-ES" sz="3200" dirty="0" err="1">
+                <a:sym typeface="Wingdings" panose="05000000000000000000" pitchFamily="2" charset="2"/>
+              </a:rPr>
+              <a:t>Replicator</a:t>
+            </a:r>
+            <a:r>
+              <a:rPr lang="es-ES" sz="3200" dirty="0">
+                <a:sym typeface="Wingdings" panose="05000000000000000000" pitchFamily="2" charset="2"/>
+              </a:rPr>
+              <a:t> 2  </a:t>
+            </a:r>
+            <a:r>
+              <a:rPr lang="es-ES" sz="3200" dirty="0" err="1">
+                <a:sym typeface="Wingdings" panose="05000000000000000000" pitchFamily="2" charset="2"/>
+              </a:rPr>
+              <a:t>slimmer</a:t>
+            </a:r>
+            <a:r>
+              <a:rPr lang="es-ES" sz="3200" dirty="0">
+                <a:sym typeface="Wingdings" panose="05000000000000000000" pitchFamily="2" charset="2"/>
+              </a:rPr>
+              <a:t> 4</a:t>
+            </a:r>
+            <a:endParaRPr lang="es-ES" sz="3200" dirty="0"/>
+          </a:p>
+        </p:txBody>
+      </p:sp>
+      <p:sp>
+        <p:nvSpPr>
+          <p:cNvPr id="3" name="Marcador de texto 2">
+            <a:extLst>
+              <a:ext uri="{FF2B5EF4-FFF2-40B4-BE49-F238E27FC236}">
+                <a16:creationId xmlns:a16="http://schemas.microsoft.com/office/drawing/2014/main" id="{5B493C32-E059-9D76-B9C6-68E6600AAD06}"/>
+              </a:ext>
+            </a:extLst>
+          </p:cNvPr>
+          <p:cNvSpPr>
+            <a:spLocks noGrp="1"/>
+          </p:cNvSpPr>
+          <p:nvPr>
+            <p:ph type="body" idx="1"/>
           </p:nvPr>
         </p:nvSpPr>
         <p:spPr/>
@@ -7828,64 +7898,12 @@
           </a:p>
         </p:txBody>
       </p:sp>
-      <p:sp>
-        <p:nvSpPr>
-          <p:cNvPr id="3" name="Marcador de contenido 2">
-            <a:extLst>
-              <a:ext uri="{FF2B5EF4-FFF2-40B4-BE49-F238E27FC236}">
-                <a16:creationId xmlns:a16="http://schemas.microsoft.com/office/drawing/2014/main" id="{6DB4D1E2-59B6-68AF-2048-74B77C976BD3}"/>
-              </a:ext>
-            </a:extLst>
-          </p:cNvPr>
-          <p:cNvSpPr>
-            <a:spLocks noGrp="1"/>
-          </p:cNvSpPr>
-          <p:nvPr>
-            <p:ph idx="1"/>
-          </p:nvPr>
-        </p:nvSpPr>
-        <p:spPr>
-          <a:xfrm>
-            <a:off x="581192" y="2180497"/>
-            <a:ext cx="11029615" cy="596260"/>
-          </a:xfrm>
-        </p:spPr>
-        <p:txBody>
-          <a:bodyPr>
-            <a:normAutofit lnSpcReduction="10000"/>
-          </a:bodyPr>
-          <a:lstStyle/>
-          <a:p>
-            <a:pPr algn="just"/>
-            <a:r>
-              <a:rPr lang="es-ES" dirty="0"/>
-              <a:t>Del </a:t>
-            </a:r>
-            <a:r>
-              <a:rPr lang="es-ES" dirty="0" err="1"/>
-              <a:t>Replicator</a:t>
-            </a:r>
-            <a:r>
-              <a:rPr lang="es-ES" dirty="0"/>
-              <a:t> 2 saldrá el siguiente mensaje hacia la entrada del </a:t>
-            </a:r>
-            <a:r>
-              <a:rPr lang="es-ES" dirty="0" err="1"/>
-              <a:t>Slimmer</a:t>
-            </a:r>
-            <a:r>
-              <a:rPr lang="es-ES" dirty="0"/>
-              <a:t> 5 en el que nos quedaríamos solo con la información del correo del alumno:</a:t>
-            </a:r>
-          </a:p>
-        </p:txBody>
-      </p:sp>
       <p:pic>
         <p:nvPicPr>
-          <p:cNvPr id="6" name="Imagen 5" descr="Texto&#10;&#10;Descripción generada automáticamente">
-            <a:extLst>
-              <a:ext uri="{FF2B5EF4-FFF2-40B4-BE49-F238E27FC236}">
-                <a16:creationId xmlns:a16="http://schemas.microsoft.com/office/drawing/2014/main" id="{1A8DC71B-5A52-21B3-42B4-F47F3047CECF}"/>
+          <p:cNvPr id="5" name="Imagen 4" descr="Diagrama, Esquemático&#10;&#10;Descripción generada automáticamente">
+            <a:extLst>
+              <a:ext uri="{FF2B5EF4-FFF2-40B4-BE49-F238E27FC236}">
+                <a16:creationId xmlns:a16="http://schemas.microsoft.com/office/drawing/2014/main" id="{38F597A3-D9AF-6676-1EAE-95546F8B44EC}"/>
               </a:ext>
             </a:extLst>
           </p:cNvPr>
@@ -7902,38 +7920,8 @@
         </p:blipFill>
         <p:spPr>
           <a:xfrm>
-            <a:off x="581192" y="3134439"/>
-            <a:ext cx="5045980" cy="1241681"/>
-          </a:xfrm>
-          <a:prstGeom prst="rect">
-            <a:avLst/>
-          </a:prstGeom>
-        </p:spPr>
-      </p:pic>
-      <p:pic>
-        <p:nvPicPr>
-          <p:cNvPr id="4" name="Imagen 3" descr="Texto&#10;&#10;Descripción generada automáticamente">
-            <a:extLst>
-              <a:ext uri="{FF2B5EF4-FFF2-40B4-BE49-F238E27FC236}">
-                <a16:creationId xmlns:a16="http://schemas.microsoft.com/office/drawing/2014/main" id="{192AC9F7-C131-8889-5681-EC6CB8666515}"/>
-              </a:ext>
-            </a:extLst>
-          </p:cNvPr>
-          <p:cNvPicPr>
-            <a:picLocks noChangeAspect="1"/>
-          </p:cNvPicPr>
-          <p:nvPr/>
-        </p:nvPicPr>
-        <p:blipFill>
-          <a:blip r:embed="rId3"/>
-          <a:stretch>
-            <a:fillRect/>
-          </a:stretch>
-        </p:blipFill>
-        <p:spPr>
-          <a:xfrm>
-            <a:off x="5862376" y="3140695"/>
-            <a:ext cx="6113793" cy="1222758"/>
+            <a:off x="2759243" y="629391"/>
+            <a:ext cx="5983706" cy="3101920"/>
           </a:xfrm>
           <a:prstGeom prst="rect">
             <a:avLst/>
@@ -7943,7 +7931,7 @@
     </p:spTree>
     <p:extLst>
       <p:ext uri="{BB962C8B-B14F-4D97-AF65-F5344CB8AC3E}">
-        <p14:creationId xmlns:p14="http://schemas.microsoft.com/office/powerpoint/2010/main" val="2658461113"/>
+        <p14:creationId xmlns:p14="http://schemas.microsoft.com/office/powerpoint/2010/main" val="3630769872"/>
       </p:ext>
     </p:extLst>
   </p:cSld>
@@ -7975,7 +7963,7 @@
           <p:cNvPr id="2" name="Título 1">
             <a:extLst>
               <a:ext uri="{FF2B5EF4-FFF2-40B4-BE49-F238E27FC236}">
-                <a16:creationId xmlns:a16="http://schemas.microsoft.com/office/drawing/2014/main" id="{8D692F28-0EB3-DCB5-3631-5C098A06243D}"/>
+                <a16:creationId xmlns:a16="http://schemas.microsoft.com/office/drawing/2014/main" id="{699DBA93-33D6-351E-0481-1AFB90151CC0}"/>
               </a:ext>
             </a:extLst>
           </p:cNvPr>
@@ -7984,43 +7972,6 @@
           </p:cNvSpPr>
           <p:nvPr>
             <p:ph type="title"/>
-          </p:nvPr>
-        </p:nvSpPr>
-        <p:spPr/>
-        <p:txBody>
-          <a:bodyPr>
-            <a:normAutofit/>
-          </a:bodyPr>
-          <a:lstStyle/>
-          <a:p>
-            <a:r>
-              <a:rPr lang="es-ES" sz="3200" dirty="0"/>
-              <a:t>REPLICATOR 3 </a:t>
-            </a:r>
-            <a:r>
-              <a:rPr lang="es-ES" sz="3200" dirty="0">
-                <a:sym typeface="Wingdings" panose="05000000000000000000" pitchFamily="2" charset="2"/>
-              </a:rPr>
-              <a:t> CORRELATOR 1</a:t>
-            </a:r>
-            <a:endParaRPr lang="es-ES" sz="3200" dirty="0"/>
-          </a:p>
-        </p:txBody>
-      </p:sp>
-      <p:sp>
-        <p:nvSpPr>
-          <p:cNvPr id="3" name="Marcador de texto 2">
-            <a:extLst>
-              <a:ext uri="{FF2B5EF4-FFF2-40B4-BE49-F238E27FC236}">
-                <a16:creationId xmlns:a16="http://schemas.microsoft.com/office/drawing/2014/main" id="{5B493C32-E059-9D76-B9C6-68E6600AAD06}"/>
-              </a:ext>
-            </a:extLst>
-          </p:cNvPr>
-          <p:cNvSpPr>
-            <a:spLocks noGrp="1"/>
-          </p:cNvSpPr>
-          <p:nvPr>
-            <p:ph type="body" idx="1"/>
           </p:nvPr>
         </p:nvSpPr>
         <p:spPr/>
@@ -8035,12 +7986,63 @@
           </a:p>
         </p:txBody>
       </p:sp>
+      <p:sp>
+        <p:nvSpPr>
+          <p:cNvPr id="3" name="Marcador de contenido 2">
+            <a:extLst>
+              <a:ext uri="{FF2B5EF4-FFF2-40B4-BE49-F238E27FC236}">
+                <a16:creationId xmlns:a16="http://schemas.microsoft.com/office/drawing/2014/main" id="{6DB4D1E2-59B6-68AF-2048-74B77C976BD3}"/>
+              </a:ext>
+            </a:extLst>
+          </p:cNvPr>
+          <p:cNvSpPr>
+            <a:spLocks noGrp="1"/>
+          </p:cNvSpPr>
+          <p:nvPr>
+            <p:ph idx="1"/>
+          </p:nvPr>
+        </p:nvSpPr>
+        <p:spPr>
+          <a:xfrm>
+            <a:off x="581192" y="2180497"/>
+            <a:ext cx="11029615" cy="596260"/>
+          </a:xfrm>
+        </p:spPr>
+        <p:txBody>
+          <a:bodyPr>
+            <a:normAutofit lnSpcReduction="10000"/>
+          </a:bodyPr>
+          <a:lstStyle/>
+          <a:p>
+            <a:r>
+              <a:rPr lang="es-ES" dirty="0"/>
+              <a:t>Del </a:t>
+            </a:r>
+            <a:r>
+              <a:rPr lang="es-ES" dirty="0" err="1"/>
+              <a:t>Replicator</a:t>
+            </a:r>
+            <a:r>
+              <a:rPr lang="es-ES" dirty="0"/>
+              <a:t> 2 saldrá el siguiente mensaje hacia la entrada del </a:t>
+            </a:r>
+            <a:r>
+              <a:rPr lang="es-ES" dirty="0" err="1"/>
+              <a:t>Slimmer</a:t>
+            </a:r>
+            <a:r>
+              <a:rPr lang="es-ES" dirty="0"/>
+              <a:t> 4 en el que nos quedaríamos solo con la información del número de teléfono del alumno:</a:t>
+            </a:r>
+          </a:p>
+        </p:txBody>
+      </p:sp>
       <p:pic>
         <p:nvPicPr>
-          <p:cNvPr id="7" name="Imagen 6" descr="Diagrama&#10;&#10;Descripción generada automáticamente">
-            <a:extLst>
-              <a:ext uri="{FF2B5EF4-FFF2-40B4-BE49-F238E27FC236}">
-                <a16:creationId xmlns:a16="http://schemas.microsoft.com/office/drawing/2014/main" id="{5768E495-39CE-69F5-5832-CB57922B06FE}"/>
+          <p:cNvPr id="6" name="Imagen 5" descr="Texto&#10;&#10;Descripción generada automáticamente">
+            <a:extLst>
+              <a:ext uri="{FF2B5EF4-FFF2-40B4-BE49-F238E27FC236}">
+                <a16:creationId xmlns:a16="http://schemas.microsoft.com/office/drawing/2014/main" id="{1A8DC71B-5A52-21B3-42B4-F47F3047CECF}"/>
               </a:ext>
             </a:extLst>
           </p:cNvPr>
@@ -8057,8 +8059,38 @@
         </p:blipFill>
         <p:spPr>
           <a:xfrm>
-            <a:off x="3450290" y="738769"/>
-            <a:ext cx="5291419" cy="3089789"/>
+            <a:off x="215831" y="3072792"/>
+            <a:ext cx="5511516" cy="1356237"/>
+          </a:xfrm>
+          <a:prstGeom prst="rect">
+            <a:avLst/>
+          </a:prstGeom>
+        </p:spPr>
+      </p:pic>
+      <p:pic>
+        <p:nvPicPr>
+          <p:cNvPr id="11" name="Imagen 10" descr="Texto&#10;&#10;Descripción generada automáticamente">
+            <a:extLst>
+              <a:ext uri="{FF2B5EF4-FFF2-40B4-BE49-F238E27FC236}">
+                <a16:creationId xmlns:a16="http://schemas.microsoft.com/office/drawing/2014/main" id="{64CA8FDC-B7EC-1EA5-E5EC-38A2D0CB3731}"/>
+              </a:ext>
+            </a:extLst>
+          </p:cNvPr>
+          <p:cNvPicPr>
+            <a:picLocks noChangeAspect="1"/>
+          </p:cNvPicPr>
+          <p:nvPr/>
+        </p:nvPicPr>
+        <p:blipFill>
+          <a:blip r:embed="rId3"/>
+          <a:stretch>
+            <a:fillRect/>
+          </a:stretch>
+        </p:blipFill>
+        <p:spPr>
+          <a:xfrm>
+            <a:off x="6095999" y="3068781"/>
+            <a:ext cx="5511516" cy="1343798"/>
           </a:xfrm>
           <a:prstGeom prst="rect">
             <a:avLst/>
@@ -8068,7 +8100,7 @@
     </p:spTree>
     <p:extLst>
       <p:ext uri="{BB962C8B-B14F-4D97-AF65-F5344CB8AC3E}">
-        <p14:creationId xmlns:p14="http://schemas.microsoft.com/office/powerpoint/2010/main" val="2625268191"/>
+        <p14:creationId xmlns:p14="http://schemas.microsoft.com/office/powerpoint/2010/main" val="2974065774"/>
       </p:ext>
     </p:extLst>
   </p:cSld>
@@ -8100,7 +8132,7 @@
           <p:cNvPr id="2" name="Título 1">
             <a:extLst>
               <a:ext uri="{FF2B5EF4-FFF2-40B4-BE49-F238E27FC236}">
-                <a16:creationId xmlns:a16="http://schemas.microsoft.com/office/drawing/2014/main" id="{8D692F28-0EB3-DCB5-3631-5C098A06243D}"/>
+                <a16:creationId xmlns:a16="http://schemas.microsoft.com/office/drawing/2014/main" id="{D291E722-34B4-F7DA-0401-3F83DA1D43C5}"/>
               </a:ext>
             </a:extLst>
           </p:cNvPr>
@@ -8113,95 +8145,30 @@
         </p:nvSpPr>
         <p:spPr/>
         <p:txBody>
-          <a:bodyPr>
-            <a:normAutofit/>
-          </a:bodyPr>
-          <a:lstStyle/>
-          <a:p>
-            <a:r>
-              <a:rPr lang="es-ES" sz="3200" dirty="0"/>
-              <a:t>Slot </a:t>
-            </a:r>
-            <a:r>
-              <a:rPr lang="es-ES" sz="3200" dirty="0" err="1"/>
-              <a:t>Grading</a:t>
-            </a:r>
-            <a:r>
-              <a:rPr lang="es-ES" sz="3200" dirty="0"/>
-              <a:t> </a:t>
-            </a:r>
-            <a:r>
-              <a:rPr lang="es-ES" sz="3200" dirty="0" err="1"/>
-              <a:t>management</a:t>
-            </a:r>
-            <a:r>
-              <a:rPr lang="es-ES" sz="3200" dirty="0"/>
-              <a:t> </a:t>
-            </a:r>
-            <a:r>
-              <a:rPr lang="es-ES" sz="3200" dirty="0" err="1"/>
-              <a:t>system</a:t>
-            </a:r>
-            <a:r>
-              <a:rPr lang="es-ES" sz="3200" dirty="0"/>
-              <a:t> </a:t>
-            </a:r>
-            <a:r>
-              <a:rPr lang="es-ES" sz="3200" dirty="0">
-                <a:sym typeface="Wingdings" panose="05000000000000000000" pitchFamily="2" charset="2"/>
-              </a:rPr>
-              <a:t> </a:t>
-            </a:r>
-            <a:r>
-              <a:rPr lang="es-ES" sz="3200" dirty="0" err="1">
-                <a:sym typeface="Wingdings" panose="05000000000000000000" pitchFamily="2" charset="2"/>
-              </a:rPr>
-              <a:t>slimmer</a:t>
-            </a:r>
-            <a:r>
-              <a:rPr lang="es-ES" sz="3200" dirty="0">
-                <a:sym typeface="Wingdings" panose="05000000000000000000" pitchFamily="2" charset="2"/>
-              </a:rPr>
-              <a:t> 1</a:t>
-            </a:r>
-            <a:endParaRPr lang="es-ES" sz="3200" dirty="0"/>
-          </a:p>
-        </p:txBody>
-      </p:sp>
-      <p:sp>
-        <p:nvSpPr>
-          <p:cNvPr id="3" name="Marcador de texto 2">
-            <a:extLst>
-              <a:ext uri="{FF2B5EF4-FFF2-40B4-BE49-F238E27FC236}">
-                <a16:creationId xmlns:a16="http://schemas.microsoft.com/office/drawing/2014/main" id="{5B493C32-E059-9D76-B9C6-68E6600AAD06}"/>
-              </a:ext>
-            </a:extLst>
-          </p:cNvPr>
-          <p:cNvSpPr>
-            <a:spLocks noGrp="1"/>
-          </p:cNvSpPr>
-          <p:nvPr>
-            <p:ph type="body" idx="1"/>
-          </p:nvPr>
-        </p:nvSpPr>
-        <p:spPr/>
-        <p:txBody>
           <a:bodyPr/>
           <a:lstStyle/>
           <a:p>
             <a:r>
               <a:rPr lang="es-ES" dirty="0"/>
-              <a:t>Ejemplo de mensaje</a:t>
+              <a:t>Modelo </a:t>
+            </a:r>
+            <a:r>
+              <a:rPr lang="es-ES" dirty="0" err="1"/>
+              <a:t>dsl</a:t>
+            </a:r>
+            <a:r>
+              <a:rPr lang="es-ES" dirty="0"/>
+              <a:t> del ejercicio 1</a:t>
             </a:r>
           </a:p>
         </p:txBody>
       </p:sp>
       <p:pic>
         <p:nvPicPr>
-          <p:cNvPr id="5" name="Imagen 4">
-            <a:extLst>
-              <a:ext uri="{FF2B5EF4-FFF2-40B4-BE49-F238E27FC236}">
-                <a16:creationId xmlns:a16="http://schemas.microsoft.com/office/drawing/2014/main" id="{F8899890-1AB3-7CF8-2DC5-20E3559439A7}"/>
+          <p:cNvPr id="5" name="Imagen 4" descr="Diagrama, Esquemático&#10;&#10;Descripción generada automáticamente">
+            <a:extLst>
+              <a:ext uri="{FF2B5EF4-FFF2-40B4-BE49-F238E27FC236}">
+                <a16:creationId xmlns:a16="http://schemas.microsoft.com/office/drawing/2014/main" id="{8BD93A16-3FF0-036D-4973-051FBB464492}"/>
               </a:ext>
             </a:extLst>
           </p:cNvPr>
@@ -8218,8 +8185,8 @@
         </p:blipFill>
         <p:spPr>
           <a:xfrm>
-            <a:off x="3468875" y="1249830"/>
-            <a:ext cx="5254250" cy="2387048"/>
+            <a:off x="1623526" y="1945727"/>
+            <a:ext cx="8944947" cy="4774269"/>
           </a:xfrm>
           <a:prstGeom prst="rect">
             <a:avLst/>
@@ -8229,7 +8196,7 @@
     </p:spTree>
     <p:extLst>
       <p:ext uri="{BB962C8B-B14F-4D97-AF65-F5344CB8AC3E}">
-        <p14:creationId xmlns:p14="http://schemas.microsoft.com/office/powerpoint/2010/main" val="2171636912"/>
+        <p14:creationId xmlns:p14="http://schemas.microsoft.com/office/powerpoint/2010/main" val="293897418"/>
       </p:ext>
     </p:extLst>
   </p:cSld>
@@ -8261,7 +8228,7 @@
           <p:cNvPr id="2" name="Título 1">
             <a:extLst>
               <a:ext uri="{FF2B5EF4-FFF2-40B4-BE49-F238E27FC236}">
-                <a16:creationId xmlns:a16="http://schemas.microsoft.com/office/drawing/2014/main" id="{699DBA93-33D6-351E-0481-1AFB90151CC0}"/>
+                <a16:creationId xmlns:a16="http://schemas.microsoft.com/office/drawing/2014/main" id="{8D692F28-0EB3-DCB5-3631-5C098A06243D}"/>
               </a:ext>
             </a:extLst>
           </p:cNvPr>
@@ -8270,6 +8237,59 @@
           </p:cNvSpPr>
           <p:nvPr>
             <p:ph type="title"/>
+          </p:nvPr>
+        </p:nvSpPr>
+        <p:spPr/>
+        <p:txBody>
+          <a:bodyPr>
+            <a:normAutofit/>
+          </a:bodyPr>
+          <a:lstStyle/>
+          <a:p>
+            <a:r>
+              <a:rPr lang="es-ES" sz="3200" dirty="0" err="1"/>
+              <a:t>Replicator</a:t>
+            </a:r>
+            <a:r>
+              <a:rPr lang="es-ES" sz="3200" dirty="0"/>
+              <a:t> 2 </a:t>
+            </a:r>
+            <a:r>
+              <a:rPr lang="es-ES" sz="3200" dirty="0">
+                <a:sym typeface="Wingdings" panose="05000000000000000000" pitchFamily="2" charset="2"/>
+              </a:rPr>
+              <a:t> </a:t>
+            </a:r>
+            <a:r>
+              <a:rPr lang="es-ES" sz="3200" dirty="0" err="1">
+                <a:sym typeface="Wingdings" panose="05000000000000000000" pitchFamily="2" charset="2"/>
+              </a:rPr>
+              <a:t>slimmer</a:t>
+            </a:r>
+            <a:r>
+              <a:rPr lang="es-ES" sz="3200" dirty="0">
+                <a:sym typeface="Wingdings" panose="05000000000000000000" pitchFamily="2" charset="2"/>
+              </a:rPr>
+              <a:t> 5</a:t>
+            </a:r>
+            <a:endParaRPr lang="es-ES" sz="3200" dirty="0"/>
+          </a:p>
+        </p:txBody>
+      </p:sp>
+      <p:sp>
+        <p:nvSpPr>
+          <p:cNvPr id="3" name="Marcador de texto 2">
+            <a:extLst>
+              <a:ext uri="{FF2B5EF4-FFF2-40B4-BE49-F238E27FC236}">
+                <a16:creationId xmlns:a16="http://schemas.microsoft.com/office/drawing/2014/main" id="{5B493C32-E059-9D76-B9C6-68E6600AAD06}"/>
+              </a:ext>
+            </a:extLst>
+          </p:cNvPr>
+          <p:cNvSpPr>
+            <a:spLocks noGrp="1"/>
+          </p:cNvSpPr>
+          <p:nvPr>
+            <p:ph type="body" idx="1"/>
           </p:nvPr>
         </p:nvSpPr>
         <p:spPr/>
@@ -8284,64 +8304,12 @@
           </a:p>
         </p:txBody>
       </p:sp>
-      <p:sp>
-        <p:nvSpPr>
-          <p:cNvPr id="3" name="Marcador de contenido 2">
-            <a:extLst>
-              <a:ext uri="{FF2B5EF4-FFF2-40B4-BE49-F238E27FC236}">
-                <a16:creationId xmlns:a16="http://schemas.microsoft.com/office/drawing/2014/main" id="{6DB4D1E2-59B6-68AF-2048-74B77C976BD3}"/>
-              </a:ext>
-            </a:extLst>
-          </p:cNvPr>
-          <p:cNvSpPr>
-            <a:spLocks noGrp="1"/>
-          </p:cNvSpPr>
-          <p:nvPr>
-            <p:ph idx="1"/>
-          </p:nvPr>
-        </p:nvSpPr>
-        <p:spPr>
-          <a:xfrm>
-            <a:off x="581192" y="2180497"/>
-            <a:ext cx="11029615" cy="596260"/>
-          </a:xfrm>
-        </p:spPr>
-        <p:txBody>
-          <a:bodyPr>
-            <a:normAutofit lnSpcReduction="10000"/>
-          </a:bodyPr>
-          <a:lstStyle/>
-          <a:p>
-            <a:pPr algn="just"/>
-            <a:r>
-              <a:rPr lang="es-ES" dirty="0"/>
-              <a:t>Del </a:t>
-            </a:r>
-            <a:r>
-              <a:rPr lang="es-ES" dirty="0" err="1"/>
-              <a:t>Replicator</a:t>
-            </a:r>
-            <a:r>
-              <a:rPr lang="es-ES" dirty="0"/>
-              <a:t> 3 saldrá el siguiente mensaje hacia la entrada del </a:t>
-            </a:r>
-            <a:r>
-              <a:rPr lang="es-ES" dirty="0" err="1"/>
-              <a:t>Correlator</a:t>
-            </a:r>
-            <a:r>
-              <a:rPr lang="es-ES" dirty="0"/>
-              <a:t> 1, en el que nos quedaríamos con las asignaturas del alumno</a:t>
-            </a:r>
-          </a:p>
-        </p:txBody>
-      </p:sp>
       <p:pic>
         <p:nvPicPr>
-          <p:cNvPr id="9" name="Imagen 8" descr="Texto&#10;&#10;Descripción generada automáticamente">
-            <a:extLst>
-              <a:ext uri="{FF2B5EF4-FFF2-40B4-BE49-F238E27FC236}">
-                <a16:creationId xmlns:a16="http://schemas.microsoft.com/office/drawing/2014/main" id="{B0B42BE2-6B9F-9210-7BE4-788B667FFADE}"/>
+          <p:cNvPr id="5" name="Imagen 4" descr="Diagrama&#10;&#10;Descripción generada automáticamente">
+            <a:extLst>
+              <a:ext uri="{FF2B5EF4-FFF2-40B4-BE49-F238E27FC236}">
+                <a16:creationId xmlns:a16="http://schemas.microsoft.com/office/drawing/2014/main" id="{7B6B1947-3D25-08B3-349D-DC2C9801C491}"/>
               </a:ext>
             </a:extLst>
           </p:cNvPr>
@@ -8358,8 +8326,8 @@
         </p:blipFill>
         <p:spPr>
           <a:xfrm>
-            <a:off x="3305924" y="2627901"/>
-            <a:ext cx="5580151" cy="3784646"/>
+            <a:off x="3809309" y="665121"/>
+            <a:ext cx="3505891" cy="3392150"/>
           </a:xfrm>
           <a:prstGeom prst="rect">
             <a:avLst/>
@@ -8369,7 +8337,7 @@
     </p:spTree>
     <p:extLst>
       <p:ext uri="{BB962C8B-B14F-4D97-AF65-F5344CB8AC3E}">
-        <p14:creationId xmlns:p14="http://schemas.microsoft.com/office/powerpoint/2010/main" val="2737731972"/>
+        <p14:creationId xmlns:p14="http://schemas.microsoft.com/office/powerpoint/2010/main" val="2648238641"/>
       </p:ext>
     </p:extLst>
   </p:cSld>
@@ -8401,7 +8369,7 @@
           <p:cNvPr id="2" name="Título 1">
             <a:extLst>
               <a:ext uri="{FF2B5EF4-FFF2-40B4-BE49-F238E27FC236}">
-                <a16:creationId xmlns:a16="http://schemas.microsoft.com/office/drawing/2014/main" id="{8D692F28-0EB3-DCB5-3631-5C098A06243D}"/>
+                <a16:creationId xmlns:a16="http://schemas.microsoft.com/office/drawing/2014/main" id="{699DBA93-33D6-351E-0481-1AFB90151CC0}"/>
               </a:ext>
             </a:extLst>
           </p:cNvPr>
@@ -8410,43 +8378,6 @@
           </p:cNvSpPr>
           <p:nvPr>
             <p:ph type="title"/>
-          </p:nvPr>
-        </p:nvSpPr>
-        <p:spPr/>
-        <p:txBody>
-          <a:bodyPr>
-            <a:normAutofit/>
-          </a:bodyPr>
-          <a:lstStyle/>
-          <a:p>
-            <a:r>
-              <a:rPr lang="es-ES" sz="3200" dirty="0"/>
-              <a:t>REPLICATOR 3 </a:t>
-            </a:r>
-            <a:r>
-              <a:rPr lang="es-ES" sz="3200" dirty="0">
-                <a:sym typeface="Wingdings" panose="05000000000000000000" pitchFamily="2" charset="2"/>
-              </a:rPr>
-              <a:t> CORRELATOR 2</a:t>
-            </a:r>
-            <a:endParaRPr lang="es-ES" sz="3200" dirty="0"/>
-          </a:p>
-        </p:txBody>
-      </p:sp>
-      <p:sp>
-        <p:nvSpPr>
-          <p:cNvPr id="3" name="Marcador de texto 2">
-            <a:extLst>
-              <a:ext uri="{FF2B5EF4-FFF2-40B4-BE49-F238E27FC236}">
-                <a16:creationId xmlns:a16="http://schemas.microsoft.com/office/drawing/2014/main" id="{5B493C32-E059-9D76-B9C6-68E6600AAD06}"/>
-              </a:ext>
-            </a:extLst>
-          </p:cNvPr>
-          <p:cNvSpPr>
-            <a:spLocks noGrp="1"/>
-          </p:cNvSpPr>
-          <p:nvPr>
-            <p:ph type="body" idx="1"/>
           </p:nvPr>
         </p:nvSpPr>
         <p:spPr/>
@@ -8461,12 +8392,64 @@
           </a:p>
         </p:txBody>
       </p:sp>
+      <p:sp>
+        <p:nvSpPr>
+          <p:cNvPr id="3" name="Marcador de contenido 2">
+            <a:extLst>
+              <a:ext uri="{FF2B5EF4-FFF2-40B4-BE49-F238E27FC236}">
+                <a16:creationId xmlns:a16="http://schemas.microsoft.com/office/drawing/2014/main" id="{6DB4D1E2-59B6-68AF-2048-74B77C976BD3}"/>
+              </a:ext>
+            </a:extLst>
+          </p:cNvPr>
+          <p:cNvSpPr>
+            <a:spLocks noGrp="1"/>
+          </p:cNvSpPr>
+          <p:nvPr>
+            <p:ph idx="1"/>
+          </p:nvPr>
+        </p:nvSpPr>
+        <p:spPr>
+          <a:xfrm>
+            <a:off x="581192" y="2180497"/>
+            <a:ext cx="11029615" cy="596260"/>
+          </a:xfrm>
+        </p:spPr>
+        <p:txBody>
+          <a:bodyPr>
+            <a:normAutofit lnSpcReduction="10000"/>
+          </a:bodyPr>
+          <a:lstStyle/>
+          <a:p>
+            <a:pPr algn="just"/>
+            <a:r>
+              <a:rPr lang="es-ES" dirty="0"/>
+              <a:t>Del </a:t>
+            </a:r>
+            <a:r>
+              <a:rPr lang="es-ES" dirty="0" err="1"/>
+              <a:t>Replicator</a:t>
+            </a:r>
+            <a:r>
+              <a:rPr lang="es-ES" dirty="0"/>
+              <a:t> 2 saldrá el siguiente mensaje hacia la entrada del </a:t>
+            </a:r>
+            <a:r>
+              <a:rPr lang="es-ES" dirty="0" err="1"/>
+              <a:t>Slimmer</a:t>
+            </a:r>
+            <a:r>
+              <a:rPr lang="es-ES" dirty="0"/>
+              <a:t> 5 en el que nos quedaríamos solo con la información del correo del alumno:</a:t>
+            </a:r>
+          </a:p>
+        </p:txBody>
+      </p:sp>
       <p:pic>
         <p:nvPicPr>
-          <p:cNvPr id="5" name="Imagen 4" descr="Diagrama&#10;&#10;Descripción generada automáticamente">
-            <a:extLst>
-              <a:ext uri="{FF2B5EF4-FFF2-40B4-BE49-F238E27FC236}">
-                <a16:creationId xmlns:a16="http://schemas.microsoft.com/office/drawing/2014/main" id="{D3DB297A-4469-43F7-A6A2-026F3451C0E4}"/>
+          <p:cNvPr id="6" name="Imagen 5" descr="Texto&#10;&#10;Descripción generada automáticamente">
+            <a:extLst>
+              <a:ext uri="{FF2B5EF4-FFF2-40B4-BE49-F238E27FC236}">
+                <a16:creationId xmlns:a16="http://schemas.microsoft.com/office/drawing/2014/main" id="{1A8DC71B-5A52-21B3-42B4-F47F3047CECF}"/>
               </a:ext>
             </a:extLst>
           </p:cNvPr>
@@ -8483,8 +8466,38 @@
         </p:blipFill>
         <p:spPr>
           <a:xfrm>
-            <a:off x="3102695" y="883796"/>
-            <a:ext cx="5986609" cy="2545204"/>
+            <a:off x="581192" y="3134439"/>
+            <a:ext cx="5045980" cy="1241681"/>
+          </a:xfrm>
+          <a:prstGeom prst="rect">
+            <a:avLst/>
+          </a:prstGeom>
+        </p:spPr>
+      </p:pic>
+      <p:pic>
+        <p:nvPicPr>
+          <p:cNvPr id="4" name="Imagen 3" descr="Texto&#10;&#10;Descripción generada automáticamente">
+            <a:extLst>
+              <a:ext uri="{FF2B5EF4-FFF2-40B4-BE49-F238E27FC236}">
+                <a16:creationId xmlns:a16="http://schemas.microsoft.com/office/drawing/2014/main" id="{192AC9F7-C131-8889-5681-EC6CB8666515}"/>
+              </a:ext>
+            </a:extLst>
+          </p:cNvPr>
+          <p:cNvPicPr>
+            <a:picLocks noChangeAspect="1"/>
+          </p:cNvPicPr>
+          <p:nvPr/>
+        </p:nvPicPr>
+        <p:blipFill>
+          <a:blip r:embed="rId3"/>
+          <a:stretch>
+            <a:fillRect/>
+          </a:stretch>
+        </p:blipFill>
+        <p:spPr>
+          <a:xfrm>
+            <a:off x="5862376" y="3140695"/>
+            <a:ext cx="6113793" cy="1222758"/>
           </a:xfrm>
           <a:prstGeom prst="rect">
             <a:avLst/>
@@ -8494,7 +8507,7 @@
     </p:spTree>
     <p:extLst>
       <p:ext uri="{BB962C8B-B14F-4D97-AF65-F5344CB8AC3E}">
-        <p14:creationId xmlns:p14="http://schemas.microsoft.com/office/powerpoint/2010/main" val="178906056"/>
+        <p14:creationId xmlns:p14="http://schemas.microsoft.com/office/powerpoint/2010/main" val="2658461113"/>
       </p:ext>
     </p:extLst>
   </p:cSld>
@@ -8526,7 +8539,7 @@
           <p:cNvPr id="2" name="Título 1">
             <a:extLst>
               <a:ext uri="{FF2B5EF4-FFF2-40B4-BE49-F238E27FC236}">
-                <a16:creationId xmlns:a16="http://schemas.microsoft.com/office/drawing/2014/main" id="{699DBA93-33D6-351E-0481-1AFB90151CC0}"/>
+                <a16:creationId xmlns:a16="http://schemas.microsoft.com/office/drawing/2014/main" id="{8D692F28-0EB3-DCB5-3631-5C098A06243D}"/>
               </a:ext>
             </a:extLst>
           </p:cNvPr>
@@ -8535,6 +8548,43 @@
           </p:cNvSpPr>
           <p:nvPr>
             <p:ph type="title"/>
+          </p:nvPr>
+        </p:nvSpPr>
+        <p:spPr/>
+        <p:txBody>
+          <a:bodyPr>
+            <a:normAutofit/>
+          </a:bodyPr>
+          <a:lstStyle/>
+          <a:p>
+            <a:r>
+              <a:rPr lang="es-ES" sz="3200" dirty="0"/>
+              <a:t>REPLICATOR 3 </a:t>
+            </a:r>
+            <a:r>
+              <a:rPr lang="es-ES" sz="3200" dirty="0">
+                <a:sym typeface="Wingdings" panose="05000000000000000000" pitchFamily="2" charset="2"/>
+              </a:rPr>
+              <a:t> CORRELATOR 1</a:t>
+            </a:r>
+            <a:endParaRPr lang="es-ES" sz="3200" dirty="0"/>
+          </a:p>
+        </p:txBody>
+      </p:sp>
+      <p:sp>
+        <p:nvSpPr>
+          <p:cNvPr id="3" name="Marcador de texto 2">
+            <a:extLst>
+              <a:ext uri="{FF2B5EF4-FFF2-40B4-BE49-F238E27FC236}">
+                <a16:creationId xmlns:a16="http://schemas.microsoft.com/office/drawing/2014/main" id="{5B493C32-E059-9D76-B9C6-68E6600AAD06}"/>
+              </a:ext>
+            </a:extLst>
+          </p:cNvPr>
+          <p:cNvSpPr>
+            <a:spLocks noGrp="1"/>
+          </p:cNvSpPr>
+          <p:nvPr>
+            <p:ph type="body" idx="1"/>
           </p:nvPr>
         </p:nvSpPr>
         <p:spPr/>
@@ -8549,64 +8599,12 @@
           </a:p>
         </p:txBody>
       </p:sp>
-      <p:sp>
-        <p:nvSpPr>
-          <p:cNvPr id="3" name="Marcador de contenido 2">
-            <a:extLst>
-              <a:ext uri="{FF2B5EF4-FFF2-40B4-BE49-F238E27FC236}">
-                <a16:creationId xmlns:a16="http://schemas.microsoft.com/office/drawing/2014/main" id="{6DB4D1E2-59B6-68AF-2048-74B77C976BD3}"/>
-              </a:ext>
-            </a:extLst>
-          </p:cNvPr>
-          <p:cNvSpPr>
-            <a:spLocks noGrp="1"/>
-          </p:cNvSpPr>
-          <p:nvPr>
-            <p:ph idx="1"/>
-          </p:nvPr>
-        </p:nvSpPr>
-        <p:spPr>
-          <a:xfrm>
-            <a:off x="581192" y="2180497"/>
-            <a:ext cx="11029615" cy="596260"/>
-          </a:xfrm>
-        </p:spPr>
-        <p:txBody>
-          <a:bodyPr>
-            <a:normAutofit lnSpcReduction="10000"/>
-          </a:bodyPr>
-          <a:lstStyle/>
-          <a:p>
-            <a:pPr algn="just"/>
-            <a:r>
-              <a:rPr lang="es-ES" dirty="0"/>
-              <a:t>Del </a:t>
-            </a:r>
-            <a:r>
-              <a:rPr lang="es-ES" dirty="0" err="1"/>
-              <a:t>Replicator</a:t>
-            </a:r>
-            <a:r>
-              <a:rPr lang="es-ES" dirty="0"/>
-              <a:t> 3 saldrá el siguiente mensaje hacia la entrada del </a:t>
-            </a:r>
-            <a:r>
-              <a:rPr lang="es-ES" dirty="0" err="1"/>
-              <a:t>Correlator</a:t>
-            </a:r>
-            <a:r>
-              <a:rPr lang="es-ES" dirty="0"/>
-              <a:t> 2, en el que simplemente replicamos las asignaturas del alumno</a:t>
-            </a:r>
-          </a:p>
-        </p:txBody>
-      </p:sp>
       <p:pic>
         <p:nvPicPr>
-          <p:cNvPr id="9" name="Imagen 8" descr="Texto&#10;&#10;Descripción generada automáticamente">
-            <a:extLst>
-              <a:ext uri="{FF2B5EF4-FFF2-40B4-BE49-F238E27FC236}">
-                <a16:creationId xmlns:a16="http://schemas.microsoft.com/office/drawing/2014/main" id="{B0B42BE2-6B9F-9210-7BE4-788B667FFADE}"/>
+          <p:cNvPr id="7" name="Imagen 6" descr="Diagrama&#10;&#10;Descripción generada automáticamente">
+            <a:extLst>
+              <a:ext uri="{FF2B5EF4-FFF2-40B4-BE49-F238E27FC236}">
+                <a16:creationId xmlns:a16="http://schemas.microsoft.com/office/drawing/2014/main" id="{5768E495-39CE-69F5-5832-CB57922B06FE}"/>
               </a:ext>
             </a:extLst>
           </p:cNvPr>
@@ -8623,8 +8621,8 @@
         </p:blipFill>
         <p:spPr>
           <a:xfrm>
-            <a:off x="3444147" y="2776757"/>
-            <a:ext cx="5303704" cy="3597150"/>
+            <a:off x="3450290" y="738769"/>
+            <a:ext cx="5291419" cy="3089789"/>
           </a:xfrm>
           <a:prstGeom prst="rect">
             <a:avLst/>
@@ -8634,7 +8632,7 @@
     </p:spTree>
     <p:extLst>
       <p:ext uri="{BB962C8B-B14F-4D97-AF65-F5344CB8AC3E}">
-        <p14:creationId xmlns:p14="http://schemas.microsoft.com/office/powerpoint/2010/main" val="4063874732"/>
+        <p14:creationId xmlns:p14="http://schemas.microsoft.com/office/powerpoint/2010/main" val="2625268191"/>
       </p:ext>
     </p:extLst>
   </p:cSld>
@@ -8666,7 +8664,7 @@
           <p:cNvPr id="2" name="Título 1">
             <a:extLst>
               <a:ext uri="{FF2B5EF4-FFF2-40B4-BE49-F238E27FC236}">
-                <a16:creationId xmlns:a16="http://schemas.microsoft.com/office/drawing/2014/main" id="{8D692F28-0EB3-DCB5-3631-5C098A06243D}"/>
+                <a16:creationId xmlns:a16="http://schemas.microsoft.com/office/drawing/2014/main" id="{699DBA93-33D6-351E-0481-1AFB90151CC0}"/>
               </a:ext>
             </a:extLst>
           </p:cNvPr>
@@ -8675,43 +8673,6 @@
           </p:cNvSpPr>
           <p:nvPr>
             <p:ph type="title"/>
-          </p:nvPr>
-        </p:nvSpPr>
-        <p:spPr/>
-        <p:txBody>
-          <a:bodyPr>
-            <a:normAutofit/>
-          </a:bodyPr>
-          <a:lstStyle/>
-          <a:p>
-            <a:r>
-              <a:rPr lang="es-ES" sz="3200" dirty="0"/>
-              <a:t>CORRELATOR 1 </a:t>
-            </a:r>
-            <a:r>
-              <a:rPr lang="es-ES" sz="3200" dirty="0">
-                <a:sym typeface="Wingdings" panose="05000000000000000000" pitchFamily="2" charset="2"/>
-              </a:rPr>
-              <a:t> CONTEXT ENRICHER 1</a:t>
-            </a:r>
-            <a:endParaRPr lang="es-ES" sz="3200" dirty="0"/>
-          </a:p>
-        </p:txBody>
-      </p:sp>
-      <p:sp>
-        <p:nvSpPr>
-          <p:cNvPr id="3" name="Marcador de texto 2">
-            <a:extLst>
-              <a:ext uri="{FF2B5EF4-FFF2-40B4-BE49-F238E27FC236}">
-                <a16:creationId xmlns:a16="http://schemas.microsoft.com/office/drawing/2014/main" id="{5B493C32-E059-9D76-B9C6-68E6600AAD06}"/>
-              </a:ext>
-            </a:extLst>
-          </p:cNvPr>
-          <p:cNvSpPr>
-            <a:spLocks noGrp="1"/>
-          </p:cNvSpPr>
-          <p:nvPr>
-            <p:ph type="body" idx="1"/>
           </p:nvPr>
         </p:nvSpPr>
         <p:spPr/>
@@ -8726,12 +8687,64 @@
           </a:p>
         </p:txBody>
       </p:sp>
+      <p:sp>
+        <p:nvSpPr>
+          <p:cNvPr id="3" name="Marcador de contenido 2">
+            <a:extLst>
+              <a:ext uri="{FF2B5EF4-FFF2-40B4-BE49-F238E27FC236}">
+                <a16:creationId xmlns:a16="http://schemas.microsoft.com/office/drawing/2014/main" id="{6DB4D1E2-59B6-68AF-2048-74B77C976BD3}"/>
+              </a:ext>
+            </a:extLst>
+          </p:cNvPr>
+          <p:cNvSpPr>
+            <a:spLocks noGrp="1"/>
+          </p:cNvSpPr>
+          <p:nvPr>
+            <p:ph idx="1"/>
+          </p:nvPr>
+        </p:nvSpPr>
+        <p:spPr>
+          <a:xfrm>
+            <a:off x="581192" y="2180497"/>
+            <a:ext cx="11029615" cy="596260"/>
+          </a:xfrm>
+        </p:spPr>
+        <p:txBody>
+          <a:bodyPr>
+            <a:normAutofit lnSpcReduction="10000"/>
+          </a:bodyPr>
+          <a:lstStyle/>
+          <a:p>
+            <a:pPr algn="just"/>
+            <a:r>
+              <a:rPr lang="es-ES" dirty="0"/>
+              <a:t>Del </a:t>
+            </a:r>
+            <a:r>
+              <a:rPr lang="es-ES" dirty="0" err="1"/>
+              <a:t>Replicator</a:t>
+            </a:r>
+            <a:r>
+              <a:rPr lang="es-ES" dirty="0"/>
+              <a:t> 3 saldrá el siguiente mensaje hacia la entrada del </a:t>
+            </a:r>
+            <a:r>
+              <a:rPr lang="es-ES" dirty="0" err="1"/>
+              <a:t>Correlator</a:t>
+            </a:r>
+            <a:r>
+              <a:rPr lang="es-ES" dirty="0"/>
+              <a:t> 1, en el que nos quedaríamos con las asignaturas del alumno</a:t>
+            </a:r>
+          </a:p>
+        </p:txBody>
+      </p:sp>
       <p:pic>
         <p:nvPicPr>
-          <p:cNvPr id="6" name="Imagen 5" descr="Diagrama, Esquemático&#10;&#10;Descripción generada automáticamente">
-            <a:extLst>
-              <a:ext uri="{FF2B5EF4-FFF2-40B4-BE49-F238E27FC236}">
-                <a16:creationId xmlns:a16="http://schemas.microsoft.com/office/drawing/2014/main" id="{4665CFB2-C471-4351-755A-CC7A640FB216}"/>
+          <p:cNvPr id="9" name="Imagen 8" descr="Texto&#10;&#10;Descripción generada automáticamente">
+            <a:extLst>
+              <a:ext uri="{FF2B5EF4-FFF2-40B4-BE49-F238E27FC236}">
+                <a16:creationId xmlns:a16="http://schemas.microsoft.com/office/drawing/2014/main" id="{B0B42BE2-6B9F-9210-7BE4-788B667FFADE}"/>
               </a:ext>
             </a:extLst>
           </p:cNvPr>
@@ -8748,8 +8761,8 @@
         </p:blipFill>
         <p:spPr>
           <a:xfrm>
-            <a:off x="2940979" y="788340"/>
-            <a:ext cx="6581946" cy="2826729"/>
+            <a:off x="3305924" y="2627901"/>
+            <a:ext cx="5580151" cy="3784646"/>
           </a:xfrm>
           <a:prstGeom prst="rect">
             <a:avLst/>
@@ -8759,7 +8772,7 @@
     </p:spTree>
     <p:extLst>
       <p:ext uri="{BB962C8B-B14F-4D97-AF65-F5344CB8AC3E}">
-        <p14:creationId xmlns:p14="http://schemas.microsoft.com/office/powerpoint/2010/main" val="4152566982"/>
+        <p14:creationId xmlns:p14="http://schemas.microsoft.com/office/powerpoint/2010/main" val="2737731972"/>
       </p:ext>
     </p:extLst>
   </p:cSld>
@@ -8791,7 +8804,7 @@
           <p:cNvPr id="2" name="Título 1">
             <a:extLst>
               <a:ext uri="{FF2B5EF4-FFF2-40B4-BE49-F238E27FC236}">
-                <a16:creationId xmlns:a16="http://schemas.microsoft.com/office/drawing/2014/main" id="{699DBA93-33D6-351E-0481-1AFB90151CC0}"/>
+                <a16:creationId xmlns:a16="http://schemas.microsoft.com/office/drawing/2014/main" id="{8D692F28-0EB3-DCB5-3631-5C098A06243D}"/>
               </a:ext>
             </a:extLst>
           </p:cNvPr>
@@ -8800,6 +8813,43 @@
           </p:cNvSpPr>
           <p:nvPr>
             <p:ph type="title"/>
+          </p:nvPr>
+        </p:nvSpPr>
+        <p:spPr/>
+        <p:txBody>
+          <a:bodyPr>
+            <a:normAutofit/>
+          </a:bodyPr>
+          <a:lstStyle/>
+          <a:p>
+            <a:r>
+              <a:rPr lang="es-ES" sz="3200" dirty="0"/>
+              <a:t>REPLICATOR 3 </a:t>
+            </a:r>
+            <a:r>
+              <a:rPr lang="es-ES" sz="3200" dirty="0">
+                <a:sym typeface="Wingdings" panose="05000000000000000000" pitchFamily="2" charset="2"/>
+              </a:rPr>
+              <a:t> CORRELATOR 2</a:t>
+            </a:r>
+            <a:endParaRPr lang="es-ES" sz="3200" dirty="0"/>
+          </a:p>
+        </p:txBody>
+      </p:sp>
+      <p:sp>
+        <p:nvSpPr>
+          <p:cNvPr id="3" name="Marcador de texto 2">
+            <a:extLst>
+              <a:ext uri="{FF2B5EF4-FFF2-40B4-BE49-F238E27FC236}">
+                <a16:creationId xmlns:a16="http://schemas.microsoft.com/office/drawing/2014/main" id="{5B493C32-E059-9D76-B9C6-68E6600AAD06}"/>
+              </a:ext>
+            </a:extLst>
+          </p:cNvPr>
+          <p:cNvSpPr>
+            <a:spLocks noGrp="1"/>
+          </p:cNvSpPr>
+          <p:nvPr>
+            <p:ph type="body" idx="1"/>
           </p:nvPr>
         </p:nvSpPr>
         <p:spPr/>
@@ -8814,72 +8864,12 @@
           </a:p>
         </p:txBody>
       </p:sp>
-      <p:sp>
-        <p:nvSpPr>
-          <p:cNvPr id="3" name="Marcador de contenido 2">
-            <a:extLst>
-              <a:ext uri="{FF2B5EF4-FFF2-40B4-BE49-F238E27FC236}">
-                <a16:creationId xmlns:a16="http://schemas.microsoft.com/office/drawing/2014/main" id="{6DB4D1E2-59B6-68AF-2048-74B77C976BD3}"/>
-              </a:ext>
-            </a:extLst>
-          </p:cNvPr>
-          <p:cNvSpPr>
-            <a:spLocks noGrp="1"/>
-          </p:cNvSpPr>
-          <p:nvPr>
-            <p:ph idx="1"/>
-          </p:nvPr>
-        </p:nvSpPr>
-        <p:spPr>
-          <a:xfrm>
-            <a:off x="581192" y="2180497"/>
-            <a:ext cx="11029615" cy="596260"/>
-          </a:xfrm>
-        </p:spPr>
-        <p:txBody>
-          <a:bodyPr>
-            <a:normAutofit lnSpcReduction="10000"/>
-          </a:bodyPr>
-          <a:lstStyle/>
-          <a:p>
-            <a:pPr algn="just"/>
-            <a:r>
-              <a:rPr lang="es-ES" dirty="0"/>
-              <a:t>Del </a:t>
-            </a:r>
-            <a:r>
-              <a:rPr lang="es-ES" dirty="0" err="1"/>
-              <a:t>Correlator</a:t>
-            </a:r>
-            <a:r>
-              <a:rPr lang="es-ES" dirty="0"/>
-              <a:t> 1 saldrá el siguiente mensaje hacia la entrada del </a:t>
-            </a:r>
-            <a:r>
-              <a:rPr lang="es-ES" dirty="0" err="1"/>
-              <a:t>Context</a:t>
-            </a:r>
-            <a:r>
-              <a:rPr lang="es-ES" dirty="0"/>
-              <a:t> </a:t>
-            </a:r>
-            <a:r>
-              <a:rPr lang="es-ES" dirty="0" err="1"/>
-              <a:t>Enricher</a:t>
-            </a:r>
-            <a:r>
-              <a:rPr lang="es-ES" dirty="0"/>
-              <a:t> 1, en el que juntamos las asignaturas del alumno y su número de teléfono en un solo mensaje</a:t>
-            </a:r>
-          </a:p>
-        </p:txBody>
-      </p:sp>
       <p:pic>
         <p:nvPicPr>
-          <p:cNvPr id="5" name="Imagen 4" descr="Texto&#10;&#10;Descripción generada automáticamente">
-            <a:extLst>
-              <a:ext uri="{FF2B5EF4-FFF2-40B4-BE49-F238E27FC236}">
-                <a16:creationId xmlns:a16="http://schemas.microsoft.com/office/drawing/2014/main" id="{062B9499-71B8-0199-19FB-B5C5ABF95A54}"/>
+          <p:cNvPr id="5" name="Imagen 4" descr="Diagrama&#10;&#10;Descripción generada automáticamente">
+            <a:extLst>
+              <a:ext uri="{FF2B5EF4-FFF2-40B4-BE49-F238E27FC236}">
+                <a16:creationId xmlns:a16="http://schemas.microsoft.com/office/drawing/2014/main" id="{D3DB297A-4469-43F7-A6A2-026F3451C0E4}"/>
               </a:ext>
             </a:extLst>
           </p:cNvPr>
@@ -8896,68 +8886,8 @@
         </p:blipFill>
         <p:spPr>
           <a:xfrm>
-            <a:off x="6699181" y="2776757"/>
-            <a:ext cx="4769131" cy="3953764"/>
-          </a:xfrm>
-          <a:prstGeom prst="rect">
-            <a:avLst/>
-          </a:prstGeom>
-        </p:spPr>
-      </p:pic>
-      <p:pic>
-        <p:nvPicPr>
-          <p:cNvPr id="6" name="Imagen 5" descr="Texto&#10;&#10;Descripción generada automáticamente">
-            <a:extLst>
-              <a:ext uri="{FF2B5EF4-FFF2-40B4-BE49-F238E27FC236}">
-                <a16:creationId xmlns:a16="http://schemas.microsoft.com/office/drawing/2014/main" id="{B97AB29C-FB27-DE56-4F5C-FC546FF149EF}"/>
-              </a:ext>
-            </a:extLst>
-          </p:cNvPr>
-          <p:cNvPicPr>
-            <a:picLocks noChangeAspect="1"/>
-          </p:cNvPicPr>
-          <p:nvPr/>
-        </p:nvPicPr>
-        <p:blipFill>
-          <a:blip r:embed="rId3"/>
-          <a:stretch>
-            <a:fillRect/>
-          </a:stretch>
-        </p:blipFill>
-        <p:spPr>
-          <a:xfrm>
-            <a:off x="1123209" y="2776757"/>
-            <a:ext cx="3720777" cy="2523555"/>
-          </a:xfrm>
-          <a:prstGeom prst="rect">
-            <a:avLst/>
-          </a:prstGeom>
-        </p:spPr>
-      </p:pic>
-      <p:pic>
-        <p:nvPicPr>
-          <p:cNvPr id="8" name="Imagen 7" descr="Texto&#10;&#10;Descripción generada automáticamente con confianza media">
-            <a:extLst>
-              <a:ext uri="{FF2B5EF4-FFF2-40B4-BE49-F238E27FC236}">
-                <a16:creationId xmlns:a16="http://schemas.microsoft.com/office/drawing/2014/main" id="{9A887A11-9EAF-6C06-2FBB-E0A31C668E08}"/>
-              </a:ext>
-            </a:extLst>
-          </p:cNvPr>
-          <p:cNvPicPr>
-            <a:picLocks noChangeAspect="1"/>
-          </p:cNvPicPr>
-          <p:nvPr/>
-        </p:nvPicPr>
-        <p:blipFill>
-          <a:blip r:embed="rId4"/>
-          <a:stretch>
-            <a:fillRect/>
-          </a:stretch>
-        </p:blipFill>
-        <p:spPr>
-          <a:xfrm>
-            <a:off x="1123210" y="5343677"/>
-            <a:ext cx="4369610" cy="1154825"/>
+            <a:off x="3102695" y="883796"/>
+            <a:ext cx="5986609" cy="2545204"/>
           </a:xfrm>
           <a:prstGeom prst="rect">
             <a:avLst/>
@@ -8967,7 +8897,7 @@
     </p:spTree>
     <p:extLst>
       <p:ext uri="{BB962C8B-B14F-4D97-AF65-F5344CB8AC3E}">
-        <p14:creationId xmlns:p14="http://schemas.microsoft.com/office/powerpoint/2010/main" val="1403935133"/>
+        <p14:creationId xmlns:p14="http://schemas.microsoft.com/office/powerpoint/2010/main" val="178906056"/>
       </p:ext>
     </p:extLst>
   </p:cSld>
@@ -8999,7 +8929,7 @@
           <p:cNvPr id="2" name="Título 1">
             <a:extLst>
               <a:ext uri="{FF2B5EF4-FFF2-40B4-BE49-F238E27FC236}">
-                <a16:creationId xmlns:a16="http://schemas.microsoft.com/office/drawing/2014/main" id="{8D692F28-0EB3-DCB5-3631-5C098A06243D}"/>
+                <a16:creationId xmlns:a16="http://schemas.microsoft.com/office/drawing/2014/main" id="{699DBA93-33D6-351E-0481-1AFB90151CC0}"/>
               </a:ext>
             </a:extLst>
           </p:cNvPr>
@@ -9008,43 +8938,6 @@
           </p:cNvSpPr>
           <p:nvPr>
             <p:ph type="title"/>
-          </p:nvPr>
-        </p:nvSpPr>
-        <p:spPr/>
-        <p:txBody>
-          <a:bodyPr>
-            <a:normAutofit/>
-          </a:bodyPr>
-          <a:lstStyle/>
-          <a:p>
-            <a:r>
-              <a:rPr lang="es-ES" sz="3200" dirty="0"/>
-              <a:t>CORRELATOR 2 </a:t>
-            </a:r>
-            <a:r>
-              <a:rPr lang="es-ES" sz="3200" dirty="0">
-                <a:sym typeface="Wingdings" panose="05000000000000000000" pitchFamily="2" charset="2"/>
-              </a:rPr>
-              <a:t> CONTEXT ENRICHER 2</a:t>
-            </a:r>
-            <a:endParaRPr lang="es-ES" sz="3200" dirty="0"/>
-          </a:p>
-        </p:txBody>
-      </p:sp>
-      <p:sp>
-        <p:nvSpPr>
-          <p:cNvPr id="3" name="Marcador de texto 2">
-            <a:extLst>
-              <a:ext uri="{FF2B5EF4-FFF2-40B4-BE49-F238E27FC236}">
-                <a16:creationId xmlns:a16="http://schemas.microsoft.com/office/drawing/2014/main" id="{5B493C32-E059-9D76-B9C6-68E6600AAD06}"/>
-              </a:ext>
-            </a:extLst>
-          </p:cNvPr>
-          <p:cNvSpPr>
-            <a:spLocks noGrp="1"/>
-          </p:cNvSpPr>
-          <p:nvPr>
-            <p:ph type="body" idx="1"/>
           </p:nvPr>
         </p:nvSpPr>
         <p:spPr/>
@@ -9059,12 +8952,64 @@
           </a:p>
         </p:txBody>
       </p:sp>
+      <p:sp>
+        <p:nvSpPr>
+          <p:cNvPr id="3" name="Marcador de contenido 2">
+            <a:extLst>
+              <a:ext uri="{FF2B5EF4-FFF2-40B4-BE49-F238E27FC236}">
+                <a16:creationId xmlns:a16="http://schemas.microsoft.com/office/drawing/2014/main" id="{6DB4D1E2-59B6-68AF-2048-74B77C976BD3}"/>
+              </a:ext>
+            </a:extLst>
+          </p:cNvPr>
+          <p:cNvSpPr>
+            <a:spLocks noGrp="1"/>
+          </p:cNvSpPr>
+          <p:nvPr>
+            <p:ph idx="1"/>
+          </p:nvPr>
+        </p:nvSpPr>
+        <p:spPr>
+          <a:xfrm>
+            <a:off x="581192" y="2180497"/>
+            <a:ext cx="11029615" cy="596260"/>
+          </a:xfrm>
+        </p:spPr>
+        <p:txBody>
+          <a:bodyPr>
+            <a:normAutofit lnSpcReduction="10000"/>
+          </a:bodyPr>
+          <a:lstStyle/>
+          <a:p>
+            <a:pPr algn="just"/>
+            <a:r>
+              <a:rPr lang="es-ES" dirty="0"/>
+              <a:t>Del </a:t>
+            </a:r>
+            <a:r>
+              <a:rPr lang="es-ES" dirty="0" err="1"/>
+              <a:t>Replicator</a:t>
+            </a:r>
+            <a:r>
+              <a:rPr lang="es-ES" dirty="0"/>
+              <a:t> 3 saldrá el siguiente mensaje hacia la entrada del </a:t>
+            </a:r>
+            <a:r>
+              <a:rPr lang="es-ES" dirty="0" err="1"/>
+              <a:t>Correlator</a:t>
+            </a:r>
+            <a:r>
+              <a:rPr lang="es-ES" dirty="0"/>
+              <a:t> 2, en el que simplemente replicamos las asignaturas del alumno</a:t>
+            </a:r>
+          </a:p>
+        </p:txBody>
+      </p:sp>
       <p:pic>
         <p:nvPicPr>
-          <p:cNvPr id="5" name="Imagen 4" descr="Diagrama, Esquemático&#10;&#10;Descripción generada automáticamente">
-            <a:extLst>
-              <a:ext uri="{FF2B5EF4-FFF2-40B4-BE49-F238E27FC236}">
-                <a16:creationId xmlns:a16="http://schemas.microsoft.com/office/drawing/2014/main" id="{62279739-E3FF-7DA6-8301-8E5E4B5D28EF}"/>
+          <p:cNvPr id="9" name="Imagen 8" descr="Texto&#10;&#10;Descripción generada automáticamente">
+            <a:extLst>
+              <a:ext uri="{FF2B5EF4-FFF2-40B4-BE49-F238E27FC236}">
+                <a16:creationId xmlns:a16="http://schemas.microsoft.com/office/drawing/2014/main" id="{B0B42BE2-6B9F-9210-7BE4-788B667FFADE}"/>
               </a:ext>
             </a:extLst>
           </p:cNvPr>
@@ -9081,8 +9026,8 @@
         </p:blipFill>
         <p:spPr>
           <a:xfrm>
-            <a:off x="3172121" y="806443"/>
-            <a:ext cx="5847758" cy="2896208"/>
+            <a:off x="3444147" y="2776757"/>
+            <a:ext cx="5303704" cy="3597150"/>
           </a:xfrm>
           <a:prstGeom prst="rect">
             <a:avLst/>
@@ -9092,7 +9037,7 @@
     </p:spTree>
     <p:extLst>
       <p:ext uri="{BB962C8B-B14F-4D97-AF65-F5344CB8AC3E}">
-        <p14:creationId xmlns:p14="http://schemas.microsoft.com/office/powerpoint/2010/main" val="747936271"/>
+        <p14:creationId xmlns:p14="http://schemas.microsoft.com/office/powerpoint/2010/main" val="4063874732"/>
       </p:ext>
     </p:extLst>
   </p:cSld>
@@ -9124,7 +9069,7 @@
           <p:cNvPr id="2" name="Título 1">
             <a:extLst>
               <a:ext uri="{FF2B5EF4-FFF2-40B4-BE49-F238E27FC236}">
-                <a16:creationId xmlns:a16="http://schemas.microsoft.com/office/drawing/2014/main" id="{699DBA93-33D6-351E-0481-1AFB90151CC0}"/>
+                <a16:creationId xmlns:a16="http://schemas.microsoft.com/office/drawing/2014/main" id="{8D692F28-0EB3-DCB5-3631-5C098A06243D}"/>
               </a:ext>
             </a:extLst>
           </p:cNvPr>
@@ -9133,6 +9078,43 @@
           </p:cNvSpPr>
           <p:nvPr>
             <p:ph type="title"/>
+          </p:nvPr>
+        </p:nvSpPr>
+        <p:spPr/>
+        <p:txBody>
+          <a:bodyPr>
+            <a:normAutofit/>
+          </a:bodyPr>
+          <a:lstStyle/>
+          <a:p>
+            <a:r>
+              <a:rPr lang="es-ES" sz="3200" dirty="0"/>
+              <a:t>CORRELATOR 1 </a:t>
+            </a:r>
+            <a:r>
+              <a:rPr lang="es-ES" sz="3200" dirty="0">
+                <a:sym typeface="Wingdings" panose="05000000000000000000" pitchFamily="2" charset="2"/>
+              </a:rPr>
+              <a:t> CONTEXT ENRICHER 1</a:t>
+            </a:r>
+            <a:endParaRPr lang="es-ES" sz="3200" dirty="0"/>
+          </a:p>
+        </p:txBody>
+      </p:sp>
+      <p:sp>
+        <p:nvSpPr>
+          <p:cNvPr id="3" name="Marcador de texto 2">
+            <a:extLst>
+              <a:ext uri="{FF2B5EF4-FFF2-40B4-BE49-F238E27FC236}">
+                <a16:creationId xmlns:a16="http://schemas.microsoft.com/office/drawing/2014/main" id="{5B493C32-E059-9D76-B9C6-68E6600AAD06}"/>
+              </a:ext>
+            </a:extLst>
+          </p:cNvPr>
+          <p:cNvSpPr>
+            <a:spLocks noGrp="1"/>
+          </p:cNvSpPr>
+          <p:nvPr>
+            <p:ph type="body" idx="1"/>
           </p:nvPr>
         </p:nvSpPr>
         <p:spPr/>
@@ -9147,72 +9129,12 @@
           </a:p>
         </p:txBody>
       </p:sp>
-      <p:sp>
-        <p:nvSpPr>
-          <p:cNvPr id="3" name="Marcador de contenido 2">
-            <a:extLst>
-              <a:ext uri="{FF2B5EF4-FFF2-40B4-BE49-F238E27FC236}">
-                <a16:creationId xmlns:a16="http://schemas.microsoft.com/office/drawing/2014/main" id="{6DB4D1E2-59B6-68AF-2048-74B77C976BD3}"/>
-              </a:ext>
-            </a:extLst>
-          </p:cNvPr>
-          <p:cNvSpPr>
-            <a:spLocks noGrp="1"/>
-          </p:cNvSpPr>
-          <p:nvPr>
-            <p:ph idx="1"/>
-          </p:nvPr>
-        </p:nvSpPr>
-        <p:spPr>
-          <a:xfrm>
-            <a:off x="581192" y="2180497"/>
-            <a:ext cx="11029615" cy="596260"/>
-          </a:xfrm>
-        </p:spPr>
-        <p:txBody>
-          <a:bodyPr>
-            <a:normAutofit lnSpcReduction="10000"/>
-          </a:bodyPr>
-          <a:lstStyle/>
-          <a:p>
-            <a:pPr algn="just"/>
-            <a:r>
-              <a:rPr lang="es-ES" dirty="0"/>
-              <a:t>Del </a:t>
-            </a:r>
-            <a:r>
-              <a:rPr lang="es-ES" dirty="0" err="1"/>
-              <a:t>Correlator</a:t>
-            </a:r>
-            <a:r>
-              <a:rPr lang="es-ES" dirty="0"/>
-              <a:t> 2 saldrá el siguiente mensaje hacia la entrada del </a:t>
-            </a:r>
-            <a:r>
-              <a:rPr lang="es-ES" dirty="0" err="1"/>
-              <a:t>Context</a:t>
-            </a:r>
-            <a:r>
-              <a:rPr lang="es-ES" dirty="0"/>
-              <a:t> </a:t>
-            </a:r>
-            <a:r>
-              <a:rPr lang="es-ES" dirty="0" err="1"/>
-              <a:t>Enricher</a:t>
-            </a:r>
-            <a:r>
-              <a:rPr lang="es-ES" dirty="0"/>
-              <a:t> 2, en el que juntamos las asignaturas del alumno y su correo electrónico en un solo mensaje</a:t>
-            </a:r>
-          </a:p>
-        </p:txBody>
-      </p:sp>
       <p:pic>
         <p:nvPicPr>
-          <p:cNvPr id="6" name="Imagen 5" descr="Texto&#10;&#10;Descripción generada automáticamente">
-            <a:extLst>
-              <a:ext uri="{FF2B5EF4-FFF2-40B4-BE49-F238E27FC236}">
-                <a16:creationId xmlns:a16="http://schemas.microsoft.com/office/drawing/2014/main" id="{B97AB29C-FB27-DE56-4F5C-FC546FF149EF}"/>
+          <p:cNvPr id="6" name="Imagen 5" descr="Diagrama, Esquemático&#10;&#10;Descripción generada automáticamente">
+            <a:extLst>
+              <a:ext uri="{FF2B5EF4-FFF2-40B4-BE49-F238E27FC236}">
+                <a16:creationId xmlns:a16="http://schemas.microsoft.com/office/drawing/2014/main" id="{4665CFB2-C471-4351-755A-CC7A640FB216}"/>
               </a:ext>
             </a:extLst>
           </p:cNvPr>
@@ -9229,68 +9151,8 @@
         </p:blipFill>
         <p:spPr>
           <a:xfrm>
-            <a:off x="1123209" y="2776757"/>
-            <a:ext cx="3720777" cy="2523555"/>
-          </a:xfrm>
-          <a:prstGeom prst="rect">
-            <a:avLst/>
-          </a:prstGeom>
-        </p:spPr>
-      </p:pic>
-      <p:pic>
-        <p:nvPicPr>
-          <p:cNvPr id="7" name="Imagen 6" descr="Texto&#10;&#10;Descripción generada automáticamente">
-            <a:extLst>
-              <a:ext uri="{FF2B5EF4-FFF2-40B4-BE49-F238E27FC236}">
-                <a16:creationId xmlns:a16="http://schemas.microsoft.com/office/drawing/2014/main" id="{B4985C98-5CE3-3883-43B5-F6EA761C5E10}"/>
-              </a:ext>
-            </a:extLst>
-          </p:cNvPr>
-          <p:cNvPicPr>
-            <a:picLocks noChangeAspect="1"/>
-          </p:cNvPicPr>
-          <p:nvPr/>
-        </p:nvPicPr>
-        <p:blipFill>
-          <a:blip r:embed="rId3"/>
-          <a:stretch>
-            <a:fillRect/>
-          </a:stretch>
-        </p:blipFill>
-        <p:spPr>
-          <a:xfrm>
-            <a:off x="1123209" y="5500741"/>
-            <a:ext cx="5240116" cy="963855"/>
-          </a:xfrm>
-          <a:prstGeom prst="rect">
-            <a:avLst/>
-          </a:prstGeom>
-        </p:spPr>
-      </p:pic>
-      <p:pic>
-        <p:nvPicPr>
-          <p:cNvPr id="10" name="Imagen 9" descr="Texto&#10;&#10;Descripción generada automáticamente">
-            <a:extLst>
-              <a:ext uri="{FF2B5EF4-FFF2-40B4-BE49-F238E27FC236}">
-                <a16:creationId xmlns:a16="http://schemas.microsoft.com/office/drawing/2014/main" id="{FAADA9B1-C4DB-D8B4-87DA-FC3C9556CED0}"/>
-              </a:ext>
-            </a:extLst>
-          </p:cNvPr>
-          <p:cNvPicPr>
-            <a:picLocks noChangeAspect="1"/>
-          </p:cNvPicPr>
-          <p:nvPr/>
-        </p:nvPicPr>
-        <p:blipFill>
-          <a:blip r:embed="rId4"/>
-          <a:stretch>
-            <a:fillRect/>
-          </a:stretch>
-        </p:blipFill>
-        <p:spPr>
-          <a:xfrm>
-            <a:off x="6412376" y="2776757"/>
-            <a:ext cx="5517354" cy="3687839"/>
+            <a:off x="2940979" y="788340"/>
+            <a:ext cx="6581946" cy="2826729"/>
           </a:xfrm>
           <a:prstGeom prst="rect">
             <a:avLst/>
@@ -9300,7 +9162,7 @@
     </p:spTree>
     <p:extLst>
       <p:ext uri="{BB962C8B-B14F-4D97-AF65-F5344CB8AC3E}">
-        <p14:creationId xmlns:p14="http://schemas.microsoft.com/office/powerpoint/2010/main" val="2952860686"/>
+        <p14:creationId xmlns:p14="http://schemas.microsoft.com/office/powerpoint/2010/main" val="4152566982"/>
       </p:ext>
     </p:extLst>
   </p:cSld>
@@ -9332,7 +9194,7 @@
           <p:cNvPr id="2" name="Título 1">
             <a:extLst>
               <a:ext uri="{FF2B5EF4-FFF2-40B4-BE49-F238E27FC236}">
-                <a16:creationId xmlns:a16="http://schemas.microsoft.com/office/drawing/2014/main" id="{8D692F28-0EB3-DCB5-3631-5C098A06243D}"/>
+                <a16:creationId xmlns:a16="http://schemas.microsoft.com/office/drawing/2014/main" id="{699DBA93-33D6-351E-0481-1AFB90151CC0}"/>
               </a:ext>
             </a:extLst>
           </p:cNvPr>
@@ -9341,61 +9203,6 @@
           </p:cNvSpPr>
           <p:nvPr>
             <p:ph type="title"/>
-          </p:nvPr>
-        </p:nvSpPr>
-        <p:spPr/>
-        <p:txBody>
-          <a:bodyPr>
-            <a:normAutofit/>
-          </a:bodyPr>
-          <a:lstStyle/>
-          <a:p>
-            <a:r>
-              <a:rPr lang="es-ES" sz="3200" dirty="0">
-                <a:sym typeface="Wingdings" panose="05000000000000000000" pitchFamily="2" charset="2"/>
-              </a:rPr>
-              <a:t>CONTEXT ENRICHER 1</a:t>
-            </a:r>
-            <a:r>
-              <a:rPr lang="es-ES" sz="3200" dirty="0"/>
-              <a:t> </a:t>
-            </a:r>
-            <a:r>
-              <a:rPr lang="es-ES" sz="3200" dirty="0">
-                <a:sym typeface="Wingdings" panose="05000000000000000000" pitchFamily="2" charset="2"/>
-              </a:rPr>
-              <a:t> </a:t>
-            </a:r>
-            <a:r>
-              <a:rPr lang="es-ES" sz="3200" dirty="0" err="1">
-                <a:sym typeface="Wingdings" panose="05000000000000000000" pitchFamily="2" charset="2"/>
-              </a:rPr>
-              <a:t>Filter</a:t>
-            </a:r>
-            <a:r>
-              <a:rPr lang="es-ES" sz="3200" dirty="0">
-                <a:sym typeface="Wingdings" panose="05000000000000000000" pitchFamily="2" charset="2"/>
-              </a:rPr>
-              <a:t> 1</a:t>
-            </a:r>
-            <a:endParaRPr lang="es-ES" sz="3200" dirty="0"/>
-          </a:p>
-        </p:txBody>
-      </p:sp>
-      <p:sp>
-        <p:nvSpPr>
-          <p:cNvPr id="3" name="Marcador de texto 2">
-            <a:extLst>
-              <a:ext uri="{FF2B5EF4-FFF2-40B4-BE49-F238E27FC236}">
-                <a16:creationId xmlns:a16="http://schemas.microsoft.com/office/drawing/2014/main" id="{5B493C32-E059-9D76-B9C6-68E6600AAD06}"/>
-              </a:ext>
-            </a:extLst>
-          </p:cNvPr>
-          <p:cNvSpPr>
-            <a:spLocks noGrp="1"/>
-          </p:cNvSpPr>
-          <p:nvPr>
-            <p:ph type="body" idx="1"/>
           </p:nvPr>
         </p:nvSpPr>
         <p:spPr/>
@@ -9410,12 +9217,72 @@
           </a:p>
         </p:txBody>
       </p:sp>
+      <p:sp>
+        <p:nvSpPr>
+          <p:cNvPr id="3" name="Marcador de contenido 2">
+            <a:extLst>
+              <a:ext uri="{FF2B5EF4-FFF2-40B4-BE49-F238E27FC236}">
+                <a16:creationId xmlns:a16="http://schemas.microsoft.com/office/drawing/2014/main" id="{6DB4D1E2-59B6-68AF-2048-74B77C976BD3}"/>
+              </a:ext>
+            </a:extLst>
+          </p:cNvPr>
+          <p:cNvSpPr>
+            <a:spLocks noGrp="1"/>
+          </p:cNvSpPr>
+          <p:nvPr>
+            <p:ph idx="1"/>
+          </p:nvPr>
+        </p:nvSpPr>
+        <p:spPr>
+          <a:xfrm>
+            <a:off x="581192" y="2180497"/>
+            <a:ext cx="11029615" cy="596260"/>
+          </a:xfrm>
+        </p:spPr>
+        <p:txBody>
+          <a:bodyPr>
+            <a:normAutofit lnSpcReduction="10000"/>
+          </a:bodyPr>
+          <a:lstStyle/>
+          <a:p>
+            <a:pPr algn="just"/>
+            <a:r>
+              <a:rPr lang="es-ES" dirty="0"/>
+              <a:t>Del </a:t>
+            </a:r>
+            <a:r>
+              <a:rPr lang="es-ES" dirty="0" err="1"/>
+              <a:t>Correlator</a:t>
+            </a:r>
+            <a:r>
+              <a:rPr lang="es-ES" dirty="0"/>
+              <a:t> 1 saldrá el siguiente mensaje hacia la entrada del </a:t>
+            </a:r>
+            <a:r>
+              <a:rPr lang="es-ES" dirty="0" err="1"/>
+              <a:t>Context</a:t>
+            </a:r>
+            <a:r>
+              <a:rPr lang="es-ES" dirty="0"/>
+              <a:t> </a:t>
+            </a:r>
+            <a:r>
+              <a:rPr lang="es-ES" dirty="0" err="1"/>
+              <a:t>Enricher</a:t>
+            </a:r>
+            <a:r>
+              <a:rPr lang="es-ES" dirty="0"/>
+              <a:t> 1, en el que juntamos las asignaturas del alumno y su número de teléfono en un solo mensaje</a:t>
+            </a:r>
+          </a:p>
+        </p:txBody>
+      </p:sp>
       <p:pic>
         <p:nvPicPr>
-          <p:cNvPr id="6" name="Imagen 5" descr="Diagrama&#10;&#10;Descripción generada automáticamente">
-            <a:extLst>
-              <a:ext uri="{FF2B5EF4-FFF2-40B4-BE49-F238E27FC236}">
-                <a16:creationId xmlns:a16="http://schemas.microsoft.com/office/drawing/2014/main" id="{8F11CEC3-3AF8-3161-2266-CBA2A633D46B}"/>
+          <p:cNvPr id="5" name="Imagen 4" descr="Texto&#10;&#10;Descripción generada automáticamente">
+            <a:extLst>
+              <a:ext uri="{FF2B5EF4-FFF2-40B4-BE49-F238E27FC236}">
+                <a16:creationId xmlns:a16="http://schemas.microsoft.com/office/drawing/2014/main" id="{062B9499-71B8-0199-19FB-B5C5ABF95A54}"/>
               </a:ext>
             </a:extLst>
           </p:cNvPr>
@@ -9432,8 +9299,68 @@
         </p:blipFill>
         <p:spPr>
           <a:xfrm>
-            <a:off x="2921293" y="679254"/>
-            <a:ext cx="6349414" cy="3032820"/>
+            <a:off x="6699181" y="2776757"/>
+            <a:ext cx="4769131" cy="3953764"/>
+          </a:xfrm>
+          <a:prstGeom prst="rect">
+            <a:avLst/>
+          </a:prstGeom>
+        </p:spPr>
+      </p:pic>
+      <p:pic>
+        <p:nvPicPr>
+          <p:cNvPr id="6" name="Imagen 5" descr="Texto&#10;&#10;Descripción generada automáticamente">
+            <a:extLst>
+              <a:ext uri="{FF2B5EF4-FFF2-40B4-BE49-F238E27FC236}">
+                <a16:creationId xmlns:a16="http://schemas.microsoft.com/office/drawing/2014/main" id="{B97AB29C-FB27-DE56-4F5C-FC546FF149EF}"/>
+              </a:ext>
+            </a:extLst>
+          </p:cNvPr>
+          <p:cNvPicPr>
+            <a:picLocks noChangeAspect="1"/>
+          </p:cNvPicPr>
+          <p:nvPr/>
+        </p:nvPicPr>
+        <p:blipFill>
+          <a:blip r:embed="rId3"/>
+          <a:stretch>
+            <a:fillRect/>
+          </a:stretch>
+        </p:blipFill>
+        <p:spPr>
+          <a:xfrm>
+            <a:off x="1123209" y="2776757"/>
+            <a:ext cx="3720777" cy="2523555"/>
+          </a:xfrm>
+          <a:prstGeom prst="rect">
+            <a:avLst/>
+          </a:prstGeom>
+        </p:spPr>
+      </p:pic>
+      <p:pic>
+        <p:nvPicPr>
+          <p:cNvPr id="8" name="Imagen 7" descr="Texto&#10;&#10;Descripción generada automáticamente con confianza media">
+            <a:extLst>
+              <a:ext uri="{FF2B5EF4-FFF2-40B4-BE49-F238E27FC236}">
+                <a16:creationId xmlns:a16="http://schemas.microsoft.com/office/drawing/2014/main" id="{9A887A11-9EAF-6C06-2FBB-E0A31C668E08}"/>
+              </a:ext>
+            </a:extLst>
+          </p:cNvPr>
+          <p:cNvPicPr>
+            <a:picLocks noChangeAspect="1"/>
+          </p:cNvPicPr>
+          <p:nvPr/>
+        </p:nvPicPr>
+        <p:blipFill>
+          <a:blip r:embed="rId4"/>
+          <a:stretch>
+            <a:fillRect/>
+          </a:stretch>
+        </p:blipFill>
+        <p:spPr>
+          <a:xfrm>
+            <a:off x="1123210" y="5343677"/>
+            <a:ext cx="4369610" cy="1154825"/>
           </a:xfrm>
           <a:prstGeom prst="rect">
             <a:avLst/>
@@ -9443,7 +9370,7 @@
     </p:spTree>
     <p:extLst>
       <p:ext uri="{BB962C8B-B14F-4D97-AF65-F5344CB8AC3E}">
-        <p14:creationId xmlns:p14="http://schemas.microsoft.com/office/powerpoint/2010/main" val="429043197"/>
+        <p14:creationId xmlns:p14="http://schemas.microsoft.com/office/powerpoint/2010/main" val="1403935133"/>
       </p:ext>
     </p:extLst>
   </p:cSld>
@@ -9475,7 +9402,7 @@
           <p:cNvPr id="2" name="Título 1">
             <a:extLst>
               <a:ext uri="{FF2B5EF4-FFF2-40B4-BE49-F238E27FC236}">
-                <a16:creationId xmlns:a16="http://schemas.microsoft.com/office/drawing/2014/main" id="{699DBA93-33D6-351E-0481-1AFB90151CC0}"/>
+                <a16:creationId xmlns:a16="http://schemas.microsoft.com/office/drawing/2014/main" id="{8D692F28-0EB3-DCB5-3631-5C098A06243D}"/>
               </a:ext>
             </a:extLst>
           </p:cNvPr>
@@ -9484,6 +9411,43 @@
           </p:cNvSpPr>
           <p:nvPr>
             <p:ph type="title"/>
+          </p:nvPr>
+        </p:nvSpPr>
+        <p:spPr/>
+        <p:txBody>
+          <a:bodyPr>
+            <a:normAutofit/>
+          </a:bodyPr>
+          <a:lstStyle/>
+          <a:p>
+            <a:r>
+              <a:rPr lang="es-ES" sz="3200" dirty="0"/>
+              <a:t>CORRELATOR 2 </a:t>
+            </a:r>
+            <a:r>
+              <a:rPr lang="es-ES" sz="3200" dirty="0">
+                <a:sym typeface="Wingdings" panose="05000000000000000000" pitchFamily="2" charset="2"/>
+              </a:rPr>
+              <a:t> CONTEXT ENRICHER 2</a:t>
+            </a:r>
+            <a:endParaRPr lang="es-ES" sz="3200" dirty="0"/>
+          </a:p>
+        </p:txBody>
+      </p:sp>
+      <p:sp>
+        <p:nvSpPr>
+          <p:cNvPr id="3" name="Marcador de texto 2">
+            <a:extLst>
+              <a:ext uri="{FF2B5EF4-FFF2-40B4-BE49-F238E27FC236}">
+                <a16:creationId xmlns:a16="http://schemas.microsoft.com/office/drawing/2014/main" id="{5B493C32-E059-9D76-B9C6-68E6600AAD06}"/>
+              </a:ext>
+            </a:extLst>
+          </p:cNvPr>
+          <p:cNvSpPr>
+            <a:spLocks noGrp="1"/>
+          </p:cNvSpPr>
+          <p:nvPr>
+            <p:ph type="body" idx="1"/>
           </p:nvPr>
         </p:nvSpPr>
         <p:spPr/>
@@ -9498,72 +9462,12 @@
           </a:p>
         </p:txBody>
       </p:sp>
-      <p:sp>
-        <p:nvSpPr>
-          <p:cNvPr id="3" name="Marcador de contenido 2">
-            <a:extLst>
-              <a:ext uri="{FF2B5EF4-FFF2-40B4-BE49-F238E27FC236}">
-                <a16:creationId xmlns:a16="http://schemas.microsoft.com/office/drawing/2014/main" id="{6DB4D1E2-59B6-68AF-2048-74B77C976BD3}"/>
-              </a:ext>
-            </a:extLst>
-          </p:cNvPr>
-          <p:cNvSpPr>
-            <a:spLocks noGrp="1"/>
-          </p:cNvSpPr>
-          <p:nvPr>
-            <p:ph idx="1"/>
-          </p:nvPr>
-        </p:nvSpPr>
-        <p:spPr>
-          <a:xfrm>
-            <a:off x="581192" y="2180497"/>
-            <a:ext cx="11029615" cy="596260"/>
-          </a:xfrm>
-        </p:spPr>
-        <p:txBody>
-          <a:bodyPr>
-            <a:normAutofit lnSpcReduction="10000"/>
-          </a:bodyPr>
-          <a:lstStyle/>
-          <a:p>
-            <a:pPr algn="just"/>
-            <a:r>
-              <a:rPr lang="es-ES" dirty="0"/>
-              <a:t>Del </a:t>
-            </a:r>
-            <a:r>
-              <a:rPr lang="es-ES" dirty="0" err="1"/>
-              <a:t>Context</a:t>
-            </a:r>
-            <a:r>
-              <a:rPr lang="es-ES" dirty="0"/>
-              <a:t> </a:t>
-            </a:r>
-            <a:r>
-              <a:rPr lang="es-ES" dirty="0" err="1"/>
-              <a:t>Enricher</a:t>
-            </a:r>
-            <a:r>
-              <a:rPr lang="es-ES" dirty="0"/>
-              <a:t> 1 saldrá el siguiente mensaje hacia la entrada del </a:t>
-            </a:r>
-            <a:r>
-              <a:rPr lang="es-ES" dirty="0" err="1"/>
-              <a:t>Filter</a:t>
-            </a:r>
-            <a:r>
-              <a:rPr lang="es-ES" dirty="0"/>
-              <a:t> 1, en el que filtraremos si el alumno tiene teléfono o no. </a:t>
-            </a:r>
-          </a:p>
-        </p:txBody>
-      </p:sp>
       <p:pic>
         <p:nvPicPr>
-          <p:cNvPr id="4" name="Imagen 3" descr="Texto&#10;&#10;Descripción generada automáticamente">
-            <a:extLst>
-              <a:ext uri="{FF2B5EF4-FFF2-40B4-BE49-F238E27FC236}">
-                <a16:creationId xmlns:a16="http://schemas.microsoft.com/office/drawing/2014/main" id="{80D9136C-DB44-DDE1-224A-4FEE5B2EEF6F}"/>
+          <p:cNvPr id="5" name="Imagen 4" descr="Diagrama, Esquemático&#10;&#10;Descripción generada automáticamente">
+            <a:extLst>
+              <a:ext uri="{FF2B5EF4-FFF2-40B4-BE49-F238E27FC236}">
+                <a16:creationId xmlns:a16="http://schemas.microsoft.com/office/drawing/2014/main" id="{62279739-E3FF-7DA6-8301-8E5E4B5D28EF}"/>
               </a:ext>
             </a:extLst>
           </p:cNvPr>
@@ -9580,8 +9484,8 @@
         </p:blipFill>
         <p:spPr>
           <a:xfrm>
-            <a:off x="3711433" y="2776757"/>
-            <a:ext cx="4769131" cy="3953764"/>
+            <a:off x="3172121" y="806443"/>
+            <a:ext cx="5847758" cy="2896208"/>
           </a:xfrm>
           <a:prstGeom prst="rect">
             <a:avLst/>
@@ -9591,7 +9495,7 @@
     </p:spTree>
     <p:extLst>
       <p:ext uri="{BB962C8B-B14F-4D97-AF65-F5344CB8AC3E}">
-        <p14:creationId xmlns:p14="http://schemas.microsoft.com/office/powerpoint/2010/main" val="3038768747"/>
+        <p14:creationId xmlns:p14="http://schemas.microsoft.com/office/powerpoint/2010/main" val="747936271"/>
       </p:ext>
     </p:extLst>
   </p:cSld>
@@ -9623,7 +9527,7 @@
           <p:cNvPr id="2" name="Título 1">
             <a:extLst>
               <a:ext uri="{FF2B5EF4-FFF2-40B4-BE49-F238E27FC236}">
-                <a16:creationId xmlns:a16="http://schemas.microsoft.com/office/drawing/2014/main" id="{8D692F28-0EB3-DCB5-3631-5C098A06243D}"/>
+                <a16:creationId xmlns:a16="http://schemas.microsoft.com/office/drawing/2014/main" id="{699DBA93-33D6-351E-0481-1AFB90151CC0}"/>
               </a:ext>
             </a:extLst>
           </p:cNvPr>
@@ -9632,57 +9536,6 @@
           </p:cNvSpPr>
           <p:nvPr>
             <p:ph type="title"/>
-          </p:nvPr>
-        </p:nvSpPr>
-        <p:spPr/>
-        <p:txBody>
-          <a:bodyPr>
-            <a:normAutofit/>
-          </a:bodyPr>
-          <a:lstStyle/>
-          <a:p>
-            <a:r>
-              <a:rPr lang="es-ES" sz="3200" dirty="0" err="1">
-                <a:sym typeface="Wingdings" panose="05000000000000000000" pitchFamily="2" charset="2"/>
-              </a:rPr>
-              <a:t>Filter</a:t>
-            </a:r>
-            <a:r>
-              <a:rPr lang="es-ES" sz="3200" dirty="0">
-                <a:sym typeface="Wingdings" panose="05000000000000000000" pitchFamily="2" charset="2"/>
-              </a:rPr>
-              <a:t> 1  </a:t>
-            </a:r>
-            <a:r>
-              <a:rPr lang="es-ES" sz="3200" dirty="0" err="1">
-                <a:sym typeface="Wingdings" panose="05000000000000000000" pitchFamily="2" charset="2"/>
-              </a:rPr>
-              <a:t>Translator</a:t>
-            </a:r>
-            <a:r>
-              <a:rPr lang="es-ES" sz="3200" dirty="0">
-                <a:sym typeface="Wingdings" panose="05000000000000000000" pitchFamily="2" charset="2"/>
-              </a:rPr>
-              <a:t> 3</a:t>
-            </a:r>
-            <a:endParaRPr lang="es-ES" sz="3200" dirty="0"/>
-          </a:p>
-        </p:txBody>
-      </p:sp>
-      <p:sp>
-        <p:nvSpPr>
-          <p:cNvPr id="3" name="Marcador de texto 2">
-            <a:extLst>
-              <a:ext uri="{FF2B5EF4-FFF2-40B4-BE49-F238E27FC236}">
-                <a16:creationId xmlns:a16="http://schemas.microsoft.com/office/drawing/2014/main" id="{5B493C32-E059-9D76-B9C6-68E6600AAD06}"/>
-              </a:ext>
-            </a:extLst>
-          </p:cNvPr>
-          <p:cNvSpPr>
-            <a:spLocks noGrp="1"/>
-          </p:cNvSpPr>
-          <p:nvPr>
-            <p:ph type="body" idx="1"/>
           </p:nvPr>
         </p:nvSpPr>
         <p:spPr/>
@@ -9697,12 +9550,72 @@
           </a:p>
         </p:txBody>
       </p:sp>
+      <p:sp>
+        <p:nvSpPr>
+          <p:cNvPr id="3" name="Marcador de contenido 2">
+            <a:extLst>
+              <a:ext uri="{FF2B5EF4-FFF2-40B4-BE49-F238E27FC236}">
+                <a16:creationId xmlns:a16="http://schemas.microsoft.com/office/drawing/2014/main" id="{6DB4D1E2-59B6-68AF-2048-74B77C976BD3}"/>
+              </a:ext>
+            </a:extLst>
+          </p:cNvPr>
+          <p:cNvSpPr>
+            <a:spLocks noGrp="1"/>
+          </p:cNvSpPr>
+          <p:nvPr>
+            <p:ph idx="1"/>
+          </p:nvPr>
+        </p:nvSpPr>
+        <p:spPr>
+          <a:xfrm>
+            <a:off x="581192" y="2180497"/>
+            <a:ext cx="11029615" cy="596260"/>
+          </a:xfrm>
+        </p:spPr>
+        <p:txBody>
+          <a:bodyPr>
+            <a:normAutofit lnSpcReduction="10000"/>
+          </a:bodyPr>
+          <a:lstStyle/>
+          <a:p>
+            <a:pPr algn="just"/>
+            <a:r>
+              <a:rPr lang="es-ES" dirty="0"/>
+              <a:t>Del </a:t>
+            </a:r>
+            <a:r>
+              <a:rPr lang="es-ES" dirty="0" err="1"/>
+              <a:t>Correlator</a:t>
+            </a:r>
+            <a:r>
+              <a:rPr lang="es-ES" dirty="0"/>
+              <a:t> 2 saldrá el siguiente mensaje hacia la entrada del </a:t>
+            </a:r>
+            <a:r>
+              <a:rPr lang="es-ES" dirty="0" err="1"/>
+              <a:t>Context</a:t>
+            </a:r>
+            <a:r>
+              <a:rPr lang="es-ES" dirty="0"/>
+              <a:t> </a:t>
+            </a:r>
+            <a:r>
+              <a:rPr lang="es-ES" dirty="0" err="1"/>
+              <a:t>Enricher</a:t>
+            </a:r>
+            <a:r>
+              <a:rPr lang="es-ES" dirty="0"/>
+              <a:t> 2, en el que juntamos las asignaturas del alumno y su correo electrónico en un solo mensaje</a:t>
+            </a:r>
+          </a:p>
+        </p:txBody>
+      </p:sp>
       <p:pic>
         <p:nvPicPr>
-          <p:cNvPr id="5" name="Imagen 4" descr="Diagrama&#10;&#10;Descripción generada automáticamente">
-            <a:extLst>
-              <a:ext uri="{FF2B5EF4-FFF2-40B4-BE49-F238E27FC236}">
-                <a16:creationId xmlns:a16="http://schemas.microsoft.com/office/drawing/2014/main" id="{9415062D-A549-DB05-C8FE-14840801FEDA}"/>
+          <p:cNvPr id="6" name="Imagen 5" descr="Texto&#10;&#10;Descripción generada automáticamente">
+            <a:extLst>
+              <a:ext uri="{FF2B5EF4-FFF2-40B4-BE49-F238E27FC236}">
+                <a16:creationId xmlns:a16="http://schemas.microsoft.com/office/drawing/2014/main" id="{B97AB29C-FB27-DE56-4F5C-FC546FF149EF}"/>
               </a:ext>
             </a:extLst>
           </p:cNvPr>
@@ -9719,8 +9632,68 @@
         </p:blipFill>
         <p:spPr>
           <a:xfrm>
-            <a:off x="4998934" y="612858"/>
-            <a:ext cx="2092435" cy="3491309"/>
+            <a:off x="1123209" y="2776757"/>
+            <a:ext cx="3720777" cy="2523555"/>
+          </a:xfrm>
+          <a:prstGeom prst="rect">
+            <a:avLst/>
+          </a:prstGeom>
+        </p:spPr>
+      </p:pic>
+      <p:pic>
+        <p:nvPicPr>
+          <p:cNvPr id="7" name="Imagen 6" descr="Texto&#10;&#10;Descripción generada automáticamente">
+            <a:extLst>
+              <a:ext uri="{FF2B5EF4-FFF2-40B4-BE49-F238E27FC236}">
+                <a16:creationId xmlns:a16="http://schemas.microsoft.com/office/drawing/2014/main" id="{B4985C98-5CE3-3883-43B5-F6EA761C5E10}"/>
+              </a:ext>
+            </a:extLst>
+          </p:cNvPr>
+          <p:cNvPicPr>
+            <a:picLocks noChangeAspect="1"/>
+          </p:cNvPicPr>
+          <p:nvPr/>
+        </p:nvPicPr>
+        <p:blipFill>
+          <a:blip r:embed="rId3"/>
+          <a:stretch>
+            <a:fillRect/>
+          </a:stretch>
+        </p:blipFill>
+        <p:spPr>
+          <a:xfrm>
+            <a:off x="1123209" y="5500741"/>
+            <a:ext cx="5240116" cy="963855"/>
+          </a:xfrm>
+          <a:prstGeom prst="rect">
+            <a:avLst/>
+          </a:prstGeom>
+        </p:spPr>
+      </p:pic>
+      <p:pic>
+        <p:nvPicPr>
+          <p:cNvPr id="10" name="Imagen 9" descr="Texto&#10;&#10;Descripción generada automáticamente">
+            <a:extLst>
+              <a:ext uri="{FF2B5EF4-FFF2-40B4-BE49-F238E27FC236}">
+                <a16:creationId xmlns:a16="http://schemas.microsoft.com/office/drawing/2014/main" id="{FAADA9B1-C4DB-D8B4-87DA-FC3C9556CED0}"/>
+              </a:ext>
+            </a:extLst>
+          </p:cNvPr>
+          <p:cNvPicPr>
+            <a:picLocks noChangeAspect="1"/>
+          </p:cNvPicPr>
+          <p:nvPr/>
+        </p:nvPicPr>
+        <p:blipFill>
+          <a:blip r:embed="rId4"/>
+          <a:stretch>
+            <a:fillRect/>
+          </a:stretch>
+        </p:blipFill>
+        <p:spPr>
+          <a:xfrm>
+            <a:off x="6412376" y="2776757"/>
+            <a:ext cx="5517354" cy="3687839"/>
           </a:xfrm>
           <a:prstGeom prst="rect">
             <a:avLst/>
@@ -9730,7 +9703,7 @@
     </p:spTree>
     <p:extLst>
       <p:ext uri="{BB962C8B-B14F-4D97-AF65-F5344CB8AC3E}">
-        <p14:creationId xmlns:p14="http://schemas.microsoft.com/office/powerpoint/2010/main" val="1906865571"/>
+        <p14:creationId xmlns:p14="http://schemas.microsoft.com/office/powerpoint/2010/main" val="2952860686"/>
       </p:ext>
     </p:extLst>
   </p:cSld>
@@ -9762,15 +9735,15 @@
           <p:cNvPr id="2" name="Título 1">
             <a:extLst>
               <a:ext uri="{FF2B5EF4-FFF2-40B4-BE49-F238E27FC236}">
-                <a16:creationId xmlns:a16="http://schemas.microsoft.com/office/drawing/2014/main" id="{3A186298-6487-729D-77A1-DED8ADE31EF9}"/>
-              </a:ext>
-            </a:extLst>
-          </p:cNvPr>
-          <p:cNvSpPr>
-            <a:spLocks noGrp="1"/>
-          </p:cNvSpPr>
-          <p:nvPr>
-            <p:ph type="title"/>
+                <a16:creationId xmlns:a16="http://schemas.microsoft.com/office/drawing/2014/main" id="{80901AA9-C238-90FC-12CA-367FFB28C517}"/>
+              </a:ext>
+            </a:extLst>
+          </p:cNvPr>
+          <p:cNvSpPr>
+            <a:spLocks noGrp="1"/>
+          </p:cNvSpPr>
+          <p:nvPr>
+            <p:ph type="ctrTitle"/>
           </p:nvPr>
         </p:nvSpPr>
         <p:spPr/>
@@ -9780,162 +9753,43 @@
           <a:p>
             <a:r>
               <a:rPr lang="es-ES" dirty="0"/>
-              <a:t>Ejemplo de mensaje</a:t>
-            </a:r>
-          </a:p>
-        </p:txBody>
-      </p:sp>
-      <p:sp>
-        <p:nvSpPr>
-          <p:cNvPr id="3" name="Marcador de contenido 2">
-            <a:extLst>
-              <a:ext uri="{FF2B5EF4-FFF2-40B4-BE49-F238E27FC236}">
-                <a16:creationId xmlns:a16="http://schemas.microsoft.com/office/drawing/2014/main" id="{32A4593F-E871-2678-F24F-B50CBBEEDCC4}"/>
-              </a:ext>
-            </a:extLst>
-          </p:cNvPr>
-          <p:cNvSpPr>
-            <a:spLocks noGrp="1"/>
-          </p:cNvSpPr>
-          <p:nvPr>
-            <p:ph idx="1"/>
-          </p:nvPr>
-        </p:nvSpPr>
-        <p:spPr>
-          <a:xfrm>
-            <a:off x="581191" y="1965352"/>
-            <a:ext cx="11029615" cy="782946"/>
-          </a:xfrm>
-        </p:spPr>
+              <a:t>2) Tipo de los mensajes en cada slot</a:t>
+            </a:r>
+          </a:p>
+        </p:txBody>
+      </p:sp>
+      <p:sp>
+        <p:nvSpPr>
+          <p:cNvPr id="3" name="Subtítulo 2">
+            <a:extLst>
+              <a:ext uri="{FF2B5EF4-FFF2-40B4-BE49-F238E27FC236}">
+                <a16:creationId xmlns:a16="http://schemas.microsoft.com/office/drawing/2014/main" id="{C2778957-69C9-3B7A-58BC-D3546F8CF5C1}"/>
+              </a:ext>
+            </a:extLst>
+          </p:cNvPr>
+          <p:cNvSpPr>
+            <a:spLocks noGrp="1"/>
+          </p:cNvSpPr>
+          <p:nvPr>
+            <p:ph type="subTitle" idx="1"/>
+          </p:nvPr>
+        </p:nvSpPr>
+        <p:spPr/>
         <p:txBody>
           <a:bodyPr/>
           <a:lstStyle/>
           <a:p>
             <a:r>
               <a:rPr lang="es-ES" dirty="0"/>
-              <a:t>Del </a:t>
-            </a:r>
-            <a:r>
-              <a:rPr lang="es-ES" dirty="0" err="1"/>
-              <a:t>Grading</a:t>
-            </a:r>
-            <a:r>
-              <a:rPr lang="es-ES" dirty="0"/>
-              <a:t> Management </a:t>
-            </a:r>
-            <a:r>
-              <a:rPr lang="es-ES" dirty="0" err="1"/>
-              <a:t>System</a:t>
-            </a:r>
-            <a:r>
-              <a:rPr lang="es-ES" dirty="0"/>
-              <a:t> saldrá el siguiente mensaje hacia la entrada de </a:t>
-            </a:r>
-            <a:r>
-              <a:rPr lang="es-ES" dirty="0" err="1"/>
-              <a:t>Slimmer</a:t>
-            </a:r>
-            <a:r>
-              <a:rPr lang="es-ES" dirty="0"/>
-              <a:t> 1:</a:t>
-            </a:r>
-          </a:p>
-        </p:txBody>
-      </p:sp>
-      <p:pic>
-        <p:nvPicPr>
-          <p:cNvPr id="11" name="Imagen 10">
-            <a:extLst>
-              <a:ext uri="{FF2B5EF4-FFF2-40B4-BE49-F238E27FC236}">
-                <a16:creationId xmlns:a16="http://schemas.microsoft.com/office/drawing/2014/main" id="{11934E27-DBCA-F0C5-A8E5-DAB7B781CE76}"/>
-              </a:ext>
-            </a:extLst>
-          </p:cNvPr>
-          <p:cNvPicPr>
-            <a:picLocks noChangeAspect="1"/>
-          </p:cNvPicPr>
-          <p:nvPr/>
-        </p:nvPicPr>
-        <p:blipFill>
-          <a:blip r:embed="rId2"/>
-          <a:stretch>
-            <a:fillRect/>
-          </a:stretch>
-        </p:blipFill>
-        <p:spPr>
-          <a:xfrm>
-            <a:off x="852973" y="2848463"/>
-            <a:ext cx="3230627" cy="3307381"/>
-          </a:xfrm>
-          <a:prstGeom prst="rect">
-            <a:avLst/>
-          </a:prstGeom>
-        </p:spPr>
-      </p:pic>
-      <p:pic>
-        <p:nvPicPr>
-          <p:cNvPr id="13" name="Imagen 12">
-            <a:extLst>
-              <a:ext uri="{FF2B5EF4-FFF2-40B4-BE49-F238E27FC236}">
-                <a16:creationId xmlns:a16="http://schemas.microsoft.com/office/drawing/2014/main" id="{C9567791-4D1D-CCC5-5434-4C89E022873E}"/>
-              </a:ext>
-            </a:extLst>
-          </p:cNvPr>
-          <p:cNvPicPr>
-            <a:picLocks noChangeAspect="1"/>
-          </p:cNvPicPr>
-          <p:nvPr/>
-        </p:nvPicPr>
-        <p:blipFill>
-          <a:blip r:embed="rId3"/>
-          <a:stretch>
-            <a:fillRect/>
-          </a:stretch>
-        </p:blipFill>
-        <p:spPr>
-          <a:xfrm>
-            <a:off x="4534494" y="2848463"/>
-            <a:ext cx="3781274" cy="3508894"/>
-          </a:xfrm>
-          <a:prstGeom prst="rect">
-            <a:avLst/>
-          </a:prstGeom>
-        </p:spPr>
-      </p:pic>
-      <p:pic>
-        <p:nvPicPr>
-          <p:cNvPr id="15" name="Imagen 14">
-            <a:extLst>
-              <a:ext uri="{FF2B5EF4-FFF2-40B4-BE49-F238E27FC236}">
-                <a16:creationId xmlns:a16="http://schemas.microsoft.com/office/drawing/2014/main" id="{A0C4C680-62EA-EB93-E34A-859C02BD2F22}"/>
-              </a:ext>
-            </a:extLst>
-          </p:cNvPr>
-          <p:cNvPicPr>
-            <a:picLocks noChangeAspect="1"/>
-          </p:cNvPicPr>
-          <p:nvPr/>
-        </p:nvPicPr>
-        <p:blipFill>
-          <a:blip r:embed="rId4"/>
-          <a:stretch>
-            <a:fillRect/>
-          </a:stretch>
-        </p:blipFill>
-        <p:spPr>
-          <a:xfrm>
-            <a:off x="8953547" y="2997694"/>
-            <a:ext cx="1323975" cy="2181225"/>
-          </a:xfrm>
-          <a:prstGeom prst="rect">
-            <a:avLst/>
-          </a:prstGeom>
-        </p:spPr>
-      </p:pic>
+              <a:t>Modelo de tareas y slots detallados </a:t>
+            </a:r>
+          </a:p>
+        </p:txBody>
+      </p:sp>
     </p:spTree>
     <p:extLst>
       <p:ext uri="{BB962C8B-B14F-4D97-AF65-F5344CB8AC3E}">
-        <p14:creationId xmlns:p14="http://schemas.microsoft.com/office/powerpoint/2010/main" val="1339968158"/>
+        <p14:creationId xmlns:p14="http://schemas.microsoft.com/office/powerpoint/2010/main" val="973453441"/>
       </p:ext>
     </p:extLst>
   </p:cSld>
@@ -9967,7 +9821,7 @@
           <p:cNvPr id="2" name="Título 1">
             <a:extLst>
               <a:ext uri="{FF2B5EF4-FFF2-40B4-BE49-F238E27FC236}">
-                <a16:creationId xmlns:a16="http://schemas.microsoft.com/office/drawing/2014/main" id="{699DBA93-33D6-351E-0481-1AFB90151CC0}"/>
+                <a16:creationId xmlns:a16="http://schemas.microsoft.com/office/drawing/2014/main" id="{8D692F28-0EB3-DCB5-3631-5C098A06243D}"/>
               </a:ext>
             </a:extLst>
           </p:cNvPr>
@@ -9976,6 +9830,61 @@
           </p:cNvSpPr>
           <p:nvPr>
             <p:ph type="title"/>
+          </p:nvPr>
+        </p:nvSpPr>
+        <p:spPr/>
+        <p:txBody>
+          <a:bodyPr>
+            <a:normAutofit/>
+          </a:bodyPr>
+          <a:lstStyle/>
+          <a:p>
+            <a:r>
+              <a:rPr lang="es-ES" sz="3200" dirty="0">
+                <a:sym typeface="Wingdings" panose="05000000000000000000" pitchFamily="2" charset="2"/>
+              </a:rPr>
+              <a:t>CONTEXT ENRICHER 1</a:t>
+            </a:r>
+            <a:r>
+              <a:rPr lang="es-ES" sz="3200" dirty="0"/>
+              <a:t> </a:t>
+            </a:r>
+            <a:r>
+              <a:rPr lang="es-ES" sz="3200" dirty="0">
+                <a:sym typeface="Wingdings" panose="05000000000000000000" pitchFamily="2" charset="2"/>
+              </a:rPr>
+              <a:t> </a:t>
+            </a:r>
+            <a:r>
+              <a:rPr lang="es-ES" sz="3200" dirty="0" err="1">
+                <a:sym typeface="Wingdings" panose="05000000000000000000" pitchFamily="2" charset="2"/>
+              </a:rPr>
+              <a:t>Filter</a:t>
+            </a:r>
+            <a:r>
+              <a:rPr lang="es-ES" sz="3200" dirty="0">
+                <a:sym typeface="Wingdings" panose="05000000000000000000" pitchFamily="2" charset="2"/>
+              </a:rPr>
+              <a:t> 1</a:t>
+            </a:r>
+            <a:endParaRPr lang="es-ES" sz="3200" dirty="0"/>
+          </a:p>
+        </p:txBody>
+      </p:sp>
+      <p:sp>
+        <p:nvSpPr>
+          <p:cNvPr id="3" name="Marcador de texto 2">
+            <a:extLst>
+              <a:ext uri="{FF2B5EF4-FFF2-40B4-BE49-F238E27FC236}">
+                <a16:creationId xmlns:a16="http://schemas.microsoft.com/office/drawing/2014/main" id="{5B493C32-E059-9D76-B9C6-68E6600AAD06}"/>
+              </a:ext>
+            </a:extLst>
+          </p:cNvPr>
+          <p:cNvSpPr>
+            <a:spLocks noGrp="1"/>
+          </p:cNvSpPr>
+          <p:nvPr>
+            <p:ph type="body" idx="1"/>
           </p:nvPr>
         </p:nvSpPr>
         <p:spPr/>
@@ -9990,64 +9899,12 @@
           </a:p>
         </p:txBody>
       </p:sp>
-      <p:sp>
-        <p:nvSpPr>
-          <p:cNvPr id="3" name="Marcador de contenido 2">
-            <a:extLst>
-              <a:ext uri="{FF2B5EF4-FFF2-40B4-BE49-F238E27FC236}">
-                <a16:creationId xmlns:a16="http://schemas.microsoft.com/office/drawing/2014/main" id="{6DB4D1E2-59B6-68AF-2048-74B77C976BD3}"/>
-              </a:ext>
-            </a:extLst>
-          </p:cNvPr>
-          <p:cNvSpPr>
-            <a:spLocks noGrp="1"/>
-          </p:cNvSpPr>
-          <p:nvPr>
-            <p:ph idx="1"/>
-          </p:nvPr>
-        </p:nvSpPr>
-        <p:spPr>
-          <a:xfrm>
-            <a:off x="581192" y="2180497"/>
-            <a:ext cx="11029615" cy="596260"/>
-          </a:xfrm>
-        </p:spPr>
-        <p:txBody>
-          <a:bodyPr>
-            <a:normAutofit lnSpcReduction="10000"/>
-          </a:bodyPr>
-          <a:lstStyle/>
-          <a:p>
-            <a:pPr algn="just"/>
-            <a:r>
-              <a:rPr lang="es-ES" dirty="0"/>
-              <a:t>Del </a:t>
-            </a:r>
-            <a:r>
-              <a:rPr lang="es-ES" dirty="0" err="1"/>
-              <a:t>Filter</a:t>
-            </a:r>
-            <a:r>
-              <a:rPr lang="es-ES" dirty="0"/>
-              <a:t> 1 saldrá el siguiente mensaje hacia la entrada del </a:t>
-            </a:r>
-            <a:r>
-              <a:rPr lang="es-ES" dirty="0" err="1"/>
-              <a:t>Translator</a:t>
-            </a:r>
-            <a:r>
-              <a:rPr lang="es-ES" dirty="0"/>
-              <a:t> 3, en el que traduciremos el mensaje a un formato que sea capaz de interpretar el sistema SMS Gateway</a:t>
-            </a:r>
-          </a:p>
-        </p:txBody>
-      </p:sp>
       <p:pic>
         <p:nvPicPr>
-          <p:cNvPr id="4" name="Imagen 3" descr="Texto&#10;&#10;Descripción generada automáticamente">
-            <a:extLst>
-              <a:ext uri="{FF2B5EF4-FFF2-40B4-BE49-F238E27FC236}">
-                <a16:creationId xmlns:a16="http://schemas.microsoft.com/office/drawing/2014/main" id="{80D9136C-DB44-DDE1-224A-4FEE5B2EEF6F}"/>
+          <p:cNvPr id="6" name="Imagen 5" descr="Diagrama&#10;&#10;Descripción generada automáticamente">
+            <a:extLst>
+              <a:ext uri="{FF2B5EF4-FFF2-40B4-BE49-F238E27FC236}">
+                <a16:creationId xmlns:a16="http://schemas.microsoft.com/office/drawing/2014/main" id="{8F11CEC3-3AF8-3161-2266-CBA2A633D46B}"/>
               </a:ext>
             </a:extLst>
           </p:cNvPr>
@@ -10064,8 +9921,8 @@
         </p:blipFill>
         <p:spPr>
           <a:xfrm>
-            <a:off x="3711433" y="2776757"/>
-            <a:ext cx="4769131" cy="3953764"/>
+            <a:off x="2921293" y="679254"/>
+            <a:ext cx="6349414" cy="3032820"/>
           </a:xfrm>
           <a:prstGeom prst="rect">
             <a:avLst/>
@@ -10075,7 +9932,7 @@
     </p:spTree>
     <p:extLst>
       <p:ext uri="{BB962C8B-B14F-4D97-AF65-F5344CB8AC3E}">
-        <p14:creationId xmlns:p14="http://schemas.microsoft.com/office/powerpoint/2010/main" val="1762352346"/>
+        <p14:creationId xmlns:p14="http://schemas.microsoft.com/office/powerpoint/2010/main" val="429043197"/>
       </p:ext>
     </p:extLst>
   </p:cSld>
@@ -10107,7 +9964,7 @@
           <p:cNvPr id="2" name="Título 1">
             <a:extLst>
               <a:ext uri="{FF2B5EF4-FFF2-40B4-BE49-F238E27FC236}">
-                <a16:creationId xmlns:a16="http://schemas.microsoft.com/office/drawing/2014/main" id="{8D692F28-0EB3-DCB5-3631-5C098A06243D}"/>
+                <a16:creationId xmlns:a16="http://schemas.microsoft.com/office/drawing/2014/main" id="{699DBA93-33D6-351E-0481-1AFB90151CC0}"/>
               </a:ext>
             </a:extLst>
           </p:cNvPr>
@@ -10116,45 +9973,6 @@
           </p:cNvSpPr>
           <p:nvPr>
             <p:ph type="title"/>
-          </p:nvPr>
-        </p:nvSpPr>
-        <p:spPr/>
-        <p:txBody>
-          <a:bodyPr>
-            <a:normAutofit/>
-          </a:bodyPr>
-          <a:lstStyle/>
-          <a:p>
-            <a:r>
-              <a:rPr lang="es-ES" sz="3200" dirty="0" err="1">
-                <a:sym typeface="Wingdings" panose="05000000000000000000" pitchFamily="2" charset="2"/>
-              </a:rPr>
-              <a:t>Translator</a:t>
-            </a:r>
-            <a:r>
-              <a:rPr lang="es-ES" sz="3200" dirty="0">
-                <a:sym typeface="Wingdings" panose="05000000000000000000" pitchFamily="2" charset="2"/>
-              </a:rPr>
-              <a:t> 3 SMS GATEWAY</a:t>
-            </a:r>
-            <a:endParaRPr lang="es-ES" sz="3200" dirty="0"/>
-          </a:p>
-        </p:txBody>
-      </p:sp>
-      <p:sp>
-        <p:nvSpPr>
-          <p:cNvPr id="3" name="Marcador de texto 2">
-            <a:extLst>
-              <a:ext uri="{FF2B5EF4-FFF2-40B4-BE49-F238E27FC236}">
-                <a16:creationId xmlns:a16="http://schemas.microsoft.com/office/drawing/2014/main" id="{5B493C32-E059-9D76-B9C6-68E6600AAD06}"/>
-              </a:ext>
-            </a:extLst>
-          </p:cNvPr>
-          <p:cNvSpPr>
-            <a:spLocks noGrp="1"/>
-          </p:cNvSpPr>
-          <p:nvPr>
-            <p:ph type="body" idx="1"/>
           </p:nvPr>
         </p:nvSpPr>
         <p:spPr/>
@@ -10169,12 +9987,72 @@
           </a:p>
         </p:txBody>
       </p:sp>
+      <p:sp>
+        <p:nvSpPr>
+          <p:cNvPr id="3" name="Marcador de contenido 2">
+            <a:extLst>
+              <a:ext uri="{FF2B5EF4-FFF2-40B4-BE49-F238E27FC236}">
+                <a16:creationId xmlns:a16="http://schemas.microsoft.com/office/drawing/2014/main" id="{6DB4D1E2-59B6-68AF-2048-74B77C976BD3}"/>
+              </a:ext>
+            </a:extLst>
+          </p:cNvPr>
+          <p:cNvSpPr>
+            <a:spLocks noGrp="1"/>
+          </p:cNvSpPr>
+          <p:nvPr>
+            <p:ph idx="1"/>
+          </p:nvPr>
+        </p:nvSpPr>
+        <p:spPr>
+          <a:xfrm>
+            <a:off x="581192" y="2180497"/>
+            <a:ext cx="11029615" cy="596260"/>
+          </a:xfrm>
+        </p:spPr>
+        <p:txBody>
+          <a:bodyPr>
+            <a:normAutofit lnSpcReduction="10000"/>
+          </a:bodyPr>
+          <a:lstStyle/>
+          <a:p>
+            <a:pPr algn="just"/>
+            <a:r>
+              <a:rPr lang="es-ES" dirty="0"/>
+              <a:t>Del </a:t>
+            </a:r>
+            <a:r>
+              <a:rPr lang="es-ES" dirty="0" err="1"/>
+              <a:t>Context</a:t>
+            </a:r>
+            <a:r>
+              <a:rPr lang="es-ES" dirty="0"/>
+              <a:t> </a:t>
+            </a:r>
+            <a:r>
+              <a:rPr lang="es-ES" dirty="0" err="1"/>
+              <a:t>Enricher</a:t>
+            </a:r>
+            <a:r>
+              <a:rPr lang="es-ES" dirty="0"/>
+              <a:t> 1 saldrá el siguiente mensaje hacia la entrada del </a:t>
+            </a:r>
+            <a:r>
+              <a:rPr lang="es-ES" dirty="0" err="1"/>
+              <a:t>Filter</a:t>
+            </a:r>
+            <a:r>
+              <a:rPr lang="es-ES" dirty="0"/>
+              <a:t> 1, en el que filtraremos si el alumno tiene teléfono o no. </a:t>
+            </a:r>
+          </a:p>
+        </p:txBody>
+      </p:sp>
       <p:pic>
         <p:nvPicPr>
-          <p:cNvPr id="6" name="Imagen 5" descr="Diagrama&#10;&#10;Descripción generada automáticamente">
-            <a:extLst>
-              <a:ext uri="{FF2B5EF4-FFF2-40B4-BE49-F238E27FC236}">
-                <a16:creationId xmlns:a16="http://schemas.microsoft.com/office/drawing/2014/main" id="{9C9808A5-2645-1253-ECB9-F1E6FD43D01A}"/>
+          <p:cNvPr id="4" name="Imagen 3" descr="Texto&#10;&#10;Descripción generada automáticamente">
+            <a:extLst>
+              <a:ext uri="{FF2B5EF4-FFF2-40B4-BE49-F238E27FC236}">
+                <a16:creationId xmlns:a16="http://schemas.microsoft.com/office/drawing/2014/main" id="{80D9136C-DB44-DDE1-224A-4FEE5B2EEF6F}"/>
               </a:ext>
             </a:extLst>
           </p:cNvPr>
@@ -10191,8 +10069,8 @@
         </p:blipFill>
         <p:spPr>
           <a:xfrm>
-            <a:off x="5352945" y="602479"/>
-            <a:ext cx="1196711" cy="3413696"/>
+            <a:off x="3711433" y="2776757"/>
+            <a:ext cx="4769131" cy="3953764"/>
           </a:xfrm>
           <a:prstGeom prst="rect">
             <a:avLst/>
@@ -10202,7 +10080,7 @@
     </p:spTree>
     <p:extLst>
       <p:ext uri="{BB962C8B-B14F-4D97-AF65-F5344CB8AC3E}">
-        <p14:creationId xmlns:p14="http://schemas.microsoft.com/office/powerpoint/2010/main" val="3089249106"/>
+        <p14:creationId xmlns:p14="http://schemas.microsoft.com/office/powerpoint/2010/main" val="3038768747"/>
       </p:ext>
     </p:extLst>
   </p:cSld>
@@ -10234,7 +10112,7 @@
           <p:cNvPr id="2" name="Título 1">
             <a:extLst>
               <a:ext uri="{FF2B5EF4-FFF2-40B4-BE49-F238E27FC236}">
-                <a16:creationId xmlns:a16="http://schemas.microsoft.com/office/drawing/2014/main" id="{699DBA93-33D6-351E-0481-1AFB90151CC0}"/>
+                <a16:creationId xmlns:a16="http://schemas.microsoft.com/office/drawing/2014/main" id="{8D692F28-0EB3-DCB5-3631-5C098A06243D}"/>
               </a:ext>
             </a:extLst>
           </p:cNvPr>
@@ -10243,6 +10121,57 @@
           </p:cNvSpPr>
           <p:nvPr>
             <p:ph type="title"/>
+          </p:nvPr>
+        </p:nvSpPr>
+        <p:spPr/>
+        <p:txBody>
+          <a:bodyPr>
+            <a:normAutofit/>
+          </a:bodyPr>
+          <a:lstStyle/>
+          <a:p>
+            <a:r>
+              <a:rPr lang="es-ES" sz="3200" dirty="0" err="1">
+                <a:sym typeface="Wingdings" panose="05000000000000000000" pitchFamily="2" charset="2"/>
+              </a:rPr>
+              <a:t>Filter</a:t>
+            </a:r>
+            <a:r>
+              <a:rPr lang="es-ES" sz="3200" dirty="0">
+                <a:sym typeface="Wingdings" panose="05000000000000000000" pitchFamily="2" charset="2"/>
+              </a:rPr>
+              <a:t> 1  </a:t>
+            </a:r>
+            <a:r>
+              <a:rPr lang="es-ES" sz="3200" dirty="0" err="1">
+                <a:sym typeface="Wingdings" panose="05000000000000000000" pitchFamily="2" charset="2"/>
+              </a:rPr>
+              <a:t>Translator</a:t>
+            </a:r>
+            <a:r>
+              <a:rPr lang="es-ES" sz="3200" dirty="0">
+                <a:sym typeface="Wingdings" panose="05000000000000000000" pitchFamily="2" charset="2"/>
+              </a:rPr>
+              <a:t> 3</a:t>
+            </a:r>
+            <a:endParaRPr lang="es-ES" sz="3200" dirty="0"/>
+          </a:p>
+        </p:txBody>
+      </p:sp>
+      <p:sp>
+        <p:nvSpPr>
+          <p:cNvPr id="3" name="Marcador de texto 2">
+            <a:extLst>
+              <a:ext uri="{FF2B5EF4-FFF2-40B4-BE49-F238E27FC236}">
+                <a16:creationId xmlns:a16="http://schemas.microsoft.com/office/drawing/2014/main" id="{5B493C32-E059-9D76-B9C6-68E6600AAD06}"/>
+              </a:ext>
+            </a:extLst>
+          </p:cNvPr>
+          <p:cNvSpPr>
+            <a:spLocks noGrp="1"/>
+          </p:cNvSpPr>
+          <p:nvPr>
+            <p:ph type="body" idx="1"/>
           </p:nvPr>
         </p:nvSpPr>
         <p:spPr/>
@@ -10257,56 +10186,12 @@
           </a:p>
         </p:txBody>
       </p:sp>
-      <p:sp>
-        <p:nvSpPr>
-          <p:cNvPr id="3" name="Marcador de contenido 2">
-            <a:extLst>
-              <a:ext uri="{FF2B5EF4-FFF2-40B4-BE49-F238E27FC236}">
-                <a16:creationId xmlns:a16="http://schemas.microsoft.com/office/drawing/2014/main" id="{6DB4D1E2-59B6-68AF-2048-74B77C976BD3}"/>
-              </a:ext>
-            </a:extLst>
-          </p:cNvPr>
-          <p:cNvSpPr>
-            <a:spLocks noGrp="1"/>
-          </p:cNvSpPr>
-          <p:nvPr>
-            <p:ph idx="1"/>
-          </p:nvPr>
-        </p:nvSpPr>
-        <p:spPr>
-          <a:xfrm>
-            <a:off x="581192" y="2180497"/>
-            <a:ext cx="11029615" cy="596260"/>
-          </a:xfrm>
-        </p:spPr>
-        <p:txBody>
-          <a:bodyPr>
-            <a:normAutofit lnSpcReduction="10000"/>
-          </a:bodyPr>
-          <a:lstStyle/>
-          <a:p>
-            <a:pPr algn="just"/>
-            <a:r>
-              <a:rPr lang="es-ES" dirty="0"/>
-              <a:t>Del </a:t>
-            </a:r>
-            <a:r>
-              <a:rPr lang="es-ES" dirty="0" err="1"/>
-              <a:t>Translator</a:t>
-            </a:r>
-            <a:r>
-              <a:rPr lang="es-ES" dirty="0"/>
-              <a:t> 3 saldrá el siguiente mensaje hacia la entrada del SMS Gateway, en el que enviaremos en el mensaje final, el teléfono del alumno junto con el nombre la asignatura y su calificación correspondiente</a:t>
-            </a:r>
-          </a:p>
-        </p:txBody>
-      </p:sp>
       <p:pic>
         <p:nvPicPr>
-          <p:cNvPr id="8" name="Imagen 7" descr="Texto&#10;&#10;Descripción generada automáticamente">
-            <a:extLst>
-              <a:ext uri="{FF2B5EF4-FFF2-40B4-BE49-F238E27FC236}">
-                <a16:creationId xmlns:a16="http://schemas.microsoft.com/office/drawing/2014/main" id="{321125DD-1B64-B5BB-0CCB-E86E1F20E483}"/>
+          <p:cNvPr id="5" name="Imagen 4" descr="Diagrama&#10;&#10;Descripción generada automáticamente">
+            <a:extLst>
+              <a:ext uri="{FF2B5EF4-FFF2-40B4-BE49-F238E27FC236}">
+                <a16:creationId xmlns:a16="http://schemas.microsoft.com/office/drawing/2014/main" id="{9415062D-A549-DB05-C8FE-14840801FEDA}"/>
               </a:ext>
             </a:extLst>
           </p:cNvPr>
@@ -10323,8 +10208,8 @@
         </p:blipFill>
         <p:spPr>
           <a:xfrm>
-            <a:off x="747584" y="2952683"/>
-            <a:ext cx="10696831" cy="1566154"/>
+            <a:off x="4998934" y="612858"/>
+            <a:ext cx="2092435" cy="3491309"/>
           </a:xfrm>
           <a:prstGeom prst="rect">
             <a:avLst/>
@@ -10334,7 +10219,7 @@
     </p:spTree>
     <p:extLst>
       <p:ext uri="{BB962C8B-B14F-4D97-AF65-F5344CB8AC3E}">
-        <p14:creationId xmlns:p14="http://schemas.microsoft.com/office/powerpoint/2010/main" val="1909711239"/>
+        <p14:creationId xmlns:p14="http://schemas.microsoft.com/office/powerpoint/2010/main" val="1906865571"/>
       </p:ext>
     </p:extLst>
   </p:cSld>
@@ -10366,7 +10251,7 @@
           <p:cNvPr id="2" name="Título 1">
             <a:extLst>
               <a:ext uri="{FF2B5EF4-FFF2-40B4-BE49-F238E27FC236}">
-                <a16:creationId xmlns:a16="http://schemas.microsoft.com/office/drawing/2014/main" id="{8D692F28-0EB3-DCB5-3631-5C098A06243D}"/>
+                <a16:creationId xmlns:a16="http://schemas.microsoft.com/office/drawing/2014/main" id="{699DBA93-33D6-351E-0481-1AFB90151CC0}"/>
               </a:ext>
             </a:extLst>
           </p:cNvPr>
@@ -10375,39 +10260,6 @@
           </p:cNvSpPr>
           <p:nvPr>
             <p:ph type="title"/>
-          </p:nvPr>
-        </p:nvSpPr>
-        <p:spPr/>
-        <p:txBody>
-          <a:bodyPr>
-            <a:normAutofit/>
-          </a:bodyPr>
-          <a:lstStyle/>
-          <a:p>
-            <a:r>
-              <a:rPr lang="es-ES" sz="3200" dirty="0">
-                <a:sym typeface="Wingdings" panose="05000000000000000000" pitchFamily="2" charset="2"/>
-              </a:rPr>
-              <a:t>CONTEXT ENRICHER 2 TRANSLATOR 2</a:t>
-            </a:r>
-            <a:endParaRPr lang="es-ES" sz="3200" dirty="0"/>
-          </a:p>
-        </p:txBody>
-      </p:sp>
-      <p:sp>
-        <p:nvSpPr>
-          <p:cNvPr id="3" name="Marcador de texto 2">
-            <a:extLst>
-              <a:ext uri="{FF2B5EF4-FFF2-40B4-BE49-F238E27FC236}">
-                <a16:creationId xmlns:a16="http://schemas.microsoft.com/office/drawing/2014/main" id="{5B493C32-E059-9D76-B9C6-68E6600AAD06}"/>
-              </a:ext>
-            </a:extLst>
-          </p:cNvPr>
-          <p:cNvSpPr>
-            <a:spLocks noGrp="1"/>
-          </p:cNvSpPr>
-          <p:nvPr>
-            <p:ph type="body" idx="1"/>
           </p:nvPr>
         </p:nvSpPr>
         <p:spPr/>
@@ -10422,12 +10274,64 @@
           </a:p>
         </p:txBody>
       </p:sp>
+      <p:sp>
+        <p:nvSpPr>
+          <p:cNvPr id="3" name="Marcador de contenido 2">
+            <a:extLst>
+              <a:ext uri="{FF2B5EF4-FFF2-40B4-BE49-F238E27FC236}">
+                <a16:creationId xmlns:a16="http://schemas.microsoft.com/office/drawing/2014/main" id="{6DB4D1E2-59B6-68AF-2048-74B77C976BD3}"/>
+              </a:ext>
+            </a:extLst>
+          </p:cNvPr>
+          <p:cNvSpPr>
+            <a:spLocks noGrp="1"/>
+          </p:cNvSpPr>
+          <p:nvPr>
+            <p:ph idx="1"/>
+          </p:nvPr>
+        </p:nvSpPr>
+        <p:spPr>
+          <a:xfrm>
+            <a:off x="581192" y="2180497"/>
+            <a:ext cx="11029615" cy="596260"/>
+          </a:xfrm>
+        </p:spPr>
+        <p:txBody>
+          <a:bodyPr>
+            <a:normAutofit lnSpcReduction="10000"/>
+          </a:bodyPr>
+          <a:lstStyle/>
+          <a:p>
+            <a:pPr algn="just"/>
+            <a:r>
+              <a:rPr lang="es-ES" dirty="0"/>
+              <a:t>Del </a:t>
+            </a:r>
+            <a:r>
+              <a:rPr lang="es-ES" dirty="0" err="1"/>
+              <a:t>Filter</a:t>
+            </a:r>
+            <a:r>
+              <a:rPr lang="es-ES" dirty="0"/>
+              <a:t> 1 saldrá el siguiente mensaje hacia la entrada del </a:t>
+            </a:r>
+            <a:r>
+              <a:rPr lang="es-ES" dirty="0" err="1"/>
+              <a:t>Translator</a:t>
+            </a:r>
+            <a:r>
+              <a:rPr lang="es-ES" dirty="0"/>
+              <a:t> 3, en el que traduciremos el mensaje a un formato que sea capaz de interpretar el sistema SMS Gateway</a:t>
+            </a:r>
+          </a:p>
+        </p:txBody>
+      </p:sp>
       <p:pic>
         <p:nvPicPr>
-          <p:cNvPr id="5" name="Imagen 4" descr="Interfaz de usuario gráfica, Aplicación&#10;&#10;Descripción generada automáticamente con confianza media">
-            <a:extLst>
-              <a:ext uri="{FF2B5EF4-FFF2-40B4-BE49-F238E27FC236}">
-                <a16:creationId xmlns:a16="http://schemas.microsoft.com/office/drawing/2014/main" id="{984F0027-C6EE-7C78-DF26-DEAB8A466871}"/>
+          <p:cNvPr id="4" name="Imagen 3" descr="Texto&#10;&#10;Descripción generada automáticamente">
+            <a:extLst>
+              <a:ext uri="{FF2B5EF4-FFF2-40B4-BE49-F238E27FC236}">
+                <a16:creationId xmlns:a16="http://schemas.microsoft.com/office/drawing/2014/main" id="{80D9136C-DB44-DDE1-224A-4FEE5B2EEF6F}"/>
               </a:ext>
             </a:extLst>
           </p:cNvPr>
@@ -10444,8 +10348,8 @@
         </p:blipFill>
         <p:spPr>
           <a:xfrm>
-            <a:off x="4027354" y="643133"/>
-            <a:ext cx="4137292" cy="3207296"/>
+            <a:off x="3711433" y="2776757"/>
+            <a:ext cx="4769131" cy="3953764"/>
           </a:xfrm>
           <a:prstGeom prst="rect">
             <a:avLst/>
@@ -10455,7 +10359,7 @@
     </p:spTree>
     <p:extLst>
       <p:ext uri="{BB962C8B-B14F-4D97-AF65-F5344CB8AC3E}">
-        <p14:creationId xmlns:p14="http://schemas.microsoft.com/office/powerpoint/2010/main" val="113073816"/>
+        <p14:creationId xmlns:p14="http://schemas.microsoft.com/office/powerpoint/2010/main" val="1762352346"/>
       </p:ext>
     </p:extLst>
   </p:cSld>
@@ -10487,7 +10391,7 @@
           <p:cNvPr id="2" name="Título 1">
             <a:extLst>
               <a:ext uri="{FF2B5EF4-FFF2-40B4-BE49-F238E27FC236}">
-                <a16:creationId xmlns:a16="http://schemas.microsoft.com/office/drawing/2014/main" id="{699DBA93-33D6-351E-0481-1AFB90151CC0}"/>
+                <a16:creationId xmlns:a16="http://schemas.microsoft.com/office/drawing/2014/main" id="{8D692F28-0EB3-DCB5-3631-5C098A06243D}"/>
               </a:ext>
             </a:extLst>
           </p:cNvPr>
@@ -10496,6 +10400,45 @@
           </p:cNvSpPr>
           <p:nvPr>
             <p:ph type="title"/>
+          </p:nvPr>
+        </p:nvSpPr>
+        <p:spPr/>
+        <p:txBody>
+          <a:bodyPr>
+            <a:normAutofit/>
+          </a:bodyPr>
+          <a:lstStyle/>
+          <a:p>
+            <a:r>
+              <a:rPr lang="es-ES" sz="3200" dirty="0" err="1">
+                <a:sym typeface="Wingdings" panose="05000000000000000000" pitchFamily="2" charset="2"/>
+              </a:rPr>
+              <a:t>Translator</a:t>
+            </a:r>
+            <a:r>
+              <a:rPr lang="es-ES" sz="3200" dirty="0">
+                <a:sym typeface="Wingdings" panose="05000000000000000000" pitchFamily="2" charset="2"/>
+              </a:rPr>
+              <a:t> 3 SMS GATEWAY</a:t>
+            </a:r>
+            <a:endParaRPr lang="es-ES" sz="3200" dirty="0"/>
+          </a:p>
+        </p:txBody>
+      </p:sp>
+      <p:sp>
+        <p:nvSpPr>
+          <p:cNvPr id="3" name="Marcador de texto 2">
+            <a:extLst>
+              <a:ext uri="{FF2B5EF4-FFF2-40B4-BE49-F238E27FC236}">
+                <a16:creationId xmlns:a16="http://schemas.microsoft.com/office/drawing/2014/main" id="{5B493C32-E059-9D76-B9C6-68E6600AAD06}"/>
+              </a:ext>
+            </a:extLst>
+          </p:cNvPr>
+          <p:cNvSpPr>
+            <a:spLocks noGrp="1"/>
+          </p:cNvSpPr>
+          <p:nvPr>
+            <p:ph type="body" idx="1"/>
           </p:nvPr>
         </p:nvSpPr>
         <p:spPr/>
@@ -10510,72 +10453,12 @@
           </a:p>
         </p:txBody>
       </p:sp>
-      <p:sp>
-        <p:nvSpPr>
-          <p:cNvPr id="3" name="Marcador de contenido 2">
-            <a:extLst>
-              <a:ext uri="{FF2B5EF4-FFF2-40B4-BE49-F238E27FC236}">
-                <a16:creationId xmlns:a16="http://schemas.microsoft.com/office/drawing/2014/main" id="{6DB4D1E2-59B6-68AF-2048-74B77C976BD3}"/>
-              </a:ext>
-            </a:extLst>
-          </p:cNvPr>
-          <p:cNvSpPr>
-            <a:spLocks noGrp="1"/>
-          </p:cNvSpPr>
-          <p:nvPr>
-            <p:ph idx="1"/>
-          </p:nvPr>
-        </p:nvSpPr>
-        <p:spPr>
-          <a:xfrm>
-            <a:off x="581192" y="2180497"/>
-            <a:ext cx="11029615" cy="596260"/>
-          </a:xfrm>
-        </p:spPr>
-        <p:txBody>
-          <a:bodyPr>
-            <a:normAutofit lnSpcReduction="10000"/>
-          </a:bodyPr>
-          <a:lstStyle/>
-          <a:p>
-            <a:pPr algn="just"/>
-            <a:r>
-              <a:rPr lang="es-ES" dirty="0"/>
-              <a:t>Del </a:t>
-            </a:r>
-            <a:r>
-              <a:rPr lang="es-ES" dirty="0" err="1"/>
-              <a:t>Context</a:t>
-            </a:r>
-            <a:r>
-              <a:rPr lang="es-ES" dirty="0"/>
-              <a:t> </a:t>
-            </a:r>
-            <a:r>
-              <a:rPr lang="es-ES" dirty="0" err="1"/>
-              <a:t>Enricher</a:t>
-            </a:r>
-            <a:r>
-              <a:rPr lang="es-ES" dirty="0"/>
-              <a:t> 2 saldrá el siguiente mensaje hacia la entrada del </a:t>
-            </a:r>
-            <a:r>
-              <a:rPr lang="es-ES" dirty="0" err="1"/>
-              <a:t>Translator</a:t>
-            </a:r>
-            <a:r>
-              <a:rPr lang="es-ES" dirty="0"/>
-              <a:t> 2, en el que enviaremos en el mensaje final, el correo del alumno junto con el nombre la asignatura y su calificación correspondiente</a:t>
-            </a:r>
-          </a:p>
-        </p:txBody>
-      </p:sp>
       <p:pic>
         <p:nvPicPr>
-          <p:cNvPr id="5" name="Imagen 4" descr="Texto&#10;&#10;Descripción generada automáticamente">
-            <a:extLst>
-              <a:ext uri="{FF2B5EF4-FFF2-40B4-BE49-F238E27FC236}">
-                <a16:creationId xmlns:a16="http://schemas.microsoft.com/office/drawing/2014/main" id="{539FCD5E-7F55-6EE0-9CC1-ABC7004D27E5}"/>
+          <p:cNvPr id="6" name="Imagen 5" descr="Diagrama&#10;&#10;Descripción generada automáticamente">
+            <a:extLst>
+              <a:ext uri="{FF2B5EF4-FFF2-40B4-BE49-F238E27FC236}">
+                <a16:creationId xmlns:a16="http://schemas.microsoft.com/office/drawing/2014/main" id="{9C9808A5-2645-1253-ECB9-F1E6FD43D01A}"/>
               </a:ext>
             </a:extLst>
           </p:cNvPr>
@@ -10592,8 +10475,8 @@
         </p:blipFill>
         <p:spPr>
           <a:xfrm>
-            <a:off x="3467311" y="2776757"/>
-            <a:ext cx="5257376" cy="3582098"/>
+            <a:off x="5352945" y="602479"/>
+            <a:ext cx="1196711" cy="3413696"/>
           </a:xfrm>
           <a:prstGeom prst="rect">
             <a:avLst/>
@@ -10603,7 +10486,7 @@
     </p:spTree>
     <p:extLst>
       <p:ext uri="{BB962C8B-B14F-4D97-AF65-F5344CB8AC3E}">
-        <p14:creationId xmlns:p14="http://schemas.microsoft.com/office/powerpoint/2010/main" val="3505550233"/>
+        <p14:creationId xmlns:p14="http://schemas.microsoft.com/office/powerpoint/2010/main" val="3089249106"/>
       </p:ext>
     </p:extLst>
   </p:cSld>
@@ -10635,6 +10518,407 @@
           <p:cNvPr id="2" name="Título 1">
             <a:extLst>
               <a:ext uri="{FF2B5EF4-FFF2-40B4-BE49-F238E27FC236}">
+                <a16:creationId xmlns:a16="http://schemas.microsoft.com/office/drawing/2014/main" id="{699DBA93-33D6-351E-0481-1AFB90151CC0}"/>
+              </a:ext>
+            </a:extLst>
+          </p:cNvPr>
+          <p:cNvSpPr>
+            <a:spLocks noGrp="1"/>
+          </p:cNvSpPr>
+          <p:nvPr>
+            <p:ph type="title"/>
+          </p:nvPr>
+        </p:nvSpPr>
+        <p:spPr/>
+        <p:txBody>
+          <a:bodyPr/>
+          <a:lstStyle/>
+          <a:p>
+            <a:r>
+              <a:rPr lang="es-ES" dirty="0"/>
+              <a:t>Ejemplo de mensaje</a:t>
+            </a:r>
+          </a:p>
+        </p:txBody>
+      </p:sp>
+      <p:sp>
+        <p:nvSpPr>
+          <p:cNvPr id="3" name="Marcador de contenido 2">
+            <a:extLst>
+              <a:ext uri="{FF2B5EF4-FFF2-40B4-BE49-F238E27FC236}">
+                <a16:creationId xmlns:a16="http://schemas.microsoft.com/office/drawing/2014/main" id="{6DB4D1E2-59B6-68AF-2048-74B77C976BD3}"/>
+              </a:ext>
+            </a:extLst>
+          </p:cNvPr>
+          <p:cNvSpPr>
+            <a:spLocks noGrp="1"/>
+          </p:cNvSpPr>
+          <p:nvPr>
+            <p:ph idx="1"/>
+          </p:nvPr>
+        </p:nvSpPr>
+        <p:spPr>
+          <a:xfrm>
+            <a:off x="581192" y="2180497"/>
+            <a:ext cx="11029615" cy="596260"/>
+          </a:xfrm>
+        </p:spPr>
+        <p:txBody>
+          <a:bodyPr>
+            <a:normAutofit lnSpcReduction="10000"/>
+          </a:bodyPr>
+          <a:lstStyle/>
+          <a:p>
+            <a:pPr algn="just"/>
+            <a:r>
+              <a:rPr lang="es-ES" dirty="0"/>
+              <a:t>Del </a:t>
+            </a:r>
+            <a:r>
+              <a:rPr lang="es-ES" dirty="0" err="1"/>
+              <a:t>Translator</a:t>
+            </a:r>
+            <a:r>
+              <a:rPr lang="es-ES" dirty="0"/>
+              <a:t> 3 saldrá el siguiente mensaje hacia la entrada del SMS Gateway, en el que enviaremos en el mensaje final, el teléfono del alumno junto con el nombre la asignatura y su calificación correspondiente</a:t>
+            </a:r>
+          </a:p>
+        </p:txBody>
+      </p:sp>
+      <p:pic>
+        <p:nvPicPr>
+          <p:cNvPr id="8" name="Imagen 7" descr="Texto&#10;&#10;Descripción generada automáticamente">
+            <a:extLst>
+              <a:ext uri="{FF2B5EF4-FFF2-40B4-BE49-F238E27FC236}">
+                <a16:creationId xmlns:a16="http://schemas.microsoft.com/office/drawing/2014/main" id="{321125DD-1B64-B5BB-0CCB-E86E1F20E483}"/>
+              </a:ext>
+            </a:extLst>
+          </p:cNvPr>
+          <p:cNvPicPr>
+            <a:picLocks noChangeAspect="1"/>
+          </p:cNvPicPr>
+          <p:nvPr/>
+        </p:nvPicPr>
+        <p:blipFill>
+          <a:blip r:embed="rId2"/>
+          <a:stretch>
+            <a:fillRect/>
+          </a:stretch>
+        </p:blipFill>
+        <p:spPr>
+          <a:xfrm>
+            <a:off x="747584" y="2952683"/>
+            <a:ext cx="10696831" cy="1566154"/>
+          </a:xfrm>
+          <a:prstGeom prst="rect">
+            <a:avLst/>
+          </a:prstGeom>
+        </p:spPr>
+      </p:pic>
+    </p:spTree>
+    <p:extLst>
+      <p:ext uri="{BB962C8B-B14F-4D97-AF65-F5344CB8AC3E}">
+        <p14:creationId xmlns:p14="http://schemas.microsoft.com/office/powerpoint/2010/main" val="1909711239"/>
+      </p:ext>
+    </p:extLst>
+  </p:cSld>
+  <p:clrMapOvr>
+    <a:masterClrMapping/>
+  </p:clrMapOvr>
+</p:sld>
+</file>
+
+<file path=ppt/slides/slide46.xml><?xml version="1.0" encoding="utf-8"?>
+<p:sld xmlns:a="http://schemas.openxmlformats.org/drawingml/2006/main" xmlns:r="http://schemas.openxmlformats.org/officeDocument/2006/relationships" xmlns:p="http://schemas.openxmlformats.org/presentationml/2006/main">
+  <p:cSld>
+    <p:spTree>
+      <p:nvGrpSpPr>
+        <p:cNvPr id="1" name=""/>
+        <p:cNvGrpSpPr/>
+        <p:nvPr/>
+      </p:nvGrpSpPr>
+      <p:grpSpPr>
+        <a:xfrm>
+          <a:off x="0" y="0"/>
+          <a:ext cx="0" cy="0"/>
+          <a:chOff x="0" y="0"/>
+          <a:chExt cx="0" cy="0"/>
+        </a:xfrm>
+      </p:grpSpPr>
+      <p:sp>
+        <p:nvSpPr>
+          <p:cNvPr id="2" name="Título 1">
+            <a:extLst>
+              <a:ext uri="{FF2B5EF4-FFF2-40B4-BE49-F238E27FC236}">
+                <a16:creationId xmlns:a16="http://schemas.microsoft.com/office/drawing/2014/main" id="{8D692F28-0EB3-DCB5-3631-5C098A06243D}"/>
+              </a:ext>
+            </a:extLst>
+          </p:cNvPr>
+          <p:cNvSpPr>
+            <a:spLocks noGrp="1"/>
+          </p:cNvSpPr>
+          <p:nvPr>
+            <p:ph type="title"/>
+          </p:nvPr>
+        </p:nvSpPr>
+        <p:spPr/>
+        <p:txBody>
+          <a:bodyPr>
+            <a:normAutofit/>
+          </a:bodyPr>
+          <a:lstStyle/>
+          <a:p>
+            <a:r>
+              <a:rPr lang="es-ES" sz="3200" dirty="0">
+                <a:sym typeface="Wingdings" panose="05000000000000000000" pitchFamily="2" charset="2"/>
+              </a:rPr>
+              <a:t>CONTEXT ENRICHER 2 TRANSLATOR 2</a:t>
+            </a:r>
+            <a:endParaRPr lang="es-ES" sz="3200" dirty="0"/>
+          </a:p>
+        </p:txBody>
+      </p:sp>
+      <p:sp>
+        <p:nvSpPr>
+          <p:cNvPr id="3" name="Marcador de texto 2">
+            <a:extLst>
+              <a:ext uri="{FF2B5EF4-FFF2-40B4-BE49-F238E27FC236}">
+                <a16:creationId xmlns:a16="http://schemas.microsoft.com/office/drawing/2014/main" id="{5B493C32-E059-9D76-B9C6-68E6600AAD06}"/>
+              </a:ext>
+            </a:extLst>
+          </p:cNvPr>
+          <p:cNvSpPr>
+            <a:spLocks noGrp="1"/>
+          </p:cNvSpPr>
+          <p:nvPr>
+            <p:ph type="body" idx="1"/>
+          </p:nvPr>
+        </p:nvSpPr>
+        <p:spPr/>
+        <p:txBody>
+          <a:bodyPr/>
+          <a:lstStyle/>
+          <a:p>
+            <a:r>
+              <a:rPr lang="es-ES" dirty="0"/>
+              <a:t>Ejemplo de mensaje</a:t>
+            </a:r>
+          </a:p>
+        </p:txBody>
+      </p:sp>
+      <p:pic>
+        <p:nvPicPr>
+          <p:cNvPr id="5" name="Imagen 4" descr="Interfaz de usuario gráfica, Aplicación&#10;&#10;Descripción generada automáticamente con confianza media">
+            <a:extLst>
+              <a:ext uri="{FF2B5EF4-FFF2-40B4-BE49-F238E27FC236}">
+                <a16:creationId xmlns:a16="http://schemas.microsoft.com/office/drawing/2014/main" id="{984F0027-C6EE-7C78-DF26-DEAB8A466871}"/>
+              </a:ext>
+            </a:extLst>
+          </p:cNvPr>
+          <p:cNvPicPr>
+            <a:picLocks noChangeAspect="1"/>
+          </p:cNvPicPr>
+          <p:nvPr/>
+        </p:nvPicPr>
+        <p:blipFill>
+          <a:blip r:embed="rId2"/>
+          <a:stretch>
+            <a:fillRect/>
+          </a:stretch>
+        </p:blipFill>
+        <p:spPr>
+          <a:xfrm>
+            <a:off x="4027354" y="643133"/>
+            <a:ext cx="4137292" cy="3207296"/>
+          </a:xfrm>
+          <a:prstGeom prst="rect">
+            <a:avLst/>
+          </a:prstGeom>
+        </p:spPr>
+      </p:pic>
+    </p:spTree>
+    <p:extLst>
+      <p:ext uri="{BB962C8B-B14F-4D97-AF65-F5344CB8AC3E}">
+        <p14:creationId xmlns:p14="http://schemas.microsoft.com/office/powerpoint/2010/main" val="113073816"/>
+      </p:ext>
+    </p:extLst>
+  </p:cSld>
+  <p:clrMapOvr>
+    <a:masterClrMapping/>
+  </p:clrMapOvr>
+</p:sld>
+</file>
+
+<file path=ppt/slides/slide47.xml><?xml version="1.0" encoding="utf-8"?>
+<p:sld xmlns:a="http://schemas.openxmlformats.org/drawingml/2006/main" xmlns:r="http://schemas.openxmlformats.org/officeDocument/2006/relationships" xmlns:p="http://schemas.openxmlformats.org/presentationml/2006/main">
+  <p:cSld>
+    <p:spTree>
+      <p:nvGrpSpPr>
+        <p:cNvPr id="1" name=""/>
+        <p:cNvGrpSpPr/>
+        <p:nvPr/>
+      </p:nvGrpSpPr>
+      <p:grpSpPr>
+        <a:xfrm>
+          <a:off x="0" y="0"/>
+          <a:ext cx="0" cy="0"/>
+          <a:chOff x="0" y="0"/>
+          <a:chExt cx="0" cy="0"/>
+        </a:xfrm>
+      </p:grpSpPr>
+      <p:sp>
+        <p:nvSpPr>
+          <p:cNvPr id="2" name="Título 1">
+            <a:extLst>
+              <a:ext uri="{FF2B5EF4-FFF2-40B4-BE49-F238E27FC236}">
+                <a16:creationId xmlns:a16="http://schemas.microsoft.com/office/drawing/2014/main" id="{699DBA93-33D6-351E-0481-1AFB90151CC0}"/>
+              </a:ext>
+            </a:extLst>
+          </p:cNvPr>
+          <p:cNvSpPr>
+            <a:spLocks noGrp="1"/>
+          </p:cNvSpPr>
+          <p:nvPr>
+            <p:ph type="title"/>
+          </p:nvPr>
+        </p:nvSpPr>
+        <p:spPr/>
+        <p:txBody>
+          <a:bodyPr/>
+          <a:lstStyle/>
+          <a:p>
+            <a:r>
+              <a:rPr lang="es-ES" dirty="0"/>
+              <a:t>Ejemplo de mensaje</a:t>
+            </a:r>
+          </a:p>
+        </p:txBody>
+      </p:sp>
+      <p:sp>
+        <p:nvSpPr>
+          <p:cNvPr id="3" name="Marcador de contenido 2">
+            <a:extLst>
+              <a:ext uri="{FF2B5EF4-FFF2-40B4-BE49-F238E27FC236}">
+                <a16:creationId xmlns:a16="http://schemas.microsoft.com/office/drawing/2014/main" id="{6DB4D1E2-59B6-68AF-2048-74B77C976BD3}"/>
+              </a:ext>
+            </a:extLst>
+          </p:cNvPr>
+          <p:cNvSpPr>
+            <a:spLocks noGrp="1"/>
+          </p:cNvSpPr>
+          <p:nvPr>
+            <p:ph idx="1"/>
+          </p:nvPr>
+        </p:nvSpPr>
+        <p:spPr>
+          <a:xfrm>
+            <a:off x="581192" y="2180497"/>
+            <a:ext cx="11029615" cy="596260"/>
+          </a:xfrm>
+        </p:spPr>
+        <p:txBody>
+          <a:bodyPr>
+            <a:normAutofit lnSpcReduction="10000"/>
+          </a:bodyPr>
+          <a:lstStyle/>
+          <a:p>
+            <a:pPr algn="just"/>
+            <a:r>
+              <a:rPr lang="es-ES" dirty="0"/>
+              <a:t>Del </a:t>
+            </a:r>
+            <a:r>
+              <a:rPr lang="es-ES" dirty="0" err="1"/>
+              <a:t>Context</a:t>
+            </a:r>
+            <a:r>
+              <a:rPr lang="es-ES" dirty="0"/>
+              <a:t> </a:t>
+            </a:r>
+            <a:r>
+              <a:rPr lang="es-ES" dirty="0" err="1"/>
+              <a:t>Enricher</a:t>
+            </a:r>
+            <a:r>
+              <a:rPr lang="es-ES" dirty="0"/>
+              <a:t> 2 saldrá el siguiente mensaje hacia la entrada del </a:t>
+            </a:r>
+            <a:r>
+              <a:rPr lang="es-ES" dirty="0" err="1"/>
+              <a:t>Translator</a:t>
+            </a:r>
+            <a:r>
+              <a:rPr lang="es-ES" dirty="0"/>
+              <a:t> 2, en el que enviaremos en el mensaje final, el correo del alumno junto con el nombre la asignatura y su calificación correspondiente</a:t>
+            </a:r>
+          </a:p>
+        </p:txBody>
+      </p:sp>
+      <p:pic>
+        <p:nvPicPr>
+          <p:cNvPr id="5" name="Imagen 4" descr="Texto&#10;&#10;Descripción generada automáticamente">
+            <a:extLst>
+              <a:ext uri="{FF2B5EF4-FFF2-40B4-BE49-F238E27FC236}">
+                <a16:creationId xmlns:a16="http://schemas.microsoft.com/office/drawing/2014/main" id="{539FCD5E-7F55-6EE0-9CC1-ABC7004D27E5}"/>
+              </a:ext>
+            </a:extLst>
+          </p:cNvPr>
+          <p:cNvPicPr>
+            <a:picLocks noChangeAspect="1"/>
+          </p:cNvPicPr>
+          <p:nvPr/>
+        </p:nvPicPr>
+        <p:blipFill>
+          <a:blip r:embed="rId2"/>
+          <a:stretch>
+            <a:fillRect/>
+          </a:stretch>
+        </p:blipFill>
+        <p:spPr>
+          <a:xfrm>
+            <a:off x="3467311" y="2776757"/>
+            <a:ext cx="5257376" cy="3582098"/>
+          </a:xfrm>
+          <a:prstGeom prst="rect">
+            <a:avLst/>
+          </a:prstGeom>
+        </p:spPr>
+      </p:pic>
+    </p:spTree>
+    <p:extLst>
+      <p:ext uri="{BB962C8B-B14F-4D97-AF65-F5344CB8AC3E}">
+        <p14:creationId xmlns:p14="http://schemas.microsoft.com/office/powerpoint/2010/main" val="3505550233"/>
+      </p:ext>
+    </p:extLst>
+  </p:cSld>
+  <p:clrMapOvr>
+    <a:masterClrMapping/>
+  </p:clrMapOvr>
+</p:sld>
+</file>
+
+<file path=ppt/slides/slide48.xml><?xml version="1.0" encoding="utf-8"?>
+<p:sld xmlns:a="http://schemas.openxmlformats.org/drawingml/2006/main" xmlns:r="http://schemas.openxmlformats.org/officeDocument/2006/relationships" xmlns:p="http://schemas.openxmlformats.org/presentationml/2006/main">
+  <p:cSld>
+    <p:spTree>
+      <p:nvGrpSpPr>
+        <p:cNvPr id="1" name=""/>
+        <p:cNvGrpSpPr/>
+        <p:nvPr/>
+      </p:nvGrpSpPr>
+      <p:grpSpPr>
+        <a:xfrm>
+          <a:off x="0" y="0"/>
+          <a:ext cx="0" cy="0"/>
+          <a:chOff x="0" y="0"/>
+          <a:chExt cx="0" cy="0"/>
+        </a:xfrm>
+      </p:grpSpPr>
+      <p:sp>
+        <p:nvSpPr>
+          <p:cNvPr id="2" name="Título 1">
+            <a:extLst>
+              <a:ext uri="{FF2B5EF4-FFF2-40B4-BE49-F238E27FC236}">
                 <a16:creationId xmlns:a16="http://schemas.microsoft.com/office/drawing/2014/main" id="{8D692F28-0EB3-DCB5-3631-5C098A06243D}"/>
               </a:ext>
             </a:extLst>
@@ -10740,7 +11024,7 @@
 </p:sld>
 </file>
 
-<file path=ppt/slides/slide46.xml><?xml version="1.0" encoding="utf-8"?>
+<file path=ppt/slides/slide49.xml><?xml version="1.0" encoding="utf-8"?>
 <p:sld xmlns:a="http://schemas.openxmlformats.org/drawingml/2006/main" xmlns:r="http://schemas.openxmlformats.org/officeDocument/2006/relationships" xmlns:p="http://schemas.openxmlformats.org/presentationml/2006/main">
   <p:cSld>
     <p:spTree>
@@ -10894,7 +11178,7 @@
           <p:cNvPr id="2" name="Título 1">
             <a:extLst>
               <a:ext uri="{FF2B5EF4-FFF2-40B4-BE49-F238E27FC236}">
-                <a16:creationId xmlns:a16="http://schemas.microsoft.com/office/drawing/2014/main" id="{8D692F28-0EB3-DCB5-3631-5C098A06243D}"/>
+                <a16:creationId xmlns:a16="http://schemas.microsoft.com/office/drawing/2014/main" id="{3862B44E-422C-1495-5730-9A26A321B701}"/>
               </a:ext>
             </a:extLst>
           </p:cNvPr>
@@ -10907,69 +11191,12 @@
         </p:nvSpPr>
         <p:spPr/>
         <p:txBody>
-          <a:bodyPr>
-            <a:normAutofit/>
-          </a:bodyPr>
-          <a:lstStyle/>
-          <a:p>
-            <a:r>
-              <a:rPr lang="es-ES" sz="3200" dirty="0"/>
-              <a:t>Slot </a:t>
-            </a:r>
-            <a:r>
-              <a:rPr lang="es-ES" sz="3200" dirty="0" err="1"/>
-              <a:t>Slimmer</a:t>
-            </a:r>
-            <a:r>
-              <a:rPr lang="es-ES" sz="3200" dirty="0"/>
-              <a:t> 1 </a:t>
-            </a:r>
-            <a:r>
-              <a:rPr lang="es-ES" sz="3200" dirty="0">
-                <a:sym typeface="Wingdings" panose="05000000000000000000" pitchFamily="2" charset="2"/>
-              </a:rPr>
-              <a:t> </a:t>
-            </a:r>
-            <a:r>
-              <a:rPr lang="es-ES" sz="3200" dirty="0" err="1">
-                <a:sym typeface="Wingdings" panose="05000000000000000000" pitchFamily="2" charset="2"/>
-              </a:rPr>
-              <a:t>splitter</a:t>
-            </a:r>
-            <a:r>
-              <a:rPr lang="es-ES" sz="3200" dirty="0">
-                <a:sym typeface="Wingdings" panose="05000000000000000000" pitchFamily="2" charset="2"/>
-              </a:rPr>
-              <a:t> 1</a:t>
-            </a:r>
-            <a:endParaRPr lang="es-ES" sz="3200" dirty="0"/>
-          </a:p>
-        </p:txBody>
-      </p:sp>
-      <p:sp>
-        <p:nvSpPr>
-          <p:cNvPr id="3" name="Marcador de texto 2">
-            <a:extLst>
-              <a:ext uri="{FF2B5EF4-FFF2-40B4-BE49-F238E27FC236}">
-                <a16:creationId xmlns:a16="http://schemas.microsoft.com/office/drawing/2014/main" id="{5B493C32-E059-9D76-B9C6-68E6600AAD06}"/>
-              </a:ext>
-            </a:extLst>
-          </p:cNvPr>
-          <p:cNvSpPr>
-            <a:spLocks noGrp="1"/>
-          </p:cNvSpPr>
-          <p:nvPr>
-            <p:ph type="body" idx="1"/>
-          </p:nvPr>
-        </p:nvSpPr>
-        <p:spPr/>
-        <p:txBody>
           <a:bodyPr/>
           <a:lstStyle/>
           <a:p>
             <a:r>
               <a:rPr lang="es-ES" dirty="0"/>
-              <a:t>Ejemplo de mensaje</a:t>
+              <a:t>TAREAS PRESENTES EN EL EJERCICIO 1</a:t>
             </a:r>
           </a:p>
         </p:txBody>
@@ -10979,7 +11206,7 @@
           <p:cNvPr id="5" name="Imagen 4">
             <a:extLst>
               <a:ext uri="{FF2B5EF4-FFF2-40B4-BE49-F238E27FC236}">
-                <a16:creationId xmlns:a16="http://schemas.microsoft.com/office/drawing/2014/main" id="{EF0E2ACB-2E81-458F-EB25-B9A79B988AC6}"/>
+                <a16:creationId xmlns:a16="http://schemas.microsoft.com/office/drawing/2014/main" id="{5C685EBE-6A44-AF3A-E25F-C17B4BED1DE6}"/>
               </a:ext>
             </a:extLst>
           </p:cNvPr>
@@ -10996,8 +11223,8 @@
         </p:blipFill>
         <p:spPr>
           <a:xfrm>
-            <a:off x="3548628" y="1392458"/>
-            <a:ext cx="5094743" cy="2101792"/>
+            <a:off x="1836473" y="2041783"/>
+            <a:ext cx="8519053" cy="4816217"/>
           </a:xfrm>
           <a:prstGeom prst="rect">
             <a:avLst/>
@@ -11007,7 +11234,236 @@
     </p:spTree>
     <p:extLst>
       <p:ext uri="{BB962C8B-B14F-4D97-AF65-F5344CB8AC3E}">
-        <p14:creationId xmlns:p14="http://schemas.microsoft.com/office/powerpoint/2010/main" val="2367938491"/>
+        <p14:creationId xmlns:p14="http://schemas.microsoft.com/office/powerpoint/2010/main" val="3892038369"/>
+      </p:ext>
+    </p:extLst>
+  </p:cSld>
+  <p:clrMapOvr>
+    <a:masterClrMapping/>
+  </p:clrMapOvr>
+</p:sld>
+</file>
+
+<file path=ppt/slides/slide50.xml><?xml version="1.0" encoding="utf-8"?>
+<p:sld xmlns:a="http://schemas.openxmlformats.org/drawingml/2006/main" xmlns:r="http://schemas.openxmlformats.org/officeDocument/2006/relationships" xmlns:p="http://schemas.openxmlformats.org/presentationml/2006/main">
+  <p:cSld>
+    <p:spTree>
+      <p:nvGrpSpPr>
+        <p:cNvPr id="1" name=""/>
+        <p:cNvGrpSpPr/>
+        <p:nvPr/>
+      </p:nvGrpSpPr>
+      <p:grpSpPr>
+        <a:xfrm>
+          <a:off x="0" y="0"/>
+          <a:ext cx="0" cy="0"/>
+          <a:chOff x="0" y="0"/>
+          <a:chExt cx="0" cy="0"/>
+        </a:xfrm>
+      </p:grpSpPr>
+      <p:sp>
+        <p:nvSpPr>
+          <p:cNvPr id="2" name="Título 1">
+            <a:extLst>
+              <a:ext uri="{FF2B5EF4-FFF2-40B4-BE49-F238E27FC236}">
+                <a16:creationId xmlns:a16="http://schemas.microsoft.com/office/drawing/2014/main" id="{80901AA9-C238-90FC-12CA-367FFB28C517}"/>
+              </a:ext>
+            </a:extLst>
+          </p:cNvPr>
+          <p:cNvSpPr>
+            <a:spLocks noGrp="1"/>
+          </p:cNvSpPr>
+          <p:nvPr>
+            <p:ph type="ctrTitle"/>
+          </p:nvPr>
+        </p:nvSpPr>
+        <p:spPr/>
+        <p:txBody>
+          <a:bodyPr/>
+          <a:lstStyle/>
+          <a:p>
+            <a:r>
+              <a:rPr lang="es-ES" dirty="0"/>
+              <a:t>3) Alternativas de diseño y otros aspectos de interés.</a:t>
+            </a:r>
+          </a:p>
+        </p:txBody>
+      </p:sp>
+    </p:spTree>
+    <p:extLst>
+      <p:ext uri="{BB962C8B-B14F-4D97-AF65-F5344CB8AC3E}">
+        <p14:creationId xmlns:p14="http://schemas.microsoft.com/office/powerpoint/2010/main" val="738957461"/>
+      </p:ext>
+    </p:extLst>
+  </p:cSld>
+  <p:clrMapOvr>
+    <a:masterClrMapping/>
+  </p:clrMapOvr>
+</p:sld>
+</file>
+
+<file path=ppt/slides/slide51.xml><?xml version="1.0" encoding="utf-8"?>
+<p:sld xmlns:a="http://schemas.openxmlformats.org/drawingml/2006/main" xmlns:r="http://schemas.openxmlformats.org/officeDocument/2006/relationships" xmlns:p="http://schemas.openxmlformats.org/presentationml/2006/main">
+  <p:cSld>
+    <p:spTree>
+      <p:nvGrpSpPr>
+        <p:cNvPr id="1" name=""/>
+        <p:cNvGrpSpPr/>
+        <p:nvPr/>
+      </p:nvGrpSpPr>
+      <p:grpSpPr>
+        <a:xfrm>
+          <a:off x="0" y="0"/>
+          <a:ext cx="0" cy="0"/>
+          <a:chOff x="0" y="0"/>
+          <a:chExt cx="0" cy="0"/>
+        </a:xfrm>
+      </p:grpSpPr>
+      <p:sp>
+        <p:nvSpPr>
+          <p:cNvPr id="2" name="Título 1">
+            <a:extLst>
+              <a:ext uri="{FF2B5EF4-FFF2-40B4-BE49-F238E27FC236}">
+                <a16:creationId xmlns:a16="http://schemas.microsoft.com/office/drawing/2014/main" id="{3F8CBE1A-19F0-19A1-5470-4B933795265E}"/>
+              </a:ext>
+            </a:extLst>
+          </p:cNvPr>
+          <p:cNvSpPr>
+            <a:spLocks noGrp="1"/>
+          </p:cNvSpPr>
+          <p:nvPr>
+            <p:ph type="title"/>
+          </p:nvPr>
+        </p:nvSpPr>
+        <p:spPr>
+          <a:xfrm>
+            <a:off x="581193" y="729658"/>
+            <a:ext cx="11029616" cy="988332"/>
+          </a:xfrm>
+        </p:spPr>
+        <p:txBody>
+          <a:bodyPr anchor="b">
+            <a:normAutofit/>
+          </a:bodyPr>
+          <a:lstStyle/>
+          <a:p>
+            <a:r>
+              <a:rPr lang="es-ES" dirty="0"/>
+              <a:t>Alternativas de diseño y otros aspectos de interés</a:t>
+            </a:r>
+          </a:p>
+        </p:txBody>
+      </p:sp>
+      <p:sp>
+        <p:nvSpPr>
+          <p:cNvPr id="3" name="Marcador de contenido 2">
+            <a:extLst>
+              <a:ext uri="{FF2B5EF4-FFF2-40B4-BE49-F238E27FC236}">
+                <a16:creationId xmlns:a16="http://schemas.microsoft.com/office/drawing/2014/main" id="{E845CD5A-E67B-6041-0EE5-F113F9CBAD79}"/>
+              </a:ext>
+            </a:extLst>
+          </p:cNvPr>
+          <p:cNvSpPr>
+            <a:spLocks noGrp="1"/>
+          </p:cNvSpPr>
+          <p:nvPr>
+            <p:ph sz="half" idx="1"/>
+          </p:nvPr>
+        </p:nvSpPr>
+        <p:spPr>
+          <a:xfrm>
+            <a:off x="581193" y="2228003"/>
+            <a:ext cx="5422390" cy="3633047"/>
+          </a:xfrm>
+        </p:spPr>
+        <p:txBody>
+          <a:bodyPr anchor="ctr">
+            <a:normAutofit/>
+          </a:bodyPr>
+          <a:lstStyle/>
+          <a:p>
+            <a:pPr algn="just"/>
+            <a:r>
+              <a:rPr lang="es-ES" dirty="0"/>
+              <a:t>Como alternativa de diseño se podría plantear un cambio en el formato del mensaje de salida proporcionado por el </a:t>
+            </a:r>
+            <a:r>
+              <a:rPr lang="es-ES" dirty="0" err="1"/>
+              <a:t>Student</a:t>
+            </a:r>
+            <a:r>
+              <a:rPr lang="es-ES" dirty="0"/>
+              <a:t> Management </a:t>
+            </a:r>
+            <a:r>
+              <a:rPr lang="es-ES" dirty="0" err="1"/>
+              <a:t>System</a:t>
+            </a:r>
+            <a:r>
+              <a:rPr lang="es-ES" dirty="0"/>
+              <a:t>.</a:t>
+            </a:r>
+          </a:p>
+          <a:p>
+            <a:pPr algn="just"/>
+            <a:r>
+              <a:rPr lang="es-ES" dirty="0"/>
+              <a:t>Ya que el </a:t>
+            </a:r>
+            <a:r>
+              <a:rPr lang="es-ES" dirty="0" err="1"/>
+              <a:t>Student</a:t>
+            </a:r>
+            <a:r>
+              <a:rPr lang="es-ES" dirty="0"/>
+              <a:t> Management </a:t>
+            </a:r>
+            <a:r>
+              <a:rPr lang="es-ES" dirty="0" err="1"/>
+              <a:t>System</a:t>
+            </a:r>
+            <a:r>
+              <a:rPr lang="es-ES" dirty="0"/>
+              <a:t> tiene acceso a todos los datos del estudiante, si se da por hecho que, por tanto, contiene el de las calificaciones, ahorraría mucha complejidad en el diseño.</a:t>
+            </a:r>
+          </a:p>
+        </p:txBody>
+      </p:sp>
+      <p:pic>
+        <p:nvPicPr>
+          <p:cNvPr id="5" name="Imagen 4">
+            <a:extLst>
+              <a:ext uri="{FF2B5EF4-FFF2-40B4-BE49-F238E27FC236}">
+                <a16:creationId xmlns:a16="http://schemas.microsoft.com/office/drawing/2014/main" id="{1E44068B-CEE7-A328-2761-7996F370241E}"/>
+              </a:ext>
+            </a:extLst>
+          </p:cNvPr>
+          <p:cNvPicPr>
+            <a:picLocks noChangeAspect="1"/>
+          </p:cNvPicPr>
+          <p:nvPr/>
+        </p:nvPicPr>
+        <p:blipFill>
+          <a:blip r:embed="rId2"/>
+          <a:stretch>
+            <a:fillRect/>
+          </a:stretch>
+        </p:blipFill>
+        <p:spPr>
+          <a:xfrm>
+            <a:off x="6491663" y="2228003"/>
+            <a:ext cx="4815899" cy="3633047"/>
+          </a:xfrm>
+          <a:prstGeom prst="rect">
+            <a:avLst/>
+          </a:prstGeom>
+          <a:noFill/>
+        </p:spPr>
+      </p:pic>
+    </p:spTree>
+    <p:extLst>
+      <p:ext uri="{BB962C8B-B14F-4D97-AF65-F5344CB8AC3E}">
+        <p14:creationId xmlns:p14="http://schemas.microsoft.com/office/powerpoint/2010/main" val="1934328076"/>
       </p:ext>
     </p:extLst>
   </p:cSld>
@@ -11039,7 +11495,7 @@
           <p:cNvPr id="2" name="Título 1">
             <a:extLst>
               <a:ext uri="{FF2B5EF4-FFF2-40B4-BE49-F238E27FC236}">
-                <a16:creationId xmlns:a16="http://schemas.microsoft.com/office/drawing/2014/main" id="{699DBA93-33D6-351E-0481-1AFB90151CC0}"/>
+                <a16:creationId xmlns:a16="http://schemas.microsoft.com/office/drawing/2014/main" id="{8D692F28-0EB3-DCB5-3631-5C098A06243D}"/>
               </a:ext>
             </a:extLst>
           </p:cNvPr>
@@ -11048,6 +11504,79 @@
           </p:cNvSpPr>
           <p:nvPr>
             <p:ph type="title"/>
+          </p:nvPr>
+        </p:nvSpPr>
+        <p:spPr/>
+        <p:txBody>
+          <a:bodyPr>
+            <a:normAutofit/>
+          </a:bodyPr>
+          <a:lstStyle/>
+          <a:p>
+            <a:r>
+              <a:rPr lang="es-ES" sz="3200" dirty="0"/>
+              <a:t>Slot </a:t>
+            </a:r>
+            <a:r>
+              <a:rPr lang="es-ES" sz="3200" dirty="0" err="1"/>
+              <a:t>Grading</a:t>
+            </a:r>
+            <a:r>
+              <a:rPr lang="es-ES" sz="3200" dirty="0"/>
+              <a:t> </a:t>
+            </a:r>
+            <a:r>
+              <a:rPr lang="es-ES" sz="3200" dirty="0" err="1"/>
+              <a:t>management</a:t>
+            </a:r>
+            <a:r>
+              <a:rPr lang="es-ES" sz="3200" dirty="0"/>
+              <a:t> </a:t>
+            </a:r>
+            <a:r>
+              <a:rPr lang="es-ES" sz="3200" dirty="0" err="1"/>
+              <a:t>system</a:t>
+            </a:r>
+            <a:r>
+              <a:rPr lang="es-ES" sz="3200" dirty="0"/>
+              <a:t> </a:t>
+            </a:r>
+            <a:r>
+              <a:rPr lang="es-ES" sz="3200" dirty="0">
+                <a:sym typeface="Wingdings" panose="05000000000000000000" pitchFamily="2" charset="2"/>
+              </a:rPr>
+              <a:t> </a:t>
+            </a:r>
+            <a:r>
+              <a:rPr lang="es-ES" sz="3200" dirty="0" err="1">
+                <a:sym typeface="Wingdings" panose="05000000000000000000" pitchFamily="2" charset="2"/>
+              </a:rPr>
+              <a:t>slimmer</a:t>
+            </a:r>
+            <a:r>
+              <a:rPr lang="es-ES" sz="3200" dirty="0">
+                <a:sym typeface="Wingdings" panose="05000000000000000000" pitchFamily="2" charset="2"/>
+              </a:rPr>
+              <a:t> 1</a:t>
+            </a:r>
+            <a:endParaRPr lang="es-ES" sz="3200" dirty="0"/>
+          </a:p>
+        </p:txBody>
+      </p:sp>
+      <p:sp>
+        <p:nvSpPr>
+          <p:cNvPr id="3" name="Marcador de texto 2">
+            <a:extLst>
+              <a:ext uri="{FF2B5EF4-FFF2-40B4-BE49-F238E27FC236}">
+                <a16:creationId xmlns:a16="http://schemas.microsoft.com/office/drawing/2014/main" id="{5B493C32-E059-9D76-B9C6-68E6600AAD06}"/>
+              </a:ext>
+            </a:extLst>
+          </p:cNvPr>
+          <p:cNvSpPr>
+            <a:spLocks noGrp="1"/>
+          </p:cNvSpPr>
+          <p:nvPr>
+            <p:ph type="body" idx="1"/>
           </p:nvPr>
         </p:nvSpPr>
         <p:spPr/>
@@ -11062,63 +11591,12 @@
           </a:p>
         </p:txBody>
       </p:sp>
-      <p:sp>
-        <p:nvSpPr>
-          <p:cNvPr id="3" name="Marcador de contenido 2">
-            <a:extLst>
-              <a:ext uri="{FF2B5EF4-FFF2-40B4-BE49-F238E27FC236}">
-                <a16:creationId xmlns:a16="http://schemas.microsoft.com/office/drawing/2014/main" id="{6DB4D1E2-59B6-68AF-2048-74B77C976BD3}"/>
-              </a:ext>
-            </a:extLst>
-          </p:cNvPr>
-          <p:cNvSpPr>
-            <a:spLocks noGrp="1"/>
-          </p:cNvSpPr>
-          <p:nvPr>
-            <p:ph idx="1"/>
-          </p:nvPr>
-        </p:nvSpPr>
-        <p:spPr>
-          <a:xfrm>
-            <a:off x="581192" y="2180497"/>
-            <a:ext cx="11029615" cy="596260"/>
-          </a:xfrm>
-        </p:spPr>
-        <p:txBody>
-          <a:bodyPr>
-            <a:normAutofit lnSpcReduction="10000"/>
-          </a:bodyPr>
-          <a:lstStyle/>
-          <a:p>
-            <a:r>
-              <a:rPr lang="es-ES" dirty="0"/>
-              <a:t>Del </a:t>
-            </a:r>
-            <a:r>
-              <a:rPr lang="es-ES" dirty="0" err="1"/>
-              <a:t>Slimmer</a:t>
-            </a:r>
-            <a:r>
-              <a:rPr lang="es-ES" dirty="0"/>
-              <a:t> 1 saldrá el siguiente mensaje hacia la entrada del </a:t>
-            </a:r>
-            <a:r>
-              <a:rPr lang="es-ES" dirty="0" err="1"/>
-              <a:t>Splitter</a:t>
-            </a:r>
-            <a:r>
-              <a:rPr lang="es-ES" dirty="0"/>
-              <a:t> 1, nos quedaríamos solo con la información del alumno:</a:t>
-            </a:r>
-          </a:p>
-        </p:txBody>
-      </p:sp>
       <p:pic>
         <p:nvPicPr>
-          <p:cNvPr id="9" name="Imagen 8">
-            <a:extLst>
-              <a:ext uri="{FF2B5EF4-FFF2-40B4-BE49-F238E27FC236}">
-                <a16:creationId xmlns:a16="http://schemas.microsoft.com/office/drawing/2014/main" id="{C06F0592-24DB-E7CE-F4C1-4D6E99ACA6DF}"/>
+          <p:cNvPr id="5" name="Imagen 4">
+            <a:extLst>
+              <a:ext uri="{FF2B5EF4-FFF2-40B4-BE49-F238E27FC236}">
+                <a16:creationId xmlns:a16="http://schemas.microsoft.com/office/drawing/2014/main" id="{F8899890-1AB3-7CF8-2DC5-20E3559439A7}"/>
               </a:ext>
             </a:extLst>
           </p:cNvPr>
@@ -11135,38 +11613,8 @@
         </p:blipFill>
         <p:spPr>
           <a:xfrm>
-            <a:off x="2468147" y="2776757"/>
-            <a:ext cx="3198388" cy="3756980"/>
-          </a:xfrm>
-          <a:prstGeom prst="rect">
-            <a:avLst/>
-          </a:prstGeom>
-        </p:spPr>
-      </p:pic>
-      <p:pic>
-        <p:nvPicPr>
-          <p:cNvPr id="11" name="Imagen 10">
-            <a:extLst>
-              <a:ext uri="{FF2B5EF4-FFF2-40B4-BE49-F238E27FC236}">
-                <a16:creationId xmlns:a16="http://schemas.microsoft.com/office/drawing/2014/main" id="{ED973C40-17A1-C257-209E-5B5CDC0A6076}"/>
-              </a:ext>
-            </a:extLst>
-          </p:cNvPr>
-          <p:cNvPicPr>
-            <a:picLocks noChangeAspect="1"/>
-          </p:cNvPicPr>
-          <p:nvPr/>
-        </p:nvPicPr>
-        <p:blipFill>
-          <a:blip r:embed="rId3"/>
-          <a:stretch>
-            <a:fillRect/>
-          </a:stretch>
-        </p:blipFill>
-        <p:spPr>
-          <a:xfrm>
-            <a:off x="6095999" y="2647537"/>
-            <a:ext cx="3486150" cy="3886200"/>
+            <a:off x="3468875" y="1249830"/>
+            <a:ext cx="5254250" cy="2387048"/>
           </a:xfrm>
           <a:prstGeom prst="rect">
             <a:avLst/>
@@ -11176,7 +11624,7 @@
     </p:spTree>
     <p:extLst>
       <p:ext uri="{BB962C8B-B14F-4D97-AF65-F5344CB8AC3E}">
-        <p14:creationId xmlns:p14="http://schemas.microsoft.com/office/powerpoint/2010/main" val="1432736476"/>
+        <p14:creationId xmlns:p14="http://schemas.microsoft.com/office/powerpoint/2010/main" val="2171636912"/>
       </p:ext>
     </p:extLst>
   </p:cSld>
@@ -11208,7 +11656,7 @@
           <p:cNvPr id="2" name="Título 1">
             <a:extLst>
               <a:ext uri="{FF2B5EF4-FFF2-40B4-BE49-F238E27FC236}">
-                <a16:creationId xmlns:a16="http://schemas.microsoft.com/office/drawing/2014/main" id="{8D692F28-0EB3-DCB5-3631-5C098A06243D}"/>
+                <a16:creationId xmlns:a16="http://schemas.microsoft.com/office/drawing/2014/main" id="{3A186298-6487-729D-77A1-DED8ADE31EF9}"/>
               </a:ext>
             </a:extLst>
           </p:cNvPr>
@@ -11217,55 +11665,6 @@
           </p:cNvSpPr>
           <p:nvPr>
             <p:ph type="title"/>
-          </p:nvPr>
-        </p:nvSpPr>
-        <p:spPr/>
-        <p:txBody>
-          <a:bodyPr>
-            <a:normAutofit/>
-          </a:bodyPr>
-          <a:lstStyle/>
-          <a:p>
-            <a:r>
-              <a:rPr lang="es-ES" sz="3200" dirty="0"/>
-              <a:t>Slot SPLITTER 1</a:t>
-            </a:r>
-            <a:r>
-              <a:rPr lang="es-ES" sz="3200" dirty="0">
-                <a:sym typeface="Wingdings" panose="05000000000000000000" pitchFamily="2" charset="2"/>
-              </a:rPr>
-              <a:t> </a:t>
-            </a:r>
-            <a:r>
-              <a:rPr lang="es-ES" sz="3200" dirty="0" err="1">
-                <a:sym typeface="Wingdings" panose="05000000000000000000" pitchFamily="2" charset="2"/>
-              </a:rPr>
-              <a:t>Replicator</a:t>
-            </a:r>
-            <a:r>
-              <a:rPr lang="es-ES" sz="3200" dirty="0">
-                <a:sym typeface="Wingdings" panose="05000000000000000000" pitchFamily="2" charset="2"/>
-              </a:rPr>
-              <a:t> 1</a:t>
-            </a:r>
-            <a:endParaRPr lang="es-ES" sz="3200" dirty="0"/>
-          </a:p>
-        </p:txBody>
-      </p:sp>
-      <p:sp>
-        <p:nvSpPr>
-          <p:cNvPr id="3" name="Marcador de texto 2">
-            <a:extLst>
-              <a:ext uri="{FF2B5EF4-FFF2-40B4-BE49-F238E27FC236}">
-                <a16:creationId xmlns:a16="http://schemas.microsoft.com/office/drawing/2014/main" id="{5B493C32-E059-9D76-B9C6-68E6600AAD06}"/>
-              </a:ext>
-            </a:extLst>
-          </p:cNvPr>
-          <p:cNvSpPr>
-            <a:spLocks noGrp="1"/>
-          </p:cNvSpPr>
-          <p:nvPr>
-            <p:ph type="body" idx="1"/>
           </p:nvPr>
         </p:nvSpPr>
         <p:spPr/>
@@ -11280,12 +11679,69 @@
           </a:p>
         </p:txBody>
       </p:sp>
+      <p:sp>
+        <p:nvSpPr>
+          <p:cNvPr id="3" name="Marcador de contenido 2">
+            <a:extLst>
+              <a:ext uri="{FF2B5EF4-FFF2-40B4-BE49-F238E27FC236}">
+                <a16:creationId xmlns:a16="http://schemas.microsoft.com/office/drawing/2014/main" id="{32A4593F-E871-2678-F24F-B50CBBEEDCC4}"/>
+              </a:ext>
+            </a:extLst>
+          </p:cNvPr>
+          <p:cNvSpPr>
+            <a:spLocks noGrp="1"/>
+          </p:cNvSpPr>
+          <p:nvPr>
+            <p:ph idx="1"/>
+          </p:nvPr>
+        </p:nvSpPr>
+        <p:spPr>
+          <a:xfrm>
+            <a:off x="581191" y="1965352"/>
+            <a:ext cx="11029615" cy="782946"/>
+          </a:xfrm>
+        </p:spPr>
+        <p:txBody>
+          <a:bodyPr/>
+          <a:lstStyle/>
+          <a:p>
+            <a:r>
+              <a:rPr lang="es-ES" dirty="0"/>
+              <a:t>Del </a:t>
+            </a:r>
+            <a:r>
+              <a:rPr lang="es-ES" dirty="0" err="1"/>
+              <a:t>Grading</a:t>
+            </a:r>
+            <a:r>
+              <a:rPr lang="es-ES" dirty="0"/>
+              <a:t> Management </a:t>
+            </a:r>
+            <a:r>
+              <a:rPr lang="es-ES" dirty="0" err="1"/>
+              <a:t>System</a:t>
+            </a:r>
+            <a:r>
+              <a:rPr lang="es-ES" dirty="0"/>
+              <a:t> saldrá el siguiente mensaje hacia la entrada de </a:t>
+            </a:r>
+            <a:r>
+              <a:rPr lang="es-ES" dirty="0" err="1"/>
+              <a:t>Slimmer</a:t>
+            </a:r>
+            <a:r>
+              <a:rPr lang="es-ES" dirty="0"/>
+              <a:t> 1:</a:t>
+            </a:r>
+          </a:p>
+        </p:txBody>
+      </p:sp>
       <p:pic>
         <p:nvPicPr>
-          <p:cNvPr id="5" name="Imagen 4">
-            <a:extLst>
-              <a:ext uri="{FF2B5EF4-FFF2-40B4-BE49-F238E27FC236}">
-                <a16:creationId xmlns:a16="http://schemas.microsoft.com/office/drawing/2014/main" id="{59F00DD1-9688-64E5-C48D-29B39EF92807}"/>
+          <p:cNvPr id="11" name="Imagen 10">
+            <a:extLst>
+              <a:ext uri="{FF2B5EF4-FFF2-40B4-BE49-F238E27FC236}">
+                <a16:creationId xmlns:a16="http://schemas.microsoft.com/office/drawing/2014/main" id="{11934E27-DBCA-F0C5-A8E5-DAB7B781CE76}"/>
               </a:ext>
             </a:extLst>
           </p:cNvPr>
@@ -11302,8 +11758,68 @@
         </p:blipFill>
         <p:spPr>
           <a:xfrm>
-            <a:off x="3899807" y="1368392"/>
-            <a:ext cx="4392386" cy="1914249"/>
+            <a:off x="852973" y="2848463"/>
+            <a:ext cx="3230627" cy="3307381"/>
+          </a:xfrm>
+          <a:prstGeom prst="rect">
+            <a:avLst/>
+          </a:prstGeom>
+        </p:spPr>
+      </p:pic>
+      <p:pic>
+        <p:nvPicPr>
+          <p:cNvPr id="13" name="Imagen 12">
+            <a:extLst>
+              <a:ext uri="{FF2B5EF4-FFF2-40B4-BE49-F238E27FC236}">
+                <a16:creationId xmlns:a16="http://schemas.microsoft.com/office/drawing/2014/main" id="{C9567791-4D1D-CCC5-5434-4C89E022873E}"/>
+              </a:ext>
+            </a:extLst>
+          </p:cNvPr>
+          <p:cNvPicPr>
+            <a:picLocks noChangeAspect="1"/>
+          </p:cNvPicPr>
+          <p:nvPr/>
+        </p:nvPicPr>
+        <p:blipFill>
+          <a:blip r:embed="rId3"/>
+          <a:stretch>
+            <a:fillRect/>
+          </a:stretch>
+        </p:blipFill>
+        <p:spPr>
+          <a:xfrm>
+            <a:off x="4534494" y="2848463"/>
+            <a:ext cx="3781274" cy="3508894"/>
+          </a:xfrm>
+          <a:prstGeom prst="rect">
+            <a:avLst/>
+          </a:prstGeom>
+        </p:spPr>
+      </p:pic>
+      <p:pic>
+        <p:nvPicPr>
+          <p:cNvPr id="15" name="Imagen 14">
+            <a:extLst>
+              <a:ext uri="{FF2B5EF4-FFF2-40B4-BE49-F238E27FC236}">
+                <a16:creationId xmlns:a16="http://schemas.microsoft.com/office/drawing/2014/main" id="{A0C4C680-62EA-EB93-E34A-859C02BD2F22}"/>
+              </a:ext>
+            </a:extLst>
+          </p:cNvPr>
+          <p:cNvPicPr>
+            <a:picLocks noChangeAspect="1"/>
+          </p:cNvPicPr>
+          <p:nvPr/>
+        </p:nvPicPr>
+        <p:blipFill>
+          <a:blip r:embed="rId4"/>
+          <a:stretch>
+            <a:fillRect/>
+          </a:stretch>
+        </p:blipFill>
+        <p:spPr>
+          <a:xfrm>
+            <a:off x="8953547" y="2997694"/>
+            <a:ext cx="1323975" cy="2181225"/>
           </a:xfrm>
           <a:prstGeom prst="rect">
             <a:avLst/>
@@ -11313,7 +11829,7 @@
     </p:spTree>
     <p:extLst>
       <p:ext uri="{BB962C8B-B14F-4D97-AF65-F5344CB8AC3E}">
-        <p14:creationId xmlns:p14="http://schemas.microsoft.com/office/powerpoint/2010/main" val="1602749459"/>
+        <p14:creationId xmlns:p14="http://schemas.microsoft.com/office/powerpoint/2010/main" val="1339968158"/>
       </p:ext>
     </p:extLst>
   </p:cSld>
@@ -11345,7 +11861,7 @@
           <p:cNvPr id="2" name="Título 1">
             <a:extLst>
               <a:ext uri="{FF2B5EF4-FFF2-40B4-BE49-F238E27FC236}">
-                <a16:creationId xmlns:a16="http://schemas.microsoft.com/office/drawing/2014/main" id="{699DBA93-33D6-351E-0481-1AFB90151CC0}"/>
+                <a16:creationId xmlns:a16="http://schemas.microsoft.com/office/drawing/2014/main" id="{8D692F28-0EB3-DCB5-3631-5C098A06243D}"/>
               </a:ext>
             </a:extLst>
           </p:cNvPr>
@@ -11357,39 +11873,6 @@
           </p:nvPr>
         </p:nvSpPr>
         <p:spPr/>
-        <p:txBody>
-          <a:bodyPr/>
-          <a:lstStyle/>
-          <a:p>
-            <a:r>
-              <a:rPr lang="es-ES" dirty="0"/>
-              <a:t>Ejemplo de mensaje</a:t>
-            </a:r>
-          </a:p>
-        </p:txBody>
-      </p:sp>
-      <p:sp>
-        <p:nvSpPr>
-          <p:cNvPr id="3" name="Marcador de contenido 2">
-            <a:extLst>
-              <a:ext uri="{FF2B5EF4-FFF2-40B4-BE49-F238E27FC236}">
-                <a16:creationId xmlns:a16="http://schemas.microsoft.com/office/drawing/2014/main" id="{6DB4D1E2-59B6-68AF-2048-74B77C976BD3}"/>
-              </a:ext>
-            </a:extLst>
-          </p:cNvPr>
-          <p:cNvSpPr>
-            <a:spLocks noGrp="1"/>
-          </p:cNvSpPr>
-          <p:nvPr>
-            <p:ph idx="1"/>
-          </p:nvPr>
-        </p:nvSpPr>
-        <p:spPr>
-          <a:xfrm>
-            <a:off x="581192" y="2180497"/>
-            <a:ext cx="11029615" cy="596260"/>
-          </a:xfrm>
-        </p:spPr>
         <p:txBody>
           <a:bodyPr>
             <a:normAutofit/>
@@ -11397,34 +11880,73 @@
           <a:lstStyle/>
           <a:p>
             <a:r>
+              <a:rPr lang="es-ES" sz="3200" dirty="0"/>
+              <a:t>Slot </a:t>
+            </a:r>
+            <a:r>
+              <a:rPr lang="es-ES" sz="3200" dirty="0" err="1"/>
+              <a:t>Slimmer</a:t>
+            </a:r>
+            <a:r>
+              <a:rPr lang="es-ES" sz="3200" dirty="0"/>
+              <a:t> 1 </a:t>
+            </a:r>
+            <a:r>
+              <a:rPr lang="es-ES" sz="3200" dirty="0">
+                <a:sym typeface="Wingdings" panose="05000000000000000000" pitchFamily="2" charset="2"/>
+              </a:rPr>
+              <a:t> </a:t>
+            </a:r>
+            <a:r>
+              <a:rPr lang="es-ES" sz="3200" dirty="0" err="1">
+                <a:sym typeface="Wingdings" panose="05000000000000000000" pitchFamily="2" charset="2"/>
+              </a:rPr>
+              <a:t>splitter</a:t>
+            </a:r>
+            <a:r>
+              <a:rPr lang="es-ES" sz="3200" dirty="0">
+                <a:sym typeface="Wingdings" panose="05000000000000000000" pitchFamily="2" charset="2"/>
+              </a:rPr>
+              <a:t> 1</a:t>
+            </a:r>
+            <a:endParaRPr lang="es-ES" sz="3200" dirty="0"/>
+          </a:p>
+        </p:txBody>
+      </p:sp>
+      <p:sp>
+        <p:nvSpPr>
+          <p:cNvPr id="3" name="Marcador de texto 2">
+            <a:extLst>
+              <a:ext uri="{FF2B5EF4-FFF2-40B4-BE49-F238E27FC236}">
+                <a16:creationId xmlns:a16="http://schemas.microsoft.com/office/drawing/2014/main" id="{5B493C32-E059-9D76-B9C6-68E6600AAD06}"/>
+              </a:ext>
+            </a:extLst>
+          </p:cNvPr>
+          <p:cNvSpPr>
+            <a:spLocks noGrp="1"/>
+          </p:cNvSpPr>
+          <p:nvPr>
+            <p:ph type="body" idx="1"/>
+          </p:nvPr>
+        </p:nvSpPr>
+        <p:spPr/>
+        <p:txBody>
+          <a:bodyPr/>
+          <a:lstStyle/>
+          <a:p>
+            <a:r>
               <a:rPr lang="es-ES" dirty="0"/>
-              <a:t>Del </a:t>
-            </a:r>
-            <a:r>
-              <a:rPr lang="es-ES" dirty="0" err="1"/>
-              <a:t>Splitter</a:t>
-            </a:r>
-            <a:r>
-              <a:rPr lang="es-ES" dirty="0"/>
-              <a:t> 1 saldrán tantos mensajes como alumnos le lleguen del </a:t>
-            </a:r>
-            <a:r>
-              <a:rPr lang="es-ES" dirty="0" err="1"/>
-              <a:t>Slimmer</a:t>
-            </a:r>
-            <a:r>
-              <a:rPr lang="es-ES" dirty="0"/>
-              <a:t> 1:</a:t>
+              <a:t>Ejemplo de mensaje</a:t>
             </a:r>
           </a:p>
         </p:txBody>
       </p:sp>
       <p:pic>
         <p:nvPicPr>
-          <p:cNvPr id="4" name="Imagen 3">
-            <a:extLst>
-              <a:ext uri="{FF2B5EF4-FFF2-40B4-BE49-F238E27FC236}">
-                <a16:creationId xmlns:a16="http://schemas.microsoft.com/office/drawing/2014/main" id="{6893CE23-A7BE-8EDA-07C9-222A76942FAA}"/>
+          <p:cNvPr id="5" name="Imagen 4">
+            <a:extLst>
+              <a:ext uri="{FF2B5EF4-FFF2-40B4-BE49-F238E27FC236}">
+                <a16:creationId xmlns:a16="http://schemas.microsoft.com/office/drawing/2014/main" id="{EF0E2ACB-2E81-458F-EB25-B9A79B988AC6}"/>
               </a:ext>
             </a:extLst>
           </p:cNvPr>
@@ -11441,38 +11963,8 @@
         </p:blipFill>
         <p:spPr>
           <a:xfrm>
-            <a:off x="2327707" y="2943356"/>
-            <a:ext cx="3314700" cy="3571875"/>
-          </a:xfrm>
-          <a:prstGeom prst="rect">
-            <a:avLst/>
-          </a:prstGeom>
-        </p:spPr>
-      </p:pic>
-      <p:pic>
-        <p:nvPicPr>
-          <p:cNvPr id="5" name="Imagen 4">
-            <a:extLst>
-              <a:ext uri="{FF2B5EF4-FFF2-40B4-BE49-F238E27FC236}">
-                <a16:creationId xmlns:a16="http://schemas.microsoft.com/office/drawing/2014/main" id="{1CBA7188-0611-CE4A-7831-7A9EA787D92F}"/>
-              </a:ext>
-            </a:extLst>
-          </p:cNvPr>
-          <p:cNvPicPr>
-            <a:picLocks noChangeAspect="1"/>
-          </p:cNvPicPr>
-          <p:nvPr/>
-        </p:nvPicPr>
-        <p:blipFill>
-          <a:blip r:embed="rId3"/>
-          <a:stretch>
-            <a:fillRect/>
-          </a:stretch>
-        </p:blipFill>
-        <p:spPr>
-          <a:xfrm>
-            <a:off x="6549595" y="2981455"/>
-            <a:ext cx="3333750" cy="3495675"/>
+            <a:off x="3548628" y="1392458"/>
+            <a:ext cx="5094743" cy="2101792"/>
           </a:xfrm>
           <a:prstGeom prst="rect">
             <a:avLst/>
@@ -11482,7 +11974,7 @@
     </p:spTree>
     <p:extLst>
       <p:ext uri="{BB962C8B-B14F-4D97-AF65-F5344CB8AC3E}">
-        <p14:creationId xmlns:p14="http://schemas.microsoft.com/office/powerpoint/2010/main" val="3191315589"/>
+        <p14:creationId xmlns:p14="http://schemas.microsoft.com/office/powerpoint/2010/main" val="2367938491"/>
       </p:ext>
     </p:extLst>
   </p:cSld>
@@ -11514,7 +12006,7 @@
           <p:cNvPr id="2" name="Título 1">
             <a:extLst>
               <a:ext uri="{FF2B5EF4-FFF2-40B4-BE49-F238E27FC236}">
-                <a16:creationId xmlns:a16="http://schemas.microsoft.com/office/drawing/2014/main" id="{8D692F28-0EB3-DCB5-3631-5C098A06243D}"/>
+                <a16:creationId xmlns:a16="http://schemas.microsoft.com/office/drawing/2014/main" id="{699DBA93-33D6-351E-0481-1AFB90151CC0}"/>
               </a:ext>
             </a:extLst>
           </p:cNvPr>
@@ -11523,63 +12015,6 @@
           </p:cNvSpPr>
           <p:nvPr>
             <p:ph type="title"/>
-          </p:nvPr>
-        </p:nvSpPr>
-        <p:spPr/>
-        <p:txBody>
-          <a:bodyPr>
-            <a:normAutofit/>
-          </a:bodyPr>
-          <a:lstStyle/>
-          <a:p>
-            <a:r>
-              <a:rPr lang="es-ES" sz="3200" dirty="0"/>
-              <a:t>Slot </a:t>
-            </a:r>
-            <a:r>
-              <a:rPr lang="es-ES" sz="3200" dirty="0" err="1"/>
-              <a:t>replicator</a:t>
-            </a:r>
-            <a:r>
-              <a:rPr lang="es-ES" sz="3200" dirty="0"/>
-              <a:t> i</a:t>
-            </a:r>
-            <a:r>
-              <a:rPr lang="es-ES" sz="3200" dirty="0">
-                <a:sym typeface="Wingdings" panose="05000000000000000000" pitchFamily="2" charset="2"/>
-              </a:rPr>
-              <a:t> </a:t>
-            </a:r>
-            <a:r>
-              <a:rPr lang="es-ES" sz="3200" dirty="0" err="1">
-                <a:sym typeface="Wingdings" panose="05000000000000000000" pitchFamily="2" charset="2"/>
-              </a:rPr>
-              <a:t>slimmer</a:t>
-            </a:r>
-            <a:r>
-              <a:rPr lang="es-ES" sz="3200" dirty="0">
-                <a:sym typeface="Wingdings" panose="05000000000000000000" pitchFamily="2" charset="2"/>
-              </a:rPr>
-              <a:t> 2</a:t>
-            </a:r>
-            <a:endParaRPr lang="es-ES" sz="3200" dirty="0"/>
-          </a:p>
-        </p:txBody>
-      </p:sp>
-      <p:sp>
-        <p:nvSpPr>
-          <p:cNvPr id="3" name="Marcador de texto 2">
-            <a:extLst>
-              <a:ext uri="{FF2B5EF4-FFF2-40B4-BE49-F238E27FC236}">
-                <a16:creationId xmlns:a16="http://schemas.microsoft.com/office/drawing/2014/main" id="{5B493C32-E059-9D76-B9C6-68E6600AAD06}"/>
-              </a:ext>
-            </a:extLst>
-          </p:cNvPr>
-          <p:cNvSpPr>
-            <a:spLocks noGrp="1"/>
-          </p:cNvSpPr>
-          <p:nvPr>
-            <p:ph type="body" idx="1"/>
           </p:nvPr>
         </p:nvSpPr>
         <p:spPr/>
@@ -11594,12 +12029,63 @@
           </a:p>
         </p:txBody>
       </p:sp>
+      <p:sp>
+        <p:nvSpPr>
+          <p:cNvPr id="3" name="Marcador de contenido 2">
+            <a:extLst>
+              <a:ext uri="{FF2B5EF4-FFF2-40B4-BE49-F238E27FC236}">
+                <a16:creationId xmlns:a16="http://schemas.microsoft.com/office/drawing/2014/main" id="{6DB4D1E2-59B6-68AF-2048-74B77C976BD3}"/>
+              </a:ext>
+            </a:extLst>
+          </p:cNvPr>
+          <p:cNvSpPr>
+            <a:spLocks noGrp="1"/>
+          </p:cNvSpPr>
+          <p:nvPr>
+            <p:ph idx="1"/>
+          </p:nvPr>
+        </p:nvSpPr>
+        <p:spPr>
+          <a:xfrm>
+            <a:off x="581192" y="2180497"/>
+            <a:ext cx="11029615" cy="596260"/>
+          </a:xfrm>
+        </p:spPr>
+        <p:txBody>
+          <a:bodyPr>
+            <a:normAutofit lnSpcReduction="10000"/>
+          </a:bodyPr>
+          <a:lstStyle/>
+          <a:p>
+            <a:r>
+              <a:rPr lang="es-ES" dirty="0"/>
+              <a:t>Del </a:t>
+            </a:r>
+            <a:r>
+              <a:rPr lang="es-ES" dirty="0" err="1"/>
+              <a:t>Slimmer</a:t>
+            </a:r>
+            <a:r>
+              <a:rPr lang="es-ES" dirty="0"/>
+              <a:t> 1 saldrá el siguiente mensaje hacia la entrada del </a:t>
+            </a:r>
+            <a:r>
+              <a:rPr lang="es-ES" dirty="0" err="1"/>
+              <a:t>Splitter</a:t>
+            </a:r>
+            <a:r>
+              <a:rPr lang="es-ES" dirty="0"/>
+              <a:t> 1, nos quedaríamos solo con la información del alumno:</a:t>
+            </a:r>
+          </a:p>
+        </p:txBody>
+      </p:sp>
       <p:pic>
         <p:nvPicPr>
-          <p:cNvPr id="7" name="Imagen 6">
-            <a:extLst>
-              <a:ext uri="{FF2B5EF4-FFF2-40B4-BE49-F238E27FC236}">
-                <a16:creationId xmlns:a16="http://schemas.microsoft.com/office/drawing/2014/main" id="{0C2159DD-ED6F-EFEC-403D-29F490C465B5}"/>
+          <p:cNvPr id="9" name="Imagen 8">
+            <a:extLst>
+              <a:ext uri="{FF2B5EF4-FFF2-40B4-BE49-F238E27FC236}">
+                <a16:creationId xmlns:a16="http://schemas.microsoft.com/office/drawing/2014/main" id="{C06F0592-24DB-E7CE-F4C1-4D6E99ACA6DF}"/>
               </a:ext>
             </a:extLst>
           </p:cNvPr>
@@ -11616,8 +12102,38 @@
         </p:blipFill>
         <p:spPr>
           <a:xfrm>
-            <a:off x="4476895" y="1365963"/>
-            <a:ext cx="3238210" cy="2302987"/>
+            <a:off x="2468147" y="2776757"/>
+            <a:ext cx="3198388" cy="3756980"/>
+          </a:xfrm>
+          <a:prstGeom prst="rect">
+            <a:avLst/>
+          </a:prstGeom>
+        </p:spPr>
+      </p:pic>
+      <p:pic>
+        <p:nvPicPr>
+          <p:cNvPr id="11" name="Imagen 10">
+            <a:extLst>
+              <a:ext uri="{FF2B5EF4-FFF2-40B4-BE49-F238E27FC236}">
+                <a16:creationId xmlns:a16="http://schemas.microsoft.com/office/drawing/2014/main" id="{ED973C40-17A1-C257-209E-5B5CDC0A6076}"/>
+              </a:ext>
+            </a:extLst>
+          </p:cNvPr>
+          <p:cNvPicPr>
+            <a:picLocks noChangeAspect="1"/>
+          </p:cNvPicPr>
+          <p:nvPr/>
+        </p:nvPicPr>
+        <p:blipFill>
+          <a:blip r:embed="rId3"/>
+          <a:stretch>
+            <a:fillRect/>
+          </a:stretch>
+        </p:blipFill>
+        <p:spPr>
+          <a:xfrm>
+            <a:off x="6095999" y="2647537"/>
+            <a:ext cx="3486150" cy="3886200"/>
           </a:xfrm>
           <a:prstGeom prst="rect">
             <a:avLst/>
@@ -11627,7 +12143,7 @@
     </p:spTree>
     <p:extLst>
       <p:ext uri="{BB962C8B-B14F-4D97-AF65-F5344CB8AC3E}">
-        <p14:creationId xmlns:p14="http://schemas.microsoft.com/office/powerpoint/2010/main" val="962782487"/>
+        <p14:creationId xmlns:p14="http://schemas.microsoft.com/office/powerpoint/2010/main" val="1432736476"/>
       </p:ext>
     </p:extLst>
   </p:cSld>
